--- a/presentations/session-5-application-of-ai.pptx
+++ b/presentations/session-5-application-of-ai.pptx
@@ -10,22 +10,22 @@
   <p:sldIdLst>
     <p:sldId id="263" r:id="rId2"/>
     <p:sldId id="538" r:id="rId3"/>
-    <p:sldId id="542" r:id="rId4"/>
-    <p:sldId id="433" r:id="rId5"/>
-    <p:sldId id="551" r:id="rId6"/>
-    <p:sldId id="552" r:id="rId7"/>
+    <p:sldId id="584" r:id="rId4"/>
+    <p:sldId id="542" r:id="rId5"/>
+    <p:sldId id="433" r:id="rId6"/>
+    <p:sldId id="551" r:id="rId7"/>
     <p:sldId id="553" r:id="rId8"/>
-    <p:sldId id="556" r:id="rId9"/>
+    <p:sldId id="585" r:id="rId9"/>
     <p:sldId id="557" r:id="rId10"/>
     <p:sldId id="558" r:id="rId11"/>
     <p:sldId id="559" r:id="rId12"/>
-    <p:sldId id="560" r:id="rId13"/>
-    <p:sldId id="561" r:id="rId14"/>
-    <p:sldId id="562" r:id="rId15"/>
-    <p:sldId id="566" r:id="rId16"/>
+    <p:sldId id="561" r:id="rId13"/>
+    <p:sldId id="562" r:id="rId14"/>
+    <p:sldId id="566" r:id="rId15"/>
+    <p:sldId id="583" r:id="rId16"/>
     <p:sldId id="563" r:id="rId17"/>
     <p:sldId id="554" r:id="rId18"/>
-    <p:sldId id="564" r:id="rId19"/>
+    <p:sldId id="586" r:id="rId19"/>
     <p:sldId id="565" r:id="rId20"/>
     <p:sldId id="568" r:id="rId21"/>
     <p:sldId id="567" r:id="rId22"/>
@@ -241,7 +241,7 @@
           <a:p>
             <a:fld id="{74B0C4F4-A186-4C13-8E85-1B7149B65718}" type="datetimeFigureOut">
               <a:rPr lang="en-US" smtClean="0"/>
-              <a:t>10/23/18</a:t>
+              <a:t>11/5/18</a:t>
             </a:fld>
             <a:endParaRPr lang="en-US"/>
           </a:p>
@@ -834,7 +834,7 @@
     </p:spTree>
     <p:extLst>
       <p:ext uri="{BB962C8B-B14F-4D97-AF65-F5344CB8AC3E}">
-        <p14:creationId xmlns:p14="http://schemas.microsoft.com/office/powerpoint/2010/main" val="245443772"/>
+        <p14:creationId xmlns:p14="http://schemas.microsoft.com/office/powerpoint/2010/main" val="362796267"/>
       </p:ext>
     </p:extLst>
   </p:cSld>
@@ -918,7 +918,7 @@
     </p:spTree>
     <p:extLst>
       <p:ext uri="{BB962C8B-B14F-4D97-AF65-F5344CB8AC3E}">
-        <p14:creationId xmlns:p14="http://schemas.microsoft.com/office/powerpoint/2010/main" val="362796267"/>
+        <p14:creationId xmlns:p14="http://schemas.microsoft.com/office/powerpoint/2010/main" val="3740079026"/>
       </p:ext>
     </p:extLst>
   </p:cSld>
@@ -1002,7 +1002,7 @@
     </p:spTree>
     <p:extLst>
       <p:ext uri="{BB962C8B-B14F-4D97-AF65-F5344CB8AC3E}">
-        <p14:creationId xmlns:p14="http://schemas.microsoft.com/office/powerpoint/2010/main" val="3740079026"/>
+        <p14:creationId xmlns:p14="http://schemas.microsoft.com/office/powerpoint/2010/main" val="3920724688"/>
       </p:ext>
     </p:extLst>
   </p:cSld>
@@ -1086,7 +1086,7 @@
     </p:spTree>
     <p:extLst>
       <p:ext uri="{BB962C8B-B14F-4D97-AF65-F5344CB8AC3E}">
-        <p14:creationId xmlns:p14="http://schemas.microsoft.com/office/powerpoint/2010/main" val="3920724688"/>
+        <p14:creationId xmlns:p14="http://schemas.microsoft.com/office/powerpoint/2010/main" val="314223553"/>
       </p:ext>
     </p:extLst>
   </p:cSld>
@@ -1308,6 +1308,10 @@
           <a:bodyPr/>
           <a:lstStyle/>
           <a:p>
+            <a:pPr marL="171450" indent="-171450">
+              <a:buFont typeface="Arial" panose="020B0604020202020204" pitchFamily="34" charset="0"/>
+              <a:buChar char="•"/>
+            </a:pPr>
             <a:endParaRPr lang="en-US" dirty="0"/>
           </a:p>
         </p:txBody>
@@ -1338,7 +1342,7 @@
     </p:spTree>
     <p:extLst>
       <p:ext uri="{BB962C8B-B14F-4D97-AF65-F5344CB8AC3E}">
-        <p14:creationId xmlns:p14="http://schemas.microsoft.com/office/powerpoint/2010/main" val="838097275"/>
+        <p14:creationId xmlns:p14="http://schemas.microsoft.com/office/powerpoint/2010/main" val="4287185181"/>
       </p:ext>
     </p:extLst>
   </p:cSld>
@@ -2494,7 +2498,7 @@
     </p:spTree>
     <p:extLst>
       <p:ext uri="{BB962C8B-B14F-4D97-AF65-F5344CB8AC3E}">
-        <p14:creationId xmlns:p14="http://schemas.microsoft.com/office/powerpoint/2010/main" val="2558065195"/>
+        <p14:creationId xmlns:p14="http://schemas.microsoft.com/office/powerpoint/2010/main" val="2681954664"/>
       </p:ext>
     </p:extLst>
   </p:cSld>
@@ -2968,6 +2972,10 @@
           <a:bodyPr/>
           <a:lstStyle/>
           <a:p>
+            <a:pPr marL="171450" indent="-171450">
+              <a:buFont typeface="Arial" panose="020B0604020202020204" pitchFamily="34" charset="0"/>
+              <a:buChar char="•"/>
+            </a:pPr>
             <a:endParaRPr lang="en-US" dirty="0"/>
           </a:p>
         </p:txBody>
@@ -2998,7 +3006,7 @@
     </p:spTree>
     <p:extLst>
       <p:ext uri="{BB962C8B-B14F-4D97-AF65-F5344CB8AC3E}">
-        <p14:creationId xmlns:p14="http://schemas.microsoft.com/office/powerpoint/2010/main" val="2820634941"/>
+        <p14:creationId xmlns:p14="http://schemas.microsoft.com/office/powerpoint/2010/main" val="2558065195"/>
       </p:ext>
     </p:extLst>
   </p:cSld>
@@ -3082,7 +3090,7 @@
     </p:spTree>
     <p:extLst>
       <p:ext uri="{BB962C8B-B14F-4D97-AF65-F5344CB8AC3E}">
-        <p14:creationId xmlns:p14="http://schemas.microsoft.com/office/powerpoint/2010/main" val="1805977313"/>
+        <p14:creationId xmlns:p14="http://schemas.microsoft.com/office/powerpoint/2010/main" val="2820634941"/>
       </p:ext>
     </p:extLst>
   </p:cSld>
@@ -3166,7 +3174,7 @@
     </p:spTree>
     <p:extLst>
       <p:ext uri="{BB962C8B-B14F-4D97-AF65-F5344CB8AC3E}">
-        <p14:creationId xmlns:p14="http://schemas.microsoft.com/office/powerpoint/2010/main" val="4251780890"/>
+        <p14:creationId xmlns:p14="http://schemas.microsoft.com/office/powerpoint/2010/main" val="1805977313"/>
       </p:ext>
     </p:extLst>
   </p:cSld>
@@ -3304,6 +3312,10 @@
           <a:bodyPr/>
           <a:lstStyle/>
           <a:p>
+            <a:pPr marL="171450" indent="-171450">
+              <a:buFont typeface="Arial" panose="020B0604020202020204" pitchFamily="34" charset="0"/>
+              <a:buChar char="•"/>
+            </a:pPr>
             <a:endParaRPr lang="en-US" dirty="0"/>
           </a:p>
         </p:txBody>
@@ -3334,7 +3346,7 @@
     </p:spTree>
     <p:extLst>
       <p:ext uri="{BB962C8B-B14F-4D97-AF65-F5344CB8AC3E}">
-        <p14:creationId xmlns:p14="http://schemas.microsoft.com/office/powerpoint/2010/main" val="2170746578"/>
+        <p14:creationId xmlns:p14="http://schemas.microsoft.com/office/powerpoint/2010/main" val="3237809242"/>
       </p:ext>
     </p:extLst>
   </p:cSld>
@@ -6051,7 +6063,7 @@
             <a:r>
               <a:rPr lang="en-US" sz="3200" b="1" dirty="0">
                 <a:solidFill>
-                  <a:srgbClr val="0F90D0"/>
+                  <a:schemeClr val="accent1"/>
                 </a:solidFill>
                 <a:latin typeface="Cambria" panose="02040503050406030204" pitchFamily="18" charset="0"/>
               </a:rPr>
@@ -6063,18 +6075,22 @@
             <a:r>
               <a:rPr lang="en-US" sz="3200" b="1" dirty="0">
                 <a:solidFill>
-                  <a:srgbClr val="0F90D0"/>
+                  <a:schemeClr val="accent1"/>
                 </a:solidFill>
                 <a:latin typeface="Cambria" panose="02040503050406030204" pitchFamily="18" charset="0"/>
               </a:rPr>
               <a:t>WORKSHOP ON EMERGING TECHNOLOGIES</a:t>
             </a:r>
-            <a:endParaRPr lang="en-US" sz="3200" dirty="0"/>
+            <a:endParaRPr lang="en-US" sz="3200" dirty="0">
+              <a:solidFill>
+                <a:schemeClr val="accent1"/>
+              </a:solidFill>
+            </a:endParaRPr>
           </a:p>
           <a:p>
             <a:endParaRPr lang="en-US" sz="3200" b="1" dirty="0">
               <a:solidFill>
-                <a:srgbClr val="0F90D0"/>
+                <a:schemeClr val="accent1"/>
               </a:solidFill>
               <a:latin typeface="Cambria" panose="02040503050406030204" pitchFamily="18" charset="0"/>
             </a:endParaRPr>
@@ -6082,7 +6098,7 @@
           <a:p>
             <a:endParaRPr lang="en-US" sz="3200" b="1" dirty="0">
               <a:solidFill>
-                <a:srgbClr val="0F90D0"/>
+                <a:schemeClr val="accent1"/>
               </a:solidFill>
               <a:latin typeface="Cambria" panose="02040503050406030204" pitchFamily="18" charset="0"/>
             </a:endParaRPr>
@@ -6091,7 +6107,7 @@
             <a:r>
               <a:rPr lang="en-US" sz="3200" b="1" dirty="0">
                 <a:solidFill>
-                  <a:srgbClr val="0F90D0"/>
+                  <a:schemeClr val="accent1"/>
                 </a:solidFill>
                 <a:latin typeface="Cambria" panose="02040503050406030204" pitchFamily="18" charset="0"/>
               </a:rPr>
@@ -6099,7 +6115,7 @@
             </a:r>
             <a:endParaRPr lang="en-US" sz="3200" dirty="0">
               <a:solidFill>
-                <a:srgbClr val="0F90D0"/>
+                <a:schemeClr val="accent1"/>
               </a:solidFill>
               <a:latin typeface="Cambria" panose="02040503050406030204" pitchFamily="18" charset="0"/>
             </a:endParaRPr>
@@ -6295,7 +6311,7 @@
         </p:blipFill>
         <p:spPr>
           <a:xfrm>
-            <a:off x="1271768" y="1971548"/>
+            <a:off x="1271768" y="2017268"/>
             <a:ext cx="9326880" cy="2749246"/>
           </a:xfrm>
           <a:prstGeom prst="rect">
@@ -6303,6 +6319,45 @@
           </a:prstGeom>
         </p:spPr>
       </p:pic>
+      <p:cxnSp>
+        <p:nvCxnSpPr>
+          <p:cNvPr id="6" name="Straight Connector 5">
+            <a:extLst>
+              <a:ext uri="{FF2B5EF4-FFF2-40B4-BE49-F238E27FC236}">
+                <a16:creationId xmlns:a16="http://schemas.microsoft.com/office/drawing/2014/main" id="{2DEDFC8C-EFF8-9A4A-92C3-8FF7935D14BE}"/>
+              </a:ext>
+            </a:extLst>
+          </p:cNvPr>
+          <p:cNvCxnSpPr>
+            <a:cxnSpLocks/>
+          </p:cNvCxnSpPr>
+          <p:nvPr/>
+        </p:nvCxnSpPr>
+        <p:spPr>
+          <a:xfrm>
+            <a:off x="1378101" y="1753299"/>
+            <a:ext cx="9007959" cy="0"/>
+          </a:xfrm>
+          <a:prstGeom prst="line">
+            <a:avLst/>
+          </a:prstGeom>
+          <a:ln w="12700"/>
+        </p:spPr>
+        <p:style>
+          <a:lnRef idx="1">
+            <a:schemeClr val="accent1"/>
+          </a:lnRef>
+          <a:fillRef idx="0">
+            <a:schemeClr val="accent1"/>
+          </a:fillRef>
+          <a:effectRef idx="0">
+            <a:schemeClr val="accent1"/>
+          </a:effectRef>
+          <a:fontRef idx="minor">
+            <a:schemeClr val="tx1"/>
+          </a:fontRef>
+        </p:style>
+      </p:cxnSp>
     </p:spTree>
     <p:extLst>
       <p:ext uri="{BB962C8B-B14F-4D97-AF65-F5344CB8AC3E}">
@@ -6456,7 +6511,7 @@
         </p:blipFill>
         <p:spPr>
           <a:xfrm>
-            <a:off x="1271768" y="1941935"/>
+            <a:off x="1271768" y="2025755"/>
             <a:ext cx="10624457" cy="2732912"/>
           </a:xfrm>
           <a:prstGeom prst="rect">
@@ -6464,6 +6519,45 @@
           </a:prstGeom>
         </p:spPr>
       </p:pic>
+      <p:cxnSp>
+        <p:nvCxnSpPr>
+          <p:cNvPr id="5" name="Straight Connector 4">
+            <a:extLst>
+              <a:ext uri="{FF2B5EF4-FFF2-40B4-BE49-F238E27FC236}">
+                <a16:creationId xmlns:a16="http://schemas.microsoft.com/office/drawing/2014/main" id="{9E70183F-92F6-9A45-A54D-09ED31042B2A}"/>
+              </a:ext>
+            </a:extLst>
+          </p:cNvPr>
+          <p:cNvCxnSpPr>
+            <a:cxnSpLocks/>
+          </p:cNvCxnSpPr>
+          <p:nvPr/>
+        </p:nvCxnSpPr>
+        <p:spPr>
+          <a:xfrm>
+            <a:off x="1378101" y="1753299"/>
+            <a:ext cx="10463379" cy="0"/>
+          </a:xfrm>
+          <a:prstGeom prst="line">
+            <a:avLst/>
+          </a:prstGeom>
+          <a:ln w="12700"/>
+        </p:spPr>
+        <p:style>
+          <a:lnRef idx="1">
+            <a:schemeClr val="accent1"/>
+          </a:lnRef>
+          <a:fillRef idx="0">
+            <a:schemeClr val="accent1"/>
+          </a:fillRef>
+          <a:effectRef idx="0">
+            <a:schemeClr val="accent1"/>
+          </a:effectRef>
+          <a:fontRef idx="minor">
+            <a:schemeClr val="tx1"/>
+          </a:fontRef>
+        </p:style>
+      </p:cxnSp>
     </p:spTree>
     <p:extLst>
       <p:ext uri="{BB962C8B-B14F-4D97-AF65-F5344CB8AC3E}">
@@ -6535,72 +6629,47 @@
                 </a:solidFill>
                 <a:latin typeface="Cambria" panose="02040503050406030204" pitchFamily="18" charset="0"/>
               </a:rPr>
-              <a:t>AIR QUALITY PREDICTION</a:t>
-            </a:r>
-          </a:p>
-        </p:txBody>
-      </p:sp>
-      <p:sp>
-        <p:nvSpPr>
-          <p:cNvPr id="3" name="Rectangle 2">
+              <a:t>ROBOTICS</a:t>
+            </a:r>
+          </a:p>
+        </p:txBody>
+      </p:sp>
+      <p:pic>
+        <p:nvPicPr>
+          <p:cNvPr id="4" name="Picture 3">
             <a:extLst>
               <a:ext uri="{FF2B5EF4-FFF2-40B4-BE49-F238E27FC236}">
-                <a16:creationId xmlns:a16="http://schemas.microsoft.com/office/drawing/2014/main" id="{FD0260EC-A37A-7740-9796-33553F873E40}"/>
+                <a16:creationId xmlns:a16="http://schemas.microsoft.com/office/drawing/2014/main" id="{F782BFD6-655C-714A-9DF6-9614BEA5B78B}"/>
               </a:ext>
             </a:extLst>
           </p:cNvPr>
-          <p:cNvSpPr/>
+          <p:cNvPicPr>
+            <a:picLocks noChangeAspect="1"/>
+          </p:cNvPicPr>
           <p:nvPr/>
-        </p:nvSpPr>
-        <p:spPr>
-          <a:xfrm>
-            <a:off x="1402080" y="5636452"/>
-            <a:ext cx="4152227" cy="369332"/>
+        </p:nvPicPr>
+        <p:blipFill>
+          <a:blip r:embed="rId3"/>
+          <a:stretch>
+            <a:fillRect/>
+          </a:stretch>
+        </p:blipFill>
+        <p:spPr>
+          <a:xfrm>
+            <a:off x="1271768" y="1915885"/>
+            <a:ext cx="3226560" cy="3635829"/>
           </a:xfrm>
           <a:prstGeom prst="rect">
             <a:avLst/>
           </a:prstGeom>
         </p:spPr>
-        <p:txBody>
-          <a:bodyPr wrap="none">
-            <a:spAutoFit/>
-          </a:bodyPr>
-          <a:lstStyle/>
-          <a:p>
-            <a:r>
-              <a:rPr lang="fr-FR" dirty="0">
-                <a:hlinkClick r:id="rId3"/>
-              </a:rPr>
-              <a:t>https://</a:t>
-            </a:r>
-            <a:r>
-              <a:rPr lang="fr-FR" dirty="0" err="1">
-                <a:hlinkClick r:id="rId3"/>
-              </a:rPr>
-              <a:t>www.kaggle.com</a:t>
-            </a:r>
-            <a:r>
-              <a:rPr lang="fr-FR" dirty="0">
-                <a:hlinkClick r:id="rId3"/>
-              </a:rPr>
-              <a:t>/c/</a:t>
-            </a:r>
-            <a:r>
-              <a:rPr lang="fr-FR" dirty="0" err="1">
-                <a:hlinkClick r:id="rId3"/>
-              </a:rPr>
-              <a:t>dsg-hackathon</a:t>
-            </a:r>
-            <a:endParaRPr lang="fr-FR" dirty="0"/>
-          </a:p>
-        </p:txBody>
-      </p:sp>
+      </p:pic>
       <p:pic>
         <p:nvPicPr>
-          <p:cNvPr id="2" name="Picture 1">
+          <p:cNvPr id="5" name="Picture 4">
             <a:extLst>
               <a:ext uri="{FF2B5EF4-FFF2-40B4-BE49-F238E27FC236}">
-                <a16:creationId xmlns:a16="http://schemas.microsoft.com/office/drawing/2014/main" id="{F9340A44-94E0-6E4A-9AF4-E02BB8215BD2}"/>
+                <a16:creationId xmlns:a16="http://schemas.microsoft.com/office/drawing/2014/main" id="{1ED9DDF3-2A21-4646-89A5-D4CFB3C67F51}"/>
               </a:ext>
             </a:extLst>
           </p:cNvPr>
@@ -6617,18 +6686,203 @@
         </p:blipFill>
         <p:spPr>
           <a:xfrm>
-            <a:off x="1271768" y="1941935"/>
-            <a:ext cx="10624457" cy="2732912"/>
+            <a:off x="6445204" y="1969226"/>
+            <a:ext cx="2402705" cy="3571856"/>
           </a:xfrm>
           <a:prstGeom prst="rect">
             <a:avLst/>
           </a:prstGeom>
         </p:spPr>
       </p:pic>
+      <p:sp>
+        <p:nvSpPr>
+          <p:cNvPr id="6" name="Rectangle 5">
+            <a:extLst>
+              <a:ext uri="{FF2B5EF4-FFF2-40B4-BE49-F238E27FC236}">
+                <a16:creationId xmlns:a16="http://schemas.microsoft.com/office/drawing/2014/main" id="{90C31390-D44E-8745-A297-31FBA7A49FCF}"/>
+              </a:ext>
+            </a:extLst>
+          </p:cNvPr>
+          <p:cNvSpPr/>
+          <p:nvPr/>
+        </p:nvSpPr>
+        <p:spPr>
+          <a:xfrm>
+            <a:off x="1317822" y="5672408"/>
+            <a:ext cx="2815066" cy="307777"/>
+          </a:xfrm>
+          <a:prstGeom prst="rect">
+            <a:avLst/>
+          </a:prstGeom>
+        </p:spPr>
+        <p:txBody>
+          <a:bodyPr wrap="none">
+            <a:spAutoFit/>
+          </a:bodyPr>
+          <a:lstStyle/>
+          <a:p>
+            <a:r>
+              <a:rPr lang="fr-FR" sz="1400" dirty="0">
+                <a:solidFill>
+                  <a:srgbClr val="000000"/>
+                </a:solidFill>
+                <a:latin typeface="Verdana" panose="020B0604030504040204" pitchFamily="34" charset="0"/>
+                <a:hlinkClick r:id="rId5"/>
+              </a:rPr>
+              <a:t>https://</a:t>
+            </a:r>
+            <a:r>
+              <a:rPr lang="fr-FR" sz="1400" dirty="0" err="1">
+                <a:solidFill>
+                  <a:srgbClr val="000000"/>
+                </a:solidFill>
+                <a:latin typeface="Verdana" panose="020B0604030504040204" pitchFamily="34" charset="0"/>
+                <a:hlinkClick r:id="rId5"/>
+              </a:rPr>
+              <a:t>tinyurl.com</a:t>
+            </a:r>
+            <a:r>
+              <a:rPr lang="fr-FR" sz="1400" dirty="0">
+                <a:solidFill>
+                  <a:srgbClr val="000000"/>
+                </a:solidFill>
+                <a:latin typeface="Verdana" panose="020B0604030504040204" pitchFamily="34" charset="0"/>
+                <a:hlinkClick r:id="rId5"/>
+              </a:rPr>
+              <a:t>/y7v433fs</a:t>
+            </a:r>
+            <a:endParaRPr lang="fr-FR" sz="1400" dirty="0"/>
+          </a:p>
+        </p:txBody>
+      </p:sp>
+      <p:sp>
+        <p:nvSpPr>
+          <p:cNvPr id="7" name="Rectangle 6">
+            <a:hlinkClick r:id="rId6"/>
+            <a:extLst>
+              <a:ext uri="{FF2B5EF4-FFF2-40B4-BE49-F238E27FC236}">
+                <a16:creationId xmlns:a16="http://schemas.microsoft.com/office/drawing/2014/main" id="{B3C16FB0-0CBF-BC47-A6B4-D2ED86F75935}"/>
+              </a:ext>
+            </a:extLst>
+          </p:cNvPr>
+          <p:cNvSpPr/>
+          <p:nvPr/>
+        </p:nvSpPr>
+        <p:spPr>
+          <a:xfrm>
+            <a:off x="6318307" y="5621621"/>
+            <a:ext cx="3964099" cy="369332"/>
+          </a:xfrm>
+          <a:prstGeom prst="rect">
+            <a:avLst/>
+          </a:prstGeom>
+        </p:spPr>
+        <p:txBody>
+          <a:bodyPr wrap="none">
+            <a:spAutoFit/>
+          </a:bodyPr>
+          <a:lstStyle/>
+          <a:p>
+            <a:r>
+              <a:rPr lang="fr-FR" dirty="0">
+                <a:hlinkClick r:id="rId6"/>
+              </a:rPr>
+              <a:t>https://</a:t>
+            </a:r>
+            <a:r>
+              <a:rPr lang="fr-FR" dirty="0" err="1">
+                <a:hlinkClick r:id="rId6"/>
+              </a:rPr>
+              <a:t>www.bostondynamics.com</a:t>
+            </a:r>
+            <a:r>
+              <a:rPr lang="fr-FR" dirty="0">
+                <a:hlinkClick r:id="rId6"/>
+              </a:rPr>
+              <a:t>/atlas</a:t>
+            </a:r>
+            <a:endParaRPr lang="fr-FR" dirty="0"/>
+          </a:p>
+        </p:txBody>
+      </p:sp>
+      <p:sp>
+        <p:nvSpPr>
+          <p:cNvPr id="9" name="TextBox 8">
+            <a:extLst>
+              <a:ext uri="{FF2B5EF4-FFF2-40B4-BE49-F238E27FC236}">
+                <a16:creationId xmlns:a16="http://schemas.microsoft.com/office/drawing/2014/main" id="{16724368-C62A-7B4D-B6D1-DB7D756B5B1C}"/>
+              </a:ext>
+            </a:extLst>
+          </p:cNvPr>
+          <p:cNvSpPr txBox="1"/>
+          <p:nvPr/>
+        </p:nvSpPr>
+        <p:spPr>
+          <a:xfrm>
+            <a:off x="10888980" y="3649980"/>
+            <a:ext cx="343364" cy="369332"/>
+          </a:xfrm>
+          <a:prstGeom prst="rect">
+            <a:avLst/>
+          </a:prstGeom>
+          <a:noFill/>
+        </p:spPr>
+        <p:txBody>
+          <a:bodyPr wrap="none" rtlCol="0">
+            <a:spAutoFit/>
+          </a:bodyPr>
+          <a:lstStyle/>
+          <a:p>
+            <a:r>
+              <a:rPr lang="fr-FR" dirty="0"/>
+              <a:t>…</a:t>
+            </a:r>
+          </a:p>
+        </p:txBody>
+      </p:sp>
+      <p:cxnSp>
+        <p:nvCxnSpPr>
+          <p:cNvPr id="10" name="Straight Connector 9">
+            <a:extLst>
+              <a:ext uri="{FF2B5EF4-FFF2-40B4-BE49-F238E27FC236}">
+                <a16:creationId xmlns:a16="http://schemas.microsoft.com/office/drawing/2014/main" id="{BF4DE929-DD64-8E49-8C9E-6D30DFE969E4}"/>
+              </a:ext>
+            </a:extLst>
+          </p:cNvPr>
+          <p:cNvCxnSpPr>
+            <a:cxnSpLocks/>
+          </p:cNvCxnSpPr>
+          <p:nvPr/>
+        </p:nvCxnSpPr>
+        <p:spPr>
+          <a:xfrm>
+            <a:off x="1378101" y="1753299"/>
+            <a:ext cx="9632799" cy="94007"/>
+          </a:xfrm>
+          <a:prstGeom prst="line">
+            <a:avLst/>
+          </a:prstGeom>
+          <a:ln w="12700"/>
+        </p:spPr>
+        <p:style>
+          <a:lnRef idx="1">
+            <a:schemeClr val="accent1"/>
+          </a:lnRef>
+          <a:fillRef idx="0">
+            <a:schemeClr val="accent1"/>
+          </a:fillRef>
+          <a:effectRef idx="0">
+            <a:schemeClr val="accent1"/>
+          </a:effectRef>
+          <a:fontRef idx="minor">
+            <a:schemeClr val="tx1"/>
+          </a:fontRef>
+        </p:style>
+      </p:cxnSp>
     </p:spTree>
     <p:extLst>
       <p:ext uri="{BB962C8B-B14F-4D97-AF65-F5344CB8AC3E}">
-        <p14:creationId xmlns:p14="http://schemas.microsoft.com/office/powerpoint/2010/main" val="521455019"/>
+        <p14:creationId xmlns:p14="http://schemas.microsoft.com/office/powerpoint/2010/main" val="1189528150"/>
       </p:ext>
     </p:extLst>
   </p:cSld>
@@ -6696,17 +6950,17 @@
                 </a:solidFill>
                 <a:latin typeface="Cambria" panose="02040503050406030204" pitchFamily="18" charset="0"/>
               </a:rPr>
-              <a:t>ROBOTICS</a:t>
+              <a:t>PHYSICS</a:t>
             </a:r>
           </a:p>
         </p:txBody>
       </p:sp>
       <p:pic>
         <p:nvPicPr>
-          <p:cNvPr id="4" name="Picture 3">
+          <p:cNvPr id="2" name="Picture 1">
             <a:extLst>
               <a:ext uri="{FF2B5EF4-FFF2-40B4-BE49-F238E27FC236}">
-                <a16:creationId xmlns:a16="http://schemas.microsoft.com/office/drawing/2014/main" id="{F782BFD6-655C-714A-9DF6-9614BEA5B78B}"/>
+                <a16:creationId xmlns:a16="http://schemas.microsoft.com/office/drawing/2014/main" id="{5DB67D06-7A97-284D-9B69-190EE27E1454}"/>
               </a:ext>
             </a:extLst>
           </p:cNvPr>
@@ -6723,50 +6977,20 @@
         </p:blipFill>
         <p:spPr>
           <a:xfrm>
-            <a:off x="1271768" y="1793965"/>
-            <a:ext cx="3226560" cy="3635829"/>
+            <a:off x="1226048" y="1890763"/>
+            <a:ext cx="9875521" cy="3177341"/>
           </a:xfrm>
           <a:prstGeom prst="rect">
             <a:avLst/>
           </a:prstGeom>
         </p:spPr>
       </p:pic>
-      <p:pic>
-        <p:nvPicPr>
-          <p:cNvPr id="5" name="Picture 4">
+      <p:sp>
+        <p:nvSpPr>
+          <p:cNvPr id="3" name="Rectangle 2">
             <a:extLst>
               <a:ext uri="{FF2B5EF4-FFF2-40B4-BE49-F238E27FC236}">
-                <a16:creationId xmlns:a16="http://schemas.microsoft.com/office/drawing/2014/main" id="{1ED9DDF3-2A21-4646-89A5-D4CFB3C67F51}"/>
-              </a:ext>
-            </a:extLst>
-          </p:cNvPr>
-          <p:cNvPicPr>
-            <a:picLocks noChangeAspect="1"/>
-          </p:cNvPicPr>
-          <p:nvPr/>
-        </p:nvPicPr>
-        <p:blipFill>
-          <a:blip r:embed="rId4"/>
-          <a:stretch>
-            <a:fillRect/>
-          </a:stretch>
-        </p:blipFill>
-        <p:spPr>
-          <a:xfrm>
-            <a:off x="6445204" y="1847306"/>
-            <a:ext cx="2402705" cy="3571856"/>
-          </a:xfrm>
-          <a:prstGeom prst="rect">
-            <a:avLst/>
-          </a:prstGeom>
-        </p:spPr>
-      </p:pic>
-      <p:sp>
-        <p:nvSpPr>
-          <p:cNvPr id="6" name="Rectangle 5">
-            <a:extLst>
-              <a:ext uri="{FF2B5EF4-FFF2-40B4-BE49-F238E27FC236}">
-                <a16:creationId xmlns:a16="http://schemas.microsoft.com/office/drawing/2014/main" id="{90C31390-D44E-8745-A297-31FBA7A49FCF}"/>
+                <a16:creationId xmlns:a16="http://schemas.microsoft.com/office/drawing/2014/main" id="{A5D3D42E-E11C-F641-BE92-65EAFBACB755}"/>
               </a:ext>
             </a:extLst>
           </p:cNvPr>
@@ -6775,8 +6999,8 @@
         </p:nvSpPr>
         <p:spPr>
           <a:xfrm>
-            <a:off x="1317822" y="5550488"/>
-            <a:ext cx="2815066" cy="307777"/>
+            <a:off x="1271768" y="5369225"/>
+            <a:ext cx="4690515" cy="369332"/>
           </a:xfrm>
           <a:prstGeom prst="rect">
             <a:avLst/>
@@ -6789,128 +7013,76 @@
           <a:lstStyle/>
           <a:p>
             <a:r>
-              <a:rPr lang="fr-FR" sz="1400" dirty="0">
-                <a:solidFill>
-                  <a:srgbClr val="000000"/>
-                </a:solidFill>
-                <a:latin typeface="Verdana" panose="020B0604030504040204" pitchFamily="34" charset="0"/>
-                <a:hlinkClick r:id="rId5"/>
+              <a:rPr lang="fr-FR" dirty="0">
+                <a:hlinkClick r:id="rId4"/>
               </a:rPr>
               <a:t>https://</a:t>
             </a:r>
             <a:r>
-              <a:rPr lang="fr-FR" sz="1400" dirty="0" err="1">
-                <a:solidFill>
-                  <a:srgbClr val="000000"/>
-                </a:solidFill>
-                <a:latin typeface="Verdana" panose="020B0604030504040204" pitchFamily="34" charset="0"/>
-                <a:hlinkClick r:id="rId5"/>
-              </a:rPr>
-              <a:t>tinyurl.com</a:t>
-            </a:r>
-            <a:r>
-              <a:rPr lang="fr-FR" sz="1400" dirty="0">
-                <a:solidFill>
-                  <a:srgbClr val="000000"/>
-                </a:solidFill>
-                <a:latin typeface="Verdana" panose="020B0604030504040204" pitchFamily="34" charset="0"/>
-                <a:hlinkClick r:id="rId5"/>
-              </a:rPr>
-              <a:t>/y7v433fs</a:t>
-            </a:r>
-            <a:endParaRPr lang="fr-FR" sz="1400" dirty="0"/>
-          </a:p>
-        </p:txBody>
-      </p:sp>
-      <p:sp>
-        <p:nvSpPr>
-          <p:cNvPr id="7" name="Rectangle 6">
-            <a:hlinkClick r:id="rId6"/>
+              <a:rPr lang="fr-FR" dirty="0" err="1">
+                <a:hlinkClick r:id="rId4"/>
+              </a:rPr>
+              <a:t>physicsml.github.io</a:t>
+            </a:r>
+            <a:r>
+              <a:rPr lang="fr-FR" dirty="0">
+                <a:hlinkClick r:id="rId4"/>
+              </a:rPr>
+              <a:t>/pages/</a:t>
+            </a:r>
+            <a:r>
+              <a:rPr lang="fr-FR" dirty="0" err="1">
+                <a:hlinkClick r:id="rId4"/>
+              </a:rPr>
+              <a:t>papers.html</a:t>
+            </a:r>
+            <a:endParaRPr lang="fr-FR" dirty="0"/>
+          </a:p>
+        </p:txBody>
+      </p:sp>
+      <p:cxnSp>
+        <p:nvCxnSpPr>
+          <p:cNvPr id="5" name="Straight Connector 4">
             <a:extLst>
               <a:ext uri="{FF2B5EF4-FFF2-40B4-BE49-F238E27FC236}">
-                <a16:creationId xmlns:a16="http://schemas.microsoft.com/office/drawing/2014/main" id="{B3C16FB0-0CBF-BC47-A6B4-D2ED86F75935}"/>
+                <a16:creationId xmlns:a16="http://schemas.microsoft.com/office/drawing/2014/main" id="{3892DA11-945E-BA42-9843-596FC9D67844}"/>
               </a:ext>
             </a:extLst>
           </p:cNvPr>
-          <p:cNvSpPr/>
+          <p:cNvCxnSpPr>
+            <a:cxnSpLocks/>
+          </p:cNvCxnSpPr>
           <p:nvPr/>
-        </p:nvSpPr>
-        <p:spPr>
-          <a:xfrm>
-            <a:off x="6318307" y="5499701"/>
-            <a:ext cx="3964099" cy="369332"/>
-          </a:xfrm>
-          <a:prstGeom prst="rect">
-            <a:avLst/>
-          </a:prstGeom>
-        </p:spPr>
-        <p:txBody>
-          <a:bodyPr wrap="none">
-            <a:spAutoFit/>
-          </a:bodyPr>
-          <a:lstStyle/>
-          <a:p>
-            <a:r>
-              <a:rPr lang="fr-FR" dirty="0">
-                <a:hlinkClick r:id="rId6"/>
-              </a:rPr>
-              <a:t>https://</a:t>
-            </a:r>
-            <a:r>
-              <a:rPr lang="fr-FR" dirty="0" err="1">
-                <a:hlinkClick r:id="rId6"/>
-              </a:rPr>
-              <a:t>www.bostondynamics.com</a:t>
-            </a:r>
-            <a:r>
-              <a:rPr lang="fr-FR" dirty="0">
-                <a:hlinkClick r:id="rId6"/>
-              </a:rPr>
-              <a:t>/atlas</a:t>
-            </a:r>
-            <a:endParaRPr lang="fr-FR" dirty="0"/>
-          </a:p>
-        </p:txBody>
-      </p:sp>
-      <p:sp>
-        <p:nvSpPr>
-          <p:cNvPr id="9" name="TextBox 8">
-            <a:extLst>
-              <a:ext uri="{FF2B5EF4-FFF2-40B4-BE49-F238E27FC236}">
-                <a16:creationId xmlns:a16="http://schemas.microsoft.com/office/drawing/2014/main" id="{16724368-C62A-7B4D-B6D1-DB7D756B5B1C}"/>
-              </a:ext>
-            </a:extLst>
-          </p:cNvPr>
-          <p:cNvSpPr txBox="1"/>
-          <p:nvPr/>
-        </p:nvSpPr>
-        <p:spPr>
-          <a:xfrm>
-            <a:off x="10888980" y="3649980"/>
-            <a:ext cx="343364" cy="369332"/>
-          </a:xfrm>
-          <a:prstGeom prst="rect">
-            <a:avLst/>
-          </a:prstGeom>
-          <a:noFill/>
-        </p:spPr>
-        <p:txBody>
-          <a:bodyPr wrap="none" rtlCol="0">
-            <a:spAutoFit/>
-          </a:bodyPr>
-          <a:lstStyle/>
-          <a:p>
-            <a:r>
-              <a:rPr lang="fr-FR" dirty="0"/>
-              <a:t>…</a:t>
-            </a:r>
-          </a:p>
-        </p:txBody>
-      </p:sp>
+        </p:nvCxnSpPr>
+        <p:spPr>
+          <a:xfrm>
+            <a:off x="1378101" y="1753299"/>
+            <a:ext cx="8779359" cy="0"/>
+          </a:xfrm>
+          <a:prstGeom prst="line">
+            <a:avLst/>
+          </a:prstGeom>
+          <a:ln w="12700"/>
+        </p:spPr>
+        <p:style>
+          <a:lnRef idx="1">
+            <a:schemeClr val="accent1"/>
+          </a:lnRef>
+          <a:fillRef idx="0">
+            <a:schemeClr val="accent1"/>
+          </a:fillRef>
+          <a:effectRef idx="0">
+            <a:schemeClr val="accent1"/>
+          </a:effectRef>
+          <a:fontRef idx="minor">
+            <a:schemeClr val="tx1"/>
+          </a:fontRef>
+        </p:style>
+      </p:cxnSp>
     </p:spTree>
     <p:extLst>
       <p:ext uri="{BB962C8B-B14F-4D97-AF65-F5344CB8AC3E}">
-        <p14:creationId xmlns:p14="http://schemas.microsoft.com/office/powerpoint/2010/main" val="1189528150"/>
+        <p14:creationId xmlns:p14="http://schemas.microsoft.com/office/powerpoint/2010/main" val="3731200693"/>
       </p:ext>
     </p:extLst>
   </p:cSld>
@@ -6978,17 +7150,66 @@
                 </a:solidFill>
                 <a:latin typeface="Cambria" panose="02040503050406030204" pitchFamily="18" charset="0"/>
               </a:rPr>
-              <a:t>PHYSICS</a:t>
-            </a:r>
+              <a:t>MUSIC</a:t>
+            </a:r>
+          </a:p>
+        </p:txBody>
+      </p:sp>
+      <p:sp>
+        <p:nvSpPr>
+          <p:cNvPr id="3" name="Rectangle 2">
+            <a:extLst>
+              <a:ext uri="{FF2B5EF4-FFF2-40B4-BE49-F238E27FC236}">
+                <a16:creationId xmlns:a16="http://schemas.microsoft.com/office/drawing/2014/main" id="{A5D3D42E-E11C-F641-BE92-65EAFBACB755}"/>
+              </a:ext>
+            </a:extLst>
+          </p:cNvPr>
+          <p:cNvSpPr/>
+          <p:nvPr/>
+        </p:nvSpPr>
+        <p:spPr>
+          <a:xfrm>
+            <a:off x="1271768" y="5369225"/>
+            <a:ext cx="3243837" cy="369332"/>
+          </a:xfrm>
+          <a:prstGeom prst="rect">
+            <a:avLst/>
+          </a:prstGeom>
+        </p:spPr>
+        <p:txBody>
+          <a:bodyPr wrap="none">
+            <a:spAutoFit/>
+          </a:bodyPr>
+          <a:lstStyle/>
+          <a:p>
+            <a:r>
+              <a:rPr lang="fr-FR" dirty="0">
+                <a:hlinkClick r:id="rId3"/>
+              </a:rPr>
+              <a:t>https://</a:t>
+            </a:r>
+            <a:r>
+              <a:rPr lang="fr-FR" dirty="0" err="1">
+                <a:hlinkClick r:id="rId3"/>
+              </a:rPr>
+              <a:t>magenta.tensorflow.org</a:t>
+            </a:r>
+            <a:r>
+              <a:rPr lang="fr-FR" dirty="0">
+                <a:hlinkClick r:id="rId3"/>
+              </a:rPr>
+              <a:t>/</a:t>
+            </a:r>
+            <a:endParaRPr lang="fr-FR" dirty="0"/>
           </a:p>
         </p:txBody>
       </p:sp>
       <p:pic>
         <p:nvPicPr>
-          <p:cNvPr id="2" name="Picture 1">
+          <p:cNvPr id="4" name="Picture 3">
             <a:extLst>
               <a:ext uri="{FF2B5EF4-FFF2-40B4-BE49-F238E27FC236}">
-                <a16:creationId xmlns:a16="http://schemas.microsoft.com/office/drawing/2014/main" id="{5DB67D06-7A97-284D-9B69-190EE27E1454}"/>
+                <a16:creationId xmlns:a16="http://schemas.microsoft.com/office/drawing/2014/main" id="{56437074-A608-664D-ADCE-C1F865817E3B}"/>
               </a:ext>
             </a:extLst>
           </p:cNvPr>
@@ -6998,80 +7219,64 @@
           <p:nvPr/>
         </p:nvPicPr>
         <p:blipFill>
-          <a:blip r:embed="rId3"/>
+          <a:blip r:embed="rId4"/>
           <a:stretch>
             <a:fillRect/>
           </a:stretch>
         </p:blipFill>
         <p:spPr>
           <a:xfrm>
-            <a:off x="1226048" y="1890763"/>
-            <a:ext cx="9875521" cy="3177341"/>
+            <a:off x="1371600" y="1943430"/>
+            <a:ext cx="5782490" cy="2891245"/>
           </a:xfrm>
           <a:prstGeom prst="rect">
             <a:avLst/>
           </a:prstGeom>
         </p:spPr>
       </p:pic>
-      <p:sp>
-        <p:nvSpPr>
-          <p:cNvPr id="3" name="Rectangle 2">
+      <p:cxnSp>
+        <p:nvCxnSpPr>
+          <p:cNvPr id="5" name="Straight Connector 4">
             <a:extLst>
               <a:ext uri="{FF2B5EF4-FFF2-40B4-BE49-F238E27FC236}">
-                <a16:creationId xmlns:a16="http://schemas.microsoft.com/office/drawing/2014/main" id="{A5D3D42E-E11C-F641-BE92-65EAFBACB755}"/>
+                <a16:creationId xmlns:a16="http://schemas.microsoft.com/office/drawing/2014/main" id="{51B80EC8-F9AD-1341-B60A-191254CA435C}"/>
               </a:ext>
             </a:extLst>
           </p:cNvPr>
-          <p:cNvSpPr/>
+          <p:cNvCxnSpPr>
+            <a:cxnSpLocks/>
+          </p:cNvCxnSpPr>
           <p:nvPr/>
-        </p:nvSpPr>
-        <p:spPr>
-          <a:xfrm>
-            <a:off x="1271768" y="5369225"/>
-            <a:ext cx="4690515" cy="369332"/>
-          </a:xfrm>
-          <a:prstGeom prst="rect">
-            <a:avLst/>
-          </a:prstGeom>
-        </p:spPr>
-        <p:txBody>
-          <a:bodyPr wrap="none">
-            <a:spAutoFit/>
-          </a:bodyPr>
-          <a:lstStyle/>
-          <a:p>
-            <a:r>
-              <a:rPr lang="fr-FR" dirty="0">
-                <a:hlinkClick r:id="rId4"/>
-              </a:rPr>
-              <a:t>https://</a:t>
-            </a:r>
-            <a:r>
-              <a:rPr lang="fr-FR" dirty="0" err="1">
-                <a:hlinkClick r:id="rId4"/>
-              </a:rPr>
-              <a:t>physicsml.github.io</a:t>
-            </a:r>
-            <a:r>
-              <a:rPr lang="fr-FR" dirty="0">
-                <a:hlinkClick r:id="rId4"/>
-              </a:rPr>
-              <a:t>/pages/</a:t>
-            </a:r>
-            <a:r>
-              <a:rPr lang="fr-FR" dirty="0" err="1">
-                <a:hlinkClick r:id="rId4"/>
-              </a:rPr>
-              <a:t>papers.html</a:t>
-            </a:r>
-            <a:endParaRPr lang="fr-FR" dirty="0"/>
-          </a:p>
-        </p:txBody>
-      </p:sp>
+        </p:nvCxnSpPr>
+        <p:spPr>
+          <a:xfrm>
+            <a:off x="1378101" y="1753299"/>
+            <a:ext cx="5775989" cy="0"/>
+          </a:xfrm>
+          <a:prstGeom prst="line">
+            <a:avLst/>
+          </a:prstGeom>
+          <a:ln w="12700"/>
+        </p:spPr>
+        <p:style>
+          <a:lnRef idx="1">
+            <a:schemeClr val="accent1"/>
+          </a:lnRef>
+          <a:fillRef idx="0">
+            <a:schemeClr val="accent1"/>
+          </a:fillRef>
+          <a:effectRef idx="0">
+            <a:schemeClr val="accent1"/>
+          </a:effectRef>
+          <a:fontRef idx="minor">
+            <a:schemeClr val="tx1"/>
+          </a:fontRef>
+        </p:style>
+      </p:cxnSp>
     </p:spTree>
     <p:extLst>
       <p:ext uri="{BB962C8B-B14F-4D97-AF65-F5344CB8AC3E}">
-        <p14:creationId xmlns:p14="http://schemas.microsoft.com/office/powerpoint/2010/main" val="3731200693"/>
+        <p14:creationId xmlns:p14="http://schemas.microsoft.com/office/powerpoint/2010/main" val="996350663"/>
       </p:ext>
     </p:extLst>
   </p:cSld>
@@ -7139,94 +7344,93 @@
                 </a:solidFill>
                 <a:latin typeface="Cambria" panose="02040503050406030204" pitchFamily="18" charset="0"/>
               </a:rPr>
-              <a:t>MUSIC</a:t>
-            </a:r>
-          </a:p>
-        </p:txBody>
-      </p:sp>
-      <p:sp>
-        <p:nvSpPr>
-          <p:cNvPr id="3" name="Rectangle 2">
+              <a:t>MULTI-AGENT</a:t>
+            </a:r>
+          </a:p>
+        </p:txBody>
+      </p:sp>
+      <p:sp>
+        <p:nvSpPr>
+          <p:cNvPr id="2" name="TextBox 1">
             <a:extLst>
               <a:ext uri="{FF2B5EF4-FFF2-40B4-BE49-F238E27FC236}">
-                <a16:creationId xmlns:a16="http://schemas.microsoft.com/office/drawing/2014/main" id="{A5D3D42E-E11C-F641-BE92-65EAFBACB755}"/>
+                <a16:creationId xmlns:a16="http://schemas.microsoft.com/office/drawing/2014/main" id="{22684E38-333B-6441-A868-DE5296FE292F}"/>
               </a:ext>
             </a:extLst>
           </p:cNvPr>
-          <p:cNvSpPr/>
+          <p:cNvSpPr txBox="1"/>
           <p:nvPr/>
         </p:nvSpPr>
         <p:spPr>
           <a:xfrm>
-            <a:off x="1271768" y="5369225"/>
-            <a:ext cx="3243837" cy="369332"/>
+            <a:off x="2872740" y="3604260"/>
+            <a:ext cx="2055178" cy="369332"/>
           </a:xfrm>
           <a:prstGeom prst="rect">
             <a:avLst/>
           </a:prstGeom>
-        </p:spPr>
-        <p:txBody>
-          <a:bodyPr wrap="none">
+          <a:noFill/>
+        </p:spPr>
+        <p:txBody>
+          <a:bodyPr wrap="none" rtlCol="0">
             <a:spAutoFit/>
           </a:bodyPr>
           <a:lstStyle/>
           <a:p>
             <a:r>
-              <a:rPr lang="fr-FR" dirty="0">
-                <a:hlinkClick r:id="rId3"/>
-              </a:rPr>
-              <a:t>https://</a:t>
-            </a:r>
-            <a:r>
-              <a:rPr lang="fr-FR" dirty="0" err="1">
-                <a:hlinkClick r:id="rId3"/>
-              </a:rPr>
-              <a:t>magenta.tensorflow.org</a:t>
-            </a:r>
-            <a:r>
-              <a:rPr lang="fr-FR" dirty="0">
-                <a:hlinkClick r:id="rId3"/>
-              </a:rPr>
-              <a:t>/</a:t>
-            </a:r>
-            <a:endParaRPr lang="fr-FR" dirty="0"/>
-          </a:p>
-        </p:txBody>
-      </p:sp>
-      <p:pic>
-        <p:nvPicPr>
-          <p:cNvPr id="4" name="Picture 3">
+              <a:rPr lang="fr-FR" dirty="0" err="1"/>
+              <a:t>Swarm</a:t>
+            </a:r>
+            <a:r>
+              <a:rPr lang="fr-FR" dirty="0"/>
+              <a:t> of drones, …</a:t>
+            </a:r>
+          </a:p>
+        </p:txBody>
+      </p:sp>
+      <p:cxnSp>
+        <p:nvCxnSpPr>
+          <p:cNvPr id="6" name="Straight Connector 5">
             <a:extLst>
               <a:ext uri="{FF2B5EF4-FFF2-40B4-BE49-F238E27FC236}">
-                <a16:creationId xmlns:a16="http://schemas.microsoft.com/office/drawing/2014/main" id="{56437074-A608-664D-ADCE-C1F865817E3B}"/>
+                <a16:creationId xmlns:a16="http://schemas.microsoft.com/office/drawing/2014/main" id="{555F8514-18AD-CB4F-83E3-8E16F7401A7D}"/>
               </a:ext>
             </a:extLst>
           </p:cNvPr>
-          <p:cNvPicPr>
-            <a:picLocks noChangeAspect="1"/>
-          </p:cNvPicPr>
+          <p:cNvCxnSpPr>
+            <a:cxnSpLocks/>
+          </p:cNvCxnSpPr>
           <p:nvPr/>
-        </p:nvPicPr>
-        <p:blipFill>
-          <a:blip r:embed="rId4"/>
-          <a:stretch>
-            <a:fillRect/>
-          </a:stretch>
-        </p:blipFill>
-        <p:spPr>
-          <a:xfrm>
-            <a:off x="1371600" y="1943430"/>
-            <a:ext cx="5782490" cy="2891245"/>
-          </a:xfrm>
-          <a:prstGeom prst="rect">
-            <a:avLst/>
-          </a:prstGeom>
-        </p:spPr>
-      </p:pic>
+        </p:nvCxnSpPr>
+        <p:spPr>
+          <a:xfrm>
+            <a:off x="1378101" y="1753299"/>
+            <a:ext cx="7942068" cy="0"/>
+          </a:xfrm>
+          <a:prstGeom prst="line">
+            <a:avLst/>
+          </a:prstGeom>
+          <a:ln w="12700"/>
+        </p:spPr>
+        <p:style>
+          <a:lnRef idx="1">
+            <a:schemeClr val="accent1"/>
+          </a:lnRef>
+          <a:fillRef idx="0">
+            <a:schemeClr val="accent1"/>
+          </a:fillRef>
+          <a:effectRef idx="0">
+            <a:schemeClr val="accent1"/>
+          </a:effectRef>
+          <a:fontRef idx="minor">
+            <a:schemeClr val="tx1"/>
+          </a:fontRef>
+        </p:style>
+      </p:cxnSp>
     </p:spTree>
     <p:extLst>
       <p:ext uri="{BB962C8B-B14F-4D97-AF65-F5344CB8AC3E}">
-        <p14:creationId xmlns:p14="http://schemas.microsoft.com/office/powerpoint/2010/main" val="996350663"/>
+        <p14:creationId xmlns:p14="http://schemas.microsoft.com/office/powerpoint/2010/main" val="4202075286"/>
       </p:ext>
     </p:extLst>
   </p:cSld>
@@ -7423,6 +7627,45 @@
           </a:p>
         </p:txBody>
       </p:sp>
+      <p:cxnSp>
+        <p:nvCxnSpPr>
+          <p:cNvPr id="4" name="Straight Connector 3">
+            <a:extLst>
+              <a:ext uri="{FF2B5EF4-FFF2-40B4-BE49-F238E27FC236}">
+                <a16:creationId xmlns:a16="http://schemas.microsoft.com/office/drawing/2014/main" id="{434DFC7E-2DBC-5C40-8CAE-C285EA7E0BA7}"/>
+              </a:ext>
+            </a:extLst>
+          </p:cNvPr>
+          <p:cNvCxnSpPr>
+            <a:cxnSpLocks/>
+          </p:cNvCxnSpPr>
+          <p:nvPr/>
+        </p:nvCxnSpPr>
+        <p:spPr>
+          <a:xfrm>
+            <a:off x="1378101" y="1753299"/>
+            <a:ext cx="3925419" cy="0"/>
+          </a:xfrm>
+          <a:prstGeom prst="line">
+            <a:avLst/>
+          </a:prstGeom>
+          <a:ln w="12700"/>
+        </p:spPr>
+        <p:style>
+          <a:lnRef idx="1">
+            <a:schemeClr val="accent1"/>
+          </a:lnRef>
+          <a:fillRef idx="0">
+            <a:schemeClr val="accent1"/>
+          </a:fillRef>
+          <a:effectRef idx="0">
+            <a:schemeClr val="accent1"/>
+          </a:effectRef>
+          <a:fontRef idx="minor">
+            <a:schemeClr val="tx1"/>
+          </a:fontRef>
+        </p:style>
+      </p:cxnSp>
     </p:spTree>
     <p:extLst>
       <p:ext uri="{BB962C8B-B14F-4D97-AF65-F5344CB8AC3E}">
@@ -7513,7 +7756,7 @@
         </p:nvSpPr>
         <p:spPr>
           <a:xfrm>
-            <a:off x="1275701" y="1830236"/>
+            <a:off x="1271768" y="2066456"/>
             <a:ext cx="9909364" cy="2308324"/>
           </a:xfrm>
           <a:prstGeom prst="rect">
@@ -7602,6 +7845,45 @@
           </a:p>
         </p:txBody>
       </p:sp>
+      <p:cxnSp>
+        <p:nvCxnSpPr>
+          <p:cNvPr id="5" name="Straight Connector 4">
+            <a:extLst>
+              <a:ext uri="{FF2B5EF4-FFF2-40B4-BE49-F238E27FC236}">
+                <a16:creationId xmlns:a16="http://schemas.microsoft.com/office/drawing/2014/main" id="{EB94238D-9A8E-2545-8576-727F79E7D6D2}"/>
+              </a:ext>
+            </a:extLst>
+          </p:cNvPr>
+          <p:cNvCxnSpPr>
+            <a:cxnSpLocks/>
+          </p:cNvCxnSpPr>
+          <p:nvPr/>
+        </p:nvCxnSpPr>
+        <p:spPr>
+          <a:xfrm>
+            <a:off x="1378101" y="1753299"/>
+            <a:ext cx="8535519" cy="0"/>
+          </a:xfrm>
+          <a:prstGeom prst="line">
+            <a:avLst/>
+          </a:prstGeom>
+          <a:ln w="12700"/>
+        </p:spPr>
+        <p:style>
+          <a:lnRef idx="1">
+            <a:schemeClr val="accent1"/>
+          </a:lnRef>
+          <a:fillRef idx="0">
+            <a:schemeClr val="accent1"/>
+          </a:fillRef>
+          <a:effectRef idx="0">
+            <a:schemeClr val="accent1"/>
+          </a:effectRef>
+          <a:fontRef idx="minor">
+            <a:schemeClr val="tx1"/>
+          </a:fontRef>
+        </p:style>
+      </p:cxnSp>
     </p:spTree>
     <p:extLst>
       <p:ext uri="{BB962C8B-B14F-4D97-AF65-F5344CB8AC3E}">
@@ -7646,14 +7928,14 @@
       </p:grpSpPr>
       <p:sp>
         <p:nvSpPr>
-          <p:cNvPr id="8" name="TextBox 7"/>
+          <p:cNvPr id="3" name="TextBox 2"/>
           <p:cNvSpPr txBox="1"/>
           <p:nvPr/>
         </p:nvSpPr>
         <p:spPr>
           <a:xfrm>
-            <a:off x="1271768" y="1115051"/>
-            <a:ext cx="9196386" cy="630942"/>
+            <a:off x="2513338" y="1738043"/>
+            <a:ext cx="8688062" cy="1631216"/>
           </a:xfrm>
           <a:prstGeom prst="rect">
             <a:avLst/>
@@ -7667,7 +7949,7 @@
           <a:lstStyle/>
           <a:p>
             <a:r>
-              <a:rPr lang="en-US" sz="3500" b="1" dirty="0">
+              <a:rPr lang="en-US" sz="5000" b="1" dirty="0">
                 <a:solidFill>
                   <a:schemeClr val="accent1"/>
                 </a:solidFill>
@@ -7678,10 +7960,49 @@
           </a:p>
         </p:txBody>
       </p:sp>
+      <p:cxnSp>
+        <p:nvCxnSpPr>
+          <p:cNvPr id="5" name="Straight Connector 4">
+            <a:extLst>
+              <a:ext uri="{FF2B5EF4-FFF2-40B4-BE49-F238E27FC236}">
+                <a16:creationId xmlns:a16="http://schemas.microsoft.com/office/drawing/2014/main" id="{2571E43F-CCA3-BB47-A7AF-81B47EA888E0}"/>
+              </a:ext>
+            </a:extLst>
+          </p:cNvPr>
+          <p:cNvCxnSpPr>
+            <a:cxnSpLocks/>
+          </p:cNvCxnSpPr>
+          <p:nvPr/>
+        </p:nvCxnSpPr>
+        <p:spPr>
+          <a:xfrm>
+            <a:off x="2300750" y="1879133"/>
+            <a:ext cx="0" cy="1298407"/>
+          </a:xfrm>
+          <a:prstGeom prst="line">
+            <a:avLst/>
+          </a:prstGeom>
+          <a:ln w="38100"/>
+        </p:spPr>
+        <p:style>
+          <a:lnRef idx="1">
+            <a:schemeClr val="accent1"/>
+          </a:lnRef>
+          <a:fillRef idx="0">
+            <a:schemeClr val="accent1"/>
+          </a:fillRef>
+          <a:effectRef idx="0">
+            <a:schemeClr val="accent1"/>
+          </a:effectRef>
+          <a:fontRef idx="minor">
+            <a:schemeClr val="tx1"/>
+          </a:fontRef>
+        </p:style>
+      </p:cxnSp>
     </p:spTree>
     <p:extLst>
       <p:ext uri="{BB962C8B-B14F-4D97-AF65-F5344CB8AC3E}">
-        <p14:creationId xmlns:p14="http://schemas.microsoft.com/office/powerpoint/2010/main" val="2628442114"/>
+        <p14:creationId xmlns:p14="http://schemas.microsoft.com/office/powerpoint/2010/main" val="1202168519"/>
       </p:ext>
     </p:extLst>
   </p:cSld>
@@ -7768,7 +8089,7 @@
         </p:nvSpPr>
         <p:spPr>
           <a:xfrm>
-            <a:off x="1275701" y="1830236"/>
+            <a:off x="1271768" y="1990256"/>
             <a:ext cx="9909364" cy="1569660"/>
           </a:xfrm>
           <a:prstGeom prst="rect">
@@ -7820,6 +8141,45 @@
           </a:p>
         </p:txBody>
       </p:sp>
+      <p:cxnSp>
+        <p:nvCxnSpPr>
+          <p:cNvPr id="4" name="Straight Connector 3">
+            <a:extLst>
+              <a:ext uri="{FF2B5EF4-FFF2-40B4-BE49-F238E27FC236}">
+                <a16:creationId xmlns:a16="http://schemas.microsoft.com/office/drawing/2014/main" id="{A829723C-F16D-A344-8A30-EA7814BAB058}"/>
+              </a:ext>
+            </a:extLst>
+          </p:cNvPr>
+          <p:cNvCxnSpPr>
+            <a:cxnSpLocks/>
+          </p:cNvCxnSpPr>
+          <p:nvPr/>
+        </p:nvCxnSpPr>
+        <p:spPr>
+          <a:xfrm>
+            <a:off x="1378101" y="1753299"/>
+            <a:ext cx="9160359" cy="0"/>
+          </a:xfrm>
+          <a:prstGeom prst="line">
+            <a:avLst/>
+          </a:prstGeom>
+          <a:ln w="12700"/>
+        </p:spPr>
+        <p:style>
+          <a:lnRef idx="1">
+            <a:schemeClr val="accent1"/>
+          </a:lnRef>
+          <a:fillRef idx="0">
+            <a:schemeClr val="accent1"/>
+          </a:fillRef>
+          <a:effectRef idx="0">
+            <a:schemeClr val="accent1"/>
+          </a:effectRef>
+          <a:fontRef idx="minor">
+            <a:schemeClr val="tx1"/>
+          </a:fontRef>
+        </p:style>
+      </p:cxnSp>
     </p:spTree>
     <p:extLst>
       <p:ext uri="{BB962C8B-B14F-4D97-AF65-F5344CB8AC3E}">
@@ -7910,7 +8270,7 @@
         </p:nvSpPr>
         <p:spPr>
           <a:xfrm>
-            <a:off x="1263001" y="2050947"/>
+            <a:off x="1263001" y="2119527"/>
             <a:ext cx="9909364" cy="2308324"/>
           </a:xfrm>
           <a:prstGeom prst="rect">
@@ -7929,7 +8289,7 @@
               <a:buAutoNum type="romanUcPeriod"/>
             </a:pPr>
             <a:r>
-              <a:rPr lang="en-US" sz="2400" b="1">
+              <a:rPr lang="en-US" sz="2400" b="1" dirty="0">
                 <a:solidFill>
                   <a:schemeClr val="accent1"/>
                 </a:solidFill>
@@ -7938,65 +8298,7 @@
               <a:t>PROVIDE KEYS TO NAVIGATE AI APPLICATIONS UNIVERSE</a:t>
             </a:r>
             <a:br>
-              <a:rPr lang="en-US" sz="2400" b="1">
-                <a:solidFill>
-                  <a:schemeClr val="accent1"/>
-                </a:solidFill>
-                <a:latin typeface="Cambria" panose="02040503050406030204" pitchFamily="18" charset="0"/>
-              </a:rPr>
-            </a:br>
-            <a:endParaRPr lang="en-US" sz="2400" b="1">
-              <a:solidFill>
-                <a:schemeClr val="accent1"/>
-              </a:solidFill>
-              <a:latin typeface="Cambria" panose="02040503050406030204" pitchFamily="18" charset="0"/>
-            </a:endParaRPr>
-          </a:p>
-          <a:p>
-            <a:pPr marL="457200" indent="-457200">
-              <a:buFont typeface="+mj-lt"/>
-              <a:buAutoNum type="romanUcPeriod"/>
-            </a:pPr>
-            <a:r>
-              <a:rPr lang="en-US" sz="2400" b="1">
-                <a:solidFill>
-                  <a:schemeClr val="accent1"/>
-                </a:solidFill>
-                <a:latin typeface="Cambria" panose="02040503050406030204" pitchFamily="18" charset="0"/>
-              </a:rPr>
-              <a:t>EXEMPLIFY STATE-OF-THE-ART AI APPLICATIONS</a:t>
-            </a:r>
-            <a:br>
-              <a:rPr lang="en-US" sz="2400" b="1">
-                <a:solidFill>
-                  <a:schemeClr val="accent1"/>
-                </a:solidFill>
-                <a:latin typeface="Cambria" panose="02040503050406030204" pitchFamily="18" charset="0"/>
-              </a:rPr>
-            </a:br>
-            <a:endParaRPr lang="en-US" sz="2400" b="1">
-              <a:solidFill>
-                <a:schemeClr val="accent1"/>
-              </a:solidFill>
-              <a:latin typeface="Cambria" panose="02040503050406030204" pitchFamily="18" charset="0"/>
-            </a:endParaRPr>
-          </a:p>
-          <a:p>
-            <a:pPr marL="457200" indent="-457200">
-              <a:buFont typeface="+mj-lt"/>
-              <a:buAutoNum type="romanUcPeriod"/>
-            </a:pPr>
-            <a:r>
-              <a:rPr lang="en-US" sz="2400" b="1">
-                <a:solidFill>
-                  <a:schemeClr val="accent1"/>
-                </a:solidFill>
-                <a:latin typeface="Cambria" panose="02040503050406030204" pitchFamily="18" charset="0"/>
-              </a:rPr>
-              <a:t>DEMYSTIFY AI TECHNICAL JARGON AND APPROACHES </a:t>
-            </a:r>
-            <a:br>
-              <a:rPr lang="en-US" sz="2400" b="1">
+              <a:rPr lang="en-US" sz="2400" b="1" dirty="0">
                 <a:solidFill>
                   <a:schemeClr val="accent1"/>
                 </a:solidFill>
@@ -8010,8 +8312,105 @@
               <a:latin typeface="Cambria" panose="02040503050406030204" pitchFamily="18" charset="0"/>
             </a:endParaRPr>
           </a:p>
-        </p:txBody>
-      </p:sp>
+          <a:p>
+            <a:pPr marL="457200" indent="-457200">
+              <a:buFont typeface="+mj-lt"/>
+              <a:buAutoNum type="romanUcPeriod"/>
+            </a:pPr>
+            <a:r>
+              <a:rPr lang="en-US" sz="2400" b="1" dirty="0">
+                <a:solidFill>
+                  <a:schemeClr val="accent1"/>
+                </a:solidFill>
+                <a:latin typeface="Cambria" panose="02040503050406030204" pitchFamily="18" charset="0"/>
+              </a:rPr>
+              <a:t>EXEMPLIFY STATE-OF-THE-ART AI APPLICATIONS</a:t>
+            </a:r>
+            <a:br>
+              <a:rPr lang="en-US" sz="2400" b="1" dirty="0">
+                <a:solidFill>
+                  <a:schemeClr val="accent1"/>
+                </a:solidFill>
+                <a:latin typeface="Cambria" panose="02040503050406030204" pitchFamily="18" charset="0"/>
+              </a:rPr>
+            </a:br>
+            <a:endParaRPr lang="en-US" sz="2400" b="1" dirty="0">
+              <a:solidFill>
+                <a:schemeClr val="accent1"/>
+              </a:solidFill>
+              <a:latin typeface="Cambria" panose="02040503050406030204" pitchFamily="18" charset="0"/>
+            </a:endParaRPr>
+          </a:p>
+          <a:p>
+            <a:pPr marL="457200" indent="-457200">
+              <a:buFont typeface="+mj-lt"/>
+              <a:buAutoNum type="romanUcPeriod"/>
+            </a:pPr>
+            <a:r>
+              <a:rPr lang="en-US" sz="2400" b="1" dirty="0">
+                <a:solidFill>
+                  <a:schemeClr val="accent1"/>
+                </a:solidFill>
+                <a:latin typeface="Cambria" panose="02040503050406030204" pitchFamily="18" charset="0"/>
+              </a:rPr>
+              <a:t>DEMYSTIFY AI TECHNICAL JARGON AND APPROACHES </a:t>
+            </a:r>
+            <a:br>
+              <a:rPr lang="en-US" sz="2400" b="1" dirty="0">
+                <a:solidFill>
+                  <a:schemeClr val="accent1"/>
+                </a:solidFill>
+                <a:latin typeface="Cambria" panose="02040503050406030204" pitchFamily="18" charset="0"/>
+              </a:rPr>
+            </a:br>
+            <a:endParaRPr lang="en-US" sz="2400" b="1" dirty="0">
+              <a:solidFill>
+                <a:schemeClr val="accent1"/>
+              </a:solidFill>
+              <a:latin typeface="Cambria" panose="02040503050406030204" pitchFamily="18" charset="0"/>
+            </a:endParaRPr>
+          </a:p>
+        </p:txBody>
+      </p:sp>
+      <p:cxnSp>
+        <p:nvCxnSpPr>
+          <p:cNvPr id="4" name="Straight Connector 3">
+            <a:extLst>
+              <a:ext uri="{FF2B5EF4-FFF2-40B4-BE49-F238E27FC236}">
+                <a16:creationId xmlns:a16="http://schemas.microsoft.com/office/drawing/2014/main" id="{187DD880-A801-CF44-B185-6C8437EA2653}"/>
+              </a:ext>
+            </a:extLst>
+          </p:cNvPr>
+          <p:cNvCxnSpPr>
+            <a:cxnSpLocks/>
+          </p:cNvCxnSpPr>
+          <p:nvPr/>
+        </p:nvCxnSpPr>
+        <p:spPr>
+          <a:xfrm>
+            <a:off x="1378101" y="1753299"/>
+            <a:ext cx="8482179" cy="0"/>
+          </a:xfrm>
+          <a:prstGeom prst="line">
+            <a:avLst/>
+          </a:prstGeom>
+          <a:ln w="12700"/>
+        </p:spPr>
+        <p:style>
+          <a:lnRef idx="1">
+            <a:schemeClr val="accent1"/>
+          </a:lnRef>
+          <a:fillRef idx="0">
+            <a:schemeClr val="accent1"/>
+          </a:fillRef>
+          <a:effectRef idx="0">
+            <a:schemeClr val="accent1"/>
+          </a:effectRef>
+          <a:fontRef idx="minor">
+            <a:schemeClr val="tx1"/>
+          </a:fontRef>
+        </p:style>
+      </p:cxnSp>
     </p:spTree>
     <p:extLst>
       <p:ext uri="{BB962C8B-B14F-4D97-AF65-F5344CB8AC3E}">
@@ -8102,7 +8501,7 @@
         </p:nvSpPr>
         <p:spPr>
           <a:xfrm>
-            <a:off x="5075905" y="2000010"/>
+            <a:off x="5094143" y="2076210"/>
             <a:ext cx="9909364" cy="1200329"/>
           </a:xfrm>
           <a:prstGeom prst="rect">
@@ -8194,7 +8593,7 @@
         </p:blipFill>
         <p:spPr>
           <a:xfrm>
-            <a:off x="1359863" y="2000010"/>
+            <a:off x="1378101" y="2076210"/>
             <a:ext cx="3589958" cy="4248472"/>
           </a:xfrm>
           <a:prstGeom prst="rect">
@@ -8202,6 +8601,45 @@
           </a:prstGeom>
         </p:spPr>
       </p:pic>
+      <p:cxnSp>
+        <p:nvCxnSpPr>
+          <p:cNvPr id="5" name="Straight Connector 4">
+            <a:extLst>
+              <a:ext uri="{FF2B5EF4-FFF2-40B4-BE49-F238E27FC236}">
+                <a16:creationId xmlns:a16="http://schemas.microsoft.com/office/drawing/2014/main" id="{532FD2EC-8C43-534E-9557-01C7A68329A2}"/>
+              </a:ext>
+            </a:extLst>
+          </p:cNvPr>
+          <p:cNvCxnSpPr>
+            <a:cxnSpLocks/>
+          </p:cNvCxnSpPr>
+          <p:nvPr/>
+        </p:nvCxnSpPr>
+        <p:spPr>
+          <a:xfrm>
+            <a:off x="1378101" y="1753299"/>
+            <a:ext cx="9670899" cy="0"/>
+          </a:xfrm>
+          <a:prstGeom prst="line">
+            <a:avLst/>
+          </a:prstGeom>
+          <a:ln w="12700"/>
+        </p:spPr>
+        <p:style>
+          <a:lnRef idx="1">
+            <a:schemeClr val="accent1"/>
+          </a:lnRef>
+          <a:fillRef idx="0">
+            <a:schemeClr val="accent1"/>
+          </a:fillRef>
+          <a:effectRef idx="0">
+            <a:schemeClr val="accent1"/>
+          </a:effectRef>
+          <a:fontRef idx="minor">
+            <a:schemeClr val="tx1"/>
+          </a:fontRef>
+        </p:style>
+      </p:cxnSp>
     </p:spTree>
     <p:extLst>
       <p:ext uri="{BB962C8B-B14F-4D97-AF65-F5344CB8AC3E}">
@@ -8308,6 +8746,45 @@
           </a:prstGeom>
         </p:spPr>
       </p:pic>
+      <p:cxnSp>
+        <p:nvCxnSpPr>
+          <p:cNvPr id="5" name="Straight Connector 4">
+            <a:extLst>
+              <a:ext uri="{FF2B5EF4-FFF2-40B4-BE49-F238E27FC236}">
+                <a16:creationId xmlns:a16="http://schemas.microsoft.com/office/drawing/2014/main" id="{2195087A-90F8-2743-8E30-5C5091EA1203}"/>
+              </a:ext>
+            </a:extLst>
+          </p:cNvPr>
+          <p:cNvCxnSpPr>
+            <a:cxnSpLocks/>
+          </p:cNvCxnSpPr>
+          <p:nvPr/>
+        </p:nvCxnSpPr>
+        <p:spPr>
+          <a:xfrm>
+            <a:off x="1378101" y="1753299"/>
+            <a:ext cx="6821019" cy="0"/>
+          </a:xfrm>
+          <a:prstGeom prst="line">
+            <a:avLst/>
+          </a:prstGeom>
+          <a:ln w="12700"/>
+        </p:spPr>
+        <p:style>
+          <a:lnRef idx="1">
+            <a:schemeClr val="accent1"/>
+          </a:lnRef>
+          <a:fillRef idx="0">
+            <a:schemeClr val="accent1"/>
+          </a:fillRef>
+          <a:effectRef idx="0">
+            <a:schemeClr val="accent1"/>
+          </a:effectRef>
+          <a:fontRef idx="minor">
+            <a:schemeClr val="tx1"/>
+          </a:fontRef>
+        </p:style>
+      </p:cxnSp>
     </p:spTree>
     <p:extLst>
       <p:ext uri="{BB962C8B-B14F-4D97-AF65-F5344CB8AC3E}">
@@ -8406,7 +8883,7 @@
         </p:blipFill>
         <p:spPr>
           <a:xfrm>
-            <a:off x="1271768" y="1847556"/>
+            <a:off x="1271768" y="1885656"/>
             <a:ext cx="6054640" cy="4248472"/>
           </a:xfrm>
           <a:prstGeom prst="rect">
@@ -8414,6 +8891,45 @@
           </a:prstGeom>
         </p:spPr>
       </p:pic>
+      <p:cxnSp>
+        <p:nvCxnSpPr>
+          <p:cNvPr id="4" name="Straight Connector 3">
+            <a:extLst>
+              <a:ext uri="{FF2B5EF4-FFF2-40B4-BE49-F238E27FC236}">
+                <a16:creationId xmlns:a16="http://schemas.microsoft.com/office/drawing/2014/main" id="{2AE9103E-E241-244D-A650-F0E5DAD624D2}"/>
+              </a:ext>
+            </a:extLst>
+          </p:cNvPr>
+          <p:cNvCxnSpPr>
+            <a:cxnSpLocks/>
+          </p:cNvCxnSpPr>
+          <p:nvPr/>
+        </p:nvCxnSpPr>
+        <p:spPr>
+          <a:xfrm>
+            <a:off x="1378101" y="1753299"/>
+            <a:ext cx="5738979" cy="0"/>
+          </a:xfrm>
+          <a:prstGeom prst="line">
+            <a:avLst/>
+          </a:prstGeom>
+          <a:ln w="12700"/>
+        </p:spPr>
+        <p:style>
+          <a:lnRef idx="1">
+            <a:schemeClr val="accent1"/>
+          </a:lnRef>
+          <a:fillRef idx="0">
+            <a:schemeClr val="accent1"/>
+          </a:fillRef>
+          <a:effectRef idx="0">
+            <a:schemeClr val="accent1"/>
+          </a:effectRef>
+          <a:fontRef idx="minor">
+            <a:schemeClr val="tx1"/>
+          </a:fontRef>
+        </p:style>
+      </p:cxnSp>
     </p:spTree>
     <p:extLst>
       <p:ext uri="{BB962C8B-B14F-4D97-AF65-F5344CB8AC3E}">
@@ -8520,6 +9036,45 @@
           </a:prstGeom>
         </p:spPr>
       </p:pic>
+      <p:cxnSp>
+        <p:nvCxnSpPr>
+          <p:cNvPr id="5" name="Straight Connector 4">
+            <a:extLst>
+              <a:ext uri="{FF2B5EF4-FFF2-40B4-BE49-F238E27FC236}">
+                <a16:creationId xmlns:a16="http://schemas.microsoft.com/office/drawing/2014/main" id="{96A02EA0-2EAB-3F4B-89D9-84E4C1B57C59}"/>
+              </a:ext>
+            </a:extLst>
+          </p:cNvPr>
+          <p:cNvCxnSpPr>
+            <a:cxnSpLocks/>
+          </p:cNvCxnSpPr>
+          <p:nvPr/>
+        </p:nvCxnSpPr>
+        <p:spPr>
+          <a:xfrm>
+            <a:off x="1378101" y="1753299"/>
+            <a:ext cx="5784699" cy="0"/>
+          </a:xfrm>
+          <a:prstGeom prst="line">
+            <a:avLst/>
+          </a:prstGeom>
+          <a:ln w="12700"/>
+        </p:spPr>
+        <p:style>
+          <a:lnRef idx="1">
+            <a:schemeClr val="accent1"/>
+          </a:lnRef>
+          <a:fillRef idx="0">
+            <a:schemeClr val="accent1"/>
+          </a:fillRef>
+          <a:effectRef idx="0">
+            <a:schemeClr val="accent1"/>
+          </a:effectRef>
+          <a:fontRef idx="minor">
+            <a:schemeClr val="tx1"/>
+          </a:fontRef>
+        </p:style>
+      </p:cxnSp>
     </p:spTree>
     <p:extLst>
       <p:ext uri="{BB962C8B-B14F-4D97-AF65-F5344CB8AC3E}">
@@ -8626,6 +9181,45 @@
           </a:prstGeom>
         </p:spPr>
       </p:pic>
+      <p:cxnSp>
+        <p:nvCxnSpPr>
+          <p:cNvPr id="4" name="Straight Connector 3">
+            <a:extLst>
+              <a:ext uri="{FF2B5EF4-FFF2-40B4-BE49-F238E27FC236}">
+                <a16:creationId xmlns:a16="http://schemas.microsoft.com/office/drawing/2014/main" id="{97B13B42-F69E-C145-A857-1CE58CC2608F}"/>
+              </a:ext>
+            </a:extLst>
+          </p:cNvPr>
+          <p:cNvCxnSpPr>
+            <a:cxnSpLocks/>
+          </p:cNvCxnSpPr>
+          <p:nvPr/>
+        </p:nvCxnSpPr>
+        <p:spPr>
+          <a:xfrm>
+            <a:off x="1378101" y="1753299"/>
+            <a:ext cx="5297019" cy="0"/>
+          </a:xfrm>
+          <a:prstGeom prst="line">
+            <a:avLst/>
+          </a:prstGeom>
+          <a:ln w="12700"/>
+        </p:spPr>
+        <p:style>
+          <a:lnRef idx="1">
+            <a:schemeClr val="accent1"/>
+          </a:lnRef>
+          <a:fillRef idx="0">
+            <a:schemeClr val="accent1"/>
+          </a:fillRef>
+          <a:effectRef idx="0">
+            <a:schemeClr val="accent1"/>
+          </a:effectRef>
+          <a:fontRef idx="minor">
+            <a:schemeClr val="tx1"/>
+          </a:fontRef>
+        </p:style>
+      </p:cxnSp>
     </p:spTree>
     <p:extLst>
       <p:ext uri="{BB962C8B-B14F-4D97-AF65-F5344CB8AC3E}">
@@ -8732,6 +9326,45 @@
           </a:prstGeom>
         </p:spPr>
       </p:pic>
+      <p:cxnSp>
+        <p:nvCxnSpPr>
+          <p:cNvPr id="5" name="Straight Connector 4">
+            <a:extLst>
+              <a:ext uri="{FF2B5EF4-FFF2-40B4-BE49-F238E27FC236}">
+                <a16:creationId xmlns:a16="http://schemas.microsoft.com/office/drawing/2014/main" id="{44D1EC42-A080-B949-B828-D275D9E5650B}"/>
+              </a:ext>
+            </a:extLst>
+          </p:cNvPr>
+          <p:cNvCxnSpPr>
+            <a:cxnSpLocks/>
+          </p:cNvCxnSpPr>
+          <p:nvPr/>
+        </p:nvCxnSpPr>
+        <p:spPr>
+          <a:xfrm>
+            <a:off x="1378101" y="1753299"/>
+            <a:ext cx="6927699" cy="0"/>
+          </a:xfrm>
+          <a:prstGeom prst="line">
+            <a:avLst/>
+          </a:prstGeom>
+          <a:ln w="12700"/>
+        </p:spPr>
+        <p:style>
+          <a:lnRef idx="1">
+            <a:schemeClr val="accent1"/>
+          </a:lnRef>
+          <a:fillRef idx="0">
+            <a:schemeClr val="accent1"/>
+          </a:fillRef>
+          <a:effectRef idx="0">
+            <a:schemeClr val="accent1"/>
+          </a:effectRef>
+          <a:fontRef idx="minor">
+            <a:schemeClr val="tx1"/>
+          </a:fontRef>
+        </p:style>
+      </p:cxnSp>
     </p:spTree>
     <p:extLst>
       <p:ext uri="{BB962C8B-B14F-4D97-AF65-F5344CB8AC3E}">
@@ -8953,6 +9586,45 @@
           </a:p>
         </p:txBody>
       </p:sp>
+      <p:cxnSp>
+        <p:nvCxnSpPr>
+          <p:cNvPr id="4" name="Straight Connector 3">
+            <a:extLst>
+              <a:ext uri="{FF2B5EF4-FFF2-40B4-BE49-F238E27FC236}">
+                <a16:creationId xmlns:a16="http://schemas.microsoft.com/office/drawing/2014/main" id="{92B15595-B45A-3E41-ABDB-470A88264D53}"/>
+              </a:ext>
+            </a:extLst>
+          </p:cNvPr>
+          <p:cNvCxnSpPr>
+            <a:cxnSpLocks/>
+          </p:cNvCxnSpPr>
+          <p:nvPr/>
+        </p:nvCxnSpPr>
+        <p:spPr>
+          <a:xfrm>
+            <a:off x="1378101" y="1753299"/>
+            <a:ext cx="4824579" cy="0"/>
+          </a:xfrm>
+          <a:prstGeom prst="line">
+            <a:avLst/>
+          </a:prstGeom>
+          <a:ln w="12700"/>
+        </p:spPr>
+        <p:style>
+          <a:lnRef idx="1">
+            <a:schemeClr val="accent1"/>
+          </a:lnRef>
+          <a:fillRef idx="0">
+            <a:schemeClr val="accent1"/>
+          </a:fillRef>
+          <a:effectRef idx="0">
+            <a:schemeClr val="accent1"/>
+          </a:effectRef>
+          <a:fontRef idx="minor">
+            <a:schemeClr val="tx1"/>
+          </a:fontRef>
+        </p:style>
+      </p:cxnSp>
     </p:spTree>
     <p:extLst>
       <p:ext uri="{BB962C8B-B14F-4D97-AF65-F5344CB8AC3E}">
@@ -9059,6 +9731,45 @@
           </a:prstGeom>
         </p:spPr>
       </p:pic>
+      <p:cxnSp>
+        <p:nvCxnSpPr>
+          <p:cNvPr id="5" name="Straight Connector 4">
+            <a:extLst>
+              <a:ext uri="{FF2B5EF4-FFF2-40B4-BE49-F238E27FC236}">
+                <a16:creationId xmlns:a16="http://schemas.microsoft.com/office/drawing/2014/main" id="{E55116C4-1E79-8149-A9C5-F9D9057EA4D8}"/>
+              </a:ext>
+            </a:extLst>
+          </p:cNvPr>
+          <p:cNvCxnSpPr>
+            <a:cxnSpLocks/>
+          </p:cNvCxnSpPr>
+          <p:nvPr/>
+        </p:nvCxnSpPr>
+        <p:spPr>
+          <a:xfrm>
+            <a:off x="1378101" y="1753299"/>
+            <a:ext cx="6630519" cy="0"/>
+          </a:xfrm>
+          <a:prstGeom prst="line">
+            <a:avLst/>
+          </a:prstGeom>
+          <a:ln w="12700"/>
+        </p:spPr>
+        <p:style>
+          <a:lnRef idx="1">
+            <a:schemeClr val="accent1"/>
+          </a:lnRef>
+          <a:fillRef idx="0">
+            <a:schemeClr val="accent1"/>
+          </a:fillRef>
+          <a:effectRef idx="0">
+            <a:schemeClr val="accent1"/>
+          </a:effectRef>
+          <a:fontRef idx="minor">
+            <a:schemeClr val="tx1"/>
+          </a:fontRef>
+        </p:style>
+      </p:cxnSp>
     </p:spTree>
     <p:extLst>
       <p:ext uri="{BB962C8B-B14F-4D97-AF65-F5344CB8AC3E}">
@@ -9165,6 +9876,45 @@
           </a:prstGeom>
         </p:spPr>
       </p:pic>
+      <p:cxnSp>
+        <p:nvCxnSpPr>
+          <p:cNvPr id="4" name="Straight Connector 3">
+            <a:extLst>
+              <a:ext uri="{FF2B5EF4-FFF2-40B4-BE49-F238E27FC236}">
+                <a16:creationId xmlns:a16="http://schemas.microsoft.com/office/drawing/2014/main" id="{C664D822-CC95-9942-BCAD-7E88ECE3D7B9}"/>
+              </a:ext>
+            </a:extLst>
+          </p:cNvPr>
+          <p:cNvCxnSpPr>
+            <a:cxnSpLocks/>
+          </p:cNvCxnSpPr>
+          <p:nvPr/>
+        </p:nvCxnSpPr>
+        <p:spPr>
+          <a:xfrm>
+            <a:off x="1378101" y="1753299"/>
+            <a:ext cx="5319879" cy="0"/>
+          </a:xfrm>
+          <a:prstGeom prst="line">
+            <a:avLst/>
+          </a:prstGeom>
+          <a:ln w="12700"/>
+        </p:spPr>
+        <p:style>
+          <a:lnRef idx="1">
+            <a:schemeClr val="accent1"/>
+          </a:lnRef>
+          <a:fillRef idx="0">
+            <a:schemeClr val="accent1"/>
+          </a:fillRef>
+          <a:effectRef idx="0">
+            <a:schemeClr val="accent1"/>
+          </a:effectRef>
+          <a:fontRef idx="minor">
+            <a:schemeClr val="tx1"/>
+          </a:fontRef>
+        </p:style>
+      </p:cxnSp>
     </p:spTree>
     <p:extLst>
       <p:ext uri="{BB962C8B-B14F-4D97-AF65-F5344CB8AC3E}">
@@ -9271,6 +10021,45 @@
           </a:prstGeom>
         </p:spPr>
       </p:pic>
+      <p:cxnSp>
+        <p:nvCxnSpPr>
+          <p:cNvPr id="5" name="Straight Connector 4">
+            <a:extLst>
+              <a:ext uri="{FF2B5EF4-FFF2-40B4-BE49-F238E27FC236}">
+                <a16:creationId xmlns:a16="http://schemas.microsoft.com/office/drawing/2014/main" id="{02F750F8-CB20-B842-8BCD-A74835F3AFED}"/>
+              </a:ext>
+            </a:extLst>
+          </p:cNvPr>
+          <p:cNvCxnSpPr>
+            <a:cxnSpLocks/>
+          </p:cNvCxnSpPr>
+          <p:nvPr/>
+        </p:nvCxnSpPr>
+        <p:spPr>
+          <a:xfrm>
+            <a:off x="1378101" y="1753299"/>
+            <a:ext cx="8360259" cy="0"/>
+          </a:xfrm>
+          <a:prstGeom prst="line">
+            <a:avLst/>
+          </a:prstGeom>
+          <a:ln w="12700"/>
+        </p:spPr>
+        <p:style>
+          <a:lnRef idx="1">
+            <a:schemeClr val="accent1"/>
+          </a:lnRef>
+          <a:fillRef idx="0">
+            <a:schemeClr val="accent1"/>
+          </a:fillRef>
+          <a:effectRef idx="0">
+            <a:schemeClr val="accent1"/>
+          </a:effectRef>
+          <a:fontRef idx="minor">
+            <a:schemeClr val="tx1"/>
+          </a:fontRef>
+        </p:style>
+      </p:cxnSp>
     </p:spTree>
     <p:extLst>
       <p:ext uri="{BB962C8B-B14F-4D97-AF65-F5344CB8AC3E}">
@@ -9321,8 +10110,8 @@
         </p:nvSpPr>
         <p:spPr>
           <a:xfrm>
-            <a:off x="1271768" y="1116000"/>
-            <a:ext cx="8126232" cy="2246769"/>
+            <a:off x="2513338" y="1738043"/>
+            <a:ext cx="8688062" cy="861774"/>
           </a:xfrm>
           <a:prstGeom prst="rect">
             <a:avLst/>
@@ -9335,55 +10124,95 @@
           </a:bodyPr>
           <a:lstStyle/>
           <a:p>
-            <a:pPr marL="514350" indent="-514350">
-              <a:buFont typeface="+mj-lt"/>
-              <a:buAutoNum type="arabicPeriod"/>
-            </a:pPr>
-            <a:r>
-              <a:rPr lang="en-US" sz="3500" b="1" dirty="0">
+            <a:r>
+              <a:rPr lang="en-US" sz="5000" b="1" dirty="0">
                 <a:solidFill>
                   <a:schemeClr val="accent1"/>
                 </a:solidFill>
                 <a:latin typeface="Cambria" panose="02040503050406030204" pitchFamily="18" charset="0"/>
               </a:rPr>
-              <a:t>LIST AI APPLICATIONS YOU CAN THINK OF</a:t>
-            </a:r>
-            <a:br>
-              <a:rPr lang="en-US" sz="3500" b="1" dirty="0">
+              <a:t>NAVIGATE AI APPLICATIONS</a:t>
+            </a:r>
+          </a:p>
+        </p:txBody>
+      </p:sp>
+      <p:sp>
+        <p:nvSpPr>
+          <p:cNvPr id="4" name="TextBox 3"/>
+          <p:cNvSpPr txBox="1"/>
+          <p:nvPr/>
+        </p:nvSpPr>
+        <p:spPr>
+          <a:xfrm>
+            <a:off x="2513338" y="2506777"/>
+            <a:ext cx="7350609" cy="400110"/>
+          </a:xfrm>
+          <a:prstGeom prst="rect">
+            <a:avLst/>
+          </a:prstGeom>
+          <a:noFill/>
+        </p:spPr>
+        <p:txBody>
+          <a:bodyPr wrap="square" rtlCol="0">
+            <a:spAutoFit/>
+          </a:bodyPr>
+          <a:lstStyle/>
+          <a:p>
+            <a:r>
+              <a:rPr lang="en-US" sz="2000" b="1" dirty="0">
                 <a:solidFill>
                   <a:schemeClr val="accent1"/>
                 </a:solidFill>
                 <a:latin typeface="Cambria" panose="02040503050406030204" pitchFamily="18" charset="0"/>
               </a:rPr>
-            </a:br>
-            <a:endParaRPr lang="en-US" sz="3500" b="1" dirty="0">
-              <a:solidFill>
-                <a:schemeClr val="accent1"/>
-              </a:solidFill>
-              <a:latin typeface="Cambria" panose="02040503050406030204" pitchFamily="18" charset="0"/>
-            </a:endParaRPr>
-          </a:p>
-          <a:p>
-            <a:pPr marL="514350" indent="-514350">
-              <a:buFont typeface="+mj-lt"/>
-              <a:buAutoNum type="arabicPeriod"/>
-            </a:pPr>
-            <a:r>
-              <a:rPr lang="en-US" sz="3500" b="1" dirty="0">
-                <a:solidFill>
-                  <a:schemeClr val="accent1"/>
-                </a:solidFill>
-                <a:latin typeface="Cambria" panose="02040503050406030204" pitchFamily="18" charset="0"/>
-              </a:rPr>
-              <a:t>HOW COULD YOU GROUP THEM?</a:t>
-            </a:r>
-          </a:p>
-        </p:txBody>
-      </p:sp>
+              <a:t>A FULL UNIVERSE</a:t>
+            </a:r>
+          </a:p>
+        </p:txBody>
+      </p:sp>
+      <p:cxnSp>
+        <p:nvCxnSpPr>
+          <p:cNvPr id="5" name="Straight Connector 4">
+            <a:extLst>
+              <a:ext uri="{FF2B5EF4-FFF2-40B4-BE49-F238E27FC236}">
+                <a16:creationId xmlns:a16="http://schemas.microsoft.com/office/drawing/2014/main" id="{2571E43F-CCA3-BB47-A7AF-81B47EA888E0}"/>
+              </a:ext>
+            </a:extLst>
+          </p:cNvPr>
+          <p:cNvCxnSpPr>
+            <a:cxnSpLocks/>
+          </p:cNvCxnSpPr>
+          <p:nvPr/>
+        </p:nvCxnSpPr>
+        <p:spPr>
+          <a:xfrm>
+            <a:off x="2300750" y="1879133"/>
+            <a:ext cx="0" cy="940267"/>
+          </a:xfrm>
+          <a:prstGeom prst="line">
+            <a:avLst/>
+          </a:prstGeom>
+          <a:ln w="38100"/>
+        </p:spPr>
+        <p:style>
+          <a:lnRef idx="1">
+            <a:schemeClr val="accent1"/>
+          </a:lnRef>
+          <a:fillRef idx="0">
+            <a:schemeClr val="accent1"/>
+          </a:fillRef>
+          <a:effectRef idx="0">
+            <a:schemeClr val="accent1"/>
+          </a:effectRef>
+          <a:fontRef idx="minor">
+            <a:schemeClr val="tx1"/>
+          </a:fontRef>
+        </p:style>
+      </p:cxnSp>
     </p:spTree>
     <p:extLst>
       <p:ext uri="{BB962C8B-B14F-4D97-AF65-F5344CB8AC3E}">
-        <p14:creationId xmlns:p14="http://schemas.microsoft.com/office/powerpoint/2010/main" val="1412673654"/>
+        <p14:creationId xmlns:p14="http://schemas.microsoft.com/office/powerpoint/2010/main" val="1319689702"/>
       </p:ext>
     </p:extLst>
   </p:cSld>
@@ -9584,6 +10413,45 @@
           </a:prstGeom>
         </p:spPr>
       </p:pic>
+      <p:cxnSp>
+        <p:nvCxnSpPr>
+          <p:cNvPr id="6" name="Straight Connector 5">
+            <a:extLst>
+              <a:ext uri="{FF2B5EF4-FFF2-40B4-BE49-F238E27FC236}">
+                <a16:creationId xmlns:a16="http://schemas.microsoft.com/office/drawing/2014/main" id="{3C43B399-D3FD-A244-8916-7DE2A7BAA35C}"/>
+              </a:ext>
+            </a:extLst>
+          </p:cNvPr>
+          <p:cNvCxnSpPr>
+            <a:cxnSpLocks/>
+          </p:cNvCxnSpPr>
+          <p:nvPr/>
+        </p:nvCxnSpPr>
+        <p:spPr>
+          <a:xfrm>
+            <a:off x="1378101" y="1753299"/>
+            <a:ext cx="8268819" cy="0"/>
+          </a:xfrm>
+          <a:prstGeom prst="line">
+            <a:avLst/>
+          </a:prstGeom>
+          <a:ln w="12700"/>
+        </p:spPr>
+        <p:style>
+          <a:lnRef idx="1">
+            <a:schemeClr val="accent1"/>
+          </a:lnRef>
+          <a:fillRef idx="0">
+            <a:schemeClr val="accent1"/>
+          </a:fillRef>
+          <a:effectRef idx="0">
+            <a:schemeClr val="accent1"/>
+          </a:effectRef>
+          <a:fontRef idx="minor">
+            <a:schemeClr val="tx1"/>
+          </a:fontRef>
+        </p:style>
+      </p:cxnSp>
     </p:spTree>
     <p:extLst>
       <p:ext uri="{BB962C8B-B14F-4D97-AF65-F5344CB8AC3E}">
@@ -9690,6 +10558,45 @@
           </a:prstGeom>
         </p:spPr>
       </p:pic>
+      <p:cxnSp>
+        <p:nvCxnSpPr>
+          <p:cNvPr id="4" name="Straight Connector 3">
+            <a:extLst>
+              <a:ext uri="{FF2B5EF4-FFF2-40B4-BE49-F238E27FC236}">
+                <a16:creationId xmlns:a16="http://schemas.microsoft.com/office/drawing/2014/main" id="{3F4DB25F-0F49-8A4C-A146-6E7269D0956E}"/>
+              </a:ext>
+            </a:extLst>
+          </p:cNvPr>
+          <p:cNvCxnSpPr>
+            <a:cxnSpLocks/>
+          </p:cNvCxnSpPr>
+          <p:nvPr/>
+        </p:nvCxnSpPr>
+        <p:spPr>
+          <a:xfrm>
+            <a:off x="1378101" y="1753299"/>
+            <a:ext cx="7052308" cy="0"/>
+          </a:xfrm>
+          <a:prstGeom prst="line">
+            <a:avLst/>
+          </a:prstGeom>
+          <a:ln w="12700"/>
+        </p:spPr>
+        <p:style>
+          <a:lnRef idx="1">
+            <a:schemeClr val="accent1"/>
+          </a:lnRef>
+          <a:fillRef idx="0">
+            <a:schemeClr val="accent1"/>
+          </a:fillRef>
+          <a:effectRef idx="0">
+            <a:schemeClr val="accent1"/>
+          </a:effectRef>
+          <a:fontRef idx="minor">
+            <a:schemeClr val="tx1"/>
+          </a:fontRef>
+        </p:style>
+      </p:cxnSp>
     </p:spTree>
     <p:extLst>
       <p:ext uri="{BB962C8B-B14F-4D97-AF65-F5344CB8AC3E}">
@@ -9788,7 +10695,7 @@
         </p:blipFill>
         <p:spPr>
           <a:xfrm>
-            <a:off x="1401584" y="1669049"/>
+            <a:off x="1401584" y="1853715"/>
             <a:ext cx="6484847" cy="4248472"/>
           </a:xfrm>
           <a:prstGeom prst="rect">
@@ -9810,7 +10717,7 @@
         </p:nvSpPr>
         <p:spPr>
           <a:xfrm>
-            <a:off x="1401584" y="6102187"/>
+            <a:off x="1340624" y="6102187"/>
             <a:ext cx="2251194" cy="369332"/>
           </a:xfrm>
           <a:prstGeom prst="rect">
@@ -9851,6 +10758,45 @@
           </a:p>
         </p:txBody>
       </p:sp>
+      <p:cxnSp>
+        <p:nvCxnSpPr>
+          <p:cNvPr id="5" name="Straight Connector 4">
+            <a:extLst>
+              <a:ext uri="{FF2B5EF4-FFF2-40B4-BE49-F238E27FC236}">
+                <a16:creationId xmlns:a16="http://schemas.microsoft.com/office/drawing/2014/main" id="{D61D7EC6-D428-4F4F-ADC3-2729A9D8C267}"/>
+              </a:ext>
+            </a:extLst>
+          </p:cNvPr>
+          <p:cNvCxnSpPr>
+            <a:cxnSpLocks/>
+          </p:cNvCxnSpPr>
+          <p:nvPr/>
+        </p:nvCxnSpPr>
+        <p:spPr>
+          <a:xfrm>
+            <a:off x="1378101" y="1753299"/>
+            <a:ext cx="6508330" cy="0"/>
+          </a:xfrm>
+          <a:prstGeom prst="line">
+            <a:avLst/>
+          </a:prstGeom>
+          <a:ln w="12700"/>
+        </p:spPr>
+        <p:style>
+          <a:lnRef idx="1">
+            <a:schemeClr val="accent1"/>
+          </a:lnRef>
+          <a:fillRef idx="0">
+            <a:schemeClr val="accent1"/>
+          </a:fillRef>
+          <a:effectRef idx="0">
+            <a:schemeClr val="accent1"/>
+          </a:effectRef>
+          <a:fontRef idx="minor">
+            <a:schemeClr val="tx1"/>
+          </a:fontRef>
+        </p:style>
+      </p:cxnSp>
     </p:spTree>
     <p:extLst>
       <p:ext uri="{BB962C8B-B14F-4D97-AF65-F5344CB8AC3E}">
@@ -9949,7 +10895,7 @@
         </p:blipFill>
         <p:spPr>
           <a:xfrm>
-            <a:off x="1342308" y="1804012"/>
+            <a:off x="1342308" y="1887832"/>
             <a:ext cx="6481479" cy="4248472"/>
           </a:xfrm>
           <a:prstGeom prst="rect">
@@ -10006,6 +10952,45 @@
           </a:p>
         </p:txBody>
       </p:sp>
+      <p:cxnSp>
+        <p:nvCxnSpPr>
+          <p:cNvPr id="5" name="Straight Connector 4">
+            <a:extLst>
+              <a:ext uri="{FF2B5EF4-FFF2-40B4-BE49-F238E27FC236}">
+                <a16:creationId xmlns:a16="http://schemas.microsoft.com/office/drawing/2014/main" id="{E75C2E84-115D-C94E-9DD1-9CE805C63E8B}"/>
+              </a:ext>
+            </a:extLst>
+          </p:cNvPr>
+          <p:cNvCxnSpPr>
+            <a:cxnSpLocks/>
+          </p:cNvCxnSpPr>
+          <p:nvPr/>
+        </p:nvCxnSpPr>
+        <p:spPr>
+          <a:xfrm>
+            <a:off x="1378101" y="1753299"/>
+            <a:ext cx="6988659" cy="0"/>
+          </a:xfrm>
+          <a:prstGeom prst="line">
+            <a:avLst/>
+          </a:prstGeom>
+          <a:ln w="12700"/>
+        </p:spPr>
+        <p:style>
+          <a:lnRef idx="1">
+            <a:schemeClr val="accent1"/>
+          </a:lnRef>
+          <a:fillRef idx="0">
+            <a:schemeClr val="accent1"/>
+          </a:fillRef>
+          <a:effectRef idx="0">
+            <a:schemeClr val="accent1"/>
+          </a:effectRef>
+          <a:fontRef idx="minor">
+            <a:schemeClr val="tx1"/>
+          </a:fontRef>
+        </p:style>
+      </p:cxnSp>
     </p:spTree>
     <p:extLst>
       <p:ext uri="{BB962C8B-B14F-4D97-AF65-F5344CB8AC3E}">
@@ -10126,14 +11111,14 @@
       </p:grpSpPr>
       <p:sp>
         <p:nvSpPr>
-          <p:cNvPr id="8" name="TextBox 7"/>
+          <p:cNvPr id="3" name="TextBox 2"/>
           <p:cNvSpPr txBox="1"/>
           <p:nvPr/>
         </p:nvSpPr>
         <p:spPr>
           <a:xfrm>
-            <a:off x="1271768" y="1115051"/>
-            <a:ext cx="9196386" cy="553998"/>
+            <a:off x="2658608" y="1977060"/>
+            <a:ext cx="8126232" cy="2246769"/>
           </a:xfrm>
           <a:prstGeom prst="rect">
             <a:avLst/>
@@ -10147,232 +11132,46 @@
           <a:lstStyle/>
           <a:p>
             <a:r>
-              <a:rPr lang="en-US" sz="3000" b="1">
+              <a:rPr lang="en-US" sz="3500" b="1" dirty="0">
                 <a:solidFill>
                   <a:schemeClr val="accent1"/>
                 </a:solidFill>
                 <a:latin typeface="Cambria" panose="02040503050406030204" pitchFamily="18" charset="0"/>
               </a:rPr>
-              <a:t>BY “TECHNOLOGY“ TYPE</a:t>
-            </a:r>
-            <a:endParaRPr lang="en-US" sz="3000" b="1" dirty="0">
+              <a:t>LIST AI APPLICATIONS YOU CAN THINK OF</a:t>
+            </a:r>
+            <a:br>
+              <a:rPr lang="en-US" sz="3500" b="1" dirty="0">
+                <a:solidFill>
+                  <a:schemeClr val="accent1"/>
+                </a:solidFill>
+                <a:latin typeface="Cambria" panose="02040503050406030204" pitchFamily="18" charset="0"/>
+              </a:rPr>
+            </a:br>
+            <a:endParaRPr lang="en-US" sz="3500" b="1" dirty="0">
               <a:solidFill>
                 <a:schemeClr val="accent1"/>
               </a:solidFill>
               <a:latin typeface="Cambria" panose="02040503050406030204" pitchFamily="18" charset="0"/>
             </a:endParaRPr>
           </a:p>
-        </p:txBody>
-      </p:sp>
-      <p:sp>
-        <p:nvSpPr>
-          <p:cNvPr id="9" name="TextBox 8"/>
-          <p:cNvSpPr txBox="1"/>
-          <p:nvPr/>
-        </p:nvSpPr>
-        <p:spPr>
-          <a:xfrm>
-            <a:off x="1275701" y="1830236"/>
-            <a:ext cx="9909364" cy="4893647"/>
-          </a:xfrm>
-          <a:prstGeom prst="rect">
-            <a:avLst/>
-          </a:prstGeom>
-          <a:noFill/>
-        </p:spPr>
-        <p:txBody>
-          <a:bodyPr wrap="square" rtlCol="0">
-            <a:spAutoFit/>
-          </a:bodyPr>
-          <a:lstStyle/>
-          <a:p>
-            <a:pPr marL="342900" indent="-342900">
-              <a:buFont typeface="Arial"/>
-              <a:buChar char="•"/>
-            </a:pPr>
-            <a:r>
-              <a:rPr lang="en-US" sz="2400" b="1">
+          <a:p>
+            <a:r>
+              <a:rPr lang="en-US" sz="3500" b="1" dirty="0">
                 <a:solidFill>
                   <a:schemeClr val="accent1"/>
                 </a:solidFill>
                 <a:latin typeface="Cambria" panose="02040503050406030204" pitchFamily="18" charset="0"/>
               </a:rPr>
-              <a:t>IMAGE RECOGNITION</a:t>
-            </a:r>
-            <a:br>
-              <a:rPr lang="en-US" sz="2400" b="1">
-                <a:solidFill>
-                  <a:schemeClr val="accent1"/>
-                </a:solidFill>
-                <a:latin typeface="Cambria" panose="02040503050406030204" pitchFamily="18" charset="0"/>
-              </a:rPr>
-            </a:br>
-            <a:endParaRPr lang="en-US" sz="2400" b="1">
-              <a:solidFill>
-                <a:schemeClr val="accent1"/>
-              </a:solidFill>
-              <a:latin typeface="Cambria" panose="02040503050406030204" pitchFamily="18" charset="0"/>
-            </a:endParaRPr>
-          </a:p>
-          <a:p>
-            <a:pPr marL="342900" indent="-342900">
-              <a:buFont typeface="Arial"/>
-              <a:buChar char="•"/>
-            </a:pPr>
-            <a:r>
-              <a:rPr lang="en-US" sz="2400" b="1">
-                <a:solidFill>
-                  <a:schemeClr val="accent1"/>
-                </a:solidFill>
-                <a:latin typeface="Cambria" panose="02040503050406030204" pitchFamily="18" charset="0"/>
-              </a:rPr>
-              <a:t>OBJECT DETECTION</a:t>
-            </a:r>
-            <a:br>
-              <a:rPr lang="en-US" sz="2400" b="1">
-                <a:solidFill>
-                  <a:schemeClr val="accent1"/>
-                </a:solidFill>
-                <a:latin typeface="Cambria" panose="02040503050406030204" pitchFamily="18" charset="0"/>
-              </a:rPr>
-            </a:br>
-            <a:endParaRPr lang="en-US" sz="2400" b="1">
-              <a:solidFill>
-                <a:schemeClr val="accent1"/>
-              </a:solidFill>
-              <a:latin typeface="Cambria" panose="02040503050406030204" pitchFamily="18" charset="0"/>
-            </a:endParaRPr>
-          </a:p>
-          <a:p>
-            <a:pPr marL="342900" indent="-342900">
-              <a:buFont typeface="Arial"/>
-              <a:buChar char="•"/>
-            </a:pPr>
-            <a:r>
-              <a:rPr lang="en-US" sz="2400" b="1">
-                <a:solidFill>
-                  <a:schemeClr val="accent1"/>
-                </a:solidFill>
-                <a:latin typeface="Cambria" panose="02040503050406030204" pitchFamily="18" charset="0"/>
-              </a:rPr>
-              <a:t>NATURAL LANGUAGE PROCESSING, SPEECH RECOGNITION</a:t>
-            </a:r>
-            <a:br>
-              <a:rPr lang="en-US" sz="2400" b="1">
-                <a:solidFill>
-                  <a:schemeClr val="accent1"/>
-                </a:solidFill>
-                <a:latin typeface="Cambria" panose="02040503050406030204" pitchFamily="18" charset="0"/>
-              </a:rPr>
-            </a:br>
-            <a:endParaRPr lang="en-US" sz="2400" b="1">
-              <a:solidFill>
-                <a:schemeClr val="accent1"/>
-              </a:solidFill>
-              <a:latin typeface="Cambria" panose="02040503050406030204" pitchFamily="18" charset="0"/>
-            </a:endParaRPr>
-          </a:p>
-          <a:p>
-            <a:pPr marL="342900" indent="-342900">
-              <a:buFont typeface="Arial"/>
-              <a:buChar char="•"/>
-            </a:pPr>
-            <a:r>
-              <a:rPr lang="en-US" sz="2400" b="1">
-                <a:solidFill>
-                  <a:schemeClr val="accent1"/>
-                </a:solidFill>
-                <a:latin typeface="Cambria" panose="02040503050406030204" pitchFamily="18" charset="0"/>
-              </a:rPr>
-              <a:t>TIME SERIES PREDICTION</a:t>
-            </a:r>
-            <a:br>
-              <a:rPr lang="en-US" sz="2400" b="1">
-                <a:solidFill>
-                  <a:schemeClr val="accent1"/>
-                </a:solidFill>
-                <a:latin typeface="Cambria" panose="02040503050406030204" pitchFamily="18" charset="0"/>
-              </a:rPr>
-            </a:br>
-            <a:endParaRPr lang="en-US" sz="2400" b="1">
-              <a:solidFill>
-                <a:schemeClr val="accent1"/>
-              </a:solidFill>
-              <a:latin typeface="Cambria" panose="02040503050406030204" pitchFamily="18" charset="0"/>
-            </a:endParaRPr>
-          </a:p>
-          <a:p>
-            <a:pPr marL="342900" indent="-342900">
-              <a:buFont typeface="Arial"/>
-              <a:buChar char="•"/>
-            </a:pPr>
-            <a:r>
-              <a:rPr lang="en-US" sz="2400" b="1">
-                <a:solidFill>
-                  <a:schemeClr val="accent1"/>
-                </a:solidFill>
-                <a:latin typeface="Cambria" panose="02040503050406030204" pitchFamily="18" charset="0"/>
-              </a:rPr>
-              <a:t>ROBOTIC</a:t>
-            </a:r>
-            <a:br>
-              <a:rPr lang="en-US" sz="2400" b="1">
-                <a:solidFill>
-                  <a:schemeClr val="accent1"/>
-                </a:solidFill>
-                <a:latin typeface="Cambria" panose="02040503050406030204" pitchFamily="18" charset="0"/>
-              </a:rPr>
-            </a:br>
-            <a:endParaRPr lang="en-US" sz="2400" b="1">
-              <a:solidFill>
-                <a:schemeClr val="accent1"/>
-              </a:solidFill>
-              <a:latin typeface="Cambria" panose="02040503050406030204" pitchFamily="18" charset="0"/>
-            </a:endParaRPr>
-          </a:p>
-          <a:p>
-            <a:pPr marL="342900" indent="-342900">
-              <a:buFont typeface="Arial"/>
-              <a:buChar char="•"/>
-            </a:pPr>
-            <a:r>
-              <a:rPr lang="en-US" sz="2400" b="1">
-                <a:solidFill>
-                  <a:schemeClr val="accent1"/>
-                </a:solidFill>
-                <a:latin typeface="Cambria" panose="02040503050406030204" pitchFamily="18" charset="0"/>
-              </a:rPr>
-              <a:t>GAMES &amp; SIMULATION </a:t>
-            </a:r>
-            <a:br>
-              <a:rPr lang="en-US" sz="2400" b="1">
-                <a:solidFill>
-                  <a:schemeClr val="accent1"/>
-                </a:solidFill>
-                <a:latin typeface="Cambria" panose="02040503050406030204" pitchFamily="18" charset="0"/>
-              </a:rPr>
-            </a:br>
-            <a:br>
-              <a:rPr lang="en-US" sz="2400">
-                <a:solidFill>
-                  <a:schemeClr val="accent1"/>
-                </a:solidFill>
-                <a:latin typeface="Cambria" panose="02040503050406030204" pitchFamily="18" charset="0"/>
-              </a:rPr>
-            </a:br>
-            <a:endParaRPr lang="en-US" sz="2400" dirty="0">
-              <a:solidFill>
-                <a:schemeClr val="accent1"/>
-              </a:solidFill>
-              <a:latin typeface="Cambria" panose="02040503050406030204" pitchFamily="18" charset="0"/>
-            </a:endParaRPr>
+              <a:t>HOW COULD YOU GROUP THEM?</a:t>
+            </a:r>
           </a:p>
         </p:txBody>
       </p:sp>
     </p:spTree>
     <p:extLst>
       <p:ext uri="{BB962C8B-B14F-4D97-AF65-F5344CB8AC3E}">
-        <p14:creationId xmlns:p14="http://schemas.microsoft.com/office/powerpoint/2010/main" val="4243481658"/>
+        <p14:creationId xmlns:p14="http://schemas.microsoft.com/office/powerpoint/2010/main" val="1412673654"/>
       </p:ext>
     </p:extLst>
   </p:cSld>
@@ -10434,14 +11233,20 @@
           <a:lstStyle/>
           <a:p>
             <a:r>
-              <a:rPr lang="en-US" sz="3000" b="1" dirty="0">
+              <a:rPr lang="en-US" sz="3000" b="1">
                 <a:solidFill>
                   <a:schemeClr val="accent1"/>
                 </a:solidFill>
                 <a:latin typeface="Cambria" panose="02040503050406030204" pitchFamily="18" charset="0"/>
               </a:rPr>
-              <a:t>BY ACTIVITY SECTORS</a:t>
-            </a:r>
+              <a:t>BY “TECHNOLOGY“ TYPE</a:t>
+            </a:r>
+            <a:endParaRPr lang="en-US" sz="3000" b="1" dirty="0">
+              <a:solidFill>
+                <a:schemeClr val="accent1"/>
+              </a:solidFill>
+              <a:latin typeface="Cambria" panose="02040503050406030204" pitchFamily="18" charset="0"/>
+            </a:endParaRPr>
           </a:p>
         </p:txBody>
       </p:sp>
@@ -10453,8 +11258,8 @@
         </p:nvSpPr>
         <p:spPr>
           <a:xfrm>
-            <a:off x="1275701" y="1830236"/>
-            <a:ext cx="9909364" cy="5632311"/>
+            <a:off x="1275701" y="1868336"/>
+            <a:ext cx="9909364" cy="4893647"/>
           </a:xfrm>
           <a:prstGeom prst="rect">
             <a:avLst/>
@@ -10478,7 +11283,7 @@
                 </a:solidFill>
                 <a:latin typeface="Cambria" panose="02040503050406030204" pitchFamily="18" charset="0"/>
               </a:rPr>
-              <a:t>HEALTH</a:t>
+              <a:t>IMAGE RECOGNITION</a:t>
             </a:r>
             <a:br>
               <a:rPr lang="en-US" sz="2400" b="1" dirty="0">
@@ -10507,7 +11312,7 @@
                 </a:solidFill>
                 <a:latin typeface="Cambria" panose="02040503050406030204" pitchFamily="18" charset="0"/>
               </a:rPr>
-              <a:t>AGRICULTURE, ENVIRONMENT</a:t>
+              <a:t>OBJECT DETECTION</a:t>
             </a:r>
             <a:br>
               <a:rPr lang="en-US" sz="2400" b="1" dirty="0">
@@ -10536,7 +11341,7 @@
                 </a:solidFill>
                 <a:latin typeface="Cambria" panose="02040503050406030204" pitchFamily="18" charset="0"/>
               </a:rPr>
-              <a:t>EDUCATION &amp; SCIENCE</a:t>
+              <a:t>NATURAL LANGUAGE PROCESSING, SPEECH RECOGNITION</a:t>
             </a:r>
             <a:br>
               <a:rPr lang="en-US" sz="2400" b="1" dirty="0">
@@ -10565,7 +11370,7 @@
                 </a:solidFill>
                 <a:latin typeface="Cambria" panose="02040503050406030204" pitchFamily="18" charset="0"/>
               </a:rPr>
-              <a:t>INDUSTRY</a:t>
+              <a:t>TIME SERIES PREDICTION</a:t>
             </a:r>
             <a:br>
               <a:rPr lang="en-US" sz="2400" b="1" dirty="0">
@@ -10594,7 +11399,7 @@
                 </a:solidFill>
                 <a:latin typeface="Cambria" panose="02040503050406030204" pitchFamily="18" charset="0"/>
               </a:rPr>
-              <a:t>DEFENCE</a:t>
+              <a:t>ROBOTIC</a:t>
             </a:r>
             <a:br>
               <a:rPr lang="en-US" sz="2400" b="1" dirty="0">
@@ -10623,36 +11428,7 @@
                 </a:solidFill>
                 <a:latin typeface="Cambria" panose="02040503050406030204" pitchFamily="18" charset="0"/>
               </a:rPr>
-              <a:t>FINANCE (ATS)</a:t>
-            </a:r>
-            <a:br>
-              <a:rPr lang="en-US" sz="2400" b="1" dirty="0">
-                <a:solidFill>
-                  <a:schemeClr val="accent1"/>
-                </a:solidFill>
-                <a:latin typeface="Cambria" panose="02040503050406030204" pitchFamily="18" charset="0"/>
-              </a:rPr>
-            </a:br>
-            <a:endParaRPr lang="en-US" sz="2400" b="1" dirty="0">
-              <a:solidFill>
-                <a:schemeClr val="accent1"/>
-              </a:solidFill>
-              <a:latin typeface="Cambria" panose="02040503050406030204" pitchFamily="18" charset="0"/>
-            </a:endParaRPr>
-          </a:p>
-          <a:p>
-            <a:pPr marL="342900" indent="-342900">
-              <a:buFont typeface="Arial"/>
-              <a:buChar char="•"/>
-            </a:pPr>
-            <a:r>
-              <a:rPr lang="en-US" sz="2400" b="1" dirty="0">
-                <a:solidFill>
-                  <a:schemeClr val="accent1"/>
-                </a:solidFill>
-                <a:latin typeface="Cambria" panose="02040503050406030204" pitchFamily="18" charset="0"/>
-              </a:rPr>
-              <a:t>...</a:t>
+              <a:t>GAMES &amp; SIMULATION </a:t>
             </a:r>
             <a:br>
               <a:rPr lang="en-US" sz="2400" b="1" dirty="0">
@@ -10679,10 +11455,49 @@
           </a:p>
         </p:txBody>
       </p:sp>
+      <p:cxnSp>
+        <p:nvCxnSpPr>
+          <p:cNvPr id="4" name="Straight Connector 3">
+            <a:extLst>
+              <a:ext uri="{FF2B5EF4-FFF2-40B4-BE49-F238E27FC236}">
+                <a16:creationId xmlns:a16="http://schemas.microsoft.com/office/drawing/2014/main" id="{76F45948-CF12-EE47-A047-F9980A1F02CD}"/>
+              </a:ext>
+            </a:extLst>
+          </p:cNvPr>
+          <p:cNvCxnSpPr>
+            <a:cxnSpLocks/>
+          </p:cNvCxnSpPr>
+          <p:nvPr/>
+        </p:nvCxnSpPr>
+        <p:spPr>
+          <a:xfrm>
+            <a:off x="1378101" y="1753299"/>
+            <a:ext cx="8428839" cy="0"/>
+          </a:xfrm>
+          <a:prstGeom prst="line">
+            <a:avLst/>
+          </a:prstGeom>
+          <a:ln w="12700"/>
+        </p:spPr>
+        <p:style>
+          <a:lnRef idx="1">
+            <a:schemeClr val="accent1"/>
+          </a:lnRef>
+          <a:fillRef idx="0">
+            <a:schemeClr val="accent1"/>
+          </a:fillRef>
+          <a:effectRef idx="0">
+            <a:schemeClr val="accent1"/>
+          </a:effectRef>
+          <a:fontRef idx="minor">
+            <a:schemeClr val="tx1"/>
+          </a:fontRef>
+        </p:style>
+      </p:cxnSp>
     </p:spTree>
     <p:extLst>
       <p:ext uri="{BB962C8B-B14F-4D97-AF65-F5344CB8AC3E}">
-        <p14:creationId xmlns:p14="http://schemas.microsoft.com/office/powerpoint/2010/main" val="3692301791"/>
+        <p14:creationId xmlns:p14="http://schemas.microsoft.com/office/powerpoint/2010/main" val="4243481658"/>
       </p:ext>
     </p:extLst>
   </p:cSld>
@@ -10750,7 +11565,7 @@
                 </a:solidFill>
                 <a:latin typeface="Cambria" panose="02040503050406030204" pitchFamily="18" charset="0"/>
               </a:rPr>
-              <a:t>BUT MANY ARE TRANSECTORAL</a:t>
+              <a:t>BY ACTIVITY SECTORS</a:t>
             </a:r>
           </a:p>
         </p:txBody>
@@ -10764,7 +11579,7 @@
         <p:spPr>
           <a:xfrm>
             <a:off x="1275701" y="1830236"/>
-            <a:ext cx="9909364" cy="3416320"/>
+            <a:ext cx="9909364" cy="5632311"/>
           </a:xfrm>
           <a:prstGeom prst="rect">
             <a:avLst/>
@@ -10788,7 +11603,7 @@
                 </a:solidFill>
                 <a:latin typeface="Cambria" panose="02040503050406030204" pitchFamily="18" charset="0"/>
               </a:rPr>
-              <a:t>TRANSPORTATION</a:t>
+              <a:t>HEALTH</a:t>
             </a:r>
             <a:br>
               <a:rPr lang="en-US" sz="2400" b="1" dirty="0">
@@ -10817,7 +11632,7 @@
                 </a:solidFill>
                 <a:latin typeface="Cambria" panose="02040503050406030204" pitchFamily="18" charset="0"/>
               </a:rPr>
-              <a:t>ENERGY</a:t>
+              <a:t>AGRICULTURE, ENVIRONMENT</a:t>
             </a:r>
             <a:br>
               <a:rPr lang="en-US" sz="2400" b="1" dirty="0">
@@ -10846,7 +11661,7 @@
                 </a:solidFill>
                 <a:latin typeface="Cambria" panose="02040503050406030204" pitchFamily="18" charset="0"/>
               </a:rPr>
-              <a:t>VIRTUAL ASSISTANT</a:t>
+              <a:t>EDUCATION &amp; SCIENCE</a:t>
             </a:r>
             <a:br>
               <a:rPr lang="en-US" sz="2400" b="1" dirty="0">
@@ -10875,6 +11690,93 @@
                 </a:solidFill>
                 <a:latin typeface="Cambria" panose="02040503050406030204" pitchFamily="18" charset="0"/>
               </a:rPr>
+              <a:t>INDUSTRY</a:t>
+            </a:r>
+            <a:br>
+              <a:rPr lang="en-US" sz="2400" b="1" dirty="0">
+                <a:solidFill>
+                  <a:schemeClr val="accent1"/>
+                </a:solidFill>
+                <a:latin typeface="Cambria" panose="02040503050406030204" pitchFamily="18" charset="0"/>
+              </a:rPr>
+            </a:br>
+            <a:endParaRPr lang="en-US" sz="2400" b="1" dirty="0">
+              <a:solidFill>
+                <a:schemeClr val="accent1"/>
+              </a:solidFill>
+              <a:latin typeface="Cambria" panose="02040503050406030204" pitchFamily="18" charset="0"/>
+            </a:endParaRPr>
+          </a:p>
+          <a:p>
+            <a:pPr marL="342900" indent="-342900">
+              <a:buFont typeface="Arial"/>
+              <a:buChar char="•"/>
+            </a:pPr>
+            <a:r>
+              <a:rPr lang="en-US" sz="2400" b="1" dirty="0">
+                <a:solidFill>
+                  <a:schemeClr val="accent1"/>
+                </a:solidFill>
+                <a:latin typeface="Cambria" panose="02040503050406030204" pitchFamily="18" charset="0"/>
+              </a:rPr>
+              <a:t>DEFENCE</a:t>
+            </a:r>
+            <a:br>
+              <a:rPr lang="en-US" sz="2400" b="1" dirty="0">
+                <a:solidFill>
+                  <a:schemeClr val="accent1"/>
+                </a:solidFill>
+                <a:latin typeface="Cambria" panose="02040503050406030204" pitchFamily="18" charset="0"/>
+              </a:rPr>
+            </a:br>
+            <a:endParaRPr lang="en-US" sz="2400" b="1" dirty="0">
+              <a:solidFill>
+                <a:schemeClr val="accent1"/>
+              </a:solidFill>
+              <a:latin typeface="Cambria" panose="02040503050406030204" pitchFamily="18" charset="0"/>
+            </a:endParaRPr>
+          </a:p>
+          <a:p>
+            <a:pPr marL="342900" indent="-342900">
+              <a:buFont typeface="Arial"/>
+              <a:buChar char="•"/>
+            </a:pPr>
+            <a:r>
+              <a:rPr lang="en-US" sz="2400" b="1" dirty="0">
+                <a:solidFill>
+                  <a:schemeClr val="accent1"/>
+                </a:solidFill>
+                <a:latin typeface="Cambria" panose="02040503050406030204" pitchFamily="18" charset="0"/>
+              </a:rPr>
+              <a:t>FINANCE (ATS)</a:t>
+            </a:r>
+            <a:br>
+              <a:rPr lang="en-US" sz="2400" b="1" dirty="0">
+                <a:solidFill>
+                  <a:schemeClr val="accent1"/>
+                </a:solidFill>
+                <a:latin typeface="Cambria" panose="02040503050406030204" pitchFamily="18" charset="0"/>
+              </a:rPr>
+            </a:br>
+            <a:endParaRPr lang="en-US" sz="2400" b="1" dirty="0">
+              <a:solidFill>
+                <a:schemeClr val="accent1"/>
+              </a:solidFill>
+              <a:latin typeface="Cambria" panose="02040503050406030204" pitchFamily="18" charset="0"/>
+            </a:endParaRPr>
+          </a:p>
+          <a:p>
+            <a:pPr marL="342900" indent="-342900">
+              <a:buFont typeface="Arial"/>
+              <a:buChar char="•"/>
+            </a:pPr>
+            <a:r>
+              <a:rPr lang="en-US" sz="2400" b="1" dirty="0">
+                <a:solidFill>
+                  <a:schemeClr val="accent1"/>
+                </a:solidFill>
+                <a:latin typeface="Cambria" panose="02040503050406030204" pitchFamily="18" charset="0"/>
+              </a:rPr>
               <a:t>...</a:t>
             </a:r>
             <a:br>
@@ -10902,10 +11804,49 @@
           </a:p>
         </p:txBody>
       </p:sp>
+      <p:cxnSp>
+        <p:nvCxnSpPr>
+          <p:cNvPr id="4" name="Straight Connector 3">
+            <a:extLst>
+              <a:ext uri="{FF2B5EF4-FFF2-40B4-BE49-F238E27FC236}">
+                <a16:creationId xmlns:a16="http://schemas.microsoft.com/office/drawing/2014/main" id="{42051892-43AB-FA4D-9736-835F0625C22E}"/>
+              </a:ext>
+            </a:extLst>
+          </p:cNvPr>
+          <p:cNvCxnSpPr>
+            <a:cxnSpLocks/>
+          </p:cNvCxnSpPr>
+          <p:nvPr/>
+        </p:nvCxnSpPr>
+        <p:spPr>
+          <a:xfrm>
+            <a:off x="1378101" y="1753299"/>
+            <a:ext cx="4565499" cy="0"/>
+          </a:xfrm>
+          <a:prstGeom prst="line">
+            <a:avLst/>
+          </a:prstGeom>
+          <a:ln w="12700"/>
+        </p:spPr>
+        <p:style>
+          <a:lnRef idx="1">
+            <a:schemeClr val="accent1"/>
+          </a:lnRef>
+          <a:fillRef idx="0">
+            <a:schemeClr val="accent1"/>
+          </a:fillRef>
+          <a:effectRef idx="0">
+            <a:schemeClr val="accent1"/>
+          </a:effectRef>
+          <a:fontRef idx="minor">
+            <a:schemeClr val="tx1"/>
+          </a:fontRef>
+        </p:style>
+      </p:cxnSp>
     </p:spTree>
     <p:extLst>
       <p:ext uri="{BB962C8B-B14F-4D97-AF65-F5344CB8AC3E}">
-        <p14:creationId xmlns:p14="http://schemas.microsoft.com/office/powerpoint/2010/main" val="3074714673"/>
+        <p14:creationId xmlns:p14="http://schemas.microsoft.com/office/powerpoint/2010/main" val="3692301791"/>
       </p:ext>
     </p:extLst>
   </p:cSld>
@@ -10987,7 +11928,7 @@
         <p:spPr>
           <a:xfrm>
             <a:off x="1275701" y="1830236"/>
-            <a:ext cx="9909364" cy="3416320"/>
+            <a:ext cx="9909364" cy="4154984"/>
           </a:xfrm>
           <a:prstGeom prst="rect">
             <a:avLst/>
@@ -11040,7 +11981,7 @@
                 </a:solidFill>
                 <a:latin typeface="Cambria" panose="02040503050406030204" pitchFamily="18" charset="0"/>
               </a:rPr>
-              <a:t>ENERGY</a:t>
+              <a:t>LOGISTICS - Ex. of O2O (Online to Offline services)</a:t>
             </a:r>
             <a:br>
               <a:rPr lang="en-US" sz="2400" b="1" dirty="0">
@@ -11069,7 +12010,7 @@
                 </a:solidFill>
                 <a:latin typeface="Cambria" panose="02040503050406030204" pitchFamily="18" charset="0"/>
               </a:rPr>
-              <a:t>VIRTUAL ASSISTANT</a:t>
+              <a:t>ENERGY</a:t>
             </a:r>
             <a:br>
               <a:rPr lang="en-US" sz="2400" b="1" dirty="0">
@@ -11098,6 +12039,35 @@
                 </a:solidFill>
                 <a:latin typeface="Cambria" panose="02040503050406030204" pitchFamily="18" charset="0"/>
               </a:rPr>
+              <a:t>VIRTUAL ASSISTANT</a:t>
+            </a:r>
+            <a:br>
+              <a:rPr lang="en-US" sz="2400" b="1" dirty="0">
+                <a:solidFill>
+                  <a:schemeClr val="accent1"/>
+                </a:solidFill>
+                <a:latin typeface="Cambria" panose="02040503050406030204" pitchFamily="18" charset="0"/>
+              </a:rPr>
+            </a:br>
+            <a:endParaRPr lang="en-US" sz="2400" b="1" dirty="0">
+              <a:solidFill>
+                <a:schemeClr val="accent1"/>
+              </a:solidFill>
+              <a:latin typeface="Cambria" panose="02040503050406030204" pitchFamily="18" charset="0"/>
+            </a:endParaRPr>
+          </a:p>
+          <a:p>
+            <a:pPr marL="342900" indent="-342900">
+              <a:buFont typeface="Arial"/>
+              <a:buChar char="•"/>
+            </a:pPr>
+            <a:r>
+              <a:rPr lang="en-US" sz="2400" b="1" dirty="0">
+                <a:solidFill>
+                  <a:schemeClr val="accent1"/>
+                </a:solidFill>
+                <a:latin typeface="Cambria" panose="02040503050406030204" pitchFamily="18" charset="0"/>
+              </a:rPr>
               <a:t>...</a:t>
             </a:r>
             <a:br>
@@ -11125,6 +12095,45 @@
           </a:p>
         </p:txBody>
       </p:sp>
+      <p:cxnSp>
+        <p:nvCxnSpPr>
+          <p:cNvPr id="4" name="Straight Connector 3">
+            <a:extLst>
+              <a:ext uri="{FF2B5EF4-FFF2-40B4-BE49-F238E27FC236}">
+                <a16:creationId xmlns:a16="http://schemas.microsoft.com/office/drawing/2014/main" id="{78FB960B-91CD-3B4F-B566-87813A1C8C85}"/>
+              </a:ext>
+            </a:extLst>
+          </p:cNvPr>
+          <p:cNvCxnSpPr>
+            <a:cxnSpLocks/>
+          </p:cNvCxnSpPr>
+          <p:nvPr/>
+        </p:nvCxnSpPr>
+        <p:spPr>
+          <a:xfrm>
+            <a:off x="1378101" y="1753299"/>
+            <a:ext cx="7942068" cy="0"/>
+          </a:xfrm>
+          <a:prstGeom prst="line">
+            <a:avLst/>
+          </a:prstGeom>
+          <a:ln w="12700"/>
+        </p:spPr>
+        <p:style>
+          <a:lnRef idx="1">
+            <a:schemeClr val="accent1"/>
+          </a:lnRef>
+          <a:fillRef idx="0">
+            <a:schemeClr val="accent1"/>
+          </a:fillRef>
+          <a:effectRef idx="0">
+            <a:schemeClr val="accent1"/>
+          </a:effectRef>
+          <a:fontRef idx="minor">
+            <a:schemeClr val="tx1"/>
+          </a:fontRef>
+        </p:style>
+      </p:cxnSp>
     </p:spTree>
     <p:extLst>
       <p:ext uri="{BB962C8B-B14F-4D97-AF65-F5344CB8AC3E}">
@@ -11169,14 +12178,14 @@
       </p:grpSpPr>
       <p:sp>
         <p:nvSpPr>
-          <p:cNvPr id="8" name="TextBox 7"/>
+          <p:cNvPr id="3" name="TextBox 2"/>
           <p:cNvSpPr txBox="1"/>
           <p:nvPr/>
         </p:nvSpPr>
         <p:spPr>
           <a:xfrm>
-            <a:off x="1271768" y="1115051"/>
-            <a:ext cx="9196386" cy="630942"/>
+            <a:off x="2513338" y="1738043"/>
+            <a:ext cx="8688062" cy="1631216"/>
           </a:xfrm>
           <a:prstGeom prst="rect">
             <a:avLst/>
@@ -11190,21 +12199,71 @@
           <a:lstStyle/>
           <a:p>
             <a:r>
-              <a:rPr lang="en-US" sz="3500" b="1" dirty="0">
+              <a:rPr lang="en-US" sz="5000" b="1" dirty="0">
                 <a:solidFill>
                   <a:schemeClr val="accent1"/>
                 </a:solidFill>
                 <a:latin typeface="Cambria" panose="02040503050406030204" pitchFamily="18" charset="0"/>
               </a:rPr>
-              <a:t>AN QUICK TOUR OF SOME AI APPLICATIONS</a:t>
-            </a:r>
-          </a:p>
-        </p:txBody>
-      </p:sp>
+              <a:t>QUICK TOUR OF SOME AI</a:t>
+            </a:r>
+          </a:p>
+          <a:p>
+            <a:r>
+              <a:rPr lang="en-US" sz="5000" b="1" dirty="0">
+                <a:solidFill>
+                  <a:schemeClr val="accent1"/>
+                </a:solidFill>
+                <a:latin typeface="Cambria" panose="02040503050406030204" pitchFamily="18" charset="0"/>
+              </a:rPr>
+              <a:t>APPLICATIONS</a:t>
+            </a:r>
+          </a:p>
+        </p:txBody>
+      </p:sp>
+      <p:cxnSp>
+        <p:nvCxnSpPr>
+          <p:cNvPr id="5" name="Straight Connector 4">
+            <a:extLst>
+              <a:ext uri="{FF2B5EF4-FFF2-40B4-BE49-F238E27FC236}">
+                <a16:creationId xmlns:a16="http://schemas.microsoft.com/office/drawing/2014/main" id="{2571E43F-CCA3-BB47-A7AF-81B47EA888E0}"/>
+              </a:ext>
+            </a:extLst>
+          </p:cNvPr>
+          <p:cNvCxnSpPr>
+            <a:cxnSpLocks/>
+          </p:cNvCxnSpPr>
+          <p:nvPr/>
+        </p:nvCxnSpPr>
+        <p:spPr>
+          <a:xfrm>
+            <a:off x="2300750" y="1879133"/>
+            <a:ext cx="0" cy="1283167"/>
+          </a:xfrm>
+          <a:prstGeom prst="line">
+            <a:avLst/>
+          </a:prstGeom>
+          <a:ln w="38100"/>
+        </p:spPr>
+        <p:style>
+          <a:lnRef idx="1">
+            <a:schemeClr val="accent1"/>
+          </a:lnRef>
+          <a:fillRef idx="0">
+            <a:schemeClr val="accent1"/>
+          </a:fillRef>
+          <a:effectRef idx="0">
+            <a:schemeClr val="accent1"/>
+          </a:effectRef>
+          <a:fontRef idx="minor">
+            <a:schemeClr val="tx1"/>
+          </a:fontRef>
+        </p:style>
+      </p:cxnSp>
     </p:spTree>
     <p:extLst>
       <p:ext uri="{BB962C8B-B14F-4D97-AF65-F5344CB8AC3E}">
-        <p14:creationId xmlns:p14="http://schemas.microsoft.com/office/powerpoint/2010/main" val="1601071183"/>
+        <p14:creationId xmlns:p14="http://schemas.microsoft.com/office/powerpoint/2010/main" val="275457228"/>
       </p:ext>
     </p:extLst>
   </p:cSld>
@@ -11299,7 +12358,7 @@
         </p:blipFill>
         <p:spPr>
           <a:xfrm>
-            <a:off x="1402080" y="1915079"/>
+            <a:off x="1402080" y="1998899"/>
             <a:ext cx="6789239" cy="3475343"/>
           </a:xfrm>
           <a:prstGeom prst="rect">
@@ -11380,6 +12439,45 @@
           </a:p>
         </p:txBody>
       </p:sp>
+      <p:cxnSp>
+        <p:nvCxnSpPr>
+          <p:cNvPr id="5" name="Straight Connector 4">
+            <a:extLst>
+              <a:ext uri="{FF2B5EF4-FFF2-40B4-BE49-F238E27FC236}">
+                <a16:creationId xmlns:a16="http://schemas.microsoft.com/office/drawing/2014/main" id="{70B442D4-7556-2644-8AA5-C3C64A30D8CC}"/>
+              </a:ext>
+            </a:extLst>
+          </p:cNvPr>
+          <p:cNvCxnSpPr>
+            <a:cxnSpLocks/>
+          </p:cNvCxnSpPr>
+          <p:nvPr/>
+        </p:nvCxnSpPr>
+        <p:spPr>
+          <a:xfrm>
+            <a:off x="1378101" y="1753299"/>
+            <a:ext cx="6813218" cy="0"/>
+          </a:xfrm>
+          <a:prstGeom prst="line">
+            <a:avLst/>
+          </a:prstGeom>
+          <a:ln w="12700"/>
+        </p:spPr>
+        <p:style>
+          <a:lnRef idx="1">
+            <a:schemeClr val="accent1"/>
+          </a:lnRef>
+          <a:fillRef idx="0">
+            <a:schemeClr val="accent1"/>
+          </a:fillRef>
+          <a:effectRef idx="0">
+            <a:schemeClr val="accent1"/>
+          </a:effectRef>
+          <a:fontRef idx="minor">
+            <a:schemeClr val="tx1"/>
+          </a:fontRef>
+        </p:style>
+      </p:cxnSp>
     </p:spTree>
     <p:extLst>
       <p:ext uri="{BB962C8B-B14F-4D97-AF65-F5344CB8AC3E}">

--- a/presentations/session-5-application-of-ai.pptx
+++ b/presentations/session-5-application-of-ai.pptx
@@ -5,7 +5,7 @@
     <p:sldMasterId id="2147483648" r:id="rId1"/>
   </p:sldMasterIdLst>
   <p:notesMasterIdLst>
-    <p:notesMasterId r:id="rId36"/>
+    <p:notesMasterId r:id="rId38"/>
   </p:notesMasterIdLst>
   <p:sldIdLst>
     <p:sldId id="263" r:id="rId2"/>
@@ -25,23 +25,25 @@
     <p:sldId id="583" r:id="rId16"/>
     <p:sldId id="563" r:id="rId17"/>
     <p:sldId id="554" r:id="rId18"/>
-    <p:sldId id="586" r:id="rId19"/>
-    <p:sldId id="565" r:id="rId20"/>
-    <p:sldId id="568" r:id="rId21"/>
-    <p:sldId id="567" r:id="rId22"/>
-    <p:sldId id="569" r:id="rId23"/>
-    <p:sldId id="570" r:id="rId24"/>
-    <p:sldId id="571" r:id="rId25"/>
-    <p:sldId id="572" r:id="rId26"/>
-    <p:sldId id="573" r:id="rId27"/>
-    <p:sldId id="574" r:id="rId28"/>
-    <p:sldId id="575" r:id="rId29"/>
-    <p:sldId id="577" r:id="rId30"/>
-    <p:sldId id="578" r:id="rId31"/>
-    <p:sldId id="579" r:id="rId32"/>
-    <p:sldId id="580" r:id="rId33"/>
-    <p:sldId id="581" r:id="rId34"/>
-    <p:sldId id="582" r:id="rId35"/>
+    <p:sldId id="587" r:id="rId19"/>
+    <p:sldId id="586" r:id="rId20"/>
+    <p:sldId id="589" r:id="rId21"/>
+    <p:sldId id="565" r:id="rId22"/>
+    <p:sldId id="588" r:id="rId23"/>
+    <p:sldId id="568" r:id="rId24"/>
+    <p:sldId id="567" r:id="rId25"/>
+    <p:sldId id="569" r:id="rId26"/>
+    <p:sldId id="570" r:id="rId27"/>
+    <p:sldId id="571" r:id="rId28"/>
+    <p:sldId id="572" r:id="rId29"/>
+    <p:sldId id="573" r:id="rId30"/>
+    <p:sldId id="574" r:id="rId31"/>
+    <p:sldId id="575" r:id="rId32"/>
+    <p:sldId id="577" r:id="rId33"/>
+    <p:sldId id="578" r:id="rId34"/>
+    <p:sldId id="579" r:id="rId35"/>
+    <p:sldId id="580" r:id="rId36"/>
+    <p:sldId id="581" r:id="rId37"/>
   </p:sldIdLst>
   <p:sldSz cx="12192000" cy="6858000"/>
   <p:notesSz cx="6797675" cy="9874250"/>
@@ -1342,7 +1344,7 @@
     </p:spTree>
     <p:extLst>
       <p:ext uri="{BB962C8B-B14F-4D97-AF65-F5344CB8AC3E}">
-        <p14:creationId xmlns:p14="http://schemas.microsoft.com/office/powerpoint/2010/main" val="4287185181"/>
+        <p14:creationId xmlns:p14="http://schemas.microsoft.com/office/powerpoint/2010/main" val="2414011836"/>
       </p:ext>
     </p:extLst>
   </p:cSld>
@@ -1396,6 +1398,10 @@
           <a:bodyPr/>
           <a:lstStyle/>
           <a:p>
+            <a:pPr marL="171450" indent="-171450">
+              <a:buFont typeface="Arial" panose="020B0604020202020204" pitchFamily="34" charset="0"/>
+              <a:buChar char="•"/>
+            </a:pPr>
             <a:endParaRPr lang="en-US" dirty="0"/>
           </a:p>
         </p:txBody>
@@ -1426,7 +1432,7 @@
     </p:spTree>
     <p:extLst>
       <p:ext uri="{BB962C8B-B14F-4D97-AF65-F5344CB8AC3E}">
-        <p14:creationId xmlns:p14="http://schemas.microsoft.com/office/powerpoint/2010/main" val="333752062"/>
+        <p14:creationId xmlns:p14="http://schemas.microsoft.com/office/powerpoint/2010/main" val="4287185181"/>
       </p:ext>
     </p:extLst>
   </p:cSld>
@@ -1564,6 +1570,10 @@
           <a:bodyPr/>
           <a:lstStyle/>
           <a:p>
+            <a:pPr marL="171450" indent="-171450">
+              <a:buFont typeface="Arial" panose="020B0604020202020204" pitchFamily="34" charset="0"/>
+              <a:buChar char="•"/>
+            </a:pPr>
             <a:endParaRPr lang="en-US" dirty="0"/>
           </a:p>
         </p:txBody>
@@ -1594,7 +1604,7 @@
     </p:spTree>
     <p:extLst>
       <p:ext uri="{BB962C8B-B14F-4D97-AF65-F5344CB8AC3E}">
-        <p14:creationId xmlns:p14="http://schemas.microsoft.com/office/powerpoint/2010/main" val="1586155269"/>
+        <p14:creationId xmlns:p14="http://schemas.microsoft.com/office/powerpoint/2010/main" val="3496240833"/>
       </p:ext>
     </p:extLst>
   </p:cSld>
@@ -1648,66 +1658,6 @@
           <a:bodyPr/>
           <a:lstStyle/>
           <a:p>
-            <a:r>
-              <a:rPr lang="fr-FR" dirty="0"/>
-              <a:t>Ex: </a:t>
-            </a:r>
-            <a:r>
-              <a:rPr lang="fr-FR" dirty="0" err="1"/>
-              <a:t>soil</a:t>
-            </a:r>
-            <a:r>
-              <a:rPr lang="fr-FR" dirty="0"/>
-              <a:t> </a:t>
-            </a:r>
-            <a:r>
-              <a:rPr lang="fr-FR" dirty="0" err="1"/>
-              <a:t>moisture</a:t>
-            </a:r>
-            <a:r>
-              <a:rPr lang="fr-FR" dirty="0"/>
-              <a:t> (</a:t>
-            </a:r>
-            <a:r>
-              <a:rPr lang="fr-FR" dirty="0" err="1"/>
-              <a:t>target</a:t>
-            </a:r>
-            <a:r>
-              <a:rPr lang="fr-FR" dirty="0"/>
-              <a:t>) </a:t>
-            </a:r>
-            <a:r>
-              <a:rPr lang="fr-FR" dirty="0" err="1"/>
-              <a:t>given</a:t>
-            </a:r>
-            <a:r>
-              <a:rPr lang="fr-FR" dirty="0"/>
-              <a:t> </a:t>
-            </a:r>
-            <a:r>
-              <a:rPr lang="fr-FR" dirty="0" err="1"/>
-              <a:t>temperature</a:t>
-            </a:r>
-            <a:r>
-              <a:rPr lang="fr-FR" dirty="0"/>
-              <a:t>, distance </a:t>
-            </a:r>
-            <a:r>
-              <a:rPr lang="fr-FR" dirty="0" err="1"/>
-              <a:t>from</a:t>
-            </a:r>
-            <a:r>
-              <a:rPr lang="fr-FR" dirty="0"/>
-              <a:t> river, ... (</a:t>
-            </a:r>
-            <a:r>
-              <a:rPr lang="fr-FR" dirty="0" err="1"/>
-              <a:t>features</a:t>
-            </a:r>
-            <a:r>
-              <a:rPr lang="fr-FR" dirty="0"/>
-              <a:t>)</a:t>
-            </a:r>
             <a:endParaRPr lang="en-US" dirty="0"/>
           </a:p>
         </p:txBody>
@@ -1738,7 +1688,7 @@
     </p:spTree>
     <p:extLst>
       <p:ext uri="{BB962C8B-B14F-4D97-AF65-F5344CB8AC3E}">
-        <p14:creationId xmlns:p14="http://schemas.microsoft.com/office/powerpoint/2010/main" val="2821334826"/>
+        <p14:creationId xmlns:p14="http://schemas.microsoft.com/office/powerpoint/2010/main" val="333752062"/>
       </p:ext>
     </p:extLst>
   </p:cSld>
@@ -1822,7 +1772,7 @@
     </p:spTree>
     <p:extLst>
       <p:ext uri="{BB962C8B-B14F-4D97-AF65-F5344CB8AC3E}">
-        <p14:creationId xmlns:p14="http://schemas.microsoft.com/office/powerpoint/2010/main" val="1179908455"/>
+        <p14:creationId xmlns:p14="http://schemas.microsoft.com/office/powerpoint/2010/main" val="2797618694"/>
       </p:ext>
     </p:extLst>
   </p:cSld>
@@ -1906,7 +1856,7 @@
     </p:spTree>
     <p:extLst>
       <p:ext uri="{BB962C8B-B14F-4D97-AF65-F5344CB8AC3E}">
-        <p14:creationId xmlns:p14="http://schemas.microsoft.com/office/powerpoint/2010/main" val="3086997894"/>
+        <p14:creationId xmlns:p14="http://schemas.microsoft.com/office/powerpoint/2010/main" val="1586155269"/>
       </p:ext>
     </p:extLst>
   </p:cSld>
@@ -1960,6 +1910,66 @@
           <a:bodyPr/>
           <a:lstStyle/>
           <a:p>
+            <a:r>
+              <a:rPr lang="fr-FR" dirty="0"/>
+              <a:t>Ex: </a:t>
+            </a:r>
+            <a:r>
+              <a:rPr lang="fr-FR" dirty="0" err="1"/>
+              <a:t>soil</a:t>
+            </a:r>
+            <a:r>
+              <a:rPr lang="fr-FR" dirty="0"/>
+              <a:t> </a:t>
+            </a:r>
+            <a:r>
+              <a:rPr lang="fr-FR" dirty="0" err="1"/>
+              <a:t>moisture</a:t>
+            </a:r>
+            <a:r>
+              <a:rPr lang="fr-FR" dirty="0"/>
+              <a:t> (</a:t>
+            </a:r>
+            <a:r>
+              <a:rPr lang="fr-FR" dirty="0" err="1"/>
+              <a:t>target</a:t>
+            </a:r>
+            <a:r>
+              <a:rPr lang="fr-FR" dirty="0"/>
+              <a:t>) </a:t>
+            </a:r>
+            <a:r>
+              <a:rPr lang="fr-FR" dirty="0" err="1"/>
+              <a:t>given</a:t>
+            </a:r>
+            <a:r>
+              <a:rPr lang="fr-FR" dirty="0"/>
+              <a:t> </a:t>
+            </a:r>
+            <a:r>
+              <a:rPr lang="fr-FR" dirty="0" err="1"/>
+              <a:t>temperature</a:t>
+            </a:r>
+            <a:r>
+              <a:rPr lang="fr-FR" dirty="0"/>
+              <a:t>, distance </a:t>
+            </a:r>
+            <a:r>
+              <a:rPr lang="fr-FR" dirty="0" err="1"/>
+              <a:t>from</a:t>
+            </a:r>
+            <a:r>
+              <a:rPr lang="fr-FR" dirty="0"/>
+              <a:t> river, ... (</a:t>
+            </a:r>
+            <a:r>
+              <a:rPr lang="fr-FR" dirty="0" err="1"/>
+              <a:t>features</a:t>
+            </a:r>
+            <a:r>
+              <a:rPr lang="fr-FR" dirty="0"/>
+              <a:t>)</a:t>
+            </a:r>
             <a:endParaRPr lang="en-US" dirty="0"/>
           </a:p>
         </p:txBody>
@@ -1990,7 +2000,7 @@
     </p:spTree>
     <p:extLst>
       <p:ext uri="{BB962C8B-B14F-4D97-AF65-F5344CB8AC3E}">
-        <p14:creationId xmlns:p14="http://schemas.microsoft.com/office/powerpoint/2010/main" val="1099359813"/>
+        <p14:creationId xmlns:p14="http://schemas.microsoft.com/office/powerpoint/2010/main" val="2821334826"/>
       </p:ext>
     </p:extLst>
   </p:cSld>
@@ -2074,7 +2084,7 @@
     </p:spTree>
     <p:extLst>
       <p:ext uri="{BB962C8B-B14F-4D97-AF65-F5344CB8AC3E}">
-        <p14:creationId xmlns:p14="http://schemas.microsoft.com/office/powerpoint/2010/main" val="538600896"/>
+        <p14:creationId xmlns:p14="http://schemas.microsoft.com/office/powerpoint/2010/main" val="1179908455"/>
       </p:ext>
     </p:extLst>
   </p:cSld>
@@ -2158,7 +2168,7 @@
     </p:spTree>
     <p:extLst>
       <p:ext uri="{BB962C8B-B14F-4D97-AF65-F5344CB8AC3E}">
-        <p14:creationId xmlns:p14="http://schemas.microsoft.com/office/powerpoint/2010/main" val="2118833780"/>
+        <p14:creationId xmlns:p14="http://schemas.microsoft.com/office/powerpoint/2010/main" val="3086997894"/>
       </p:ext>
     </p:extLst>
   </p:cSld>
@@ -2242,7 +2252,7 @@
     </p:spTree>
     <p:extLst>
       <p:ext uri="{BB962C8B-B14F-4D97-AF65-F5344CB8AC3E}">
-        <p14:creationId xmlns:p14="http://schemas.microsoft.com/office/powerpoint/2010/main" val="2539212987"/>
+        <p14:creationId xmlns:p14="http://schemas.microsoft.com/office/powerpoint/2010/main" val="1099359813"/>
       </p:ext>
     </p:extLst>
   </p:cSld>
@@ -2326,7 +2336,7 @@
     </p:spTree>
     <p:extLst>
       <p:ext uri="{BB962C8B-B14F-4D97-AF65-F5344CB8AC3E}">
-        <p14:creationId xmlns:p14="http://schemas.microsoft.com/office/powerpoint/2010/main" val="2038087505"/>
+        <p14:creationId xmlns:p14="http://schemas.microsoft.com/office/powerpoint/2010/main" val="538600896"/>
       </p:ext>
     </p:extLst>
   </p:cSld>
@@ -2410,7 +2420,7 @@
     </p:spTree>
     <p:extLst>
       <p:ext uri="{BB962C8B-B14F-4D97-AF65-F5344CB8AC3E}">
-        <p14:creationId xmlns:p14="http://schemas.microsoft.com/office/powerpoint/2010/main" val="997152534"/>
+        <p14:creationId xmlns:p14="http://schemas.microsoft.com/office/powerpoint/2010/main" val="2118833780"/>
       </p:ext>
     </p:extLst>
   </p:cSld>
@@ -2582,7 +2592,7 @@
     </p:spTree>
     <p:extLst>
       <p:ext uri="{BB962C8B-B14F-4D97-AF65-F5344CB8AC3E}">
-        <p14:creationId xmlns:p14="http://schemas.microsoft.com/office/powerpoint/2010/main" val="242776460"/>
+        <p14:creationId xmlns:p14="http://schemas.microsoft.com/office/powerpoint/2010/main" val="2539212987"/>
       </p:ext>
     </p:extLst>
   </p:cSld>
@@ -2666,7 +2676,7 @@
     </p:spTree>
     <p:extLst>
       <p:ext uri="{BB962C8B-B14F-4D97-AF65-F5344CB8AC3E}">
-        <p14:creationId xmlns:p14="http://schemas.microsoft.com/office/powerpoint/2010/main" val="2802083561"/>
+        <p14:creationId xmlns:p14="http://schemas.microsoft.com/office/powerpoint/2010/main" val="2038087505"/>
       </p:ext>
     </p:extLst>
   </p:cSld>
@@ -2750,7 +2760,7 @@
     </p:spTree>
     <p:extLst>
       <p:ext uri="{BB962C8B-B14F-4D97-AF65-F5344CB8AC3E}">
-        <p14:creationId xmlns:p14="http://schemas.microsoft.com/office/powerpoint/2010/main" val="1824914223"/>
+        <p14:creationId xmlns:p14="http://schemas.microsoft.com/office/powerpoint/2010/main" val="997152534"/>
       </p:ext>
     </p:extLst>
   </p:cSld>
@@ -2834,7 +2844,7 @@
     </p:spTree>
     <p:extLst>
       <p:ext uri="{BB962C8B-B14F-4D97-AF65-F5344CB8AC3E}">
-        <p14:creationId xmlns:p14="http://schemas.microsoft.com/office/powerpoint/2010/main" val="1096447992"/>
+        <p14:creationId xmlns:p14="http://schemas.microsoft.com/office/powerpoint/2010/main" val="242776460"/>
       </p:ext>
     </p:extLst>
   </p:cSld>
@@ -2918,7 +2928,175 @@
     </p:spTree>
     <p:extLst>
       <p:ext uri="{BB962C8B-B14F-4D97-AF65-F5344CB8AC3E}">
-        <p14:creationId xmlns:p14="http://schemas.microsoft.com/office/powerpoint/2010/main" val="527898486"/>
+        <p14:creationId xmlns:p14="http://schemas.microsoft.com/office/powerpoint/2010/main" val="2802083561"/>
+      </p:ext>
+    </p:extLst>
+  </p:cSld>
+  <p:clrMapOvr>
+    <a:masterClrMapping/>
+  </p:clrMapOvr>
+</p:notes>
+</file>
+
+<file path=ppt/notesSlides/notesSlide35.xml><?xml version="1.0" encoding="utf-8"?>
+<p:notes xmlns:a="http://schemas.openxmlformats.org/drawingml/2006/main" xmlns:r="http://schemas.openxmlformats.org/officeDocument/2006/relationships" xmlns:p="http://schemas.openxmlformats.org/presentationml/2006/main">
+  <p:cSld>
+    <p:spTree>
+      <p:nvGrpSpPr>
+        <p:cNvPr id="1" name=""/>
+        <p:cNvGrpSpPr/>
+        <p:nvPr/>
+      </p:nvGrpSpPr>
+      <p:grpSpPr>
+        <a:xfrm>
+          <a:off x="0" y="0"/>
+          <a:ext cx="0" cy="0"/>
+          <a:chOff x="0" y="0"/>
+          <a:chExt cx="0" cy="0"/>
+        </a:xfrm>
+      </p:grpSpPr>
+      <p:sp>
+        <p:nvSpPr>
+          <p:cNvPr id="2" name="Slide Image Placeholder 1"/>
+          <p:cNvSpPr>
+            <a:spLocks noGrp="1" noRot="1" noChangeAspect="1"/>
+          </p:cNvSpPr>
+          <p:nvPr>
+            <p:ph type="sldImg"/>
+          </p:nvPr>
+        </p:nvSpPr>
+        <p:spPr/>
+      </p:sp>
+      <p:sp>
+        <p:nvSpPr>
+          <p:cNvPr id="3" name="Notes Placeholder 2"/>
+          <p:cNvSpPr>
+            <a:spLocks noGrp="1"/>
+          </p:cNvSpPr>
+          <p:nvPr>
+            <p:ph type="body" idx="1"/>
+          </p:nvPr>
+        </p:nvSpPr>
+        <p:spPr/>
+        <p:txBody>
+          <a:bodyPr/>
+          <a:lstStyle/>
+          <a:p>
+            <a:endParaRPr lang="en-US" dirty="0"/>
+          </a:p>
+        </p:txBody>
+      </p:sp>
+      <p:sp>
+        <p:nvSpPr>
+          <p:cNvPr id="4" name="Slide Number Placeholder 3"/>
+          <p:cNvSpPr>
+            <a:spLocks noGrp="1"/>
+          </p:cNvSpPr>
+          <p:nvPr>
+            <p:ph type="sldNum" sz="quarter" idx="10"/>
+          </p:nvPr>
+        </p:nvSpPr>
+        <p:spPr/>
+        <p:txBody>
+          <a:bodyPr/>
+          <a:lstStyle/>
+          <a:p>
+            <a:fld id="{2F6F93F9-6E01-423B-ABB3-8FB3B0651941}" type="slidenum">
+              <a:rPr lang="en-US" smtClean="0"/>
+              <a:t>35</a:t>
+            </a:fld>
+            <a:endParaRPr lang="en-US"/>
+          </a:p>
+        </p:txBody>
+      </p:sp>
+    </p:spTree>
+    <p:extLst>
+      <p:ext uri="{BB962C8B-B14F-4D97-AF65-F5344CB8AC3E}">
+        <p14:creationId xmlns:p14="http://schemas.microsoft.com/office/powerpoint/2010/main" val="1824914223"/>
+      </p:ext>
+    </p:extLst>
+  </p:cSld>
+  <p:clrMapOvr>
+    <a:masterClrMapping/>
+  </p:clrMapOvr>
+</p:notes>
+</file>
+
+<file path=ppt/notesSlides/notesSlide36.xml><?xml version="1.0" encoding="utf-8"?>
+<p:notes xmlns:a="http://schemas.openxmlformats.org/drawingml/2006/main" xmlns:r="http://schemas.openxmlformats.org/officeDocument/2006/relationships" xmlns:p="http://schemas.openxmlformats.org/presentationml/2006/main">
+  <p:cSld>
+    <p:spTree>
+      <p:nvGrpSpPr>
+        <p:cNvPr id="1" name=""/>
+        <p:cNvGrpSpPr/>
+        <p:nvPr/>
+      </p:nvGrpSpPr>
+      <p:grpSpPr>
+        <a:xfrm>
+          <a:off x="0" y="0"/>
+          <a:ext cx="0" cy="0"/>
+          <a:chOff x="0" y="0"/>
+          <a:chExt cx="0" cy="0"/>
+        </a:xfrm>
+      </p:grpSpPr>
+      <p:sp>
+        <p:nvSpPr>
+          <p:cNvPr id="2" name="Slide Image Placeholder 1"/>
+          <p:cNvSpPr>
+            <a:spLocks noGrp="1" noRot="1" noChangeAspect="1"/>
+          </p:cNvSpPr>
+          <p:nvPr>
+            <p:ph type="sldImg"/>
+          </p:nvPr>
+        </p:nvSpPr>
+        <p:spPr/>
+      </p:sp>
+      <p:sp>
+        <p:nvSpPr>
+          <p:cNvPr id="3" name="Notes Placeholder 2"/>
+          <p:cNvSpPr>
+            <a:spLocks noGrp="1"/>
+          </p:cNvSpPr>
+          <p:nvPr>
+            <p:ph type="body" idx="1"/>
+          </p:nvPr>
+        </p:nvSpPr>
+        <p:spPr/>
+        <p:txBody>
+          <a:bodyPr/>
+          <a:lstStyle/>
+          <a:p>
+            <a:endParaRPr lang="en-US" dirty="0"/>
+          </a:p>
+        </p:txBody>
+      </p:sp>
+      <p:sp>
+        <p:nvSpPr>
+          <p:cNvPr id="4" name="Slide Number Placeholder 3"/>
+          <p:cNvSpPr>
+            <a:spLocks noGrp="1"/>
+          </p:cNvSpPr>
+          <p:nvPr>
+            <p:ph type="sldNum" sz="quarter" idx="10"/>
+          </p:nvPr>
+        </p:nvSpPr>
+        <p:spPr/>
+        <p:txBody>
+          <a:bodyPr/>
+          <a:lstStyle/>
+          <a:p>
+            <a:fld id="{2F6F93F9-6E01-423B-ABB3-8FB3B0651941}" type="slidenum">
+              <a:rPr lang="en-US" smtClean="0"/>
+              <a:t>36</a:t>
+            </a:fld>
+            <a:endParaRPr lang="en-US"/>
+          </a:p>
+        </p:txBody>
+      </p:sp>
+    </p:spTree>
+    <p:extLst>
+      <p:ext uri="{BB962C8B-B14F-4D97-AF65-F5344CB8AC3E}">
+        <p14:creationId xmlns:p14="http://schemas.microsoft.com/office/powerpoint/2010/main" val="1096447992"/>
       </p:ext>
     </p:extLst>
   </p:cSld>
@@ -7935,7 +8113,7 @@
         <p:spPr>
           <a:xfrm>
             <a:off x="2513338" y="1738043"/>
-            <a:ext cx="8688062" cy="1631216"/>
+            <a:ext cx="8688062" cy="861774"/>
           </a:xfrm>
           <a:prstGeom prst="rect">
             <a:avLst/>
@@ -7955,7 +8133,7 @@
                 </a:solidFill>
                 <a:latin typeface="Cambria" panose="02040503050406030204" pitchFamily="18" charset="0"/>
               </a:rPr>
-              <a:t>AI NUTS AND BOLTS DEMYSTIFIED</a:t>
+              <a:t>DEPLOYING AI AT THE EDGE</a:t>
             </a:r>
           </a:p>
         </p:txBody>
@@ -7977,7 +8155,7 @@
         <p:spPr>
           <a:xfrm>
             <a:off x="2300750" y="1879133"/>
-            <a:ext cx="0" cy="1298407"/>
+            <a:ext cx="0" cy="597367"/>
           </a:xfrm>
           <a:prstGeom prst="line">
             <a:avLst/>
@@ -8002,7 +8180,7 @@
     </p:spTree>
     <p:extLst>
       <p:ext uri="{BB962C8B-B14F-4D97-AF65-F5344CB8AC3E}">
-        <p14:creationId xmlns:p14="http://schemas.microsoft.com/office/powerpoint/2010/main" val="1202168519"/>
+        <p14:creationId xmlns:p14="http://schemas.microsoft.com/office/powerpoint/2010/main" val="1422955306"/>
       </p:ext>
     </p:extLst>
   </p:cSld>
@@ -8043,14 +8221,14 @@
       </p:grpSpPr>
       <p:sp>
         <p:nvSpPr>
-          <p:cNvPr id="8" name="TextBox 7"/>
+          <p:cNvPr id="3" name="TextBox 2"/>
           <p:cNvSpPr txBox="1"/>
           <p:nvPr/>
         </p:nvSpPr>
         <p:spPr>
           <a:xfrm>
-            <a:off x="1271768" y="1115051"/>
-            <a:ext cx="9196386" cy="553998"/>
+            <a:off x="2513338" y="1738043"/>
+            <a:ext cx="8688062" cy="1631216"/>
           </a:xfrm>
           <a:prstGeom prst="rect">
             <a:avLst/>
@@ -8064,89 +8242,23 @@
           <a:lstStyle/>
           <a:p>
             <a:r>
-              <a:rPr lang="en-US" sz="3000" b="1" dirty="0">
+              <a:rPr lang="en-US" sz="5000" b="1" dirty="0">
                 <a:solidFill>
                   <a:schemeClr val="accent1"/>
                 </a:solidFill>
                 <a:latin typeface="Cambria" panose="02040503050406030204" pitchFamily="18" charset="0"/>
               </a:rPr>
-              <a:t>CLASSICAL STATISTICS MINDSET</a:t>
-            </a:r>
-          </a:p>
-        </p:txBody>
-      </p:sp>
-      <p:sp>
-        <p:nvSpPr>
-          <p:cNvPr id="3" name="TextBox 2">
+              <a:t>AI NUTS AND BOLTS DEMYSTIFIED</a:t>
+            </a:r>
+          </a:p>
+        </p:txBody>
+      </p:sp>
+      <p:cxnSp>
+        <p:nvCxnSpPr>
+          <p:cNvPr id="5" name="Straight Connector 4">
             <a:extLst>
               <a:ext uri="{FF2B5EF4-FFF2-40B4-BE49-F238E27FC236}">
-                <a16:creationId xmlns:a16="http://schemas.microsoft.com/office/drawing/2014/main" id="{325412E6-3DC9-2147-B691-12F936C79AB2}"/>
-              </a:ext>
-            </a:extLst>
-          </p:cNvPr>
-          <p:cNvSpPr txBox="1"/>
-          <p:nvPr/>
-        </p:nvSpPr>
-        <p:spPr>
-          <a:xfrm>
-            <a:off x="1271768" y="1990256"/>
-            <a:ext cx="9909364" cy="1569660"/>
-          </a:xfrm>
-          <a:prstGeom prst="rect">
-            <a:avLst/>
-          </a:prstGeom>
-          <a:noFill/>
-        </p:spPr>
-        <p:txBody>
-          <a:bodyPr wrap="square" rtlCol="0">
-            <a:spAutoFit/>
-          </a:bodyPr>
-          <a:lstStyle/>
-          <a:p>
-            <a:pPr marL="342900" indent="-342900">
-              <a:buFont typeface="Arial"/>
-              <a:buChar char="•"/>
-            </a:pPr>
-            <a:r>
-              <a:rPr lang="en-US" sz="2400" b="1" dirty="0">
-                <a:solidFill>
-                  <a:schemeClr val="accent1"/>
-                </a:solidFill>
-                <a:latin typeface="Cambria" panose="02040503050406030204" pitchFamily="18" charset="0"/>
-              </a:rPr>
-              <a:t>ASSUME THAT MODELS WITH HIGH EXPLANATORY POWER ARE INHERENTLY OF HIGH PREDICTIVE POWER</a:t>
-            </a:r>
-            <a:br>
-              <a:rPr lang="en-US" sz="2400" b="1" dirty="0">
-                <a:solidFill>
-                  <a:schemeClr val="accent1"/>
-                </a:solidFill>
-                <a:latin typeface="Cambria" panose="02040503050406030204" pitchFamily="18" charset="0"/>
-              </a:rPr>
-            </a:br>
-            <a:br>
-              <a:rPr lang="en-US" sz="2400" dirty="0">
-                <a:solidFill>
-                  <a:schemeClr val="accent1"/>
-                </a:solidFill>
-                <a:latin typeface="Cambria" panose="02040503050406030204" pitchFamily="18" charset="0"/>
-              </a:rPr>
-            </a:br>
-            <a:endParaRPr lang="en-US" sz="2400" dirty="0">
-              <a:solidFill>
-                <a:schemeClr val="accent1"/>
-              </a:solidFill>
-              <a:latin typeface="Cambria" panose="02040503050406030204" pitchFamily="18" charset="0"/>
-            </a:endParaRPr>
-          </a:p>
-        </p:txBody>
-      </p:sp>
-      <p:cxnSp>
-        <p:nvCxnSpPr>
-          <p:cNvPr id="4" name="Straight Connector 3">
-            <a:extLst>
-              <a:ext uri="{FF2B5EF4-FFF2-40B4-BE49-F238E27FC236}">
-                <a16:creationId xmlns:a16="http://schemas.microsoft.com/office/drawing/2014/main" id="{A829723C-F16D-A344-8A30-EA7814BAB058}"/>
+                <a16:creationId xmlns:a16="http://schemas.microsoft.com/office/drawing/2014/main" id="{2571E43F-CCA3-BB47-A7AF-81B47EA888E0}"/>
               </a:ext>
             </a:extLst>
           </p:cNvPr>
@@ -8157,13 +8269,13 @@
         </p:nvCxnSpPr>
         <p:spPr>
           <a:xfrm>
-            <a:off x="1378101" y="1753299"/>
-            <a:ext cx="9160359" cy="0"/>
+            <a:off x="2300750" y="1879133"/>
+            <a:ext cx="0" cy="1298407"/>
           </a:xfrm>
           <a:prstGeom prst="line">
             <a:avLst/>
           </a:prstGeom>
-          <a:ln w="12700"/>
+          <a:ln w="38100"/>
         </p:spPr>
         <p:style>
           <a:lnRef idx="1">
@@ -8183,7 +8295,7 @@
     </p:spTree>
     <p:extLst>
       <p:ext uri="{BB962C8B-B14F-4D97-AF65-F5344CB8AC3E}">
-        <p14:creationId xmlns:p14="http://schemas.microsoft.com/office/powerpoint/2010/main" val="2816858463"/>
+        <p14:creationId xmlns:p14="http://schemas.microsoft.com/office/powerpoint/2010/main" val="1202168519"/>
       </p:ext>
     </p:extLst>
   </p:cSld>
@@ -8455,6 +8567,483 @@
       </p:grpSpPr>
       <p:sp>
         <p:nvSpPr>
+          <p:cNvPr id="3" name="TextBox 2"/>
+          <p:cNvSpPr txBox="1"/>
+          <p:nvPr/>
+        </p:nvSpPr>
+        <p:spPr>
+          <a:xfrm>
+            <a:off x="2666228" y="2563800"/>
+            <a:ext cx="8126232" cy="1169551"/>
+          </a:xfrm>
+          <a:prstGeom prst="rect">
+            <a:avLst/>
+          </a:prstGeom>
+          <a:noFill/>
+        </p:spPr>
+        <p:txBody>
+          <a:bodyPr wrap="square" rtlCol="0">
+            <a:spAutoFit/>
+          </a:bodyPr>
+          <a:lstStyle/>
+          <a:p>
+            <a:r>
+              <a:rPr lang="en-US" sz="3500" b="1" dirty="0">
+                <a:solidFill>
+                  <a:schemeClr val="accent1"/>
+                </a:solidFill>
+                <a:latin typeface="Cambria" panose="02040503050406030204" pitchFamily="18" charset="0"/>
+              </a:rPr>
+              <a:t>AI &amp; DEEP LEARNING IS MIMICING WORKING OF THE HUMAN BRAIN!</a:t>
+            </a:r>
+          </a:p>
+        </p:txBody>
+      </p:sp>
+      <p:pic>
+        <p:nvPicPr>
+          <p:cNvPr id="4" name="Graphic 3" descr="Thought bubble">
+            <a:extLst>
+              <a:ext uri="{FF2B5EF4-FFF2-40B4-BE49-F238E27FC236}">
+                <a16:creationId xmlns:a16="http://schemas.microsoft.com/office/drawing/2014/main" id="{1C8CFF4D-0941-6D4D-8415-1FE82F60C1E0}"/>
+              </a:ext>
+            </a:extLst>
+          </p:cNvPr>
+          <p:cNvPicPr>
+            <a:picLocks noChangeAspect="1"/>
+          </p:cNvPicPr>
+          <p:nvPr/>
+        </p:nvPicPr>
+        <p:blipFill>
+          <a:blip r:embed="rId3">
+            <a:extLst>
+              <a:ext uri="{28A0092B-C50C-407E-A947-70E740481C1C}">
+                <a14:useLocalDpi xmlns:a14="http://schemas.microsoft.com/office/drawing/2010/main" val="0"/>
+              </a:ext>
+              <a:ext uri="{96DAC541-7B7A-43D3-8B79-37D633B846F1}">
+                <asvg:svgBlip xmlns:asvg="http://schemas.microsoft.com/office/drawing/2016/SVG/main" r:embed="rId4"/>
+              </a:ext>
+            </a:extLst>
+          </a:blip>
+          <a:stretch>
+            <a:fillRect/>
+          </a:stretch>
+        </p:blipFill>
+        <p:spPr>
+          <a:xfrm>
+            <a:off x="10234569" y="0"/>
+            <a:ext cx="1686187" cy="1686187"/>
+          </a:xfrm>
+          <a:prstGeom prst="rect">
+            <a:avLst/>
+          </a:prstGeom>
+        </p:spPr>
+      </p:pic>
+    </p:spTree>
+    <p:extLst>
+      <p:ext uri="{BB962C8B-B14F-4D97-AF65-F5344CB8AC3E}">
+        <p14:creationId xmlns:p14="http://schemas.microsoft.com/office/powerpoint/2010/main" val="62295057"/>
+      </p:ext>
+    </p:extLst>
+  </p:cSld>
+  <p:clrMapOvr>
+    <a:masterClrMapping/>
+  </p:clrMapOvr>
+  <mc:AlternateContent xmlns:mc="http://schemas.openxmlformats.org/markup-compatibility/2006" xmlns:p14="http://schemas.microsoft.com/office/powerpoint/2010/main">
+    <mc:Choice Requires="p14">
+      <p:transition spd="med" p14:dur="700">
+        <p:fade/>
+      </p:transition>
+    </mc:Choice>
+    <mc:Fallback xmlns="">
+      <p:transition spd="med">
+        <p:fade/>
+      </p:transition>
+    </mc:Fallback>
+  </mc:AlternateContent>
+</p:sld>
+</file>
+
+<file path=ppt/slides/slide21.xml><?xml version="1.0" encoding="utf-8"?>
+<p:sld xmlns:a="http://schemas.openxmlformats.org/drawingml/2006/main" xmlns:r="http://schemas.openxmlformats.org/officeDocument/2006/relationships" xmlns:p="http://schemas.openxmlformats.org/presentationml/2006/main">
+  <p:cSld>
+    <p:spTree>
+      <p:nvGrpSpPr>
+        <p:cNvPr id="1" name=""/>
+        <p:cNvGrpSpPr/>
+        <p:nvPr/>
+      </p:nvGrpSpPr>
+      <p:grpSpPr>
+        <a:xfrm>
+          <a:off x="0" y="0"/>
+          <a:ext cx="0" cy="0"/>
+          <a:chOff x="0" y="0"/>
+          <a:chExt cx="0" cy="0"/>
+        </a:xfrm>
+      </p:grpSpPr>
+      <p:sp>
+        <p:nvSpPr>
+          <p:cNvPr id="8" name="TextBox 7"/>
+          <p:cNvSpPr txBox="1"/>
+          <p:nvPr/>
+        </p:nvSpPr>
+        <p:spPr>
+          <a:xfrm>
+            <a:off x="1271768" y="1115051"/>
+            <a:ext cx="9196386" cy="553998"/>
+          </a:xfrm>
+          <a:prstGeom prst="rect">
+            <a:avLst/>
+          </a:prstGeom>
+          <a:noFill/>
+        </p:spPr>
+        <p:txBody>
+          <a:bodyPr wrap="square" rtlCol="0">
+            <a:spAutoFit/>
+          </a:bodyPr>
+          <a:lstStyle/>
+          <a:p>
+            <a:r>
+              <a:rPr lang="en-US" sz="3000" b="1" dirty="0">
+                <a:solidFill>
+                  <a:schemeClr val="accent1"/>
+                </a:solidFill>
+                <a:latin typeface="Cambria" panose="02040503050406030204" pitchFamily="18" charset="0"/>
+              </a:rPr>
+              <a:t>CLASSICAL STATISTICS MINDSET</a:t>
+            </a:r>
+          </a:p>
+        </p:txBody>
+      </p:sp>
+      <p:sp>
+        <p:nvSpPr>
+          <p:cNvPr id="3" name="TextBox 2">
+            <a:extLst>
+              <a:ext uri="{FF2B5EF4-FFF2-40B4-BE49-F238E27FC236}">
+                <a16:creationId xmlns:a16="http://schemas.microsoft.com/office/drawing/2014/main" id="{325412E6-3DC9-2147-B691-12F936C79AB2}"/>
+              </a:ext>
+            </a:extLst>
+          </p:cNvPr>
+          <p:cNvSpPr txBox="1"/>
+          <p:nvPr/>
+        </p:nvSpPr>
+        <p:spPr>
+          <a:xfrm>
+            <a:off x="1271768" y="1990256"/>
+            <a:ext cx="9909364" cy="1569660"/>
+          </a:xfrm>
+          <a:prstGeom prst="rect">
+            <a:avLst/>
+          </a:prstGeom>
+          <a:noFill/>
+        </p:spPr>
+        <p:txBody>
+          <a:bodyPr wrap="square" rtlCol="0">
+            <a:spAutoFit/>
+          </a:bodyPr>
+          <a:lstStyle/>
+          <a:p>
+            <a:pPr marL="342900" indent="-342900">
+              <a:buFont typeface="Arial"/>
+              <a:buChar char="•"/>
+            </a:pPr>
+            <a:r>
+              <a:rPr lang="en-US" sz="2400" b="1" dirty="0">
+                <a:solidFill>
+                  <a:schemeClr val="accent1"/>
+                </a:solidFill>
+                <a:latin typeface="Cambria" panose="02040503050406030204" pitchFamily="18" charset="0"/>
+              </a:rPr>
+              <a:t>ASSUME THAT MODELS WITH HIGH EXPLANATORY POWER ARE INHERENTLY OF HIGH PREDICTIVE POWER</a:t>
+            </a:r>
+            <a:br>
+              <a:rPr lang="en-US" sz="2400" b="1" dirty="0">
+                <a:solidFill>
+                  <a:schemeClr val="accent1"/>
+                </a:solidFill>
+                <a:latin typeface="Cambria" panose="02040503050406030204" pitchFamily="18" charset="0"/>
+              </a:rPr>
+            </a:br>
+            <a:br>
+              <a:rPr lang="en-US" sz="2400" dirty="0">
+                <a:solidFill>
+                  <a:schemeClr val="accent1"/>
+                </a:solidFill>
+                <a:latin typeface="Cambria" panose="02040503050406030204" pitchFamily="18" charset="0"/>
+              </a:rPr>
+            </a:br>
+            <a:endParaRPr lang="en-US" sz="2400" dirty="0">
+              <a:solidFill>
+                <a:schemeClr val="accent1"/>
+              </a:solidFill>
+              <a:latin typeface="Cambria" panose="02040503050406030204" pitchFamily="18" charset="0"/>
+            </a:endParaRPr>
+          </a:p>
+        </p:txBody>
+      </p:sp>
+      <p:cxnSp>
+        <p:nvCxnSpPr>
+          <p:cNvPr id="4" name="Straight Connector 3">
+            <a:extLst>
+              <a:ext uri="{FF2B5EF4-FFF2-40B4-BE49-F238E27FC236}">
+                <a16:creationId xmlns:a16="http://schemas.microsoft.com/office/drawing/2014/main" id="{A829723C-F16D-A344-8A30-EA7814BAB058}"/>
+              </a:ext>
+            </a:extLst>
+          </p:cNvPr>
+          <p:cNvCxnSpPr>
+            <a:cxnSpLocks/>
+          </p:cNvCxnSpPr>
+          <p:nvPr/>
+        </p:nvCxnSpPr>
+        <p:spPr>
+          <a:xfrm>
+            <a:off x="1378101" y="1753299"/>
+            <a:ext cx="9160359" cy="0"/>
+          </a:xfrm>
+          <a:prstGeom prst="line">
+            <a:avLst/>
+          </a:prstGeom>
+          <a:ln w="12700"/>
+        </p:spPr>
+        <p:style>
+          <a:lnRef idx="1">
+            <a:schemeClr val="accent1"/>
+          </a:lnRef>
+          <a:fillRef idx="0">
+            <a:schemeClr val="accent1"/>
+          </a:fillRef>
+          <a:effectRef idx="0">
+            <a:schemeClr val="accent1"/>
+          </a:effectRef>
+          <a:fontRef idx="minor">
+            <a:schemeClr val="tx1"/>
+          </a:fontRef>
+        </p:style>
+      </p:cxnSp>
+    </p:spTree>
+    <p:extLst>
+      <p:ext uri="{BB962C8B-B14F-4D97-AF65-F5344CB8AC3E}">
+        <p14:creationId xmlns:p14="http://schemas.microsoft.com/office/powerpoint/2010/main" val="2816858463"/>
+      </p:ext>
+    </p:extLst>
+  </p:cSld>
+  <p:clrMapOvr>
+    <a:masterClrMapping/>
+  </p:clrMapOvr>
+  <mc:AlternateContent xmlns:mc="http://schemas.openxmlformats.org/markup-compatibility/2006" xmlns:p14="http://schemas.microsoft.com/office/powerpoint/2010/main">
+    <mc:Choice Requires="p14">
+      <p:transition spd="med" p14:dur="700">
+        <p:fade/>
+      </p:transition>
+    </mc:Choice>
+    <mc:Fallback xmlns="">
+      <p:transition spd="med">
+        <p:fade/>
+      </p:transition>
+    </mc:Fallback>
+  </mc:AlternateContent>
+</p:sld>
+</file>
+
+<file path=ppt/slides/slide22.xml><?xml version="1.0" encoding="utf-8"?>
+<p:sld xmlns:a="http://schemas.openxmlformats.org/drawingml/2006/main" xmlns:r="http://schemas.openxmlformats.org/officeDocument/2006/relationships" xmlns:p="http://schemas.openxmlformats.org/presentationml/2006/main">
+  <p:cSld>
+    <p:spTree>
+      <p:nvGrpSpPr>
+        <p:cNvPr id="1" name=""/>
+        <p:cNvGrpSpPr/>
+        <p:nvPr/>
+      </p:nvGrpSpPr>
+      <p:grpSpPr>
+        <a:xfrm>
+          <a:off x="0" y="0"/>
+          <a:ext cx="0" cy="0"/>
+          <a:chOff x="0" y="0"/>
+          <a:chExt cx="0" cy="0"/>
+        </a:xfrm>
+      </p:grpSpPr>
+      <p:sp>
+        <p:nvSpPr>
+          <p:cNvPr id="8" name="TextBox 7"/>
+          <p:cNvSpPr txBox="1"/>
+          <p:nvPr/>
+        </p:nvSpPr>
+        <p:spPr>
+          <a:xfrm>
+            <a:off x="1271768" y="1115051"/>
+            <a:ext cx="9196386" cy="553998"/>
+          </a:xfrm>
+          <a:prstGeom prst="rect">
+            <a:avLst/>
+          </a:prstGeom>
+          <a:noFill/>
+        </p:spPr>
+        <p:txBody>
+          <a:bodyPr wrap="square" rtlCol="0">
+            <a:spAutoFit/>
+          </a:bodyPr>
+          <a:lstStyle/>
+          <a:p>
+            <a:r>
+              <a:rPr lang="en-US" sz="3000" b="1" dirty="0">
+                <a:solidFill>
+                  <a:schemeClr val="accent1"/>
+                </a:solidFill>
+                <a:latin typeface="Cambria" panose="02040503050406030204" pitchFamily="18" charset="0"/>
+              </a:rPr>
+              <a:t>CLASSICAL STATISTICS MINDSET</a:t>
+            </a:r>
+          </a:p>
+        </p:txBody>
+      </p:sp>
+      <p:sp>
+        <p:nvSpPr>
+          <p:cNvPr id="3" name="TextBox 2">
+            <a:extLst>
+              <a:ext uri="{FF2B5EF4-FFF2-40B4-BE49-F238E27FC236}">
+                <a16:creationId xmlns:a16="http://schemas.microsoft.com/office/drawing/2014/main" id="{325412E6-3DC9-2147-B691-12F936C79AB2}"/>
+              </a:ext>
+            </a:extLst>
+          </p:cNvPr>
+          <p:cNvSpPr txBox="1"/>
+          <p:nvPr/>
+        </p:nvSpPr>
+        <p:spPr>
+          <a:xfrm>
+            <a:off x="1271768" y="1990256"/>
+            <a:ext cx="9909364" cy="1569660"/>
+          </a:xfrm>
+          <a:prstGeom prst="rect">
+            <a:avLst/>
+          </a:prstGeom>
+          <a:noFill/>
+        </p:spPr>
+        <p:txBody>
+          <a:bodyPr wrap="square" rtlCol="0">
+            <a:spAutoFit/>
+          </a:bodyPr>
+          <a:lstStyle/>
+          <a:p>
+            <a:pPr marL="342900" indent="-342900">
+              <a:buFont typeface="Arial"/>
+              <a:buChar char="•"/>
+            </a:pPr>
+            <a:r>
+              <a:rPr lang="en-US" sz="2400" b="1" dirty="0">
+                <a:solidFill>
+                  <a:schemeClr val="accent1"/>
+                </a:solidFill>
+                <a:latin typeface="Cambria" panose="02040503050406030204" pitchFamily="18" charset="0"/>
+              </a:rPr>
+              <a:t>ASSUME THAT MODELS WITH HIGH EXPLANATORY POWER ARE INHERENTLY OF HIGH PREDICTIVE POWER</a:t>
+            </a:r>
+            <a:br>
+              <a:rPr lang="en-US" sz="2400" b="1" dirty="0">
+                <a:solidFill>
+                  <a:schemeClr val="accent1"/>
+                </a:solidFill>
+                <a:latin typeface="Cambria" panose="02040503050406030204" pitchFamily="18" charset="0"/>
+              </a:rPr>
+            </a:br>
+            <a:br>
+              <a:rPr lang="en-US" sz="2400" dirty="0">
+                <a:solidFill>
+                  <a:schemeClr val="accent1"/>
+                </a:solidFill>
+                <a:latin typeface="Cambria" panose="02040503050406030204" pitchFamily="18" charset="0"/>
+              </a:rPr>
+            </a:br>
+            <a:endParaRPr lang="en-US" sz="2400" dirty="0">
+              <a:solidFill>
+                <a:schemeClr val="accent1"/>
+              </a:solidFill>
+              <a:latin typeface="Cambria" panose="02040503050406030204" pitchFamily="18" charset="0"/>
+            </a:endParaRPr>
+          </a:p>
+        </p:txBody>
+      </p:sp>
+      <p:cxnSp>
+        <p:nvCxnSpPr>
+          <p:cNvPr id="4" name="Straight Connector 3">
+            <a:extLst>
+              <a:ext uri="{FF2B5EF4-FFF2-40B4-BE49-F238E27FC236}">
+                <a16:creationId xmlns:a16="http://schemas.microsoft.com/office/drawing/2014/main" id="{A829723C-F16D-A344-8A30-EA7814BAB058}"/>
+              </a:ext>
+            </a:extLst>
+          </p:cNvPr>
+          <p:cNvCxnSpPr>
+            <a:cxnSpLocks/>
+          </p:cNvCxnSpPr>
+          <p:nvPr/>
+        </p:nvCxnSpPr>
+        <p:spPr>
+          <a:xfrm>
+            <a:off x="1378101" y="1753299"/>
+            <a:ext cx="9160359" cy="0"/>
+          </a:xfrm>
+          <a:prstGeom prst="line">
+            <a:avLst/>
+          </a:prstGeom>
+          <a:ln w="12700"/>
+        </p:spPr>
+        <p:style>
+          <a:lnRef idx="1">
+            <a:schemeClr val="accent1"/>
+          </a:lnRef>
+          <a:fillRef idx="0">
+            <a:schemeClr val="accent1"/>
+          </a:fillRef>
+          <a:effectRef idx="0">
+            <a:schemeClr val="accent1"/>
+          </a:effectRef>
+          <a:fontRef idx="minor">
+            <a:schemeClr val="tx1"/>
+          </a:fontRef>
+        </p:style>
+      </p:cxnSp>
+    </p:spTree>
+    <p:extLst>
+      <p:ext uri="{BB962C8B-B14F-4D97-AF65-F5344CB8AC3E}">
+        <p14:creationId xmlns:p14="http://schemas.microsoft.com/office/powerpoint/2010/main" val="3929770456"/>
+      </p:ext>
+    </p:extLst>
+  </p:cSld>
+  <p:clrMapOvr>
+    <a:masterClrMapping/>
+  </p:clrMapOvr>
+  <mc:AlternateContent xmlns:mc="http://schemas.openxmlformats.org/markup-compatibility/2006" xmlns:p14="http://schemas.microsoft.com/office/powerpoint/2010/main">
+    <mc:Choice Requires="p14">
+      <p:transition spd="med" p14:dur="700">
+        <p:fade/>
+      </p:transition>
+    </mc:Choice>
+    <mc:Fallback xmlns="">
+      <p:transition spd="med">
+        <p:fade/>
+      </p:transition>
+    </mc:Fallback>
+  </mc:AlternateContent>
+</p:sld>
+</file>
+
+<file path=ppt/slides/slide23.xml><?xml version="1.0" encoding="utf-8"?>
+<p:sld xmlns:a="http://schemas.openxmlformats.org/drawingml/2006/main" xmlns:r="http://schemas.openxmlformats.org/officeDocument/2006/relationships" xmlns:p="http://schemas.openxmlformats.org/presentationml/2006/main">
+  <p:cSld>
+    <p:spTree>
+      <p:nvGrpSpPr>
+        <p:cNvPr id="1" name=""/>
+        <p:cNvGrpSpPr/>
+        <p:nvPr/>
+      </p:nvGrpSpPr>
+      <p:grpSpPr>
+        <a:xfrm>
+          <a:off x="0" y="0"/>
+          <a:ext cx="0" cy="0"/>
+          <a:chOff x="0" y="0"/>
+          <a:chExt cx="0" cy="0"/>
+        </a:xfrm>
+      </p:grpSpPr>
+      <p:sp>
+        <p:nvSpPr>
           <p:cNvPr id="8" name="TextBox 7"/>
           <p:cNvSpPr txBox="1"/>
           <p:nvPr/>
@@ -8665,7 +9254,7 @@
 </p:sld>
 </file>
 
-<file path=ppt/slides/slide21.xml><?xml version="1.0" encoding="utf-8"?>
+<file path=ppt/slides/slide24.xml><?xml version="1.0" encoding="utf-8"?>
 <p:sld xmlns:a="http://schemas.openxmlformats.org/drawingml/2006/main" xmlns:r="http://schemas.openxmlformats.org/officeDocument/2006/relationships" xmlns:p="http://schemas.openxmlformats.org/presentationml/2006/main">
   <p:cSld>
     <p:spTree>
@@ -8810,7 +9399,7 @@
 </p:sld>
 </file>
 
-<file path=ppt/slides/slide22.xml><?xml version="1.0" encoding="utf-8"?>
+<file path=ppt/slides/slide25.xml><?xml version="1.0" encoding="utf-8"?>
 <p:sld xmlns:a="http://schemas.openxmlformats.org/drawingml/2006/main" xmlns:r="http://schemas.openxmlformats.org/officeDocument/2006/relationships" xmlns:p="http://schemas.openxmlformats.org/presentationml/2006/main">
   <p:cSld>
     <p:spTree>
@@ -8955,7 +9544,7 @@
 </p:sld>
 </file>
 
-<file path=ppt/slides/slide23.xml><?xml version="1.0" encoding="utf-8"?>
+<file path=ppt/slides/slide26.xml><?xml version="1.0" encoding="utf-8"?>
 <p:sld xmlns:a="http://schemas.openxmlformats.org/drawingml/2006/main" xmlns:r="http://schemas.openxmlformats.org/officeDocument/2006/relationships" xmlns:p="http://schemas.openxmlformats.org/presentationml/2006/main">
   <p:cSld>
     <p:spTree>
@@ -9100,7 +9689,7 @@
 </p:sld>
 </file>
 
-<file path=ppt/slides/slide24.xml><?xml version="1.0" encoding="utf-8"?>
+<file path=ppt/slides/slide27.xml><?xml version="1.0" encoding="utf-8"?>
 <p:sld xmlns:a="http://schemas.openxmlformats.org/drawingml/2006/main" xmlns:r="http://schemas.openxmlformats.org/officeDocument/2006/relationships" xmlns:p="http://schemas.openxmlformats.org/presentationml/2006/main">
   <p:cSld>
     <p:spTree>
@@ -9245,7 +9834,7 @@
 </p:sld>
 </file>
 
-<file path=ppt/slides/slide25.xml><?xml version="1.0" encoding="utf-8"?>
+<file path=ppt/slides/slide28.xml><?xml version="1.0" encoding="utf-8"?>
 <p:sld xmlns:a="http://schemas.openxmlformats.org/drawingml/2006/main" xmlns:r="http://schemas.openxmlformats.org/officeDocument/2006/relationships" xmlns:p="http://schemas.openxmlformats.org/presentationml/2006/main">
   <p:cSld>
     <p:spTree>
@@ -9390,7 +9979,7 @@
 </p:sld>
 </file>
 
-<file path=ppt/slides/slide26.xml><?xml version="1.0" encoding="utf-8"?>
+<file path=ppt/slides/slide29.xml><?xml version="1.0" encoding="utf-8"?>
 <p:sld xmlns:a="http://schemas.openxmlformats.org/drawingml/2006/main" xmlns:r="http://schemas.openxmlformats.org/officeDocument/2006/relationships" xmlns:p="http://schemas.openxmlformats.org/presentationml/2006/main">
   <p:cSld>
     <p:spTree>
@@ -9629,441 +10218,6 @@
     <p:extLst>
       <p:ext uri="{BB962C8B-B14F-4D97-AF65-F5344CB8AC3E}">
         <p14:creationId xmlns:p14="http://schemas.microsoft.com/office/powerpoint/2010/main" val="2580217521"/>
-      </p:ext>
-    </p:extLst>
-  </p:cSld>
-  <p:clrMapOvr>
-    <a:masterClrMapping/>
-  </p:clrMapOvr>
-  <mc:AlternateContent xmlns:mc="http://schemas.openxmlformats.org/markup-compatibility/2006" xmlns:p14="http://schemas.microsoft.com/office/powerpoint/2010/main">
-    <mc:Choice Requires="p14">
-      <p:transition spd="med" p14:dur="700">
-        <p:fade/>
-      </p:transition>
-    </mc:Choice>
-    <mc:Fallback xmlns="">
-      <p:transition spd="med">
-        <p:fade/>
-      </p:transition>
-    </mc:Fallback>
-  </mc:AlternateContent>
-</p:sld>
-</file>
-
-<file path=ppt/slides/slide27.xml><?xml version="1.0" encoding="utf-8"?>
-<p:sld xmlns:a="http://schemas.openxmlformats.org/drawingml/2006/main" xmlns:r="http://schemas.openxmlformats.org/officeDocument/2006/relationships" xmlns:p="http://schemas.openxmlformats.org/presentationml/2006/main">
-  <p:cSld>
-    <p:spTree>
-      <p:nvGrpSpPr>
-        <p:cNvPr id="1" name=""/>
-        <p:cNvGrpSpPr/>
-        <p:nvPr/>
-      </p:nvGrpSpPr>
-      <p:grpSpPr>
-        <a:xfrm>
-          <a:off x="0" y="0"/>
-          <a:ext cx="0" cy="0"/>
-          <a:chOff x="0" y="0"/>
-          <a:chExt cx="0" cy="0"/>
-        </a:xfrm>
-      </p:grpSpPr>
-      <p:sp>
-        <p:nvSpPr>
-          <p:cNvPr id="8" name="TextBox 7"/>
-          <p:cNvSpPr txBox="1"/>
-          <p:nvPr/>
-        </p:nvSpPr>
-        <p:spPr>
-          <a:xfrm>
-            <a:off x="1271768" y="1115051"/>
-            <a:ext cx="9196386" cy="553998"/>
-          </a:xfrm>
-          <a:prstGeom prst="rect">
-            <a:avLst/>
-          </a:prstGeom>
-          <a:noFill/>
-        </p:spPr>
-        <p:txBody>
-          <a:bodyPr wrap="square" rtlCol="0">
-            <a:spAutoFit/>
-          </a:bodyPr>
-          <a:lstStyle/>
-          <a:p>
-            <a:r>
-              <a:rPr lang="en-US" sz="3000" b="1" dirty="0">
-                <a:solidFill>
-                  <a:schemeClr val="accent1"/>
-                </a:solidFill>
-                <a:latin typeface="Cambria" panose="02040503050406030204" pitchFamily="18" charset="0"/>
-              </a:rPr>
-              <a:t>DEEP LEARNING AND CLASSIFICATION</a:t>
-            </a:r>
-          </a:p>
-        </p:txBody>
-      </p:sp>
-      <p:pic>
-        <p:nvPicPr>
-          <p:cNvPr id="4" name="Picture 3" descr="dog-vs-cat-kaggle.png">
-            <a:extLst>
-              <a:ext uri="{FF2B5EF4-FFF2-40B4-BE49-F238E27FC236}">
-                <a16:creationId xmlns:a16="http://schemas.microsoft.com/office/drawing/2014/main" id="{1F825E97-91CC-6748-957D-EC2E462E7F2E}"/>
-              </a:ext>
-            </a:extLst>
-          </p:cNvPr>
-          <p:cNvPicPr>
-            <a:picLocks noChangeAspect="1"/>
-          </p:cNvPicPr>
-          <p:nvPr/>
-        </p:nvPicPr>
-        <p:blipFill>
-          <a:blip r:embed="rId3"/>
-          <a:stretch>
-            <a:fillRect/>
-          </a:stretch>
-        </p:blipFill>
-        <p:spPr>
-          <a:xfrm>
-            <a:off x="1375954" y="2100181"/>
-            <a:ext cx="5531688" cy="3072187"/>
-          </a:xfrm>
-          <a:prstGeom prst="rect">
-            <a:avLst/>
-          </a:prstGeom>
-        </p:spPr>
-      </p:pic>
-      <p:cxnSp>
-        <p:nvCxnSpPr>
-          <p:cNvPr id="5" name="Straight Connector 4">
-            <a:extLst>
-              <a:ext uri="{FF2B5EF4-FFF2-40B4-BE49-F238E27FC236}">
-                <a16:creationId xmlns:a16="http://schemas.microsoft.com/office/drawing/2014/main" id="{E55116C4-1E79-8149-A9C5-F9D9057EA4D8}"/>
-              </a:ext>
-            </a:extLst>
-          </p:cNvPr>
-          <p:cNvCxnSpPr>
-            <a:cxnSpLocks/>
-          </p:cNvCxnSpPr>
-          <p:nvPr/>
-        </p:nvCxnSpPr>
-        <p:spPr>
-          <a:xfrm>
-            <a:off x="1378101" y="1753299"/>
-            <a:ext cx="6630519" cy="0"/>
-          </a:xfrm>
-          <a:prstGeom prst="line">
-            <a:avLst/>
-          </a:prstGeom>
-          <a:ln w="12700"/>
-        </p:spPr>
-        <p:style>
-          <a:lnRef idx="1">
-            <a:schemeClr val="accent1"/>
-          </a:lnRef>
-          <a:fillRef idx="0">
-            <a:schemeClr val="accent1"/>
-          </a:fillRef>
-          <a:effectRef idx="0">
-            <a:schemeClr val="accent1"/>
-          </a:effectRef>
-          <a:fontRef idx="minor">
-            <a:schemeClr val="tx1"/>
-          </a:fontRef>
-        </p:style>
-      </p:cxnSp>
-    </p:spTree>
-    <p:extLst>
-      <p:ext uri="{BB962C8B-B14F-4D97-AF65-F5344CB8AC3E}">
-        <p14:creationId xmlns:p14="http://schemas.microsoft.com/office/powerpoint/2010/main" val="4021484705"/>
-      </p:ext>
-    </p:extLst>
-  </p:cSld>
-  <p:clrMapOvr>
-    <a:masterClrMapping/>
-  </p:clrMapOvr>
-  <mc:AlternateContent xmlns:mc="http://schemas.openxmlformats.org/markup-compatibility/2006" xmlns:p14="http://schemas.microsoft.com/office/powerpoint/2010/main">
-    <mc:Choice Requires="p14">
-      <p:transition spd="med" p14:dur="700">
-        <p:fade/>
-      </p:transition>
-    </mc:Choice>
-    <mc:Fallback xmlns="">
-      <p:transition spd="med">
-        <p:fade/>
-      </p:transition>
-    </mc:Fallback>
-  </mc:AlternateContent>
-</p:sld>
-</file>
-
-<file path=ppt/slides/slide28.xml><?xml version="1.0" encoding="utf-8"?>
-<p:sld xmlns:a="http://schemas.openxmlformats.org/drawingml/2006/main" xmlns:r="http://schemas.openxmlformats.org/officeDocument/2006/relationships" xmlns:p="http://schemas.openxmlformats.org/presentationml/2006/main">
-  <p:cSld>
-    <p:spTree>
-      <p:nvGrpSpPr>
-        <p:cNvPr id="1" name=""/>
-        <p:cNvGrpSpPr/>
-        <p:nvPr/>
-      </p:nvGrpSpPr>
-      <p:grpSpPr>
-        <a:xfrm>
-          <a:off x="0" y="0"/>
-          <a:ext cx="0" cy="0"/>
-          <a:chOff x="0" y="0"/>
-          <a:chExt cx="0" cy="0"/>
-        </a:xfrm>
-      </p:grpSpPr>
-      <p:sp>
-        <p:nvSpPr>
-          <p:cNvPr id="8" name="TextBox 7"/>
-          <p:cNvSpPr txBox="1"/>
-          <p:nvPr/>
-        </p:nvSpPr>
-        <p:spPr>
-          <a:xfrm>
-            <a:off x="1271768" y="1115051"/>
-            <a:ext cx="9196386" cy="553998"/>
-          </a:xfrm>
-          <a:prstGeom prst="rect">
-            <a:avLst/>
-          </a:prstGeom>
-          <a:noFill/>
-        </p:spPr>
-        <p:txBody>
-          <a:bodyPr wrap="square" rtlCol="0">
-            <a:spAutoFit/>
-          </a:bodyPr>
-          <a:lstStyle/>
-          <a:p>
-            <a:r>
-              <a:rPr lang="en-US" sz="3000" b="1" dirty="0">
-                <a:solidFill>
-                  <a:schemeClr val="accent1"/>
-                </a:solidFill>
-                <a:latin typeface="Cambria" panose="02040503050406030204" pitchFamily="18" charset="0"/>
-              </a:rPr>
-              <a:t>LOGISTIC REGRESSION 1/4</a:t>
-            </a:r>
-          </a:p>
-        </p:txBody>
-      </p:sp>
-      <p:pic>
-        <p:nvPicPr>
-          <p:cNvPr id="5" name="Picture 4" descr="binary_target_linear_regression.png">
-            <a:extLst>
-              <a:ext uri="{FF2B5EF4-FFF2-40B4-BE49-F238E27FC236}">
-                <a16:creationId xmlns:a16="http://schemas.microsoft.com/office/drawing/2014/main" id="{8CA16CBE-53D1-D740-80EA-51750420B5EF}"/>
-              </a:ext>
-            </a:extLst>
-          </p:cNvPr>
-          <p:cNvPicPr>
-            <a:picLocks noChangeAspect="1"/>
-          </p:cNvPicPr>
-          <p:nvPr/>
-        </p:nvPicPr>
-        <p:blipFill>
-          <a:blip r:embed="rId3"/>
-          <a:stretch>
-            <a:fillRect/>
-          </a:stretch>
-        </p:blipFill>
-        <p:spPr>
-          <a:xfrm>
-            <a:off x="1271768" y="1854926"/>
-            <a:ext cx="5639795" cy="4197558"/>
-          </a:xfrm>
-          <a:prstGeom prst="rect">
-            <a:avLst/>
-          </a:prstGeom>
-        </p:spPr>
-      </p:pic>
-      <p:cxnSp>
-        <p:nvCxnSpPr>
-          <p:cNvPr id="4" name="Straight Connector 3">
-            <a:extLst>
-              <a:ext uri="{FF2B5EF4-FFF2-40B4-BE49-F238E27FC236}">
-                <a16:creationId xmlns:a16="http://schemas.microsoft.com/office/drawing/2014/main" id="{C664D822-CC95-9942-BCAD-7E88ECE3D7B9}"/>
-              </a:ext>
-            </a:extLst>
-          </p:cNvPr>
-          <p:cNvCxnSpPr>
-            <a:cxnSpLocks/>
-          </p:cNvCxnSpPr>
-          <p:nvPr/>
-        </p:nvCxnSpPr>
-        <p:spPr>
-          <a:xfrm>
-            <a:off x="1378101" y="1753299"/>
-            <a:ext cx="5319879" cy="0"/>
-          </a:xfrm>
-          <a:prstGeom prst="line">
-            <a:avLst/>
-          </a:prstGeom>
-          <a:ln w="12700"/>
-        </p:spPr>
-        <p:style>
-          <a:lnRef idx="1">
-            <a:schemeClr val="accent1"/>
-          </a:lnRef>
-          <a:fillRef idx="0">
-            <a:schemeClr val="accent1"/>
-          </a:fillRef>
-          <a:effectRef idx="0">
-            <a:schemeClr val="accent1"/>
-          </a:effectRef>
-          <a:fontRef idx="minor">
-            <a:schemeClr val="tx1"/>
-          </a:fontRef>
-        </p:style>
-      </p:cxnSp>
-    </p:spTree>
-    <p:extLst>
-      <p:ext uri="{BB962C8B-B14F-4D97-AF65-F5344CB8AC3E}">
-        <p14:creationId xmlns:p14="http://schemas.microsoft.com/office/powerpoint/2010/main" val="2159710305"/>
-      </p:ext>
-    </p:extLst>
-  </p:cSld>
-  <p:clrMapOvr>
-    <a:masterClrMapping/>
-  </p:clrMapOvr>
-  <mc:AlternateContent xmlns:mc="http://schemas.openxmlformats.org/markup-compatibility/2006" xmlns:p14="http://schemas.microsoft.com/office/powerpoint/2010/main">
-    <mc:Choice Requires="p14">
-      <p:transition spd="med" p14:dur="700">
-        <p:fade/>
-      </p:transition>
-    </mc:Choice>
-    <mc:Fallback xmlns="">
-      <p:transition spd="med">
-        <p:fade/>
-      </p:transition>
-    </mc:Fallback>
-  </mc:AlternateContent>
-</p:sld>
-</file>
-
-<file path=ppt/slides/slide29.xml><?xml version="1.0" encoding="utf-8"?>
-<p:sld xmlns:a="http://schemas.openxmlformats.org/drawingml/2006/main" xmlns:r="http://schemas.openxmlformats.org/officeDocument/2006/relationships" xmlns:p="http://schemas.openxmlformats.org/presentationml/2006/main">
-  <p:cSld>
-    <p:spTree>
-      <p:nvGrpSpPr>
-        <p:cNvPr id="1" name=""/>
-        <p:cNvGrpSpPr/>
-        <p:nvPr/>
-      </p:nvGrpSpPr>
-      <p:grpSpPr>
-        <a:xfrm>
-          <a:off x="0" y="0"/>
-          <a:ext cx="0" cy="0"/>
-          <a:chOff x="0" y="0"/>
-          <a:chExt cx="0" cy="0"/>
-        </a:xfrm>
-      </p:grpSpPr>
-      <p:sp>
-        <p:nvSpPr>
-          <p:cNvPr id="8" name="TextBox 7"/>
-          <p:cNvSpPr txBox="1"/>
-          <p:nvPr/>
-        </p:nvSpPr>
-        <p:spPr>
-          <a:xfrm>
-            <a:off x="1271768" y="1115051"/>
-            <a:ext cx="9196386" cy="553998"/>
-          </a:xfrm>
-          <a:prstGeom prst="rect">
-            <a:avLst/>
-          </a:prstGeom>
-          <a:noFill/>
-        </p:spPr>
-        <p:txBody>
-          <a:bodyPr wrap="square" rtlCol="0">
-            <a:spAutoFit/>
-          </a:bodyPr>
-          <a:lstStyle/>
-          <a:p>
-            <a:r>
-              <a:rPr lang="en-US" sz="3000" b="1" dirty="0">
-                <a:solidFill>
-                  <a:schemeClr val="accent1"/>
-                </a:solidFill>
-                <a:latin typeface="Cambria" panose="02040503050406030204" pitchFamily="18" charset="0"/>
-              </a:rPr>
-              <a:t>LOGISTIC REGRESSION 2/4: SIGMOID FUNCTION</a:t>
-            </a:r>
-          </a:p>
-        </p:txBody>
-      </p:sp>
-      <p:pic>
-        <p:nvPicPr>
-          <p:cNvPr id="4" name="Picture 3" descr="sigmoid-function.png">
-            <a:extLst>
-              <a:ext uri="{FF2B5EF4-FFF2-40B4-BE49-F238E27FC236}">
-                <a16:creationId xmlns:a16="http://schemas.microsoft.com/office/drawing/2014/main" id="{951C07EF-5164-6848-8F86-28B8040373C5}"/>
-              </a:ext>
-            </a:extLst>
-          </p:cNvPr>
-          <p:cNvPicPr>
-            <a:picLocks noChangeAspect="1"/>
-          </p:cNvPicPr>
-          <p:nvPr/>
-        </p:nvPicPr>
-        <p:blipFill>
-          <a:blip r:embed="rId3"/>
-          <a:stretch>
-            <a:fillRect/>
-          </a:stretch>
-        </p:blipFill>
-        <p:spPr>
-          <a:xfrm>
-            <a:off x="1523824" y="1952058"/>
-            <a:ext cx="5804939" cy="4248472"/>
-          </a:xfrm>
-          <a:prstGeom prst="rect">
-            <a:avLst/>
-          </a:prstGeom>
-        </p:spPr>
-      </p:pic>
-      <p:cxnSp>
-        <p:nvCxnSpPr>
-          <p:cNvPr id="5" name="Straight Connector 4">
-            <a:extLst>
-              <a:ext uri="{FF2B5EF4-FFF2-40B4-BE49-F238E27FC236}">
-                <a16:creationId xmlns:a16="http://schemas.microsoft.com/office/drawing/2014/main" id="{02F750F8-CB20-B842-8BCD-A74835F3AFED}"/>
-              </a:ext>
-            </a:extLst>
-          </p:cNvPr>
-          <p:cNvCxnSpPr>
-            <a:cxnSpLocks/>
-          </p:cNvCxnSpPr>
-          <p:nvPr/>
-        </p:nvCxnSpPr>
-        <p:spPr>
-          <a:xfrm>
-            <a:off x="1378101" y="1753299"/>
-            <a:ext cx="8360259" cy="0"/>
-          </a:xfrm>
-          <a:prstGeom prst="line">
-            <a:avLst/>
-          </a:prstGeom>
-          <a:ln w="12700"/>
-        </p:spPr>
-        <p:style>
-          <a:lnRef idx="1">
-            <a:schemeClr val="accent1"/>
-          </a:lnRef>
-          <a:fillRef idx="0">
-            <a:schemeClr val="accent1"/>
-          </a:fillRef>
-          <a:effectRef idx="0">
-            <a:schemeClr val="accent1"/>
-          </a:effectRef>
-          <a:fontRef idx="minor">
-            <a:schemeClr val="tx1"/>
-          </a:fontRef>
-        </p:style>
-      </p:cxnSp>
-    </p:spTree>
-    <p:extLst>
-      <p:ext uri="{BB962C8B-B14F-4D97-AF65-F5344CB8AC3E}">
-        <p14:creationId xmlns:p14="http://schemas.microsoft.com/office/powerpoint/2010/main" val="3891371234"/>
       </p:ext>
     </p:extLst>
   </p:cSld>
@@ -10280,6 +10434,441 @@
                 </a:solidFill>
                 <a:latin typeface="Cambria" panose="02040503050406030204" pitchFamily="18" charset="0"/>
               </a:rPr>
+              <a:t>DEEP LEARNING AND CLASSIFICATION</a:t>
+            </a:r>
+          </a:p>
+        </p:txBody>
+      </p:sp>
+      <p:pic>
+        <p:nvPicPr>
+          <p:cNvPr id="4" name="Picture 3" descr="dog-vs-cat-kaggle.png">
+            <a:extLst>
+              <a:ext uri="{FF2B5EF4-FFF2-40B4-BE49-F238E27FC236}">
+                <a16:creationId xmlns:a16="http://schemas.microsoft.com/office/drawing/2014/main" id="{1F825E97-91CC-6748-957D-EC2E462E7F2E}"/>
+              </a:ext>
+            </a:extLst>
+          </p:cNvPr>
+          <p:cNvPicPr>
+            <a:picLocks noChangeAspect="1"/>
+          </p:cNvPicPr>
+          <p:nvPr/>
+        </p:nvPicPr>
+        <p:blipFill>
+          <a:blip r:embed="rId3"/>
+          <a:stretch>
+            <a:fillRect/>
+          </a:stretch>
+        </p:blipFill>
+        <p:spPr>
+          <a:xfrm>
+            <a:off x="1375954" y="2100181"/>
+            <a:ext cx="5531688" cy="3072187"/>
+          </a:xfrm>
+          <a:prstGeom prst="rect">
+            <a:avLst/>
+          </a:prstGeom>
+        </p:spPr>
+      </p:pic>
+      <p:cxnSp>
+        <p:nvCxnSpPr>
+          <p:cNvPr id="5" name="Straight Connector 4">
+            <a:extLst>
+              <a:ext uri="{FF2B5EF4-FFF2-40B4-BE49-F238E27FC236}">
+                <a16:creationId xmlns:a16="http://schemas.microsoft.com/office/drawing/2014/main" id="{E55116C4-1E79-8149-A9C5-F9D9057EA4D8}"/>
+              </a:ext>
+            </a:extLst>
+          </p:cNvPr>
+          <p:cNvCxnSpPr>
+            <a:cxnSpLocks/>
+          </p:cNvCxnSpPr>
+          <p:nvPr/>
+        </p:nvCxnSpPr>
+        <p:spPr>
+          <a:xfrm>
+            <a:off x="1378101" y="1753299"/>
+            <a:ext cx="6630519" cy="0"/>
+          </a:xfrm>
+          <a:prstGeom prst="line">
+            <a:avLst/>
+          </a:prstGeom>
+          <a:ln w="12700"/>
+        </p:spPr>
+        <p:style>
+          <a:lnRef idx="1">
+            <a:schemeClr val="accent1"/>
+          </a:lnRef>
+          <a:fillRef idx="0">
+            <a:schemeClr val="accent1"/>
+          </a:fillRef>
+          <a:effectRef idx="0">
+            <a:schemeClr val="accent1"/>
+          </a:effectRef>
+          <a:fontRef idx="minor">
+            <a:schemeClr val="tx1"/>
+          </a:fontRef>
+        </p:style>
+      </p:cxnSp>
+    </p:spTree>
+    <p:extLst>
+      <p:ext uri="{BB962C8B-B14F-4D97-AF65-F5344CB8AC3E}">
+        <p14:creationId xmlns:p14="http://schemas.microsoft.com/office/powerpoint/2010/main" val="4021484705"/>
+      </p:ext>
+    </p:extLst>
+  </p:cSld>
+  <p:clrMapOvr>
+    <a:masterClrMapping/>
+  </p:clrMapOvr>
+  <mc:AlternateContent xmlns:mc="http://schemas.openxmlformats.org/markup-compatibility/2006" xmlns:p14="http://schemas.microsoft.com/office/powerpoint/2010/main">
+    <mc:Choice Requires="p14">
+      <p:transition spd="med" p14:dur="700">
+        <p:fade/>
+      </p:transition>
+    </mc:Choice>
+    <mc:Fallback xmlns="">
+      <p:transition spd="med">
+        <p:fade/>
+      </p:transition>
+    </mc:Fallback>
+  </mc:AlternateContent>
+</p:sld>
+</file>
+
+<file path=ppt/slides/slide31.xml><?xml version="1.0" encoding="utf-8"?>
+<p:sld xmlns:a="http://schemas.openxmlformats.org/drawingml/2006/main" xmlns:r="http://schemas.openxmlformats.org/officeDocument/2006/relationships" xmlns:p="http://schemas.openxmlformats.org/presentationml/2006/main">
+  <p:cSld>
+    <p:spTree>
+      <p:nvGrpSpPr>
+        <p:cNvPr id="1" name=""/>
+        <p:cNvGrpSpPr/>
+        <p:nvPr/>
+      </p:nvGrpSpPr>
+      <p:grpSpPr>
+        <a:xfrm>
+          <a:off x="0" y="0"/>
+          <a:ext cx="0" cy="0"/>
+          <a:chOff x="0" y="0"/>
+          <a:chExt cx="0" cy="0"/>
+        </a:xfrm>
+      </p:grpSpPr>
+      <p:sp>
+        <p:nvSpPr>
+          <p:cNvPr id="8" name="TextBox 7"/>
+          <p:cNvSpPr txBox="1"/>
+          <p:nvPr/>
+        </p:nvSpPr>
+        <p:spPr>
+          <a:xfrm>
+            <a:off x="1271768" y="1115051"/>
+            <a:ext cx="9196386" cy="553998"/>
+          </a:xfrm>
+          <a:prstGeom prst="rect">
+            <a:avLst/>
+          </a:prstGeom>
+          <a:noFill/>
+        </p:spPr>
+        <p:txBody>
+          <a:bodyPr wrap="square" rtlCol="0">
+            <a:spAutoFit/>
+          </a:bodyPr>
+          <a:lstStyle/>
+          <a:p>
+            <a:r>
+              <a:rPr lang="en-US" sz="3000" b="1" dirty="0">
+                <a:solidFill>
+                  <a:schemeClr val="accent1"/>
+                </a:solidFill>
+                <a:latin typeface="Cambria" panose="02040503050406030204" pitchFamily="18" charset="0"/>
+              </a:rPr>
+              <a:t>LOGISTIC REGRESSION 1/4</a:t>
+            </a:r>
+          </a:p>
+        </p:txBody>
+      </p:sp>
+      <p:pic>
+        <p:nvPicPr>
+          <p:cNvPr id="5" name="Picture 4" descr="binary_target_linear_regression.png">
+            <a:extLst>
+              <a:ext uri="{FF2B5EF4-FFF2-40B4-BE49-F238E27FC236}">
+                <a16:creationId xmlns:a16="http://schemas.microsoft.com/office/drawing/2014/main" id="{8CA16CBE-53D1-D740-80EA-51750420B5EF}"/>
+              </a:ext>
+            </a:extLst>
+          </p:cNvPr>
+          <p:cNvPicPr>
+            <a:picLocks noChangeAspect="1"/>
+          </p:cNvPicPr>
+          <p:nvPr/>
+        </p:nvPicPr>
+        <p:blipFill>
+          <a:blip r:embed="rId3"/>
+          <a:stretch>
+            <a:fillRect/>
+          </a:stretch>
+        </p:blipFill>
+        <p:spPr>
+          <a:xfrm>
+            <a:off x="1271768" y="1854926"/>
+            <a:ext cx="5639795" cy="4197558"/>
+          </a:xfrm>
+          <a:prstGeom prst="rect">
+            <a:avLst/>
+          </a:prstGeom>
+        </p:spPr>
+      </p:pic>
+      <p:cxnSp>
+        <p:nvCxnSpPr>
+          <p:cNvPr id="4" name="Straight Connector 3">
+            <a:extLst>
+              <a:ext uri="{FF2B5EF4-FFF2-40B4-BE49-F238E27FC236}">
+                <a16:creationId xmlns:a16="http://schemas.microsoft.com/office/drawing/2014/main" id="{C664D822-CC95-9942-BCAD-7E88ECE3D7B9}"/>
+              </a:ext>
+            </a:extLst>
+          </p:cNvPr>
+          <p:cNvCxnSpPr>
+            <a:cxnSpLocks/>
+          </p:cNvCxnSpPr>
+          <p:nvPr/>
+        </p:nvCxnSpPr>
+        <p:spPr>
+          <a:xfrm>
+            <a:off x="1378101" y="1753299"/>
+            <a:ext cx="5319879" cy="0"/>
+          </a:xfrm>
+          <a:prstGeom prst="line">
+            <a:avLst/>
+          </a:prstGeom>
+          <a:ln w="12700"/>
+        </p:spPr>
+        <p:style>
+          <a:lnRef idx="1">
+            <a:schemeClr val="accent1"/>
+          </a:lnRef>
+          <a:fillRef idx="0">
+            <a:schemeClr val="accent1"/>
+          </a:fillRef>
+          <a:effectRef idx="0">
+            <a:schemeClr val="accent1"/>
+          </a:effectRef>
+          <a:fontRef idx="minor">
+            <a:schemeClr val="tx1"/>
+          </a:fontRef>
+        </p:style>
+      </p:cxnSp>
+    </p:spTree>
+    <p:extLst>
+      <p:ext uri="{BB962C8B-B14F-4D97-AF65-F5344CB8AC3E}">
+        <p14:creationId xmlns:p14="http://schemas.microsoft.com/office/powerpoint/2010/main" val="2159710305"/>
+      </p:ext>
+    </p:extLst>
+  </p:cSld>
+  <p:clrMapOvr>
+    <a:masterClrMapping/>
+  </p:clrMapOvr>
+  <mc:AlternateContent xmlns:mc="http://schemas.openxmlformats.org/markup-compatibility/2006" xmlns:p14="http://schemas.microsoft.com/office/powerpoint/2010/main">
+    <mc:Choice Requires="p14">
+      <p:transition spd="med" p14:dur="700">
+        <p:fade/>
+      </p:transition>
+    </mc:Choice>
+    <mc:Fallback xmlns="">
+      <p:transition spd="med">
+        <p:fade/>
+      </p:transition>
+    </mc:Fallback>
+  </mc:AlternateContent>
+</p:sld>
+</file>
+
+<file path=ppt/slides/slide32.xml><?xml version="1.0" encoding="utf-8"?>
+<p:sld xmlns:a="http://schemas.openxmlformats.org/drawingml/2006/main" xmlns:r="http://schemas.openxmlformats.org/officeDocument/2006/relationships" xmlns:p="http://schemas.openxmlformats.org/presentationml/2006/main">
+  <p:cSld>
+    <p:spTree>
+      <p:nvGrpSpPr>
+        <p:cNvPr id="1" name=""/>
+        <p:cNvGrpSpPr/>
+        <p:nvPr/>
+      </p:nvGrpSpPr>
+      <p:grpSpPr>
+        <a:xfrm>
+          <a:off x="0" y="0"/>
+          <a:ext cx="0" cy="0"/>
+          <a:chOff x="0" y="0"/>
+          <a:chExt cx="0" cy="0"/>
+        </a:xfrm>
+      </p:grpSpPr>
+      <p:sp>
+        <p:nvSpPr>
+          <p:cNvPr id="8" name="TextBox 7"/>
+          <p:cNvSpPr txBox="1"/>
+          <p:nvPr/>
+        </p:nvSpPr>
+        <p:spPr>
+          <a:xfrm>
+            <a:off x="1271768" y="1115051"/>
+            <a:ext cx="9196386" cy="553998"/>
+          </a:xfrm>
+          <a:prstGeom prst="rect">
+            <a:avLst/>
+          </a:prstGeom>
+          <a:noFill/>
+        </p:spPr>
+        <p:txBody>
+          <a:bodyPr wrap="square" rtlCol="0">
+            <a:spAutoFit/>
+          </a:bodyPr>
+          <a:lstStyle/>
+          <a:p>
+            <a:r>
+              <a:rPr lang="en-US" sz="3000" b="1" dirty="0">
+                <a:solidFill>
+                  <a:schemeClr val="accent1"/>
+                </a:solidFill>
+                <a:latin typeface="Cambria" panose="02040503050406030204" pitchFamily="18" charset="0"/>
+              </a:rPr>
+              <a:t>LOGISTIC REGRESSION 2/4: SIGMOID FUNCTION</a:t>
+            </a:r>
+          </a:p>
+        </p:txBody>
+      </p:sp>
+      <p:pic>
+        <p:nvPicPr>
+          <p:cNvPr id="4" name="Picture 3" descr="sigmoid-function.png">
+            <a:extLst>
+              <a:ext uri="{FF2B5EF4-FFF2-40B4-BE49-F238E27FC236}">
+                <a16:creationId xmlns:a16="http://schemas.microsoft.com/office/drawing/2014/main" id="{951C07EF-5164-6848-8F86-28B8040373C5}"/>
+              </a:ext>
+            </a:extLst>
+          </p:cNvPr>
+          <p:cNvPicPr>
+            <a:picLocks noChangeAspect="1"/>
+          </p:cNvPicPr>
+          <p:nvPr/>
+        </p:nvPicPr>
+        <p:blipFill>
+          <a:blip r:embed="rId3"/>
+          <a:stretch>
+            <a:fillRect/>
+          </a:stretch>
+        </p:blipFill>
+        <p:spPr>
+          <a:xfrm>
+            <a:off x="1523824" y="1952058"/>
+            <a:ext cx="5804939" cy="4248472"/>
+          </a:xfrm>
+          <a:prstGeom prst="rect">
+            <a:avLst/>
+          </a:prstGeom>
+        </p:spPr>
+      </p:pic>
+      <p:cxnSp>
+        <p:nvCxnSpPr>
+          <p:cNvPr id="5" name="Straight Connector 4">
+            <a:extLst>
+              <a:ext uri="{FF2B5EF4-FFF2-40B4-BE49-F238E27FC236}">
+                <a16:creationId xmlns:a16="http://schemas.microsoft.com/office/drawing/2014/main" id="{02F750F8-CB20-B842-8BCD-A74835F3AFED}"/>
+              </a:ext>
+            </a:extLst>
+          </p:cNvPr>
+          <p:cNvCxnSpPr>
+            <a:cxnSpLocks/>
+          </p:cNvCxnSpPr>
+          <p:nvPr/>
+        </p:nvCxnSpPr>
+        <p:spPr>
+          <a:xfrm>
+            <a:off x="1378101" y="1753299"/>
+            <a:ext cx="8360259" cy="0"/>
+          </a:xfrm>
+          <a:prstGeom prst="line">
+            <a:avLst/>
+          </a:prstGeom>
+          <a:ln w="12700"/>
+        </p:spPr>
+        <p:style>
+          <a:lnRef idx="1">
+            <a:schemeClr val="accent1"/>
+          </a:lnRef>
+          <a:fillRef idx="0">
+            <a:schemeClr val="accent1"/>
+          </a:fillRef>
+          <a:effectRef idx="0">
+            <a:schemeClr val="accent1"/>
+          </a:effectRef>
+          <a:fontRef idx="minor">
+            <a:schemeClr val="tx1"/>
+          </a:fontRef>
+        </p:style>
+      </p:cxnSp>
+    </p:spTree>
+    <p:extLst>
+      <p:ext uri="{BB962C8B-B14F-4D97-AF65-F5344CB8AC3E}">
+        <p14:creationId xmlns:p14="http://schemas.microsoft.com/office/powerpoint/2010/main" val="3891371234"/>
+      </p:ext>
+    </p:extLst>
+  </p:cSld>
+  <p:clrMapOvr>
+    <a:masterClrMapping/>
+  </p:clrMapOvr>
+  <mc:AlternateContent xmlns:mc="http://schemas.openxmlformats.org/markup-compatibility/2006" xmlns:p14="http://schemas.microsoft.com/office/powerpoint/2010/main">
+    <mc:Choice Requires="p14">
+      <p:transition spd="med" p14:dur="700">
+        <p:fade/>
+      </p:transition>
+    </mc:Choice>
+    <mc:Fallback xmlns="">
+      <p:transition spd="med">
+        <p:fade/>
+      </p:transition>
+    </mc:Fallback>
+  </mc:AlternateContent>
+</p:sld>
+</file>
+
+<file path=ppt/slides/slide33.xml><?xml version="1.0" encoding="utf-8"?>
+<p:sld xmlns:a="http://schemas.openxmlformats.org/drawingml/2006/main" xmlns:r="http://schemas.openxmlformats.org/officeDocument/2006/relationships" xmlns:p="http://schemas.openxmlformats.org/presentationml/2006/main">
+  <p:cSld>
+    <p:spTree>
+      <p:nvGrpSpPr>
+        <p:cNvPr id="1" name=""/>
+        <p:cNvGrpSpPr/>
+        <p:nvPr/>
+      </p:nvGrpSpPr>
+      <p:grpSpPr>
+        <a:xfrm>
+          <a:off x="0" y="0"/>
+          <a:ext cx="0" cy="0"/>
+          <a:chOff x="0" y="0"/>
+          <a:chExt cx="0" cy="0"/>
+        </a:xfrm>
+      </p:grpSpPr>
+      <p:sp>
+        <p:nvSpPr>
+          <p:cNvPr id="8" name="TextBox 7"/>
+          <p:cNvSpPr txBox="1"/>
+          <p:nvPr/>
+        </p:nvSpPr>
+        <p:spPr>
+          <a:xfrm>
+            <a:off x="1271768" y="1115051"/>
+            <a:ext cx="9196386" cy="553998"/>
+          </a:xfrm>
+          <a:prstGeom prst="rect">
+            <a:avLst/>
+          </a:prstGeom>
+          <a:noFill/>
+        </p:spPr>
+        <p:txBody>
+          <a:bodyPr wrap="square" rtlCol="0">
+            <a:spAutoFit/>
+          </a:bodyPr>
+          <a:lstStyle/>
+          <a:p>
+            <a:r>
+              <a:rPr lang="en-US" sz="3000" b="1" dirty="0">
+                <a:solidFill>
+                  <a:schemeClr val="accent1"/>
+                </a:solidFill>
+                <a:latin typeface="Cambria" panose="02040503050406030204" pitchFamily="18" charset="0"/>
+              </a:rPr>
               <a:t>LOGISTIC REGRESSION 3/4: AT CRUISING SPEED</a:t>
             </a:r>
           </a:p>
@@ -10477,7 +11066,7 @@
 </p:sld>
 </file>
 
-<file path=ppt/slides/slide31.xml><?xml version="1.0" encoding="utf-8"?>
+<file path=ppt/slides/slide34.xml><?xml version="1.0" encoding="utf-8"?>
 <p:sld xmlns:a="http://schemas.openxmlformats.org/drawingml/2006/main" xmlns:r="http://schemas.openxmlformats.org/officeDocument/2006/relationships" xmlns:p="http://schemas.openxmlformats.org/presentationml/2006/main">
   <p:cSld>
     <p:spTree>
@@ -10622,7 +11211,7 @@
 </p:sld>
 </file>
 
-<file path=ppt/slides/slide32.xml><?xml version="1.0" encoding="utf-8"?>
+<file path=ppt/slides/slide35.xml><?xml version="1.0" encoding="utf-8"?>
 <p:sld xmlns:a="http://schemas.openxmlformats.org/drawingml/2006/main" xmlns:r="http://schemas.openxmlformats.org/officeDocument/2006/relationships" xmlns:p="http://schemas.openxmlformats.org/presentationml/2006/main">
   <p:cSld>
     <p:spTree>
@@ -10822,7 +11411,7 @@
 </p:sld>
 </file>
 
-<file path=ppt/slides/slide33.xml><?xml version="1.0" encoding="utf-8"?>
+<file path=ppt/slides/slide36.xml><?xml version="1.0" encoding="utf-8"?>
 <p:sld xmlns:a="http://schemas.openxmlformats.org/drawingml/2006/main" xmlns:r="http://schemas.openxmlformats.org/officeDocument/2006/relationships" xmlns:p="http://schemas.openxmlformats.org/presentationml/2006/main">
   <p:cSld>
     <p:spTree>
@@ -11016,82 +11605,6 @@
 </p:sld>
 </file>
 
-<file path=ppt/slides/slide34.xml><?xml version="1.0" encoding="utf-8"?>
-<p:sld xmlns:a="http://schemas.openxmlformats.org/drawingml/2006/main" xmlns:r="http://schemas.openxmlformats.org/officeDocument/2006/relationships" xmlns:p="http://schemas.openxmlformats.org/presentationml/2006/main">
-  <p:cSld>
-    <p:spTree>
-      <p:nvGrpSpPr>
-        <p:cNvPr id="1" name=""/>
-        <p:cNvGrpSpPr/>
-        <p:nvPr/>
-      </p:nvGrpSpPr>
-      <p:grpSpPr>
-        <a:xfrm>
-          <a:off x="0" y="0"/>
-          <a:ext cx="0" cy="0"/>
-          <a:chOff x="0" y="0"/>
-          <a:chExt cx="0" cy="0"/>
-        </a:xfrm>
-      </p:grpSpPr>
-      <p:sp>
-        <p:nvSpPr>
-          <p:cNvPr id="8" name="TextBox 7"/>
-          <p:cNvSpPr txBox="1"/>
-          <p:nvPr/>
-        </p:nvSpPr>
-        <p:spPr>
-          <a:xfrm>
-            <a:off x="1271768" y="1115051"/>
-            <a:ext cx="9196386" cy="553998"/>
-          </a:xfrm>
-          <a:prstGeom prst="rect">
-            <a:avLst/>
-          </a:prstGeom>
-          <a:noFill/>
-        </p:spPr>
-        <p:txBody>
-          <a:bodyPr wrap="square" rtlCol="0">
-            <a:spAutoFit/>
-          </a:bodyPr>
-          <a:lstStyle/>
-          <a:p>
-            <a:r>
-              <a:rPr lang="en-US" sz="3000" b="1" dirty="0">
-                <a:solidFill>
-                  <a:schemeClr val="accent1"/>
-                </a:solidFill>
-                <a:latin typeface="Cambria" panose="02040503050406030204" pitchFamily="18" charset="0"/>
-              </a:rPr>
-              <a:t>TO BE CONTINUED</a:t>
-            </a:r>
-          </a:p>
-        </p:txBody>
-      </p:sp>
-    </p:spTree>
-    <p:extLst>
-      <p:ext uri="{BB962C8B-B14F-4D97-AF65-F5344CB8AC3E}">
-        <p14:creationId xmlns:p14="http://schemas.microsoft.com/office/powerpoint/2010/main" val="4262809890"/>
-      </p:ext>
-    </p:extLst>
-  </p:cSld>
-  <p:clrMapOvr>
-    <a:masterClrMapping/>
-  </p:clrMapOvr>
-  <mc:AlternateContent xmlns:mc="http://schemas.openxmlformats.org/markup-compatibility/2006" xmlns:p14="http://schemas.microsoft.com/office/powerpoint/2010/main">
-    <mc:Choice Requires="p14">
-      <p:transition spd="med" p14:dur="700">
-        <p:fade/>
-      </p:transition>
-    </mc:Choice>
-    <mc:Fallback xmlns="">
-      <p:transition spd="med">
-        <p:fade/>
-      </p:transition>
-    </mc:Fallback>
-  </mc:AlternateContent>
-</p:sld>
-</file>
-
 <file path=ppt/slides/slide4.xml><?xml version="1.0" encoding="utf-8"?>
 <p:sld xmlns:a="http://schemas.openxmlformats.org/drawingml/2006/main" xmlns:r="http://schemas.openxmlformats.org/officeDocument/2006/relationships" xmlns:p="http://schemas.openxmlformats.org/presentationml/2006/main">
   <p:cSld>
@@ -11168,6 +11681,45 @@
           </a:p>
         </p:txBody>
       </p:sp>
+      <p:pic>
+        <p:nvPicPr>
+          <p:cNvPr id="4" name="Graphic 3" descr="Thought bubble">
+            <a:extLst>
+              <a:ext uri="{FF2B5EF4-FFF2-40B4-BE49-F238E27FC236}">
+                <a16:creationId xmlns:a16="http://schemas.microsoft.com/office/drawing/2014/main" id="{1C8CFF4D-0941-6D4D-8415-1FE82F60C1E0}"/>
+              </a:ext>
+            </a:extLst>
+          </p:cNvPr>
+          <p:cNvPicPr>
+            <a:picLocks noChangeAspect="1"/>
+          </p:cNvPicPr>
+          <p:nvPr/>
+        </p:nvPicPr>
+        <p:blipFill>
+          <a:blip r:embed="rId3">
+            <a:extLst>
+              <a:ext uri="{28A0092B-C50C-407E-A947-70E740481C1C}">
+                <a14:useLocalDpi xmlns:a14="http://schemas.microsoft.com/office/drawing/2010/main" val="0"/>
+              </a:ext>
+              <a:ext uri="{96DAC541-7B7A-43D3-8B79-37D633B846F1}">
+                <asvg:svgBlip xmlns:asvg="http://schemas.microsoft.com/office/drawing/2016/SVG/main" r:embed="rId4"/>
+              </a:ext>
+            </a:extLst>
+          </a:blip>
+          <a:stretch>
+            <a:fillRect/>
+          </a:stretch>
+        </p:blipFill>
+        <p:spPr>
+          <a:xfrm>
+            <a:off x="10234569" y="0"/>
+            <a:ext cx="1686187" cy="1686187"/>
+          </a:xfrm>
+          <a:prstGeom prst="rect">
+            <a:avLst/>
+          </a:prstGeom>
+        </p:spPr>
+      </p:pic>
     </p:spTree>
     <p:extLst>
       <p:ext uri="{BB962C8B-B14F-4D97-AF65-F5344CB8AC3E}">

--- a/presentations/session-5-application-of-ai.pptx
+++ b/presentations/session-5-application-of-ai.pptx
@@ -5,7 +5,7 @@
     <p:sldMasterId id="2147483648" r:id="rId1"/>
   </p:sldMasterIdLst>
   <p:notesMasterIdLst>
-    <p:notesMasterId r:id="rId38"/>
+    <p:notesMasterId r:id="rId39"/>
   </p:notesMasterIdLst>
   <p:sldIdLst>
     <p:sldId id="263" r:id="rId2"/>
@@ -22,28 +22,29 @@
     <p:sldId id="561" r:id="rId13"/>
     <p:sldId id="562" r:id="rId14"/>
     <p:sldId id="566" r:id="rId15"/>
-    <p:sldId id="583" r:id="rId16"/>
-    <p:sldId id="563" r:id="rId17"/>
-    <p:sldId id="554" r:id="rId18"/>
-    <p:sldId id="587" r:id="rId19"/>
-    <p:sldId id="586" r:id="rId20"/>
-    <p:sldId id="589" r:id="rId21"/>
-    <p:sldId id="565" r:id="rId22"/>
-    <p:sldId id="588" r:id="rId23"/>
-    <p:sldId id="568" r:id="rId24"/>
-    <p:sldId id="567" r:id="rId25"/>
-    <p:sldId id="569" r:id="rId26"/>
-    <p:sldId id="570" r:id="rId27"/>
-    <p:sldId id="571" r:id="rId28"/>
-    <p:sldId id="572" r:id="rId29"/>
-    <p:sldId id="573" r:id="rId30"/>
-    <p:sldId id="574" r:id="rId31"/>
-    <p:sldId id="575" r:id="rId32"/>
-    <p:sldId id="577" r:id="rId33"/>
-    <p:sldId id="578" r:id="rId34"/>
-    <p:sldId id="579" r:id="rId35"/>
-    <p:sldId id="580" r:id="rId36"/>
-    <p:sldId id="581" r:id="rId37"/>
+    <p:sldId id="563" r:id="rId16"/>
+    <p:sldId id="590" r:id="rId17"/>
+    <p:sldId id="591" r:id="rId18"/>
+    <p:sldId id="554" r:id="rId19"/>
+    <p:sldId id="587" r:id="rId20"/>
+    <p:sldId id="586" r:id="rId21"/>
+    <p:sldId id="589" r:id="rId22"/>
+    <p:sldId id="565" r:id="rId23"/>
+    <p:sldId id="588" r:id="rId24"/>
+    <p:sldId id="568" r:id="rId25"/>
+    <p:sldId id="567" r:id="rId26"/>
+    <p:sldId id="569" r:id="rId27"/>
+    <p:sldId id="570" r:id="rId28"/>
+    <p:sldId id="571" r:id="rId29"/>
+    <p:sldId id="572" r:id="rId30"/>
+    <p:sldId id="573" r:id="rId31"/>
+    <p:sldId id="574" r:id="rId32"/>
+    <p:sldId id="575" r:id="rId33"/>
+    <p:sldId id="577" r:id="rId34"/>
+    <p:sldId id="578" r:id="rId35"/>
+    <p:sldId id="579" r:id="rId36"/>
+    <p:sldId id="580" r:id="rId37"/>
+    <p:sldId id="581" r:id="rId38"/>
   </p:sldIdLst>
   <p:sldSz cx="12192000" cy="6858000"/>
   <p:notesSz cx="6797675" cy="9874250"/>
@@ -806,7 +807,10 @@
           <a:bodyPr/>
           <a:lstStyle/>
           <a:p>
-            <a:endParaRPr lang="en-US" dirty="0"/>
+            <a:r>
+              <a:rPr lang="en-US" dirty="0"/>
+              <a:t>But as well multi-agent, competitive, collaborative, mix</a:t>
+            </a:r>
           </a:p>
         </p:txBody>
       </p:sp>
@@ -1088,7 +1092,7 @@
     </p:spTree>
     <p:extLst>
       <p:ext uri="{BB962C8B-B14F-4D97-AF65-F5344CB8AC3E}">
-        <p14:creationId xmlns:p14="http://schemas.microsoft.com/office/powerpoint/2010/main" val="314223553"/>
+        <p14:creationId xmlns:p14="http://schemas.microsoft.com/office/powerpoint/2010/main" val="3345307130"/>
       </p:ext>
     </p:extLst>
   </p:cSld>
@@ -1142,6 +1146,10 @@
           <a:bodyPr/>
           <a:lstStyle/>
           <a:p>
+            <a:pPr marL="171450" indent="-171450">
+              <a:buFont typeface="Arial" panose="020B0604020202020204" pitchFamily="34" charset="0"/>
+              <a:buChar char="•"/>
+            </a:pPr>
             <a:endParaRPr lang="en-US" dirty="0"/>
           </a:p>
         </p:txBody>
@@ -1172,7 +1180,7 @@
     </p:spTree>
     <p:extLst>
       <p:ext uri="{BB962C8B-B14F-4D97-AF65-F5344CB8AC3E}">
-        <p14:creationId xmlns:p14="http://schemas.microsoft.com/office/powerpoint/2010/main" val="3345307130"/>
+        <p14:creationId xmlns:p14="http://schemas.microsoft.com/office/powerpoint/2010/main" val="1065775169"/>
       </p:ext>
     </p:extLst>
   </p:cSld>
@@ -1256,7 +1264,7 @@
     </p:spTree>
     <p:extLst>
       <p:ext uri="{BB962C8B-B14F-4D97-AF65-F5344CB8AC3E}">
-        <p14:creationId xmlns:p14="http://schemas.microsoft.com/office/powerpoint/2010/main" val="1697799107"/>
+        <p14:creationId xmlns:p14="http://schemas.microsoft.com/office/powerpoint/2010/main" val="3557152020"/>
       </p:ext>
     </p:extLst>
   </p:cSld>
@@ -1310,10 +1318,6 @@
           <a:bodyPr/>
           <a:lstStyle/>
           <a:p>
-            <a:pPr marL="171450" indent="-171450">
-              <a:buFont typeface="Arial" panose="020B0604020202020204" pitchFamily="34" charset="0"/>
-              <a:buChar char="•"/>
-            </a:pPr>
             <a:endParaRPr lang="en-US" dirty="0"/>
           </a:p>
         </p:txBody>
@@ -1344,7 +1348,7 @@
     </p:spTree>
     <p:extLst>
       <p:ext uri="{BB962C8B-B14F-4D97-AF65-F5344CB8AC3E}">
-        <p14:creationId xmlns:p14="http://schemas.microsoft.com/office/powerpoint/2010/main" val="2414011836"/>
+        <p14:creationId xmlns:p14="http://schemas.microsoft.com/office/powerpoint/2010/main" val="1697799107"/>
       </p:ext>
     </p:extLst>
   </p:cSld>
@@ -1432,7 +1436,7 @@
     </p:spTree>
     <p:extLst>
       <p:ext uri="{BB962C8B-B14F-4D97-AF65-F5344CB8AC3E}">
-        <p14:creationId xmlns:p14="http://schemas.microsoft.com/office/powerpoint/2010/main" val="4287185181"/>
+        <p14:creationId xmlns:p14="http://schemas.microsoft.com/office/powerpoint/2010/main" val="2414011836"/>
       </p:ext>
     </p:extLst>
   </p:cSld>
@@ -1604,7 +1608,7 @@
     </p:spTree>
     <p:extLst>
       <p:ext uri="{BB962C8B-B14F-4D97-AF65-F5344CB8AC3E}">
-        <p14:creationId xmlns:p14="http://schemas.microsoft.com/office/powerpoint/2010/main" val="3496240833"/>
+        <p14:creationId xmlns:p14="http://schemas.microsoft.com/office/powerpoint/2010/main" val="4287185181"/>
       </p:ext>
     </p:extLst>
   </p:cSld>
@@ -1658,6 +1662,10 @@
           <a:bodyPr/>
           <a:lstStyle/>
           <a:p>
+            <a:pPr marL="171450" indent="-171450">
+              <a:buFont typeface="Arial" panose="020B0604020202020204" pitchFamily="34" charset="0"/>
+              <a:buChar char="•"/>
+            </a:pPr>
             <a:endParaRPr lang="en-US" dirty="0"/>
           </a:p>
         </p:txBody>
@@ -1688,7 +1696,7 @@
     </p:spTree>
     <p:extLst>
       <p:ext uri="{BB962C8B-B14F-4D97-AF65-F5344CB8AC3E}">
-        <p14:creationId xmlns:p14="http://schemas.microsoft.com/office/powerpoint/2010/main" val="333752062"/>
+        <p14:creationId xmlns:p14="http://schemas.microsoft.com/office/powerpoint/2010/main" val="3496240833"/>
       </p:ext>
     </p:extLst>
   </p:cSld>
@@ -1772,7 +1780,7 @@
     </p:spTree>
     <p:extLst>
       <p:ext uri="{BB962C8B-B14F-4D97-AF65-F5344CB8AC3E}">
-        <p14:creationId xmlns:p14="http://schemas.microsoft.com/office/powerpoint/2010/main" val="2797618694"/>
+        <p14:creationId xmlns:p14="http://schemas.microsoft.com/office/powerpoint/2010/main" val="333752062"/>
       </p:ext>
     </p:extLst>
   </p:cSld>
@@ -1856,7 +1864,7 @@
     </p:spTree>
     <p:extLst>
       <p:ext uri="{BB962C8B-B14F-4D97-AF65-F5344CB8AC3E}">
-        <p14:creationId xmlns:p14="http://schemas.microsoft.com/office/powerpoint/2010/main" val="1586155269"/>
+        <p14:creationId xmlns:p14="http://schemas.microsoft.com/office/powerpoint/2010/main" val="2797618694"/>
       </p:ext>
     </p:extLst>
   </p:cSld>
@@ -1910,66 +1918,6 @@
           <a:bodyPr/>
           <a:lstStyle/>
           <a:p>
-            <a:r>
-              <a:rPr lang="fr-FR" dirty="0"/>
-              <a:t>Ex: </a:t>
-            </a:r>
-            <a:r>
-              <a:rPr lang="fr-FR" dirty="0" err="1"/>
-              <a:t>soil</a:t>
-            </a:r>
-            <a:r>
-              <a:rPr lang="fr-FR" dirty="0"/>
-              <a:t> </a:t>
-            </a:r>
-            <a:r>
-              <a:rPr lang="fr-FR" dirty="0" err="1"/>
-              <a:t>moisture</a:t>
-            </a:r>
-            <a:r>
-              <a:rPr lang="fr-FR" dirty="0"/>
-              <a:t> (</a:t>
-            </a:r>
-            <a:r>
-              <a:rPr lang="fr-FR" dirty="0" err="1"/>
-              <a:t>target</a:t>
-            </a:r>
-            <a:r>
-              <a:rPr lang="fr-FR" dirty="0"/>
-              <a:t>) </a:t>
-            </a:r>
-            <a:r>
-              <a:rPr lang="fr-FR" dirty="0" err="1"/>
-              <a:t>given</a:t>
-            </a:r>
-            <a:r>
-              <a:rPr lang="fr-FR" dirty="0"/>
-              <a:t> </a:t>
-            </a:r>
-            <a:r>
-              <a:rPr lang="fr-FR" dirty="0" err="1"/>
-              <a:t>temperature</a:t>
-            </a:r>
-            <a:r>
-              <a:rPr lang="fr-FR" dirty="0"/>
-              <a:t>, distance </a:t>
-            </a:r>
-            <a:r>
-              <a:rPr lang="fr-FR" dirty="0" err="1"/>
-              <a:t>from</a:t>
-            </a:r>
-            <a:r>
-              <a:rPr lang="fr-FR" dirty="0"/>
-              <a:t> river, ... (</a:t>
-            </a:r>
-            <a:r>
-              <a:rPr lang="fr-FR" dirty="0" err="1"/>
-              <a:t>features</a:t>
-            </a:r>
-            <a:r>
-              <a:rPr lang="fr-FR" dirty="0"/>
-              <a:t>)</a:t>
-            </a:r>
             <a:endParaRPr lang="en-US" dirty="0"/>
           </a:p>
         </p:txBody>
@@ -2000,7 +1948,7 @@
     </p:spTree>
     <p:extLst>
       <p:ext uri="{BB962C8B-B14F-4D97-AF65-F5344CB8AC3E}">
-        <p14:creationId xmlns:p14="http://schemas.microsoft.com/office/powerpoint/2010/main" val="2821334826"/>
+        <p14:creationId xmlns:p14="http://schemas.microsoft.com/office/powerpoint/2010/main" val="1586155269"/>
       </p:ext>
     </p:extLst>
   </p:cSld>
@@ -2054,6 +2002,66 @@
           <a:bodyPr/>
           <a:lstStyle/>
           <a:p>
+            <a:r>
+              <a:rPr lang="fr-FR" dirty="0"/>
+              <a:t>Ex: </a:t>
+            </a:r>
+            <a:r>
+              <a:rPr lang="fr-FR" dirty="0" err="1"/>
+              <a:t>soil</a:t>
+            </a:r>
+            <a:r>
+              <a:rPr lang="fr-FR" dirty="0"/>
+              <a:t> </a:t>
+            </a:r>
+            <a:r>
+              <a:rPr lang="fr-FR" dirty="0" err="1"/>
+              <a:t>moisture</a:t>
+            </a:r>
+            <a:r>
+              <a:rPr lang="fr-FR" dirty="0"/>
+              <a:t> (</a:t>
+            </a:r>
+            <a:r>
+              <a:rPr lang="fr-FR" dirty="0" err="1"/>
+              <a:t>target</a:t>
+            </a:r>
+            <a:r>
+              <a:rPr lang="fr-FR" dirty="0"/>
+              <a:t>) </a:t>
+            </a:r>
+            <a:r>
+              <a:rPr lang="fr-FR" dirty="0" err="1"/>
+              <a:t>given</a:t>
+            </a:r>
+            <a:r>
+              <a:rPr lang="fr-FR" dirty="0"/>
+              <a:t> </a:t>
+            </a:r>
+            <a:r>
+              <a:rPr lang="fr-FR" dirty="0" err="1"/>
+              <a:t>temperature</a:t>
+            </a:r>
+            <a:r>
+              <a:rPr lang="fr-FR" dirty="0"/>
+              <a:t>, distance </a:t>
+            </a:r>
+            <a:r>
+              <a:rPr lang="fr-FR" dirty="0" err="1"/>
+              <a:t>from</a:t>
+            </a:r>
+            <a:r>
+              <a:rPr lang="fr-FR" dirty="0"/>
+              <a:t> river, ... (</a:t>
+            </a:r>
+            <a:r>
+              <a:rPr lang="fr-FR" dirty="0" err="1"/>
+              <a:t>features</a:t>
+            </a:r>
+            <a:r>
+              <a:rPr lang="fr-FR" dirty="0"/>
+              <a:t>)</a:t>
+            </a:r>
             <a:endParaRPr lang="en-US" dirty="0"/>
           </a:p>
         </p:txBody>
@@ -2084,7 +2092,7 @@
     </p:spTree>
     <p:extLst>
       <p:ext uri="{BB962C8B-B14F-4D97-AF65-F5344CB8AC3E}">
-        <p14:creationId xmlns:p14="http://schemas.microsoft.com/office/powerpoint/2010/main" val="1179908455"/>
+        <p14:creationId xmlns:p14="http://schemas.microsoft.com/office/powerpoint/2010/main" val="2821334826"/>
       </p:ext>
     </p:extLst>
   </p:cSld>
@@ -2168,7 +2176,7 @@
     </p:spTree>
     <p:extLst>
       <p:ext uri="{BB962C8B-B14F-4D97-AF65-F5344CB8AC3E}">
-        <p14:creationId xmlns:p14="http://schemas.microsoft.com/office/powerpoint/2010/main" val="3086997894"/>
+        <p14:creationId xmlns:p14="http://schemas.microsoft.com/office/powerpoint/2010/main" val="1179908455"/>
       </p:ext>
     </p:extLst>
   </p:cSld>
@@ -2252,7 +2260,7 @@
     </p:spTree>
     <p:extLst>
       <p:ext uri="{BB962C8B-B14F-4D97-AF65-F5344CB8AC3E}">
-        <p14:creationId xmlns:p14="http://schemas.microsoft.com/office/powerpoint/2010/main" val="1099359813"/>
+        <p14:creationId xmlns:p14="http://schemas.microsoft.com/office/powerpoint/2010/main" val="3086997894"/>
       </p:ext>
     </p:extLst>
   </p:cSld>
@@ -2336,7 +2344,7 @@
     </p:spTree>
     <p:extLst>
       <p:ext uri="{BB962C8B-B14F-4D97-AF65-F5344CB8AC3E}">
-        <p14:creationId xmlns:p14="http://schemas.microsoft.com/office/powerpoint/2010/main" val="538600896"/>
+        <p14:creationId xmlns:p14="http://schemas.microsoft.com/office/powerpoint/2010/main" val="1099359813"/>
       </p:ext>
     </p:extLst>
   </p:cSld>
@@ -2420,7 +2428,7 @@
     </p:spTree>
     <p:extLst>
       <p:ext uri="{BB962C8B-B14F-4D97-AF65-F5344CB8AC3E}">
-        <p14:creationId xmlns:p14="http://schemas.microsoft.com/office/powerpoint/2010/main" val="2118833780"/>
+        <p14:creationId xmlns:p14="http://schemas.microsoft.com/office/powerpoint/2010/main" val="538600896"/>
       </p:ext>
     </p:extLst>
   </p:cSld>
@@ -2592,7 +2600,7 @@
     </p:spTree>
     <p:extLst>
       <p:ext uri="{BB962C8B-B14F-4D97-AF65-F5344CB8AC3E}">
-        <p14:creationId xmlns:p14="http://schemas.microsoft.com/office/powerpoint/2010/main" val="2539212987"/>
+        <p14:creationId xmlns:p14="http://schemas.microsoft.com/office/powerpoint/2010/main" val="2118833780"/>
       </p:ext>
     </p:extLst>
   </p:cSld>
@@ -2676,7 +2684,7 @@
     </p:spTree>
     <p:extLst>
       <p:ext uri="{BB962C8B-B14F-4D97-AF65-F5344CB8AC3E}">
-        <p14:creationId xmlns:p14="http://schemas.microsoft.com/office/powerpoint/2010/main" val="2038087505"/>
+        <p14:creationId xmlns:p14="http://schemas.microsoft.com/office/powerpoint/2010/main" val="2539212987"/>
       </p:ext>
     </p:extLst>
   </p:cSld>
@@ -2760,7 +2768,7 @@
     </p:spTree>
     <p:extLst>
       <p:ext uri="{BB962C8B-B14F-4D97-AF65-F5344CB8AC3E}">
-        <p14:creationId xmlns:p14="http://schemas.microsoft.com/office/powerpoint/2010/main" val="997152534"/>
+        <p14:creationId xmlns:p14="http://schemas.microsoft.com/office/powerpoint/2010/main" val="2038087505"/>
       </p:ext>
     </p:extLst>
   </p:cSld>
@@ -2844,7 +2852,7 @@
     </p:spTree>
     <p:extLst>
       <p:ext uri="{BB962C8B-B14F-4D97-AF65-F5344CB8AC3E}">
-        <p14:creationId xmlns:p14="http://schemas.microsoft.com/office/powerpoint/2010/main" val="242776460"/>
+        <p14:creationId xmlns:p14="http://schemas.microsoft.com/office/powerpoint/2010/main" val="997152534"/>
       </p:ext>
     </p:extLst>
   </p:cSld>
@@ -2928,7 +2936,7 @@
     </p:spTree>
     <p:extLst>
       <p:ext uri="{BB962C8B-B14F-4D97-AF65-F5344CB8AC3E}">
-        <p14:creationId xmlns:p14="http://schemas.microsoft.com/office/powerpoint/2010/main" val="2802083561"/>
+        <p14:creationId xmlns:p14="http://schemas.microsoft.com/office/powerpoint/2010/main" val="242776460"/>
       </p:ext>
     </p:extLst>
   </p:cSld>
@@ -3012,7 +3020,7 @@
     </p:spTree>
     <p:extLst>
       <p:ext uri="{BB962C8B-B14F-4D97-AF65-F5344CB8AC3E}">
-        <p14:creationId xmlns:p14="http://schemas.microsoft.com/office/powerpoint/2010/main" val="1824914223"/>
+        <p14:creationId xmlns:p14="http://schemas.microsoft.com/office/powerpoint/2010/main" val="2802083561"/>
       </p:ext>
     </p:extLst>
   </p:cSld>
@@ -3088,6 +3096,90 @@
             <a:fld id="{2F6F93F9-6E01-423B-ABB3-8FB3B0651941}" type="slidenum">
               <a:rPr lang="en-US" smtClean="0"/>
               <a:t>36</a:t>
+            </a:fld>
+            <a:endParaRPr lang="en-US"/>
+          </a:p>
+        </p:txBody>
+      </p:sp>
+    </p:spTree>
+    <p:extLst>
+      <p:ext uri="{BB962C8B-B14F-4D97-AF65-F5344CB8AC3E}">
+        <p14:creationId xmlns:p14="http://schemas.microsoft.com/office/powerpoint/2010/main" val="1824914223"/>
+      </p:ext>
+    </p:extLst>
+  </p:cSld>
+  <p:clrMapOvr>
+    <a:masterClrMapping/>
+  </p:clrMapOvr>
+</p:notes>
+</file>
+
+<file path=ppt/notesSlides/notesSlide37.xml><?xml version="1.0" encoding="utf-8"?>
+<p:notes xmlns:a="http://schemas.openxmlformats.org/drawingml/2006/main" xmlns:r="http://schemas.openxmlformats.org/officeDocument/2006/relationships" xmlns:p="http://schemas.openxmlformats.org/presentationml/2006/main">
+  <p:cSld>
+    <p:spTree>
+      <p:nvGrpSpPr>
+        <p:cNvPr id="1" name=""/>
+        <p:cNvGrpSpPr/>
+        <p:nvPr/>
+      </p:nvGrpSpPr>
+      <p:grpSpPr>
+        <a:xfrm>
+          <a:off x="0" y="0"/>
+          <a:ext cx="0" cy="0"/>
+          <a:chOff x="0" y="0"/>
+          <a:chExt cx="0" cy="0"/>
+        </a:xfrm>
+      </p:grpSpPr>
+      <p:sp>
+        <p:nvSpPr>
+          <p:cNvPr id="2" name="Slide Image Placeholder 1"/>
+          <p:cNvSpPr>
+            <a:spLocks noGrp="1" noRot="1" noChangeAspect="1"/>
+          </p:cNvSpPr>
+          <p:nvPr>
+            <p:ph type="sldImg"/>
+          </p:nvPr>
+        </p:nvSpPr>
+        <p:spPr/>
+      </p:sp>
+      <p:sp>
+        <p:nvSpPr>
+          <p:cNvPr id="3" name="Notes Placeholder 2"/>
+          <p:cNvSpPr>
+            <a:spLocks noGrp="1"/>
+          </p:cNvSpPr>
+          <p:nvPr>
+            <p:ph type="body" idx="1"/>
+          </p:nvPr>
+        </p:nvSpPr>
+        <p:spPr/>
+        <p:txBody>
+          <a:bodyPr/>
+          <a:lstStyle/>
+          <a:p>
+            <a:endParaRPr lang="en-US" dirty="0"/>
+          </a:p>
+        </p:txBody>
+      </p:sp>
+      <p:sp>
+        <p:nvSpPr>
+          <p:cNvPr id="4" name="Slide Number Placeholder 3"/>
+          <p:cNvSpPr>
+            <a:spLocks noGrp="1"/>
+          </p:cNvSpPr>
+          <p:nvPr>
+            <p:ph type="sldNum" sz="quarter" idx="10"/>
+          </p:nvPr>
+        </p:nvSpPr>
+        <p:spPr/>
+        <p:txBody>
+          <a:bodyPr/>
+          <a:lstStyle/>
+          <a:p>
+            <a:fld id="{2F6F93F9-6E01-423B-ABB3-8FB3B0651941}" type="slidenum">
+              <a:rPr lang="en-US" smtClean="0"/>
+              <a:t>37</a:t>
             </a:fld>
             <a:endParaRPr lang="en-US"/>
           </a:p>
@@ -7522,160 +7614,6 @@
                 </a:solidFill>
                 <a:latin typeface="Cambria" panose="02040503050406030204" pitchFamily="18" charset="0"/>
               </a:rPr>
-              <a:t>MULTI-AGENT</a:t>
-            </a:r>
-          </a:p>
-        </p:txBody>
-      </p:sp>
-      <p:sp>
-        <p:nvSpPr>
-          <p:cNvPr id="2" name="TextBox 1">
-            <a:extLst>
-              <a:ext uri="{FF2B5EF4-FFF2-40B4-BE49-F238E27FC236}">
-                <a16:creationId xmlns:a16="http://schemas.microsoft.com/office/drawing/2014/main" id="{22684E38-333B-6441-A868-DE5296FE292F}"/>
-              </a:ext>
-            </a:extLst>
-          </p:cNvPr>
-          <p:cNvSpPr txBox="1"/>
-          <p:nvPr/>
-        </p:nvSpPr>
-        <p:spPr>
-          <a:xfrm>
-            <a:off x="2872740" y="3604260"/>
-            <a:ext cx="2055178" cy="369332"/>
-          </a:xfrm>
-          <a:prstGeom prst="rect">
-            <a:avLst/>
-          </a:prstGeom>
-          <a:noFill/>
-        </p:spPr>
-        <p:txBody>
-          <a:bodyPr wrap="none" rtlCol="0">
-            <a:spAutoFit/>
-          </a:bodyPr>
-          <a:lstStyle/>
-          <a:p>
-            <a:r>
-              <a:rPr lang="fr-FR" dirty="0" err="1"/>
-              <a:t>Swarm</a:t>
-            </a:r>
-            <a:r>
-              <a:rPr lang="fr-FR" dirty="0"/>
-              <a:t> of drones, …</a:t>
-            </a:r>
-          </a:p>
-        </p:txBody>
-      </p:sp>
-      <p:cxnSp>
-        <p:nvCxnSpPr>
-          <p:cNvPr id="6" name="Straight Connector 5">
-            <a:extLst>
-              <a:ext uri="{FF2B5EF4-FFF2-40B4-BE49-F238E27FC236}">
-                <a16:creationId xmlns:a16="http://schemas.microsoft.com/office/drawing/2014/main" id="{555F8514-18AD-CB4F-83E3-8E16F7401A7D}"/>
-              </a:ext>
-            </a:extLst>
-          </p:cNvPr>
-          <p:cNvCxnSpPr>
-            <a:cxnSpLocks/>
-          </p:cNvCxnSpPr>
-          <p:nvPr/>
-        </p:nvCxnSpPr>
-        <p:spPr>
-          <a:xfrm>
-            <a:off x="1378101" y="1753299"/>
-            <a:ext cx="7942068" cy="0"/>
-          </a:xfrm>
-          <a:prstGeom prst="line">
-            <a:avLst/>
-          </a:prstGeom>
-          <a:ln w="12700"/>
-        </p:spPr>
-        <p:style>
-          <a:lnRef idx="1">
-            <a:schemeClr val="accent1"/>
-          </a:lnRef>
-          <a:fillRef idx="0">
-            <a:schemeClr val="accent1"/>
-          </a:fillRef>
-          <a:effectRef idx="0">
-            <a:schemeClr val="accent1"/>
-          </a:effectRef>
-          <a:fontRef idx="minor">
-            <a:schemeClr val="tx1"/>
-          </a:fontRef>
-        </p:style>
-      </p:cxnSp>
-    </p:spTree>
-    <p:extLst>
-      <p:ext uri="{BB962C8B-B14F-4D97-AF65-F5344CB8AC3E}">
-        <p14:creationId xmlns:p14="http://schemas.microsoft.com/office/powerpoint/2010/main" val="4202075286"/>
-      </p:ext>
-    </p:extLst>
-  </p:cSld>
-  <p:clrMapOvr>
-    <a:masterClrMapping/>
-  </p:clrMapOvr>
-  <mc:AlternateContent xmlns:mc="http://schemas.openxmlformats.org/markup-compatibility/2006" xmlns:p14="http://schemas.microsoft.com/office/powerpoint/2010/main">
-    <mc:Choice Requires="p14">
-      <p:transition spd="med" p14:dur="700">
-        <p:fade/>
-      </p:transition>
-    </mc:Choice>
-    <mc:Fallback xmlns="">
-      <p:transition spd="med">
-        <p:fade/>
-      </p:transition>
-    </mc:Fallback>
-  </mc:AlternateContent>
-</p:sld>
-</file>
-
-<file path=ppt/slides/slide16.xml><?xml version="1.0" encoding="utf-8"?>
-<p:sld xmlns:a="http://schemas.openxmlformats.org/drawingml/2006/main" xmlns:r="http://schemas.openxmlformats.org/officeDocument/2006/relationships" xmlns:p="http://schemas.openxmlformats.org/presentationml/2006/main">
-  <p:cSld>
-    <p:spTree>
-      <p:nvGrpSpPr>
-        <p:cNvPr id="1" name=""/>
-        <p:cNvGrpSpPr/>
-        <p:nvPr/>
-      </p:nvGrpSpPr>
-      <p:grpSpPr>
-        <a:xfrm>
-          <a:off x="0" y="0"/>
-          <a:ext cx="0" cy="0"/>
-          <a:chOff x="0" y="0"/>
-          <a:chExt cx="0" cy="0"/>
-        </a:xfrm>
-      </p:grpSpPr>
-      <p:sp>
-        <p:nvSpPr>
-          <p:cNvPr id="8" name="TextBox 7"/>
-          <p:cNvSpPr txBox="1"/>
-          <p:nvPr/>
-        </p:nvSpPr>
-        <p:spPr>
-          <a:xfrm>
-            <a:off x="1271768" y="1115051"/>
-            <a:ext cx="9196386" cy="553998"/>
-          </a:xfrm>
-          <a:prstGeom prst="rect">
-            <a:avLst/>
-          </a:prstGeom>
-          <a:noFill/>
-        </p:spPr>
-        <p:txBody>
-          <a:bodyPr wrap="square" rtlCol="0">
-            <a:spAutoFit/>
-          </a:bodyPr>
-          <a:lstStyle/>
-          <a:p>
-            <a:r>
-              <a:rPr lang="en-US" sz="3000" b="1" dirty="0">
-                <a:solidFill>
-                  <a:schemeClr val="accent1"/>
-                </a:solidFill>
-                <a:latin typeface="Cambria" panose="02040503050406030204" pitchFamily="18" charset="0"/>
-              </a:rPr>
               <a:t>AN ENDLESS LIST …</a:t>
             </a:r>
           </a:p>
@@ -7869,7 +7807,326 @@
 </p:sld>
 </file>
 
+<file path=ppt/slides/slide16.xml><?xml version="1.0" encoding="utf-8"?>
+<p:sld xmlns:a="http://schemas.openxmlformats.org/drawingml/2006/main" xmlns:r="http://schemas.openxmlformats.org/officeDocument/2006/relationships" xmlns:p="http://schemas.openxmlformats.org/presentationml/2006/main">
+  <p:cSld>
+    <p:spTree>
+      <p:nvGrpSpPr>
+        <p:cNvPr id="1" name=""/>
+        <p:cNvGrpSpPr/>
+        <p:nvPr/>
+      </p:nvGrpSpPr>
+      <p:grpSpPr>
+        <a:xfrm>
+          <a:off x="0" y="0"/>
+          <a:ext cx="0" cy="0"/>
+          <a:chOff x="0" y="0"/>
+          <a:chExt cx="0" cy="0"/>
+        </a:xfrm>
+      </p:grpSpPr>
+      <p:sp>
+        <p:nvSpPr>
+          <p:cNvPr id="3" name="TextBox 2"/>
+          <p:cNvSpPr txBox="1"/>
+          <p:nvPr/>
+        </p:nvSpPr>
+        <p:spPr>
+          <a:xfrm>
+            <a:off x="2513338" y="1738043"/>
+            <a:ext cx="8688062" cy="1631216"/>
+          </a:xfrm>
+          <a:prstGeom prst="rect">
+            <a:avLst/>
+          </a:prstGeom>
+          <a:noFill/>
+        </p:spPr>
+        <p:txBody>
+          <a:bodyPr wrap="square" rtlCol="0">
+            <a:spAutoFit/>
+          </a:bodyPr>
+          <a:lstStyle/>
+          <a:p>
+            <a:r>
+              <a:rPr lang="en-US" sz="5000" b="1" dirty="0">
+                <a:solidFill>
+                  <a:schemeClr val="accent1"/>
+                </a:solidFill>
+                <a:latin typeface="Cambria" panose="02040503050406030204" pitchFamily="18" charset="0"/>
+              </a:rPr>
+              <a:t>QUICK TOUR OF SOME AI</a:t>
+            </a:r>
+          </a:p>
+          <a:p>
+            <a:r>
+              <a:rPr lang="en-US" sz="5000" b="1" dirty="0">
+                <a:solidFill>
+                  <a:schemeClr val="accent1"/>
+                </a:solidFill>
+                <a:latin typeface="Cambria" panose="02040503050406030204" pitchFamily="18" charset="0"/>
+              </a:rPr>
+              <a:t>APPLICATIONS IN AFRICA</a:t>
+            </a:r>
+          </a:p>
+        </p:txBody>
+      </p:sp>
+      <p:cxnSp>
+        <p:nvCxnSpPr>
+          <p:cNvPr id="5" name="Straight Connector 4">
+            <a:extLst>
+              <a:ext uri="{FF2B5EF4-FFF2-40B4-BE49-F238E27FC236}">
+                <a16:creationId xmlns:a16="http://schemas.microsoft.com/office/drawing/2014/main" id="{2571E43F-CCA3-BB47-A7AF-81B47EA888E0}"/>
+              </a:ext>
+            </a:extLst>
+          </p:cNvPr>
+          <p:cNvCxnSpPr>
+            <a:cxnSpLocks/>
+          </p:cNvCxnSpPr>
+          <p:nvPr/>
+        </p:nvCxnSpPr>
+        <p:spPr>
+          <a:xfrm>
+            <a:off x="2300750" y="1879133"/>
+            <a:ext cx="0" cy="1283167"/>
+          </a:xfrm>
+          <a:prstGeom prst="line">
+            <a:avLst/>
+          </a:prstGeom>
+          <a:ln w="38100"/>
+        </p:spPr>
+        <p:style>
+          <a:lnRef idx="1">
+            <a:schemeClr val="accent1"/>
+          </a:lnRef>
+          <a:fillRef idx="0">
+            <a:schemeClr val="accent1"/>
+          </a:fillRef>
+          <a:effectRef idx="0">
+            <a:schemeClr val="accent1"/>
+          </a:effectRef>
+          <a:fontRef idx="minor">
+            <a:schemeClr val="tx1"/>
+          </a:fontRef>
+        </p:style>
+      </p:cxnSp>
+    </p:spTree>
+    <p:extLst>
+      <p:ext uri="{BB962C8B-B14F-4D97-AF65-F5344CB8AC3E}">
+        <p14:creationId xmlns:p14="http://schemas.microsoft.com/office/powerpoint/2010/main" val="2881232510"/>
+      </p:ext>
+    </p:extLst>
+  </p:cSld>
+  <p:clrMapOvr>
+    <a:masterClrMapping/>
+  </p:clrMapOvr>
+  <mc:AlternateContent xmlns:mc="http://schemas.openxmlformats.org/markup-compatibility/2006" xmlns:p14="http://schemas.microsoft.com/office/powerpoint/2010/main">
+    <mc:Choice Requires="p14">
+      <p:transition spd="med" p14:dur="700">
+        <p:fade/>
+      </p:transition>
+    </mc:Choice>
+    <mc:Fallback xmlns="">
+      <p:transition spd="med">
+        <p:fade/>
+      </p:transition>
+    </mc:Fallback>
+  </mc:AlternateContent>
+</p:sld>
+</file>
+
 <file path=ppt/slides/slide17.xml><?xml version="1.0" encoding="utf-8"?>
+<p:sld xmlns:a="http://schemas.openxmlformats.org/drawingml/2006/main" xmlns:r="http://schemas.openxmlformats.org/officeDocument/2006/relationships" xmlns:p="http://schemas.openxmlformats.org/presentationml/2006/main">
+  <p:cSld>
+    <p:spTree>
+      <p:nvGrpSpPr>
+        <p:cNvPr id="1" name=""/>
+        <p:cNvGrpSpPr/>
+        <p:nvPr/>
+      </p:nvGrpSpPr>
+      <p:grpSpPr>
+        <a:xfrm>
+          <a:off x="0" y="0"/>
+          <a:ext cx="0" cy="0"/>
+          <a:chOff x="0" y="0"/>
+          <a:chExt cx="0" cy="0"/>
+        </a:xfrm>
+      </p:grpSpPr>
+      <p:sp>
+        <p:nvSpPr>
+          <p:cNvPr id="8" name="TextBox 7"/>
+          <p:cNvSpPr txBox="1"/>
+          <p:nvPr/>
+        </p:nvSpPr>
+        <p:spPr>
+          <a:xfrm>
+            <a:off x="1271768" y="1115051"/>
+            <a:ext cx="9196386" cy="553998"/>
+          </a:xfrm>
+          <a:prstGeom prst="rect">
+            <a:avLst/>
+          </a:prstGeom>
+          <a:noFill/>
+        </p:spPr>
+        <p:txBody>
+          <a:bodyPr wrap="square" rtlCol="0">
+            <a:spAutoFit/>
+          </a:bodyPr>
+          <a:lstStyle/>
+          <a:p>
+            <a:r>
+              <a:rPr lang="en-US" sz="3000" b="1" dirty="0">
+                <a:solidFill>
+                  <a:schemeClr val="accent1"/>
+                </a:solidFill>
+                <a:latin typeface="Cambria" panose="02040503050406030204" pitchFamily="18" charset="0"/>
+              </a:rPr>
+              <a:t>TO BE DEFINED</a:t>
+            </a:r>
+          </a:p>
+        </p:txBody>
+      </p:sp>
+      <p:sp>
+        <p:nvSpPr>
+          <p:cNvPr id="6" name="TextBox 5">
+            <a:extLst>
+              <a:ext uri="{FF2B5EF4-FFF2-40B4-BE49-F238E27FC236}">
+                <a16:creationId xmlns:a16="http://schemas.microsoft.com/office/drawing/2014/main" id="{736F8010-8014-4347-83CB-7A1060DF2BD5}"/>
+              </a:ext>
+            </a:extLst>
+          </p:cNvPr>
+          <p:cNvSpPr txBox="1"/>
+          <p:nvPr/>
+        </p:nvSpPr>
+        <p:spPr>
+          <a:xfrm>
+            <a:off x="1275701" y="1830236"/>
+            <a:ext cx="9909364" cy="1569660"/>
+          </a:xfrm>
+          <a:prstGeom prst="rect">
+            <a:avLst/>
+          </a:prstGeom>
+          <a:noFill/>
+        </p:spPr>
+        <p:txBody>
+          <a:bodyPr wrap="square" rtlCol="0">
+            <a:spAutoFit/>
+          </a:bodyPr>
+          <a:lstStyle/>
+          <a:p>
+            <a:pPr marL="342900" indent="-342900">
+              <a:buFont typeface="Arial"/>
+              <a:buChar char="•"/>
+            </a:pPr>
+            <a:r>
+              <a:rPr lang="en-US" sz="2400" b="1" dirty="0">
+                <a:solidFill>
+                  <a:schemeClr val="accent1"/>
+                </a:solidFill>
+                <a:latin typeface="Cambria" panose="02040503050406030204" pitchFamily="18" charset="0"/>
+              </a:rPr>
+              <a:t>…</a:t>
+            </a:r>
+            <a:br>
+              <a:rPr lang="en-US" sz="2400" b="1" dirty="0">
+                <a:solidFill>
+                  <a:schemeClr val="accent1"/>
+                </a:solidFill>
+                <a:latin typeface="Cambria" panose="02040503050406030204" pitchFamily="18" charset="0"/>
+              </a:rPr>
+            </a:br>
+            <a:endParaRPr lang="en-US" sz="2400" b="1" dirty="0">
+              <a:solidFill>
+                <a:schemeClr val="accent1"/>
+              </a:solidFill>
+              <a:latin typeface="Cambria" panose="02040503050406030204" pitchFamily="18" charset="0"/>
+            </a:endParaRPr>
+          </a:p>
+          <a:p>
+            <a:pPr marL="342900" indent="-342900">
+              <a:buFont typeface="Arial"/>
+              <a:buChar char="•"/>
+            </a:pPr>
+            <a:br>
+              <a:rPr lang="en-US" sz="2400" dirty="0">
+                <a:solidFill>
+                  <a:schemeClr val="accent1"/>
+                </a:solidFill>
+                <a:latin typeface="Cambria" panose="02040503050406030204" pitchFamily="18" charset="0"/>
+              </a:rPr>
+            </a:br>
+            <a:endParaRPr lang="en-US" sz="2400" dirty="0">
+              <a:solidFill>
+                <a:schemeClr val="accent1"/>
+              </a:solidFill>
+              <a:latin typeface="Cambria" panose="02040503050406030204" pitchFamily="18" charset="0"/>
+            </a:endParaRPr>
+          </a:p>
+        </p:txBody>
+      </p:sp>
+      <p:cxnSp>
+        <p:nvCxnSpPr>
+          <p:cNvPr id="4" name="Straight Connector 3">
+            <a:extLst>
+              <a:ext uri="{FF2B5EF4-FFF2-40B4-BE49-F238E27FC236}">
+                <a16:creationId xmlns:a16="http://schemas.microsoft.com/office/drawing/2014/main" id="{434DFC7E-2DBC-5C40-8CAE-C285EA7E0BA7}"/>
+              </a:ext>
+            </a:extLst>
+          </p:cNvPr>
+          <p:cNvCxnSpPr>
+            <a:cxnSpLocks/>
+          </p:cNvCxnSpPr>
+          <p:nvPr/>
+        </p:nvCxnSpPr>
+        <p:spPr>
+          <a:xfrm>
+            <a:off x="1378101" y="1753299"/>
+            <a:ext cx="3925419" cy="0"/>
+          </a:xfrm>
+          <a:prstGeom prst="line">
+            <a:avLst/>
+          </a:prstGeom>
+          <a:ln w="12700"/>
+        </p:spPr>
+        <p:style>
+          <a:lnRef idx="1">
+            <a:schemeClr val="accent1"/>
+          </a:lnRef>
+          <a:fillRef idx="0">
+            <a:schemeClr val="accent1"/>
+          </a:fillRef>
+          <a:effectRef idx="0">
+            <a:schemeClr val="accent1"/>
+          </a:effectRef>
+          <a:fontRef idx="minor">
+            <a:schemeClr val="tx1"/>
+          </a:fontRef>
+        </p:style>
+      </p:cxnSp>
+    </p:spTree>
+    <p:extLst>
+      <p:ext uri="{BB962C8B-B14F-4D97-AF65-F5344CB8AC3E}">
+        <p14:creationId xmlns:p14="http://schemas.microsoft.com/office/powerpoint/2010/main" val="2581590325"/>
+      </p:ext>
+    </p:extLst>
+  </p:cSld>
+  <p:clrMapOvr>
+    <a:masterClrMapping/>
+  </p:clrMapOvr>
+  <mc:AlternateContent xmlns:mc="http://schemas.openxmlformats.org/markup-compatibility/2006" xmlns:p14="http://schemas.microsoft.com/office/powerpoint/2010/main">
+    <mc:Choice Requires="p14">
+      <p:transition spd="med" p14:dur="700">
+        <p:fade/>
+      </p:transition>
+    </mc:Choice>
+    <mc:Fallback xmlns="">
+      <p:transition spd="med">
+        <p:fade/>
+      </p:transition>
+    </mc:Fallback>
+  </mc:AlternateContent>
+</p:sld>
+</file>
+
+<file path=ppt/slides/slide18.xml><?xml version="1.0" encoding="utf-8"?>
 <p:sld xmlns:a="http://schemas.openxmlformats.org/drawingml/2006/main" xmlns:r="http://schemas.openxmlformats.org/officeDocument/2006/relationships" xmlns:p="http://schemas.openxmlformats.org/presentationml/2006/main">
   <p:cSld>
     <p:spTree>
@@ -8087,7 +8344,7 @@
 </p:sld>
 </file>
 
-<file path=ppt/slides/slide18.xml><?xml version="1.0" encoding="utf-8"?>
+<file path=ppt/slides/slide19.xml><?xml version="1.0" encoding="utf-8"?>
 <p:sld xmlns:a="http://schemas.openxmlformats.org/drawingml/2006/main" xmlns:r="http://schemas.openxmlformats.org/officeDocument/2006/relationships" xmlns:p="http://schemas.openxmlformats.org/presentationml/2006/main">
   <p:cSld>
     <p:spTree>
@@ -8181,121 +8438,6 @@
     <p:extLst>
       <p:ext uri="{BB962C8B-B14F-4D97-AF65-F5344CB8AC3E}">
         <p14:creationId xmlns:p14="http://schemas.microsoft.com/office/powerpoint/2010/main" val="1422955306"/>
-      </p:ext>
-    </p:extLst>
-  </p:cSld>
-  <p:clrMapOvr>
-    <a:masterClrMapping/>
-  </p:clrMapOvr>
-  <mc:AlternateContent xmlns:mc="http://schemas.openxmlformats.org/markup-compatibility/2006" xmlns:p14="http://schemas.microsoft.com/office/powerpoint/2010/main">
-    <mc:Choice Requires="p14">
-      <p:transition spd="med" p14:dur="700">
-        <p:fade/>
-      </p:transition>
-    </mc:Choice>
-    <mc:Fallback xmlns="">
-      <p:transition spd="med">
-        <p:fade/>
-      </p:transition>
-    </mc:Fallback>
-  </mc:AlternateContent>
-</p:sld>
-</file>
-
-<file path=ppt/slides/slide19.xml><?xml version="1.0" encoding="utf-8"?>
-<p:sld xmlns:a="http://schemas.openxmlformats.org/drawingml/2006/main" xmlns:r="http://schemas.openxmlformats.org/officeDocument/2006/relationships" xmlns:p="http://schemas.openxmlformats.org/presentationml/2006/main">
-  <p:cSld>
-    <p:spTree>
-      <p:nvGrpSpPr>
-        <p:cNvPr id="1" name=""/>
-        <p:cNvGrpSpPr/>
-        <p:nvPr/>
-      </p:nvGrpSpPr>
-      <p:grpSpPr>
-        <a:xfrm>
-          <a:off x="0" y="0"/>
-          <a:ext cx="0" cy="0"/>
-          <a:chOff x="0" y="0"/>
-          <a:chExt cx="0" cy="0"/>
-        </a:xfrm>
-      </p:grpSpPr>
-      <p:sp>
-        <p:nvSpPr>
-          <p:cNvPr id="3" name="TextBox 2"/>
-          <p:cNvSpPr txBox="1"/>
-          <p:nvPr/>
-        </p:nvSpPr>
-        <p:spPr>
-          <a:xfrm>
-            <a:off x="2513338" y="1738043"/>
-            <a:ext cx="8688062" cy="1631216"/>
-          </a:xfrm>
-          <a:prstGeom prst="rect">
-            <a:avLst/>
-          </a:prstGeom>
-          <a:noFill/>
-        </p:spPr>
-        <p:txBody>
-          <a:bodyPr wrap="square" rtlCol="0">
-            <a:spAutoFit/>
-          </a:bodyPr>
-          <a:lstStyle/>
-          <a:p>
-            <a:r>
-              <a:rPr lang="en-US" sz="5000" b="1" dirty="0">
-                <a:solidFill>
-                  <a:schemeClr val="accent1"/>
-                </a:solidFill>
-                <a:latin typeface="Cambria" panose="02040503050406030204" pitchFamily="18" charset="0"/>
-              </a:rPr>
-              <a:t>AI NUTS AND BOLTS DEMYSTIFIED</a:t>
-            </a:r>
-          </a:p>
-        </p:txBody>
-      </p:sp>
-      <p:cxnSp>
-        <p:nvCxnSpPr>
-          <p:cNvPr id="5" name="Straight Connector 4">
-            <a:extLst>
-              <a:ext uri="{FF2B5EF4-FFF2-40B4-BE49-F238E27FC236}">
-                <a16:creationId xmlns:a16="http://schemas.microsoft.com/office/drawing/2014/main" id="{2571E43F-CCA3-BB47-A7AF-81B47EA888E0}"/>
-              </a:ext>
-            </a:extLst>
-          </p:cNvPr>
-          <p:cNvCxnSpPr>
-            <a:cxnSpLocks/>
-          </p:cNvCxnSpPr>
-          <p:nvPr/>
-        </p:nvCxnSpPr>
-        <p:spPr>
-          <a:xfrm>
-            <a:off x="2300750" y="1879133"/>
-            <a:ext cx="0" cy="1298407"/>
-          </a:xfrm>
-          <a:prstGeom prst="line">
-            <a:avLst/>
-          </a:prstGeom>
-          <a:ln w="38100"/>
-        </p:spPr>
-        <p:style>
-          <a:lnRef idx="1">
-            <a:schemeClr val="accent1"/>
-          </a:lnRef>
-          <a:fillRef idx="0">
-            <a:schemeClr val="accent1"/>
-          </a:fillRef>
-          <a:effectRef idx="0">
-            <a:schemeClr val="accent1"/>
-          </a:effectRef>
-          <a:fontRef idx="minor">
-            <a:schemeClr val="tx1"/>
-          </a:fontRef>
-        </p:style>
-      </p:cxnSp>
-    </p:spTree>
-    <p:extLst>
-      <p:ext uri="{BB962C8B-B14F-4D97-AF65-F5344CB8AC3E}">
-        <p14:creationId xmlns:p14="http://schemas.microsoft.com/office/powerpoint/2010/main" val="1202168519"/>
       </p:ext>
     </p:extLst>
   </p:cSld>
@@ -8573,6 +8715,121 @@
         </p:nvSpPr>
         <p:spPr>
           <a:xfrm>
+            <a:off x="2513338" y="1738043"/>
+            <a:ext cx="8688062" cy="1631216"/>
+          </a:xfrm>
+          <a:prstGeom prst="rect">
+            <a:avLst/>
+          </a:prstGeom>
+          <a:noFill/>
+        </p:spPr>
+        <p:txBody>
+          <a:bodyPr wrap="square" rtlCol="0">
+            <a:spAutoFit/>
+          </a:bodyPr>
+          <a:lstStyle/>
+          <a:p>
+            <a:r>
+              <a:rPr lang="en-US" sz="5000" b="1" dirty="0">
+                <a:solidFill>
+                  <a:schemeClr val="accent1"/>
+                </a:solidFill>
+                <a:latin typeface="Cambria" panose="02040503050406030204" pitchFamily="18" charset="0"/>
+              </a:rPr>
+              <a:t>AI NUTS AND BOLTS DEMYSTIFIED</a:t>
+            </a:r>
+          </a:p>
+        </p:txBody>
+      </p:sp>
+      <p:cxnSp>
+        <p:nvCxnSpPr>
+          <p:cNvPr id="5" name="Straight Connector 4">
+            <a:extLst>
+              <a:ext uri="{FF2B5EF4-FFF2-40B4-BE49-F238E27FC236}">
+                <a16:creationId xmlns:a16="http://schemas.microsoft.com/office/drawing/2014/main" id="{2571E43F-CCA3-BB47-A7AF-81B47EA888E0}"/>
+              </a:ext>
+            </a:extLst>
+          </p:cNvPr>
+          <p:cNvCxnSpPr>
+            <a:cxnSpLocks/>
+          </p:cNvCxnSpPr>
+          <p:nvPr/>
+        </p:nvCxnSpPr>
+        <p:spPr>
+          <a:xfrm>
+            <a:off x="2300750" y="1879133"/>
+            <a:ext cx="0" cy="1298407"/>
+          </a:xfrm>
+          <a:prstGeom prst="line">
+            <a:avLst/>
+          </a:prstGeom>
+          <a:ln w="38100"/>
+        </p:spPr>
+        <p:style>
+          <a:lnRef idx="1">
+            <a:schemeClr val="accent1"/>
+          </a:lnRef>
+          <a:fillRef idx="0">
+            <a:schemeClr val="accent1"/>
+          </a:fillRef>
+          <a:effectRef idx="0">
+            <a:schemeClr val="accent1"/>
+          </a:effectRef>
+          <a:fontRef idx="minor">
+            <a:schemeClr val="tx1"/>
+          </a:fontRef>
+        </p:style>
+      </p:cxnSp>
+    </p:spTree>
+    <p:extLst>
+      <p:ext uri="{BB962C8B-B14F-4D97-AF65-F5344CB8AC3E}">
+        <p14:creationId xmlns:p14="http://schemas.microsoft.com/office/powerpoint/2010/main" val="1202168519"/>
+      </p:ext>
+    </p:extLst>
+  </p:cSld>
+  <p:clrMapOvr>
+    <a:masterClrMapping/>
+  </p:clrMapOvr>
+  <mc:AlternateContent xmlns:mc="http://schemas.openxmlformats.org/markup-compatibility/2006" xmlns:p14="http://schemas.microsoft.com/office/powerpoint/2010/main">
+    <mc:Choice Requires="p14">
+      <p:transition spd="med" p14:dur="700">
+        <p:fade/>
+      </p:transition>
+    </mc:Choice>
+    <mc:Fallback xmlns="">
+      <p:transition spd="med">
+        <p:fade/>
+      </p:transition>
+    </mc:Fallback>
+  </mc:AlternateContent>
+</p:sld>
+</file>
+
+<file path=ppt/slides/slide21.xml><?xml version="1.0" encoding="utf-8"?>
+<p:sld xmlns:a="http://schemas.openxmlformats.org/drawingml/2006/main" xmlns:r="http://schemas.openxmlformats.org/officeDocument/2006/relationships" xmlns:p="http://schemas.openxmlformats.org/presentationml/2006/main">
+  <p:cSld>
+    <p:spTree>
+      <p:nvGrpSpPr>
+        <p:cNvPr id="1" name=""/>
+        <p:cNvGrpSpPr/>
+        <p:nvPr/>
+      </p:nvGrpSpPr>
+      <p:grpSpPr>
+        <a:xfrm>
+          <a:off x="0" y="0"/>
+          <a:ext cx="0" cy="0"/>
+          <a:chOff x="0" y="0"/>
+          <a:chExt cx="0" cy="0"/>
+        </a:xfrm>
+      </p:grpSpPr>
+      <p:sp>
+        <p:nvSpPr>
+          <p:cNvPr id="3" name="TextBox 2"/>
+          <p:cNvSpPr txBox="1"/>
+          <p:nvPr/>
+        </p:nvSpPr>
+        <p:spPr>
+          <a:xfrm>
             <a:off x="2666228" y="2563800"/>
             <a:ext cx="8126232" cy="1169551"/>
           </a:xfrm>
@@ -8663,7 +8920,7 @@
 </p:sld>
 </file>
 
-<file path=ppt/slides/slide21.xml><?xml version="1.0" encoding="utf-8"?>
+<file path=ppt/slides/slide22.xml><?xml version="1.0" encoding="utf-8"?>
 <p:sld xmlns:a="http://schemas.openxmlformats.org/drawingml/2006/main" xmlns:r="http://schemas.openxmlformats.org/officeDocument/2006/relationships" xmlns:p="http://schemas.openxmlformats.org/presentationml/2006/main">
   <p:cSld>
     <p:spTree>
@@ -8844,7 +9101,7 @@
 </p:sld>
 </file>
 
-<file path=ppt/slides/slide22.xml><?xml version="1.0" encoding="utf-8"?>
+<file path=ppt/slides/slide23.xml><?xml version="1.0" encoding="utf-8"?>
 <p:sld xmlns:a="http://schemas.openxmlformats.org/drawingml/2006/main" xmlns:r="http://schemas.openxmlformats.org/officeDocument/2006/relationships" xmlns:p="http://schemas.openxmlformats.org/presentationml/2006/main">
   <p:cSld>
     <p:spTree>
@@ -9025,7 +9282,7 @@
 </p:sld>
 </file>
 
-<file path=ppt/slides/slide23.xml><?xml version="1.0" encoding="utf-8"?>
+<file path=ppt/slides/slide24.xml><?xml version="1.0" encoding="utf-8"?>
 <p:sld xmlns:a="http://schemas.openxmlformats.org/drawingml/2006/main" xmlns:r="http://schemas.openxmlformats.org/officeDocument/2006/relationships" xmlns:p="http://schemas.openxmlformats.org/presentationml/2006/main">
   <p:cSld>
     <p:spTree>
@@ -9254,7 +9511,7 @@
 </p:sld>
 </file>
 
-<file path=ppt/slides/slide24.xml><?xml version="1.0" encoding="utf-8"?>
+<file path=ppt/slides/slide25.xml><?xml version="1.0" encoding="utf-8"?>
 <p:sld xmlns:a="http://schemas.openxmlformats.org/drawingml/2006/main" xmlns:r="http://schemas.openxmlformats.org/officeDocument/2006/relationships" xmlns:p="http://schemas.openxmlformats.org/presentationml/2006/main">
   <p:cSld>
     <p:spTree>
@@ -9399,7 +9656,7 @@
 </p:sld>
 </file>
 
-<file path=ppt/slides/slide25.xml><?xml version="1.0" encoding="utf-8"?>
+<file path=ppt/slides/slide26.xml><?xml version="1.0" encoding="utf-8"?>
 <p:sld xmlns:a="http://schemas.openxmlformats.org/drawingml/2006/main" xmlns:r="http://schemas.openxmlformats.org/officeDocument/2006/relationships" xmlns:p="http://schemas.openxmlformats.org/presentationml/2006/main">
   <p:cSld>
     <p:spTree>
@@ -9544,7 +9801,7 @@
 </p:sld>
 </file>
 
-<file path=ppt/slides/slide26.xml><?xml version="1.0" encoding="utf-8"?>
+<file path=ppt/slides/slide27.xml><?xml version="1.0" encoding="utf-8"?>
 <p:sld xmlns:a="http://schemas.openxmlformats.org/drawingml/2006/main" xmlns:r="http://schemas.openxmlformats.org/officeDocument/2006/relationships" xmlns:p="http://schemas.openxmlformats.org/presentationml/2006/main">
   <p:cSld>
     <p:spTree>
@@ -9689,7 +9946,7 @@
 </p:sld>
 </file>
 
-<file path=ppt/slides/slide27.xml><?xml version="1.0" encoding="utf-8"?>
+<file path=ppt/slides/slide28.xml><?xml version="1.0" encoding="utf-8"?>
 <p:sld xmlns:a="http://schemas.openxmlformats.org/drawingml/2006/main" xmlns:r="http://schemas.openxmlformats.org/officeDocument/2006/relationships" xmlns:p="http://schemas.openxmlformats.org/presentationml/2006/main">
   <p:cSld>
     <p:spTree>
@@ -9834,7 +10091,7 @@
 </p:sld>
 </file>
 
-<file path=ppt/slides/slide28.xml><?xml version="1.0" encoding="utf-8"?>
+<file path=ppt/slides/slide29.xml><?xml version="1.0" encoding="utf-8"?>
 <p:sld xmlns:a="http://schemas.openxmlformats.org/drawingml/2006/main" xmlns:r="http://schemas.openxmlformats.org/officeDocument/2006/relationships" xmlns:p="http://schemas.openxmlformats.org/presentationml/2006/main">
   <p:cSld>
     <p:spTree>
@@ -9958,266 +10215,6 @@
     <p:extLst>
       <p:ext uri="{BB962C8B-B14F-4D97-AF65-F5344CB8AC3E}">
         <p14:creationId xmlns:p14="http://schemas.microsoft.com/office/powerpoint/2010/main" val="562013117"/>
-      </p:ext>
-    </p:extLst>
-  </p:cSld>
-  <p:clrMapOvr>
-    <a:masterClrMapping/>
-  </p:clrMapOvr>
-  <mc:AlternateContent xmlns:mc="http://schemas.openxmlformats.org/markup-compatibility/2006" xmlns:p14="http://schemas.microsoft.com/office/powerpoint/2010/main">
-    <mc:Choice Requires="p14">
-      <p:transition spd="med" p14:dur="700">
-        <p:fade/>
-      </p:transition>
-    </mc:Choice>
-    <mc:Fallback xmlns="">
-      <p:transition spd="med">
-        <p:fade/>
-      </p:transition>
-    </mc:Fallback>
-  </mc:AlternateContent>
-</p:sld>
-</file>
-
-<file path=ppt/slides/slide29.xml><?xml version="1.0" encoding="utf-8"?>
-<p:sld xmlns:a="http://schemas.openxmlformats.org/drawingml/2006/main" xmlns:r="http://schemas.openxmlformats.org/officeDocument/2006/relationships" xmlns:p="http://schemas.openxmlformats.org/presentationml/2006/main">
-  <p:cSld>
-    <p:spTree>
-      <p:nvGrpSpPr>
-        <p:cNvPr id="1" name=""/>
-        <p:cNvGrpSpPr/>
-        <p:nvPr/>
-      </p:nvGrpSpPr>
-      <p:grpSpPr>
-        <a:xfrm>
-          <a:off x="0" y="0"/>
-          <a:ext cx="0" cy="0"/>
-          <a:chOff x="0" y="0"/>
-          <a:chExt cx="0" cy="0"/>
-        </a:xfrm>
-      </p:grpSpPr>
-      <p:sp>
-        <p:nvSpPr>
-          <p:cNvPr id="8" name="TextBox 7"/>
-          <p:cNvSpPr txBox="1"/>
-          <p:nvPr/>
-        </p:nvSpPr>
-        <p:spPr>
-          <a:xfrm>
-            <a:off x="1271768" y="1115051"/>
-            <a:ext cx="9196386" cy="553998"/>
-          </a:xfrm>
-          <a:prstGeom prst="rect">
-            <a:avLst/>
-          </a:prstGeom>
-          <a:noFill/>
-        </p:spPr>
-        <p:txBody>
-          <a:bodyPr wrap="square" rtlCol="0">
-            <a:spAutoFit/>
-          </a:bodyPr>
-          <a:lstStyle/>
-          <a:p>
-            <a:r>
-              <a:rPr lang="en-US" sz="3000" b="1" dirty="0">
-                <a:solidFill>
-                  <a:schemeClr val="accent1"/>
-                </a:solidFill>
-                <a:latin typeface="Cambria" panose="02040503050406030204" pitchFamily="18" charset="0"/>
-              </a:rPr>
-              <a:t>QUICK ML NOMENCLATURE</a:t>
-            </a:r>
-          </a:p>
-        </p:txBody>
-      </p:sp>
-      <p:sp>
-        <p:nvSpPr>
-          <p:cNvPr id="5" name="TextBox 4">
-            <a:extLst>
-              <a:ext uri="{FF2B5EF4-FFF2-40B4-BE49-F238E27FC236}">
-                <a16:creationId xmlns:a16="http://schemas.microsoft.com/office/drawing/2014/main" id="{3390F6B0-97E9-7749-9A12-2929B02736C6}"/>
-              </a:ext>
-            </a:extLst>
-          </p:cNvPr>
-          <p:cNvSpPr txBox="1"/>
-          <p:nvPr/>
-        </p:nvSpPr>
-        <p:spPr>
-          <a:xfrm>
-            <a:off x="1275701" y="1830236"/>
-            <a:ext cx="9909364" cy="3046988"/>
-          </a:xfrm>
-          <a:prstGeom prst="rect">
-            <a:avLst/>
-          </a:prstGeom>
-          <a:noFill/>
-        </p:spPr>
-        <p:txBody>
-          <a:bodyPr wrap="square" rtlCol="0">
-            <a:spAutoFit/>
-          </a:bodyPr>
-          <a:lstStyle/>
-          <a:p>
-            <a:pPr marL="342900" indent="-342900">
-              <a:buFont typeface="Arial"/>
-              <a:buChar char="•"/>
-            </a:pPr>
-            <a:r>
-              <a:rPr lang="en-US" sz="2400" b="1" dirty="0">
-                <a:solidFill>
-                  <a:schemeClr val="accent1"/>
-                </a:solidFill>
-                <a:latin typeface="Cambria" panose="02040503050406030204" pitchFamily="18" charset="0"/>
-              </a:rPr>
-              <a:t>SUPERVISED</a:t>
-            </a:r>
-            <a:br>
-              <a:rPr lang="en-US" sz="2400" b="1" dirty="0">
-                <a:solidFill>
-                  <a:schemeClr val="accent1"/>
-                </a:solidFill>
-                <a:latin typeface="Cambria" panose="02040503050406030204" pitchFamily="18" charset="0"/>
-              </a:rPr>
-            </a:br>
-            <a:endParaRPr lang="en-US" sz="2400" b="1" dirty="0">
-              <a:solidFill>
-                <a:schemeClr val="accent1"/>
-              </a:solidFill>
-              <a:latin typeface="Cambria" panose="02040503050406030204" pitchFamily="18" charset="0"/>
-            </a:endParaRPr>
-          </a:p>
-          <a:p>
-            <a:pPr marL="342900" indent="-342900">
-              <a:buFont typeface="Arial"/>
-              <a:buChar char="•"/>
-            </a:pPr>
-            <a:r>
-              <a:rPr lang="en-US" sz="2400" b="1" dirty="0">
-                <a:solidFill>
-                  <a:schemeClr val="accent1"/>
-                </a:solidFill>
-                <a:latin typeface="Cambria" panose="02040503050406030204" pitchFamily="18" charset="0"/>
-              </a:rPr>
-              <a:t>UNSUPERVISED</a:t>
-            </a:r>
-            <a:br>
-              <a:rPr lang="en-US" sz="2400" b="1" dirty="0">
-                <a:solidFill>
-                  <a:schemeClr val="accent1"/>
-                </a:solidFill>
-                <a:latin typeface="Cambria" panose="02040503050406030204" pitchFamily="18" charset="0"/>
-              </a:rPr>
-            </a:br>
-            <a:endParaRPr lang="en-US" sz="2400" b="1" dirty="0">
-              <a:solidFill>
-                <a:schemeClr val="accent1"/>
-              </a:solidFill>
-              <a:latin typeface="Cambria" panose="02040503050406030204" pitchFamily="18" charset="0"/>
-            </a:endParaRPr>
-          </a:p>
-          <a:p>
-            <a:pPr marL="342900" indent="-342900">
-              <a:buFont typeface="Arial"/>
-              <a:buChar char="•"/>
-            </a:pPr>
-            <a:r>
-              <a:rPr lang="en-US" sz="2400" b="1" dirty="0">
-                <a:solidFill>
-                  <a:schemeClr val="accent1"/>
-                </a:solidFill>
-                <a:latin typeface="Cambria" panose="02040503050406030204" pitchFamily="18" charset="0"/>
-              </a:rPr>
-              <a:t>SEMI-SUPERVISED</a:t>
-            </a:r>
-            <a:br>
-              <a:rPr lang="en-US" sz="2400" b="1" dirty="0">
-                <a:solidFill>
-                  <a:schemeClr val="accent1"/>
-                </a:solidFill>
-                <a:latin typeface="Cambria" panose="02040503050406030204" pitchFamily="18" charset="0"/>
-              </a:rPr>
-            </a:br>
-            <a:endParaRPr lang="en-US" sz="2400" b="1" dirty="0">
-              <a:solidFill>
-                <a:schemeClr val="accent1"/>
-              </a:solidFill>
-              <a:latin typeface="Cambria" panose="02040503050406030204" pitchFamily="18" charset="0"/>
-            </a:endParaRPr>
-          </a:p>
-          <a:p>
-            <a:pPr marL="342900" indent="-342900">
-              <a:buFont typeface="Arial"/>
-              <a:buChar char="•"/>
-            </a:pPr>
-            <a:r>
-              <a:rPr lang="en-US" sz="2400" b="1" dirty="0">
-                <a:solidFill>
-                  <a:schemeClr val="accent1"/>
-                </a:solidFill>
-                <a:latin typeface="Cambria" panose="02040503050406030204" pitchFamily="18" charset="0"/>
-              </a:rPr>
-              <a:t>REINFORCEMENT LEARNING</a:t>
-            </a:r>
-            <a:br>
-              <a:rPr lang="en-US" sz="2400" dirty="0">
-                <a:solidFill>
-                  <a:schemeClr val="accent1"/>
-                </a:solidFill>
-                <a:latin typeface="Cambria" panose="02040503050406030204" pitchFamily="18" charset="0"/>
-              </a:rPr>
-            </a:br>
-            <a:endParaRPr lang="en-US" sz="2400" dirty="0">
-              <a:solidFill>
-                <a:schemeClr val="accent1"/>
-              </a:solidFill>
-              <a:latin typeface="Cambria" panose="02040503050406030204" pitchFamily="18" charset="0"/>
-            </a:endParaRPr>
-          </a:p>
-        </p:txBody>
-      </p:sp>
-      <p:cxnSp>
-        <p:nvCxnSpPr>
-          <p:cNvPr id="4" name="Straight Connector 3">
-            <a:extLst>
-              <a:ext uri="{FF2B5EF4-FFF2-40B4-BE49-F238E27FC236}">
-                <a16:creationId xmlns:a16="http://schemas.microsoft.com/office/drawing/2014/main" id="{92B15595-B45A-3E41-ABDB-470A88264D53}"/>
-              </a:ext>
-            </a:extLst>
-          </p:cNvPr>
-          <p:cNvCxnSpPr>
-            <a:cxnSpLocks/>
-          </p:cNvCxnSpPr>
-          <p:nvPr/>
-        </p:nvCxnSpPr>
-        <p:spPr>
-          <a:xfrm>
-            <a:off x="1378101" y="1753299"/>
-            <a:ext cx="4824579" cy="0"/>
-          </a:xfrm>
-          <a:prstGeom prst="line">
-            <a:avLst/>
-          </a:prstGeom>
-          <a:ln w="12700"/>
-        </p:spPr>
-        <p:style>
-          <a:lnRef idx="1">
-            <a:schemeClr val="accent1"/>
-          </a:lnRef>
-          <a:fillRef idx="0">
-            <a:schemeClr val="accent1"/>
-          </a:fillRef>
-          <a:effectRef idx="0">
-            <a:schemeClr val="accent1"/>
-          </a:effectRef>
-          <a:fontRef idx="minor">
-            <a:schemeClr val="tx1"/>
-          </a:fontRef>
-        </p:style>
-      </p:cxnSp>
-    </p:spTree>
-    <p:extLst>
-      <p:ext uri="{BB962C8B-B14F-4D97-AF65-F5344CB8AC3E}">
-        <p14:creationId xmlns:p14="http://schemas.microsoft.com/office/powerpoint/2010/main" val="2580217521"/>
       </p:ext>
     </p:extLst>
   </p:cSld>
@@ -10434,6 +10431,266 @@
                 </a:solidFill>
                 <a:latin typeface="Cambria" panose="02040503050406030204" pitchFamily="18" charset="0"/>
               </a:rPr>
+              <a:t>QUICK ML NOMENCLATURE</a:t>
+            </a:r>
+          </a:p>
+        </p:txBody>
+      </p:sp>
+      <p:sp>
+        <p:nvSpPr>
+          <p:cNvPr id="5" name="TextBox 4">
+            <a:extLst>
+              <a:ext uri="{FF2B5EF4-FFF2-40B4-BE49-F238E27FC236}">
+                <a16:creationId xmlns:a16="http://schemas.microsoft.com/office/drawing/2014/main" id="{3390F6B0-97E9-7749-9A12-2929B02736C6}"/>
+              </a:ext>
+            </a:extLst>
+          </p:cNvPr>
+          <p:cNvSpPr txBox="1"/>
+          <p:nvPr/>
+        </p:nvSpPr>
+        <p:spPr>
+          <a:xfrm>
+            <a:off x="1275701" y="1830236"/>
+            <a:ext cx="9909364" cy="3046988"/>
+          </a:xfrm>
+          <a:prstGeom prst="rect">
+            <a:avLst/>
+          </a:prstGeom>
+          <a:noFill/>
+        </p:spPr>
+        <p:txBody>
+          <a:bodyPr wrap="square" rtlCol="0">
+            <a:spAutoFit/>
+          </a:bodyPr>
+          <a:lstStyle/>
+          <a:p>
+            <a:pPr marL="342900" indent="-342900">
+              <a:buFont typeface="Arial"/>
+              <a:buChar char="•"/>
+            </a:pPr>
+            <a:r>
+              <a:rPr lang="en-US" sz="2400" b="1" dirty="0">
+                <a:solidFill>
+                  <a:schemeClr val="accent1"/>
+                </a:solidFill>
+                <a:latin typeface="Cambria" panose="02040503050406030204" pitchFamily="18" charset="0"/>
+              </a:rPr>
+              <a:t>SUPERVISED</a:t>
+            </a:r>
+            <a:br>
+              <a:rPr lang="en-US" sz="2400" b="1" dirty="0">
+                <a:solidFill>
+                  <a:schemeClr val="accent1"/>
+                </a:solidFill>
+                <a:latin typeface="Cambria" panose="02040503050406030204" pitchFamily="18" charset="0"/>
+              </a:rPr>
+            </a:br>
+            <a:endParaRPr lang="en-US" sz="2400" b="1" dirty="0">
+              <a:solidFill>
+                <a:schemeClr val="accent1"/>
+              </a:solidFill>
+              <a:latin typeface="Cambria" panose="02040503050406030204" pitchFamily="18" charset="0"/>
+            </a:endParaRPr>
+          </a:p>
+          <a:p>
+            <a:pPr marL="342900" indent="-342900">
+              <a:buFont typeface="Arial"/>
+              <a:buChar char="•"/>
+            </a:pPr>
+            <a:r>
+              <a:rPr lang="en-US" sz="2400" b="1" dirty="0">
+                <a:solidFill>
+                  <a:schemeClr val="accent1"/>
+                </a:solidFill>
+                <a:latin typeface="Cambria" panose="02040503050406030204" pitchFamily="18" charset="0"/>
+              </a:rPr>
+              <a:t>UNSUPERVISED</a:t>
+            </a:r>
+            <a:br>
+              <a:rPr lang="en-US" sz="2400" b="1" dirty="0">
+                <a:solidFill>
+                  <a:schemeClr val="accent1"/>
+                </a:solidFill>
+                <a:latin typeface="Cambria" panose="02040503050406030204" pitchFamily="18" charset="0"/>
+              </a:rPr>
+            </a:br>
+            <a:endParaRPr lang="en-US" sz="2400" b="1" dirty="0">
+              <a:solidFill>
+                <a:schemeClr val="accent1"/>
+              </a:solidFill>
+              <a:latin typeface="Cambria" panose="02040503050406030204" pitchFamily="18" charset="0"/>
+            </a:endParaRPr>
+          </a:p>
+          <a:p>
+            <a:pPr marL="342900" indent="-342900">
+              <a:buFont typeface="Arial"/>
+              <a:buChar char="•"/>
+            </a:pPr>
+            <a:r>
+              <a:rPr lang="en-US" sz="2400" b="1" dirty="0">
+                <a:solidFill>
+                  <a:schemeClr val="accent1"/>
+                </a:solidFill>
+                <a:latin typeface="Cambria" panose="02040503050406030204" pitchFamily="18" charset="0"/>
+              </a:rPr>
+              <a:t>SEMI-SUPERVISED</a:t>
+            </a:r>
+            <a:br>
+              <a:rPr lang="en-US" sz="2400" b="1" dirty="0">
+                <a:solidFill>
+                  <a:schemeClr val="accent1"/>
+                </a:solidFill>
+                <a:latin typeface="Cambria" panose="02040503050406030204" pitchFamily="18" charset="0"/>
+              </a:rPr>
+            </a:br>
+            <a:endParaRPr lang="en-US" sz="2400" b="1" dirty="0">
+              <a:solidFill>
+                <a:schemeClr val="accent1"/>
+              </a:solidFill>
+              <a:latin typeface="Cambria" panose="02040503050406030204" pitchFamily="18" charset="0"/>
+            </a:endParaRPr>
+          </a:p>
+          <a:p>
+            <a:pPr marL="342900" indent="-342900">
+              <a:buFont typeface="Arial"/>
+              <a:buChar char="•"/>
+            </a:pPr>
+            <a:r>
+              <a:rPr lang="en-US" sz="2400" b="1" dirty="0">
+                <a:solidFill>
+                  <a:schemeClr val="accent1"/>
+                </a:solidFill>
+                <a:latin typeface="Cambria" panose="02040503050406030204" pitchFamily="18" charset="0"/>
+              </a:rPr>
+              <a:t>REINFORCEMENT LEARNING</a:t>
+            </a:r>
+            <a:br>
+              <a:rPr lang="en-US" sz="2400" dirty="0">
+                <a:solidFill>
+                  <a:schemeClr val="accent1"/>
+                </a:solidFill>
+                <a:latin typeface="Cambria" panose="02040503050406030204" pitchFamily="18" charset="0"/>
+              </a:rPr>
+            </a:br>
+            <a:endParaRPr lang="en-US" sz="2400" dirty="0">
+              <a:solidFill>
+                <a:schemeClr val="accent1"/>
+              </a:solidFill>
+              <a:latin typeface="Cambria" panose="02040503050406030204" pitchFamily="18" charset="0"/>
+            </a:endParaRPr>
+          </a:p>
+        </p:txBody>
+      </p:sp>
+      <p:cxnSp>
+        <p:nvCxnSpPr>
+          <p:cNvPr id="4" name="Straight Connector 3">
+            <a:extLst>
+              <a:ext uri="{FF2B5EF4-FFF2-40B4-BE49-F238E27FC236}">
+                <a16:creationId xmlns:a16="http://schemas.microsoft.com/office/drawing/2014/main" id="{92B15595-B45A-3E41-ABDB-470A88264D53}"/>
+              </a:ext>
+            </a:extLst>
+          </p:cNvPr>
+          <p:cNvCxnSpPr>
+            <a:cxnSpLocks/>
+          </p:cNvCxnSpPr>
+          <p:nvPr/>
+        </p:nvCxnSpPr>
+        <p:spPr>
+          <a:xfrm>
+            <a:off x="1378101" y="1753299"/>
+            <a:ext cx="4824579" cy="0"/>
+          </a:xfrm>
+          <a:prstGeom prst="line">
+            <a:avLst/>
+          </a:prstGeom>
+          <a:ln w="12700"/>
+        </p:spPr>
+        <p:style>
+          <a:lnRef idx="1">
+            <a:schemeClr val="accent1"/>
+          </a:lnRef>
+          <a:fillRef idx="0">
+            <a:schemeClr val="accent1"/>
+          </a:fillRef>
+          <a:effectRef idx="0">
+            <a:schemeClr val="accent1"/>
+          </a:effectRef>
+          <a:fontRef idx="minor">
+            <a:schemeClr val="tx1"/>
+          </a:fontRef>
+        </p:style>
+      </p:cxnSp>
+    </p:spTree>
+    <p:extLst>
+      <p:ext uri="{BB962C8B-B14F-4D97-AF65-F5344CB8AC3E}">
+        <p14:creationId xmlns:p14="http://schemas.microsoft.com/office/powerpoint/2010/main" val="2580217521"/>
+      </p:ext>
+    </p:extLst>
+  </p:cSld>
+  <p:clrMapOvr>
+    <a:masterClrMapping/>
+  </p:clrMapOvr>
+  <mc:AlternateContent xmlns:mc="http://schemas.openxmlformats.org/markup-compatibility/2006" xmlns:p14="http://schemas.microsoft.com/office/powerpoint/2010/main">
+    <mc:Choice Requires="p14">
+      <p:transition spd="med" p14:dur="700">
+        <p:fade/>
+      </p:transition>
+    </mc:Choice>
+    <mc:Fallback xmlns="">
+      <p:transition spd="med">
+        <p:fade/>
+      </p:transition>
+    </mc:Fallback>
+  </mc:AlternateContent>
+</p:sld>
+</file>
+
+<file path=ppt/slides/slide31.xml><?xml version="1.0" encoding="utf-8"?>
+<p:sld xmlns:a="http://schemas.openxmlformats.org/drawingml/2006/main" xmlns:r="http://schemas.openxmlformats.org/officeDocument/2006/relationships" xmlns:p="http://schemas.openxmlformats.org/presentationml/2006/main">
+  <p:cSld>
+    <p:spTree>
+      <p:nvGrpSpPr>
+        <p:cNvPr id="1" name=""/>
+        <p:cNvGrpSpPr/>
+        <p:nvPr/>
+      </p:nvGrpSpPr>
+      <p:grpSpPr>
+        <a:xfrm>
+          <a:off x="0" y="0"/>
+          <a:ext cx="0" cy="0"/>
+          <a:chOff x="0" y="0"/>
+          <a:chExt cx="0" cy="0"/>
+        </a:xfrm>
+      </p:grpSpPr>
+      <p:sp>
+        <p:nvSpPr>
+          <p:cNvPr id="8" name="TextBox 7"/>
+          <p:cNvSpPr txBox="1"/>
+          <p:nvPr/>
+        </p:nvSpPr>
+        <p:spPr>
+          <a:xfrm>
+            <a:off x="1271768" y="1115051"/>
+            <a:ext cx="9196386" cy="553998"/>
+          </a:xfrm>
+          <a:prstGeom prst="rect">
+            <a:avLst/>
+          </a:prstGeom>
+          <a:noFill/>
+        </p:spPr>
+        <p:txBody>
+          <a:bodyPr wrap="square" rtlCol="0">
+            <a:spAutoFit/>
+          </a:bodyPr>
+          <a:lstStyle/>
+          <a:p>
+            <a:r>
+              <a:rPr lang="en-US" sz="3000" b="1" dirty="0">
+                <a:solidFill>
+                  <a:schemeClr val="accent1"/>
+                </a:solidFill>
+                <a:latin typeface="Cambria" panose="02040503050406030204" pitchFamily="18" charset="0"/>
+              </a:rPr>
               <a:t>DEEP LEARNING AND CLASSIFICATION</a:t>
             </a:r>
           </a:p>
@@ -10533,7 +10790,7 @@
 </p:sld>
 </file>
 
-<file path=ppt/slides/slide31.xml><?xml version="1.0" encoding="utf-8"?>
+<file path=ppt/slides/slide32.xml><?xml version="1.0" encoding="utf-8"?>
 <p:sld xmlns:a="http://schemas.openxmlformats.org/drawingml/2006/main" xmlns:r="http://schemas.openxmlformats.org/officeDocument/2006/relationships" xmlns:p="http://schemas.openxmlformats.org/presentationml/2006/main">
   <p:cSld>
     <p:spTree>
@@ -10678,7 +10935,7 @@
 </p:sld>
 </file>
 
-<file path=ppt/slides/slide32.xml><?xml version="1.0" encoding="utf-8"?>
+<file path=ppt/slides/slide33.xml><?xml version="1.0" encoding="utf-8"?>
 <p:sld xmlns:a="http://schemas.openxmlformats.org/drawingml/2006/main" xmlns:r="http://schemas.openxmlformats.org/officeDocument/2006/relationships" xmlns:p="http://schemas.openxmlformats.org/presentationml/2006/main">
   <p:cSld>
     <p:spTree>
@@ -10823,7 +11080,7 @@
 </p:sld>
 </file>
 
-<file path=ppt/slides/slide33.xml><?xml version="1.0" encoding="utf-8"?>
+<file path=ppt/slides/slide34.xml><?xml version="1.0" encoding="utf-8"?>
 <p:sld xmlns:a="http://schemas.openxmlformats.org/drawingml/2006/main" xmlns:r="http://schemas.openxmlformats.org/officeDocument/2006/relationships" xmlns:p="http://schemas.openxmlformats.org/presentationml/2006/main">
   <p:cSld>
     <p:spTree>
@@ -11066,7 +11323,7 @@
 </p:sld>
 </file>
 
-<file path=ppt/slides/slide34.xml><?xml version="1.0" encoding="utf-8"?>
+<file path=ppt/slides/slide35.xml><?xml version="1.0" encoding="utf-8"?>
 <p:sld xmlns:a="http://schemas.openxmlformats.org/drawingml/2006/main" xmlns:r="http://schemas.openxmlformats.org/officeDocument/2006/relationships" xmlns:p="http://schemas.openxmlformats.org/presentationml/2006/main">
   <p:cSld>
     <p:spTree>
@@ -11211,7 +11468,7 @@
 </p:sld>
 </file>
 
-<file path=ppt/slides/slide35.xml><?xml version="1.0" encoding="utf-8"?>
+<file path=ppt/slides/slide36.xml><?xml version="1.0" encoding="utf-8"?>
 <p:sld xmlns:a="http://schemas.openxmlformats.org/drawingml/2006/main" xmlns:r="http://schemas.openxmlformats.org/officeDocument/2006/relationships" xmlns:p="http://schemas.openxmlformats.org/presentationml/2006/main">
   <p:cSld>
     <p:spTree>
@@ -11411,7 +11668,7 @@
 </p:sld>
 </file>
 
-<file path=ppt/slides/slide36.xml><?xml version="1.0" encoding="utf-8"?>
+<file path=ppt/slides/slide37.xml><?xml version="1.0" encoding="utf-8"?>
 <p:sld xmlns:a="http://schemas.openxmlformats.org/drawingml/2006/main" xmlns:r="http://schemas.openxmlformats.org/officeDocument/2006/relationships" xmlns:p="http://schemas.openxmlformats.org/presentationml/2006/main">
   <p:cSld>
     <p:spTree>

--- a/presentations/session-5-application-of-ai.pptx
+++ b/presentations/session-5-application-of-ai.pptx
@@ -5,7 +5,7 @@
     <p:sldMasterId id="2147483648" r:id="rId1"/>
   </p:sldMasterIdLst>
   <p:notesMasterIdLst>
-    <p:notesMasterId r:id="rId39"/>
+    <p:notesMasterId r:id="rId38"/>
   </p:notesMasterIdLst>
   <p:sldIdLst>
     <p:sldId id="263" r:id="rId2"/>
@@ -23,28 +23,27 @@
     <p:sldId id="562" r:id="rId14"/>
     <p:sldId id="566" r:id="rId15"/>
     <p:sldId id="563" r:id="rId16"/>
-    <p:sldId id="590" r:id="rId17"/>
+    <p:sldId id="592" r:id="rId17"/>
     <p:sldId id="591" r:id="rId18"/>
-    <p:sldId id="554" r:id="rId19"/>
-    <p:sldId id="587" r:id="rId20"/>
-    <p:sldId id="586" r:id="rId21"/>
-    <p:sldId id="589" r:id="rId22"/>
-    <p:sldId id="565" r:id="rId23"/>
-    <p:sldId id="588" r:id="rId24"/>
-    <p:sldId id="568" r:id="rId25"/>
-    <p:sldId id="567" r:id="rId26"/>
-    <p:sldId id="569" r:id="rId27"/>
-    <p:sldId id="570" r:id="rId28"/>
-    <p:sldId id="571" r:id="rId29"/>
-    <p:sldId id="572" r:id="rId30"/>
-    <p:sldId id="573" r:id="rId31"/>
-    <p:sldId id="574" r:id="rId32"/>
-    <p:sldId id="575" r:id="rId33"/>
-    <p:sldId id="577" r:id="rId34"/>
-    <p:sldId id="578" r:id="rId35"/>
-    <p:sldId id="579" r:id="rId36"/>
-    <p:sldId id="580" r:id="rId37"/>
-    <p:sldId id="581" r:id="rId38"/>
+    <p:sldId id="586" r:id="rId19"/>
+    <p:sldId id="589" r:id="rId20"/>
+    <p:sldId id="565" r:id="rId21"/>
+    <p:sldId id="588" r:id="rId22"/>
+    <p:sldId id="568" r:id="rId23"/>
+    <p:sldId id="567" r:id="rId24"/>
+    <p:sldId id="569" r:id="rId25"/>
+    <p:sldId id="570" r:id="rId26"/>
+    <p:sldId id="571" r:id="rId27"/>
+    <p:sldId id="572" r:id="rId28"/>
+    <p:sldId id="574" r:id="rId29"/>
+    <p:sldId id="575" r:id="rId30"/>
+    <p:sldId id="577" r:id="rId31"/>
+    <p:sldId id="578" r:id="rId32"/>
+    <p:sldId id="579" r:id="rId33"/>
+    <p:sldId id="580" r:id="rId34"/>
+    <p:sldId id="581" r:id="rId35"/>
+    <p:sldId id="594" r:id="rId36"/>
+    <p:sldId id="595" r:id="rId37"/>
   </p:sldIdLst>
   <p:sldSz cx="12192000" cy="6858000"/>
   <p:notesSz cx="6797675" cy="9874250"/>
@@ -1180,7 +1179,7 @@
     </p:spTree>
     <p:extLst>
       <p:ext uri="{BB962C8B-B14F-4D97-AF65-F5344CB8AC3E}">
-        <p14:creationId xmlns:p14="http://schemas.microsoft.com/office/powerpoint/2010/main" val="1065775169"/>
+        <p14:creationId xmlns:p14="http://schemas.microsoft.com/office/powerpoint/2010/main" val="2223548387"/>
       </p:ext>
     </p:extLst>
   </p:cSld>
@@ -1233,6 +1232,332 @@
         <p:txBody>
           <a:bodyPr/>
           <a:lstStyle/>
+          <a:p>
+            <a:pPr marL="0" marR="0" lvl="0" indent="0" algn="l" defTabSz="914400" rtl="0" eaLnBrk="1" fontAlgn="auto" latinLnBrk="0" hangingPunct="1">
+              <a:lnSpc>
+                <a:spcPct val="100000"/>
+              </a:lnSpc>
+              <a:spcBef>
+                <a:spcPts val="0"/>
+              </a:spcBef>
+              <a:spcAft>
+                <a:spcPts val="0"/>
+              </a:spcAft>
+              <a:buClrTx/>
+              <a:buSzTx/>
+              <a:buFontTx/>
+              <a:buNone/>
+              <a:tabLst/>
+              <a:defRPr/>
+            </a:pPr>
+            <a:r>
+              <a:rPr lang="fr-FR" sz="1200" b="0" i="0" kern="1200" dirty="0" err="1">
+                <a:solidFill>
+                  <a:schemeClr val="tx1"/>
+                </a:solidFill>
+                <a:effectLst/>
+                <a:latin typeface="+mn-lt"/>
+                <a:ea typeface="+mn-ea"/>
+                <a:cs typeface="+mn-cs"/>
+              </a:rPr>
+              <a:t>Konza</a:t>
+            </a:r>
+            <a:r>
+              <a:rPr lang="fr-FR" sz="1200" b="0" i="0" kern="1200" dirty="0">
+                <a:solidFill>
+                  <a:schemeClr val="tx1"/>
+                </a:solidFill>
+                <a:effectLst/>
+                <a:latin typeface="+mn-lt"/>
+                <a:ea typeface="+mn-ea"/>
+                <a:cs typeface="+mn-cs"/>
+              </a:rPr>
+              <a:t> </a:t>
+            </a:r>
+            <a:r>
+              <a:rPr lang="fr-FR" sz="1200" b="0" i="0" kern="1200" dirty="0" err="1">
+                <a:solidFill>
+                  <a:schemeClr val="tx1"/>
+                </a:solidFill>
+                <a:effectLst/>
+                <a:latin typeface="+mn-lt"/>
+                <a:ea typeface="+mn-ea"/>
+                <a:cs typeface="+mn-cs"/>
+              </a:rPr>
+              <a:t>Technology</a:t>
+            </a:r>
+            <a:r>
+              <a:rPr lang="fr-FR" sz="1200" b="0" i="0" kern="1200" dirty="0">
+                <a:solidFill>
+                  <a:schemeClr val="tx1"/>
+                </a:solidFill>
+                <a:effectLst/>
+                <a:latin typeface="+mn-lt"/>
+                <a:ea typeface="+mn-ea"/>
+                <a:cs typeface="+mn-cs"/>
+              </a:rPr>
+              <a:t> City, Kenya (Smart City, …)</a:t>
+            </a:r>
+          </a:p>
+          <a:p>
+            <a:pPr marL="0" marR="0" lvl="0" indent="0" algn="l" defTabSz="914400" rtl="0" eaLnBrk="1" fontAlgn="auto" latinLnBrk="0" hangingPunct="1">
+              <a:lnSpc>
+                <a:spcPct val="100000"/>
+              </a:lnSpc>
+              <a:spcBef>
+                <a:spcPts val="0"/>
+              </a:spcBef>
+              <a:spcAft>
+                <a:spcPts val="0"/>
+              </a:spcAft>
+              <a:buClrTx/>
+              <a:buSzTx/>
+              <a:buFontTx/>
+              <a:buNone/>
+              <a:tabLst/>
+              <a:defRPr/>
+            </a:pPr>
+            <a:r>
+              <a:rPr lang="fr-FR" dirty="0"/>
+              <a:t>https://</a:t>
+            </a:r>
+            <a:r>
+              <a:rPr lang="fr-FR" dirty="0" err="1"/>
+              <a:t>www.mpesa.in</a:t>
+            </a:r>
+            <a:r>
+              <a:rPr lang="fr-FR" dirty="0"/>
+              <a:t>/portal/</a:t>
+            </a:r>
+          </a:p>
+          <a:p>
+            <a:pPr marL="0" marR="0" lvl="0" indent="0" algn="l" defTabSz="914400" rtl="0" eaLnBrk="1" fontAlgn="auto" latinLnBrk="0" hangingPunct="1">
+              <a:lnSpc>
+                <a:spcPct val="100000"/>
+              </a:lnSpc>
+              <a:spcBef>
+                <a:spcPts val="0"/>
+              </a:spcBef>
+              <a:spcAft>
+                <a:spcPts val="0"/>
+              </a:spcAft>
+              <a:buClrTx/>
+              <a:buSzTx/>
+              <a:buFontTx/>
+              <a:buNone/>
+              <a:tabLst/>
+              <a:defRPr/>
+            </a:pPr>
+            <a:r>
+              <a:rPr lang="fr-FR" dirty="0"/>
+              <a:t>https://</a:t>
+            </a:r>
+            <a:r>
+              <a:rPr lang="fr-FR" dirty="0" err="1"/>
+              <a:t>twiga.ke</a:t>
+            </a:r>
+            <a:r>
+              <a:rPr lang="fr-FR" dirty="0"/>
+              <a:t>/</a:t>
+            </a:r>
+            <a:r>
+              <a:rPr lang="fr-FR" dirty="0" err="1"/>
+              <a:t>twiga</a:t>
+            </a:r>
+            <a:r>
+              <a:rPr lang="fr-FR" dirty="0"/>
+              <a:t>-story/</a:t>
+            </a:r>
+          </a:p>
+          <a:p>
+            <a:pPr marL="0" marR="0" lvl="0" indent="0" algn="l" defTabSz="914400" rtl="0" eaLnBrk="1" fontAlgn="auto" latinLnBrk="0" hangingPunct="1">
+              <a:lnSpc>
+                <a:spcPct val="100000"/>
+              </a:lnSpc>
+              <a:spcBef>
+                <a:spcPts val="0"/>
+              </a:spcBef>
+              <a:spcAft>
+                <a:spcPts val="0"/>
+              </a:spcAft>
+              <a:buClrTx/>
+              <a:buSzTx/>
+              <a:buFontTx/>
+              <a:buNone/>
+              <a:tabLst/>
+              <a:defRPr/>
+            </a:pPr>
+            <a:r>
+              <a:rPr lang="fr-FR" dirty="0"/>
+              <a:t>https://</a:t>
+            </a:r>
+            <a:r>
+              <a:rPr lang="fr-FR" dirty="0" err="1"/>
+              <a:t>www.sophiagenetics.com</a:t>
+            </a:r>
+            <a:endParaRPr lang="fr-FR" dirty="0"/>
+          </a:p>
+          <a:p>
+            <a:pPr marL="0" marR="0" lvl="0" indent="0" algn="l" defTabSz="914400" rtl="0" eaLnBrk="1" fontAlgn="auto" latinLnBrk="0" hangingPunct="1">
+              <a:lnSpc>
+                <a:spcPct val="100000"/>
+              </a:lnSpc>
+              <a:spcBef>
+                <a:spcPts val="0"/>
+              </a:spcBef>
+              <a:spcAft>
+                <a:spcPts val="0"/>
+              </a:spcAft>
+              <a:buClrTx/>
+              <a:buSzTx/>
+              <a:buFontTx/>
+              <a:buNone/>
+              <a:tabLst/>
+              <a:defRPr/>
+            </a:pPr>
+            <a:r>
+              <a:rPr lang="fr-FR" dirty="0"/>
+              <a:t>https://</a:t>
+            </a:r>
+            <a:r>
+              <a:rPr lang="fr-FR" dirty="0" err="1"/>
+              <a:t>about.aerobotics.io</a:t>
+            </a:r>
+            <a:r>
+              <a:rPr lang="fr-FR" dirty="0"/>
+              <a:t>/</a:t>
+            </a:r>
+          </a:p>
+          <a:p>
+            <a:pPr marL="0" marR="0" lvl="0" indent="0" algn="l" defTabSz="914400" rtl="0" eaLnBrk="1" fontAlgn="auto" latinLnBrk="0" hangingPunct="1">
+              <a:lnSpc>
+                <a:spcPct val="100000"/>
+              </a:lnSpc>
+              <a:spcBef>
+                <a:spcPts val="0"/>
+              </a:spcBef>
+              <a:spcAft>
+                <a:spcPts val="0"/>
+              </a:spcAft>
+              <a:buClrTx/>
+              <a:buSzTx/>
+              <a:buFontTx/>
+              <a:buNone/>
+              <a:tabLst/>
+              <a:defRPr/>
+            </a:pPr>
+            <a:r>
+              <a:rPr lang="fr-FR" dirty="0"/>
+              <a:t>http://</a:t>
+            </a:r>
+            <a:r>
+              <a:rPr lang="fr-FR" dirty="0" err="1"/>
+              <a:t>frequentz.com</a:t>
+            </a:r>
+            <a:r>
+              <a:rPr lang="fr-FR" dirty="0"/>
+              <a:t>/4319/traceability-brings-more-profits-and-more-stability-to-coffee-growers/</a:t>
+            </a:r>
+          </a:p>
+          <a:p>
+            <a:pPr marL="0" marR="0" lvl="0" indent="0" algn="l" defTabSz="914400" rtl="0" eaLnBrk="1" fontAlgn="auto" latinLnBrk="0" hangingPunct="1">
+              <a:lnSpc>
+                <a:spcPct val="100000"/>
+              </a:lnSpc>
+              <a:spcBef>
+                <a:spcPts val="0"/>
+              </a:spcBef>
+              <a:spcAft>
+                <a:spcPts val="0"/>
+              </a:spcAft>
+              <a:buClrTx/>
+              <a:buSzTx/>
+              <a:buFontTx/>
+              <a:buNone/>
+              <a:tabLst/>
+              <a:defRPr/>
+            </a:pPr>
+            <a:r>
+              <a:rPr lang="fr-FR" dirty="0"/>
+              <a:t>http://</a:t>
+            </a:r>
+            <a:r>
+              <a:rPr lang="fr-FR" dirty="0" err="1"/>
+              <a:t>www.flyzipline.com</a:t>
+            </a:r>
+            <a:r>
+              <a:rPr lang="fr-FR" dirty="0"/>
+              <a:t>/</a:t>
+            </a:r>
+          </a:p>
+          <a:p>
+            <a:pPr marL="0" marR="0" lvl="0" indent="0" algn="l" defTabSz="914400" rtl="0" eaLnBrk="1" fontAlgn="auto" latinLnBrk="0" hangingPunct="1">
+              <a:lnSpc>
+                <a:spcPct val="100000"/>
+              </a:lnSpc>
+              <a:spcBef>
+                <a:spcPts val="0"/>
+              </a:spcBef>
+              <a:spcAft>
+                <a:spcPts val="0"/>
+              </a:spcAft>
+              <a:buClrTx/>
+              <a:buSzTx/>
+              <a:buFontTx/>
+              <a:buNone/>
+              <a:tabLst/>
+              <a:defRPr/>
+            </a:pPr>
+            <a:endParaRPr lang="fr-FR" dirty="0"/>
+          </a:p>
+          <a:p>
+            <a:pPr marL="0" marR="0" lvl="0" indent="0" algn="l" defTabSz="914400" rtl="0" eaLnBrk="1" fontAlgn="auto" latinLnBrk="0" hangingPunct="1">
+              <a:lnSpc>
+                <a:spcPct val="100000"/>
+              </a:lnSpc>
+              <a:spcBef>
+                <a:spcPts val="0"/>
+              </a:spcBef>
+              <a:spcAft>
+                <a:spcPts val="0"/>
+              </a:spcAft>
+              <a:buClrTx/>
+              <a:buSzTx/>
+              <a:buFontTx/>
+              <a:buNone/>
+              <a:tabLst/>
+              <a:defRPr/>
+            </a:pPr>
+            <a:endParaRPr lang="fr-FR" dirty="0"/>
+          </a:p>
+          <a:p>
+            <a:pPr marL="0" marR="0" lvl="0" indent="0" algn="l" defTabSz="914400" rtl="0" eaLnBrk="1" fontAlgn="auto" latinLnBrk="0" hangingPunct="1">
+              <a:lnSpc>
+                <a:spcPct val="100000"/>
+              </a:lnSpc>
+              <a:spcBef>
+                <a:spcPts val="0"/>
+              </a:spcBef>
+              <a:spcAft>
+                <a:spcPts val="0"/>
+              </a:spcAft>
+              <a:buClrTx/>
+              <a:buSzTx/>
+              <a:buFontTx/>
+              <a:buNone/>
+              <a:tabLst/>
+              <a:defRPr/>
+            </a:pPr>
+            <a:endParaRPr lang="fr-FR" sz="1200" b="0" i="0" kern="1200" dirty="0">
+              <a:solidFill>
+                <a:schemeClr val="tx1"/>
+              </a:solidFill>
+              <a:effectLst/>
+              <a:latin typeface="+mn-lt"/>
+              <a:ea typeface="+mn-ea"/>
+              <a:cs typeface="+mn-cs"/>
+            </a:endParaRPr>
+          </a:p>
           <a:p>
             <a:endParaRPr lang="en-US" dirty="0"/>
           </a:p>
@@ -1318,6 +1643,10 @@
           <a:bodyPr/>
           <a:lstStyle/>
           <a:p>
+            <a:pPr marL="171450" indent="-171450">
+              <a:buFont typeface="Arial" panose="020B0604020202020204" pitchFamily="34" charset="0"/>
+              <a:buChar char="•"/>
+            </a:pPr>
             <a:endParaRPr lang="en-US" dirty="0"/>
           </a:p>
         </p:txBody>
@@ -1348,7 +1677,7 @@
     </p:spTree>
     <p:extLst>
       <p:ext uri="{BB962C8B-B14F-4D97-AF65-F5344CB8AC3E}">
-        <p14:creationId xmlns:p14="http://schemas.microsoft.com/office/powerpoint/2010/main" val="1697799107"/>
+        <p14:creationId xmlns:p14="http://schemas.microsoft.com/office/powerpoint/2010/main" val="4287185181"/>
       </p:ext>
     </p:extLst>
   </p:cSld>
@@ -1436,7 +1765,7 @@
     </p:spTree>
     <p:extLst>
       <p:ext uri="{BB962C8B-B14F-4D97-AF65-F5344CB8AC3E}">
-        <p14:creationId xmlns:p14="http://schemas.microsoft.com/office/powerpoint/2010/main" val="2414011836"/>
+        <p14:creationId xmlns:p14="http://schemas.microsoft.com/office/powerpoint/2010/main" val="3496240833"/>
       </p:ext>
     </p:extLst>
   </p:cSld>
@@ -1574,10 +1903,6 @@
           <a:bodyPr/>
           <a:lstStyle/>
           <a:p>
-            <a:pPr marL="171450" indent="-171450">
-              <a:buFont typeface="Arial" panose="020B0604020202020204" pitchFamily="34" charset="0"/>
-              <a:buChar char="•"/>
-            </a:pPr>
             <a:endParaRPr lang="en-US" dirty="0"/>
           </a:p>
         </p:txBody>
@@ -1608,7 +1933,7 @@
     </p:spTree>
     <p:extLst>
       <p:ext uri="{BB962C8B-B14F-4D97-AF65-F5344CB8AC3E}">
-        <p14:creationId xmlns:p14="http://schemas.microsoft.com/office/powerpoint/2010/main" val="4287185181"/>
+        <p14:creationId xmlns:p14="http://schemas.microsoft.com/office/powerpoint/2010/main" val="333752062"/>
       </p:ext>
     </p:extLst>
   </p:cSld>
@@ -1662,10 +1987,6 @@
           <a:bodyPr/>
           <a:lstStyle/>
           <a:p>
-            <a:pPr marL="171450" indent="-171450">
-              <a:buFont typeface="Arial" panose="020B0604020202020204" pitchFamily="34" charset="0"/>
-              <a:buChar char="•"/>
-            </a:pPr>
             <a:endParaRPr lang="en-US" dirty="0"/>
           </a:p>
         </p:txBody>
@@ -1696,7 +2017,7 @@
     </p:spTree>
     <p:extLst>
       <p:ext uri="{BB962C8B-B14F-4D97-AF65-F5344CB8AC3E}">
-        <p14:creationId xmlns:p14="http://schemas.microsoft.com/office/powerpoint/2010/main" val="3496240833"/>
+        <p14:creationId xmlns:p14="http://schemas.microsoft.com/office/powerpoint/2010/main" val="2797618694"/>
       </p:ext>
     </p:extLst>
   </p:cSld>
@@ -1780,7 +2101,7 @@
     </p:spTree>
     <p:extLst>
       <p:ext uri="{BB962C8B-B14F-4D97-AF65-F5344CB8AC3E}">
-        <p14:creationId xmlns:p14="http://schemas.microsoft.com/office/powerpoint/2010/main" val="333752062"/>
+        <p14:creationId xmlns:p14="http://schemas.microsoft.com/office/powerpoint/2010/main" val="1586155269"/>
       </p:ext>
     </p:extLst>
   </p:cSld>
@@ -1834,6 +2155,66 @@
           <a:bodyPr/>
           <a:lstStyle/>
           <a:p>
+            <a:r>
+              <a:rPr lang="fr-FR" dirty="0"/>
+              <a:t>Ex: </a:t>
+            </a:r>
+            <a:r>
+              <a:rPr lang="fr-FR" dirty="0" err="1"/>
+              <a:t>soil</a:t>
+            </a:r>
+            <a:r>
+              <a:rPr lang="fr-FR" dirty="0"/>
+              <a:t> </a:t>
+            </a:r>
+            <a:r>
+              <a:rPr lang="fr-FR" dirty="0" err="1"/>
+              <a:t>moisture</a:t>
+            </a:r>
+            <a:r>
+              <a:rPr lang="fr-FR" dirty="0"/>
+              <a:t> (</a:t>
+            </a:r>
+            <a:r>
+              <a:rPr lang="fr-FR" dirty="0" err="1"/>
+              <a:t>target</a:t>
+            </a:r>
+            <a:r>
+              <a:rPr lang="fr-FR" dirty="0"/>
+              <a:t>) </a:t>
+            </a:r>
+            <a:r>
+              <a:rPr lang="fr-FR" dirty="0" err="1"/>
+              <a:t>given</a:t>
+            </a:r>
+            <a:r>
+              <a:rPr lang="fr-FR" dirty="0"/>
+              <a:t> </a:t>
+            </a:r>
+            <a:r>
+              <a:rPr lang="fr-FR" dirty="0" err="1"/>
+              <a:t>temperature</a:t>
+            </a:r>
+            <a:r>
+              <a:rPr lang="fr-FR" dirty="0"/>
+              <a:t>, distance </a:t>
+            </a:r>
+            <a:r>
+              <a:rPr lang="fr-FR" dirty="0" err="1"/>
+              <a:t>from</a:t>
+            </a:r>
+            <a:r>
+              <a:rPr lang="fr-FR" dirty="0"/>
+              <a:t> river, ... (</a:t>
+            </a:r>
+            <a:r>
+              <a:rPr lang="fr-FR" dirty="0" err="1"/>
+              <a:t>features</a:t>
+            </a:r>
+            <a:r>
+              <a:rPr lang="fr-FR" dirty="0"/>
+              <a:t>)</a:t>
+            </a:r>
             <a:endParaRPr lang="en-US" dirty="0"/>
           </a:p>
         </p:txBody>
@@ -1864,7 +2245,7 @@
     </p:spTree>
     <p:extLst>
       <p:ext uri="{BB962C8B-B14F-4D97-AF65-F5344CB8AC3E}">
-        <p14:creationId xmlns:p14="http://schemas.microsoft.com/office/powerpoint/2010/main" val="2797618694"/>
+        <p14:creationId xmlns:p14="http://schemas.microsoft.com/office/powerpoint/2010/main" val="2821334826"/>
       </p:ext>
     </p:extLst>
   </p:cSld>
@@ -1948,7 +2329,7 @@
     </p:spTree>
     <p:extLst>
       <p:ext uri="{BB962C8B-B14F-4D97-AF65-F5344CB8AC3E}">
-        <p14:creationId xmlns:p14="http://schemas.microsoft.com/office/powerpoint/2010/main" val="1586155269"/>
+        <p14:creationId xmlns:p14="http://schemas.microsoft.com/office/powerpoint/2010/main" val="1179908455"/>
       </p:ext>
     </p:extLst>
   </p:cSld>
@@ -2002,66 +2383,6 @@
           <a:bodyPr/>
           <a:lstStyle/>
           <a:p>
-            <a:r>
-              <a:rPr lang="fr-FR" dirty="0"/>
-              <a:t>Ex: </a:t>
-            </a:r>
-            <a:r>
-              <a:rPr lang="fr-FR" dirty="0" err="1"/>
-              <a:t>soil</a:t>
-            </a:r>
-            <a:r>
-              <a:rPr lang="fr-FR" dirty="0"/>
-              <a:t> </a:t>
-            </a:r>
-            <a:r>
-              <a:rPr lang="fr-FR" dirty="0" err="1"/>
-              <a:t>moisture</a:t>
-            </a:r>
-            <a:r>
-              <a:rPr lang="fr-FR" dirty="0"/>
-              <a:t> (</a:t>
-            </a:r>
-            <a:r>
-              <a:rPr lang="fr-FR" dirty="0" err="1"/>
-              <a:t>target</a:t>
-            </a:r>
-            <a:r>
-              <a:rPr lang="fr-FR" dirty="0"/>
-              <a:t>) </a:t>
-            </a:r>
-            <a:r>
-              <a:rPr lang="fr-FR" dirty="0" err="1"/>
-              <a:t>given</a:t>
-            </a:r>
-            <a:r>
-              <a:rPr lang="fr-FR" dirty="0"/>
-              <a:t> </a:t>
-            </a:r>
-            <a:r>
-              <a:rPr lang="fr-FR" dirty="0" err="1"/>
-              <a:t>temperature</a:t>
-            </a:r>
-            <a:r>
-              <a:rPr lang="fr-FR" dirty="0"/>
-              <a:t>, distance </a:t>
-            </a:r>
-            <a:r>
-              <a:rPr lang="fr-FR" dirty="0" err="1"/>
-              <a:t>from</a:t>
-            </a:r>
-            <a:r>
-              <a:rPr lang="fr-FR" dirty="0"/>
-              <a:t> river, ... (</a:t>
-            </a:r>
-            <a:r>
-              <a:rPr lang="fr-FR" dirty="0" err="1"/>
-              <a:t>features</a:t>
-            </a:r>
-            <a:r>
-              <a:rPr lang="fr-FR" dirty="0"/>
-              <a:t>)</a:t>
-            </a:r>
             <a:endParaRPr lang="en-US" dirty="0"/>
           </a:p>
         </p:txBody>
@@ -2092,7 +2413,7 @@
     </p:spTree>
     <p:extLst>
       <p:ext uri="{BB962C8B-B14F-4D97-AF65-F5344CB8AC3E}">
-        <p14:creationId xmlns:p14="http://schemas.microsoft.com/office/powerpoint/2010/main" val="2821334826"/>
+        <p14:creationId xmlns:p14="http://schemas.microsoft.com/office/powerpoint/2010/main" val="3086997894"/>
       </p:ext>
     </p:extLst>
   </p:cSld>
@@ -2176,7 +2497,7 @@
     </p:spTree>
     <p:extLst>
       <p:ext uri="{BB962C8B-B14F-4D97-AF65-F5344CB8AC3E}">
-        <p14:creationId xmlns:p14="http://schemas.microsoft.com/office/powerpoint/2010/main" val="1179908455"/>
+        <p14:creationId xmlns:p14="http://schemas.microsoft.com/office/powerpoint/2010/main" val="1099359813"/>
       </p:ext>
     </p:extLst>
   </p:cSld>
@@ -2260,7 +2581,7 @@
     </p:spTree>
     <p:extLst>
       <p:ext uri="{BB962C8B-B14F-4D97-AF65-F5344CB8AC3E}">
-        <p14:creationId xmlns:p14="http://schemas.microsoft.com/office/powerpoint/2010/main" val="3086997894"/>
+        <p14:creationId xmlns:p14="http://schemas.microsoft.com/office/powerpoint/2010/main" val="538600896"/>
       </p:ext>
     </p:extLst>
   </p:cSld>
@@ -2344,7 +2665,7 @@
     </p:spTree>
     <p:extLst>
       <p:ext uri="{BB962C8B-B14F-4D97-AF65-F5344CB8AC3E}">
-        <p14:creationId xmlns:p14="http://schemas.microsoft.com/office/powerpoint/2010/main" val="1099359813"/>
+        <p14:creationId xmlns:p14="http://schemas.microsoft.com/office/powerpoint/2010/main" val="2539212987"/>
       </p:ext>
     </p:extLst>
   </p:cSld>
@@ -2428,7 +2749,7 @@
     </p:spTree>
     <p:extLst>
       <p:ext uri="{BB962C8B-B14F-4D97-AF65-F5344CB8AC3E}">
-        <p14:creationId xmlns:p14="http://schemas.microsoft.com/office/powerpoint/2010/main" val="538600896"/>
+        <p14:creationId xmlns:p14="http://schemas.microsoft.com/office/powerpoint/2010/main" val="2038087505"/>
       </p:ext>
     </p:extLst>
   </p:cSld>
@@ -2600,7 +2921,7 @@
     </p:spTree>
     <p:extLst>
       <p:ext uri="{BB962C8B-B14F-4D97-AF65-F5344CB8AC3E}">
-        <p14:creationId xmlns:p14="http://schemas.microsoft.com/office/powerpoint/2010/main" val="2118833780"/>
+        <p14:creationId xmlns:p14="http://schemas.microsoft.com/office/powerpoint/2010/main" val="997152534"/>
       </p:ext>
     </p:extLst>
   </p:cSld>
@@ -2684,7 +3005,7 @@
     </p:spTree>
     <p:extLst>
       <p:ext uri="{BB962C8B-B14F-4D97-AF65-F5344CB8AC3E}">
-        <p14:creationId xmlns:p14="http://schemas.microsoft.com/office/powerpoint/2010/main" val="2539212987"/>
+        <p14:creationId xmlns:p14="http://schemas.microsoft.com/office/powerpoint/2010/main" val="242776460"/>
       </p:ext>
     </p:extLst>
   </p:cSld>
@@ -2768,7 +3089,7 @@
     </p:spTree>
     <p:extLst>
       <p:ext uri="{BB962C8B-B14F-4D97-AF65-F5344CB8AC3E}">
-        <p14:creationId xmlns:p14="http://schemas.microsoft.com/office/powerpoint/2010/main" val="2038087505"/>
+        <p14:creationId xmlns:p14="http://schemas.microsoft.com/office/powerpoint/2010/main" val="2802083561"/>
       </p:ext>
     </p:extLst>
   </p:cSld>
@@ -2852,7 +3173,7 @@
     </p:spTree>
     <p:extLst>
       <p:ext uri="{BB962C8B-B14F-4D97-AF65-F5344CB8AC3E}">
-        <p14:creationId xmlns:p14="http://schemas.microsoft.com/office/powerpoint/2010/main" val="997152534"/>
+        <p14:creationId xmlns:p14="http://schemas.microsoft.com/office/powerpoint/2010/main" val="1824914223"/>
       </p:ext>
     </p:extLst>
   </p:cSld>
@@ -2936,7 +3257,7 @@
     </p:spTree>
     <p:extLst>
       <p:ext uri="{BB962C8B-B14F-4D97-AF65-F5344CB8AC3E}">
-        <p14:creationId xmlns:p14="http://schemas.microsoft.com/office/powerpoint/2010/main" val="242776460"/>
+        <p14:creationId xmlns:p14="http://schemas.microsoft.com/office/powerpoint/2010/main" val="1096447992"/>
       </p:ext>
     </p:extLst>
   </p:cSld>
@@ -3020,7 +3341,7 @@
     </p:spTree>
     <p:extLst>
       <p:ext uri="{BB962C8B-B14F-4D97-AF65-F5344CB8AC3E}">
-        <p14:creationId xmlns:p14="http://schemas.microsoft.com/office/powerpoint/2010/main" val="2802083561"/>
+        <p14:creationId xmlns:p14="http://schemas.microsoft.com/office/powerpoint/2010/main" val="2432484917"/>
       </p:ext>
     </p:extLst>
   </p:cSld>
@@ -3074,7 +3395,10 @@
           <a:bodyPr/>
           <a:lstStyle/>
           <a:p>
-            <a:endParaRPr lang="en-US" dirty="0"/>
+            <a:r>
+              <a:rPr lang="en-US" dirty="0"/>
+              <a:t>To be discussed in further session</a:t>
+            </a:r>
           </a:p>
         </p:txBody>
       </p:sp>
@@ -3104,91 +3428,7 @@
     </p:spTree>
     <p:extLst>
       <p:ext uri="{BB962C8B-B14F-4D97-AF65-F5344CB8AC3E}">
-        <p14:creationId xmlns:p14="http://schemas.microsoft.com/office/powerpoint/2010/main" val="1824914223"/>
-      </p:ext>
-    </p:extLst>
-  </p:cSld>
-  <p:clrMapOvr>
-    <a:masterClrMapping/>
-  </p:clrMapOvr>
-</p:notes>
-</file>
-
-<file path=ppt/notesSlides/notesSlide37.xml><?xml version="1.0" encoding="utf-8"?>
-<p:notes xmlns:a="http://schemas.openxmlformats.org/drawingml/2006/main" xmlns:r="http://schemas.openxmlformats.org/officeDocument/2006/relationships" xmlns:p="http://schemas.openxmlformats.org/presentationml/2006/main">
-  <p:cSld>
-    <p:spTree>
-      <p:nvGrpSpPr>
-        <p:cNvPr id="1" name=""/>
-        <p:cNvGrpSpPr/>
-        <p:nvPr/>
-      </p:nvGrpSpPr>
-      <p:grpSpPr>
-        <a:xfrm>
-          <a:off x="0" y="0"/>
-          <a:ext cx="0" cy="0"/>
-          <a:chOff x="0" y="0"/>
-          <a:chExt cx="0" cy="0"/>
-        </a:xfrm>
-      </p:grpSpPr>
-      <p:sp>
-        <p:nvSpPr>
-          <p:cNvPr id="2" name="Slide Image Placeholder 1"/>
-          <p:cNvSpPr>
-            <a:spLocks noGrp="1" noRot="1" noChangeAspect="1"/>
-          </p:cNvSpPr>
-          <p:nvPr>
-            <p:ph type="sldImg"/>
-          </p:nvPr>
-        </p:nvSpPr>
-        <p:spPr/>
-      </p:sp>
-      <p:sp>
-        <p:nvSpPr>
-          <p:cNvPr id="3" name="Notes Placeholder 2"/>
-          <p:cNvSpPr>
-            <a:spLocks noGrp="1"/>
-          </p:cNvSpPr>
-          <p:nvPr>
-            <p:ph type="body" idx="1"/>
-          </p:nvPr>
-        </p:nvSpPr>
-        <p:spPr/>
-        <p:txBody>
-          <a:bodyPr/>
-          <a:lstStyle/>
-          <a:p>
-            <a:endParaRPr lang="en-US" dirty="0"/>
-          </a:p>
-        </p:txBody>
-      </p:sp>
-      <p:sp>
-        <p:nvSpPr>
-          <p:cNvPr id="4" name="Slide Number Placeholder 3"/>
-          <p:cNvSpPr>
-            <a:spLocks noGrp="1"/>
-          </p:cNvSpPr>
-          <p:nvPr>
-            <p:ph type="sldNum" sz="quarter" idx="10"/>
-          </p:nvPr>
-        </p:nvSpPr>
-        <p:spPr/>
-        <p:txBody>
-          <a:bodyPr/>
-          <a:lstStyle/>
-          <a:p>
-            <a:fld id="{2F6F93F9-6E01-423B-ABB3-8FB3B0651941}" type="slidenum">
-              <a:rPr lang="en-US" smtClean="0"/>
-              <a:t>37</a:t>
-            </a:fld>
-            <a:endParaRPr lang="en-US"/>
-          </a:p>
-        </p:txBody>
-      </p:sp>
-    </p:spTree>
-    <p:extLst>
-      <p:ext uri="{BB962C8B-B14F-4D97-AF65-F5344CB8AC3E}">
-        <p14:creationId xmlns:p14="http://schemas.microsoft.com/office/powerpoint/2010/main" val="1096447992"/>
+        <p14:creationId xmlns:p14="http://schemas.microsoft.com/office/powerpoint/2010/main" val="1332842818"/>
       </p:ext>
     </p:extLst>
   </p:cSld>
@@ -7633,7 +7873,7 @@
         </p:nvSpPr>
         <p:spPr>
           <a:xfrm>
-            <a:off x="1275701" y="1830236"/>
+            <a:off x="1275701" y="2033436"/>
             <a:ext cx="9909364" cy="2677656"/>
           </a:xfrm>
           <a:prstGeom prst="rect">
@@ -7832,8 +8072,8 @@
         </p:nvSpPr>
         <p:spPr>
           <a:xfrm>
-            <a:off x="2513338" y="1738043"/>
-            <a:ext cx="8688062" cy="1631216"/>
+            <a:off x="2658608" y="1977060"/>
+            <a:ext cx="8126232" cy="1169551"/>
           </a:xfrm>
           <a:prstGeom prst="rect">
             <a:avLst/>
@@ -7847,71 +8087,71 @@
           <a:lstStyle/>
           <a:p>
             <a:r>
-              <a:rPr lang="en-US" sz="5000" b="1" dirty="0">
+              <a:rPr lang="en-US" sz="3500" b="1" dirty="0">
                 <a:solidFill>
                   <a:schemeClr val="accent1"/>
                 </a:solidFill>
                 <a:latin typeface="Cambria" panose="02040503050406030204" pitchFamily="18" charset="0"/>
               </a:rPr>
-              <a:t>QUICK TOUR OF SOME AI</a:t>
-            </a:r>
-          </a:p>
-          <a:p>
-            <a:r>
-              <a:rPr lang="en-US" sz="5000" b="1" dirty="0">
+              <a:t>EXAMPLES OF AI APPLICATIONS </a:t>
+            </a:r>
+          </a:p>
+          <a:p>
+            <a:r>
+              <a:rPr lang="en-US" sz="3500" b="1" dirty="0">
                 <a:solidFill>
                   <a:schemeClr val="accent1"/>
                 </a:solidFill>
                 <a:latin typeface="Cambria" panose="02040503050406030204" pitchFamily="18" charset="0"/>
               </a:rPr>
-              <a:t>APPLICATIONS IN AFRICA</a:t>
-            </a:r>
-          </a:p>
-        </p:txBody>
-      </p:sp>
-      <p:cxnSp>
-        <p:nvCxnSpPr>
-          <p:cNvPr id="5" name="Straight Connector 4">
+              <a:t>IN AFRICA?</a:t>
+            </a:r>
+          </a:p>
+        </p:txBody>
+      </p:sp>
+      <p:pic>
+        <p:nvPicPr>
+          <p:cNvPr id="4" name="Graphic 3" descr="Thought bubble">
             <a:extLst>
               <a:ext uri="{FF2B5EF4-FFF2-40B4-BE49-F238E27FC236}">
-                <a16:creationId xmlns:a16="http://schemas.microsoft.com/office/drawing/2014/main" id="{2571E43F-CCA3-BB47-A7AF-81B47EA888E0}"/>
+                <a16:creationId xmlns:a16="http://schemas.microsoft.com/office/drawing/2014/main" id="{1C8CFF4D-0941-6D4D-8415-1FE82F60C1E0}"/>
               </a:ext>
             </a:extLst>
           </p:cNvPr>
-          <p:cNvCxnSpPr>
-            <a:cxnSpLocks/>
-          </p:cNvCxnSpPr>
+          <p:cNvPicPr>
+            <a:picLocks noChangeAspect="1"/>
+          </p:cNvPicPr>
           <p:nvPr/>
-        </p:nvCxnSpPr>
-        <p:spPr>
-          <a:xfrm>
-            <a:off x="2300750" y="1879133"/>
-            <a:ext cx="0" cy="1283167"/>
-          </a:xfrm>
-          <a:prstGeom prst="line">
+        </p:nvPicPr>
+        <p:blipFill>
+          <a:blip r:embed="rId3">
+            <a:extLst>
+              <a:ext uri="{28A0092B-C50C-407E-A947-70E740481C1C}">
+                <a14:useLocalDpi xmlns:a14="http://schemas.microsoft.com/office/drawing/2010/main" val="0"/>
+              </a:ext>
+              <a:ext uri="{96DAC541-7B7A-43D3-8B79-37D633B846F1}">
+                <asvg:svgBlip xmlns:asvg="http://schemas.microsoft.com/office/drawing/2016/SVG/main" r:embed="rId4"/>
+              </a:ext>
+            </a:extLst>
+          </a:blip>
+          <a:stretch>
+            <a:fillRect/>
+          </a:stretch>
+        </p:blipFill>
+        <p:spPr>
+          <a:xfrm>
+            <a:off x="10234569" y="0"/>
+            <a:ext cx="1686187" cy="1686187"/>
+          </a:xfrm>
+          <a:prstGeom prst="rect">
             <a:avLst/>
           </a:prstGeom>
-          <a:ln w="38100"/>
-        </p:spPr>
-        <p:style>
-          <a:lnRef idx="1">
-            <a:schemeClr val="accent1"/>
-          </a:lnRef>
-          <a:fillRef idx="0">
-            <a:schemeClr val="accent1"/>
-          </a:fillRef>
-          <a:effectRef idx="0">
-            <a:schemeClr val="accent1"/>
-          </a:effectRef>
-          <a:fontRef idx="minor">
-            <a:schemeClr val="tx1"/>
-          </a:fontRef>
-        </p:style>
-      </p:cxnSp>
+        </p:spPr>
+      </p:pic>
     </p:spTree>
     <p:extLst>
       <p:ext uri="{BB962C8B-B14F-4D97-AF65-F5344CB8AC3E}">
-        <p14:creationId xmlns:p14="http://schemas.microsoft.com/office/powerpoint/2010/main" val="2881232510"/>
+        <p14:creationId xmlns:p14="http://schemas.microsoft.com/office/powerpoint/2010/main" val="449345599"/>
       </p:ext>
     </p:extLst>
   </p:cSld>
@@ -7979,86 +8219,8 @@
                 </a:solidFill>
                 <a:latin typeface="Cambria" panose="02040503050406030204" pitchFamily="18" charset="0"/>
               </a:rPr>
-              <a:t>TO BE DEFINED</a:t>
-            </a:r>
-          </a:p>
-        </p:txBody>
-      </p:sp>
-      <p:sp>
-        <p:nvSpPr>
-          <p:cNvPr id="6" name="TextBox 5">
-            <a:extLst>
-              <a:ext uri="{FF2B5EF4-FFF2-40B4-BE49-F238E27FC236}">
-                <a16:creationId xmlns:a16="http://schemas.microsoft.com/office/drawing/2014/main" id="{736F8010-8014-4347-83CB-7A1060DF2BD5}"/>
-              </a:ext>
-            </a:extLst>
-          </p:cNvPr>
-          <p:cNvSpPr txBox="1"/>
-          <p:nvPr/>
-        </p:nvSpPr>
-        <p:spPr>
-          <a:xfrm>
-            <a:off x="1275701" y="1830236"/>
-            <a:ext cx="9909364" cy="1569660"/>
-          </a:xfrm>
-          <a:prstGeom prst="rect">
-            <a:avLst/>
-          </a:prstGeom>
-          <a:noFill/>
-        </p:spPr>
-        <p:txBody>
-          <a:bodyPr wrap="square" rtlCol="0">
-            <a:spAutoFit/>
-          </a:bodyPr>
-          <a:lstStyle/>
-          <a:p>
-            <a:pPr marL="342900" indent="-342900">
-              <a:buFont typeface="Arial"/>
-              <a:buChar char="•"/>
-            </a:pPr>
-            <a:r>
-              <a:rPr lang="en-US" sz="2400" b="1" dirty="0">
-                <a:solidFill>
-                  <a:schemeClr val="accent1"/>
-                </a:solidFill>
-                <a:latin typeface="Cambria" panose="02040503050406030204" pitchFamily="18" charset="0"/>
-              </a:rPr>
-              <a:t>…</a:t>
-            </a:r>
-            <a:br>
-              <a:rPr lang="en-US" sz="2400" b="1" dirty="0">
-                <a:solidFill>
-                  <a:schemeClr val="accent1"/>
-                </a:solidFill>
-                <a:latin typeface="Cambria" panose="02040503050406030204" pitchFamily="18" charset="0"/>
-              </a:rPr>
-            </a:br>
-            <a:endParaRPr lang="en-US" sz="2400" b="1" dirty="0">
-              <a:solidFill>
-                <a:schemeClr val="accent1"/>
-              </a:solidFill>
-              <a:latin typeface="Cambria" panose="02040503050406030204" pitchFamily="18" charset="0"/>
-            </a:endParaRPr>
-          </a:p>
-          <a:p>
-            <a:pPr marL="342900" indent="-342900">
-              <a:buFont typeface="Arial"/>
-              <a:buChar char="•"/>
-            </a:pPr>
-            <a:br>
-              <a:rPr lang="en-US" sz="2400" dirty="0">
-                <a:solidFill>
-                  <a:schemeClr val="accent1"/>
-                </a:solidFill>
-                <a:latin typeface="Cambria" panose="02040503050406030204" pitchFamily="18" charset="0"/>
-              </a:rPr>
-            </a:br>
-            <a:endParaRPr lang="en-US" sz="2400" dirty="0">
-              <a:solidFill>
-                <a:schemeClr val="accent1"/>
-              </a:solidFill>
-              <a:latin typeface="Cambria" panose="02040503050406030204" pitchFamily="18" charset="0"/>
-            </a:endParaRPr>
+              <a:t>BY SECTORS</a:t>
+            </a:r>
           </a:p>
         </p:txBody>
       </p:sp>
@@ -8077,9 +8239,9 @@
           <p:nvPr/>
         </p:nvCxnSpPr>
         <p:spPr>
-          <a:xfrm>
-            <a:off x="1378101" y="1753299"/>
-            <a:ext cx="3925419" cy="0"/>
+          <a:xfrm flipV="1">
+            <a:off x="1378101" y="1669049"/>
+            <a:ext cx="8477099" cy="84250"/>
           </a:xfrm>
           <a:prstGeom prst="line">
             <a:avLst/>
@@ -8101,6 +8263,240 @@
           </a:fontRef>
         </p:style>
       </p:cxnSp>
+      <p:sp>
+        <p:nvSpPr>
+          <p:cNvPr id="7" name="TextBox 6">
+            <a:extLst>
+              <a:ext uri="{FF2B5EF4-FFF2-40B4-BE49-F238E27FC236}">
+                <a16:creationId xmlns:a16="http://schemas.microsoft.com/office/drawing/2014/main" id="{287EA252-8E65-534C-BE07-A8BC021CA767}"/>
+              </a:ext>
+            </a:extLst>
+          </p:cNvPr>
+          <p:cNvSpPr txBox="1"/>
+          <p:nvPr/>
+        </p:nvSpPr>
+        <p:spPr>
+          <a:xfrm>
+            <a:off x="1266717" y="1995336"/>
+            <a:ext cx="9909364" cy="4524315"/>
+          </a:xfrm>
+          <a:prstGeom prst="rect">
+            <a:avLst/>
+          </a:prstGeom>
+          <a:noFill/>
+        </p:spPr>
+        <p:txBody>
+          <a:bodyPr wrap="square" rtlCol="0">
+            <a:spAutoFit/>
+          </a:bodyPr>
+          <a:lstStyle/>
+          <a:p>
+            <a:pPr marL="342900" indent="-342900">
+              <a:buFont typeface="Arial"/>
+              <a:buChar char="•"/>
+            </a:pPr>
+            <a:r>
+              <a:rPr lang="en-US" sz="2400" b="1" dirty="0">
+                <a:solidFill>
+                  <a:schemeClr val="accent1"/>
+                </a:solidFill>
+                <a:latin typeface="Cambria" panose="02040503050406030204" pitchFamily="18" charset="0"/>
+              </a:rPr>
+              <a:t>BANKING: M-</a:t>
+            </a:r>
+            <a:r>
+              <a:rPr lang="en-US" sz="2400" b="1" dirty="0" err="1">
+                <a:solidFill>
+                  <a:schemeClr val="accent1"/>
+                </a:solidFill>
+                <a:latin typeface="Cambria" panose="02040503050406030204" pitchFamily="18" charset="0"/>
+              </a:rPr>
+              <a:t>Pesa</a:t>
+            </a:r>
+            <a:r>
+              <a:rPr lang="en-US" sz="2400" b="1" dirty="0">
+                <a:solidFill>
+                  <a:schemeClr val="accent1"/>
+                </a:solidFill>
+                <a:latin typeface="Cambria" panose="02040503050406030204" pitchFamily="18" charset="0"/>
+              </a:rPr>
+              <a:t> (Kenya, Tanzania, SA), </a:t>
+            </a:r>
+          </a:p>
+          <a:p>
+            <a:pPr marL="342900" indent="-342900">
+              <a:buFont typeface="Arial"/>
+              <a:buChar char="•"/>
+            </a:pPr>
+            <a:endParaRPr lang="en-US" sz="2400" b="1" dirty="0">
+              <a:solidFill>
+                <a:schemeClr val="accent1"/>
+              </a:solidFill>
+              <a:latin typeface="Cambria" panose="02040503050406030204" pitchFamily="18" charset="0"/>
+            </a:endParaRPr>
+          </a:p>
+          <a:p>
+            <a:pPr marL="342900" indent="-342900">
+              <a:buFont typeface="Arial"/>
+              <a:buChar char="•"/>
+            </a:pPr>
+            <a:r>
+              <a:rPr lang="en-US" sz="2400" b="1" dirty="0">
+                <a:solidFill>
+                  <a:schemeClr val="accent1"/>
+                </a:solidFill>
+                <a:latin typeface="Cambria" panose="02040503050406030204" pitchFamily="18" charset="0"/>
+              </a:rPr>
+              <a:t>LOGISTICS: Zipline (Rwanda, Tanzania, Ghana)</a:t>
+            </a:r>
+            <a:br>
+              <a:rPr lang="en-US" sz="2400" b="1" dirty="0">
+                <a:solidFill>
+                  <a:schemeClr val="accent1"/>
+                </a:solidFill>
+                <a:latin typeface="Cambria" panose="02040503050406030204" pitchFamily="18" charset="0"/>
+              </a:rPr>
+            </a:br>
+            <a:endParaRPr lang="en-US" sz="2400" b="1" dirty="0">
+              <a:solidFill>
+                <a:schemeClr val="accent1"/>
+              </a:solidFill>
+              <a:latin typeface="Cambria" panose="02040503050406030204" pitchFamily="18" charset="0"/>
+            </a:endParaRPr>
+          </a:p>
+          <a:p>
+            <a:pPr marL="342900" indent="-342900">
+              <a:buFont typeface="Arial"/>
+              <a:buChar char="•"/>
+            </a:pPr>
+            <a:r>
+              <a:rPr lang="en-US" sz="2400" b="1" dirty="0">
+                <a:solidFill>
+                  <a:schemeClr val="accent1"/>
+                </a:solidFill>
+                <a:latin typeface="Cambria" panose="02040503050406030204" pitchFamily="18" charset="0"/>
+              </a:rPr>
+              <a:t>AGRICULTURE: Traceability, </a:t>
+            </a:r>
+            <a:r>
+              <a:rPr lang="en-US" sz="2400" b="1" dirty="0" err="1">
+                <a:solidFill>
+                  <a:schemeClr val="accent1"/>
+                </a:solidFill>
+                <a:latin typeface="Cambria" panose="02040503050406030204" pitchFamily="18" charset="0"/>
+              </a:rPr>
+              <a:t>Twiga</a:t>
+            </a:r>
+            <a:r>
+              <a:rPr lang="en-US" sz="2400" b="1" dirty="0">
+                <a:solidFill>
+                  <a:schemeClr val="accent1"/>
+                </a:solidFill>
+                <a:latin typeface="Cambria" panose="02040503050406030204" pitchFamily="18" charset="0"/>
+              </a:rPr>
+              <a:t>, </a:t>
+            </a:r>
+            <a:r>
+              <a:rPr lang="en-US" sz="2400" b="1" dirty="0" err="1">
+                <a:solidFill>
+                  <a:schemeClr val="accent1"/>
+                </a:solidFill>
+                <a:latin typeface="Cambria" panose="02040503050406030204" pitchFamily="18" charset="0"/>
+              </a:rPr>
+              <a:t>Aerobotics</a:t>
+            </a:r>
+            <a:r>
+              <a:rPr lang="en-US" sz="2400" b="1" dirty="0">
+                <a:solidFill>
+                  <a:schemeClr val="accent1"/>
+                </a:solidFill>
+                <a:latin typeface="Cambria" panose="02040503050406030204" pitchFamily="18" charset="0"/>
+              </a:rPr>
+              <a:t> (SA, Malawi, Zimbabwe),  …</a:t>
+            </a:r>
+            <a:br>
+              <a:rPr lang="en-US" sz="2400" b="1" dirty="0">
+                <a:solidFill>
+                  <a:schemeClr val="accent1"/>
+                </a:solidFill>
+                <a:latin typeface="Cambria" panose="02040503050406030204" pitchFamily="18" charset="0"/>
+              </a:rPr>
+            </a:br>
+            <a:endParaRPr lang="en-US" sz="2400" b="1" dirty="0">
+              <a:solidFill>
+                <a:schemeClr val="accent1"/>
+              </a:solidFill>
+              <a:latin typeface="Cambria" panose="02040503050406030204" pitchFamily="18" charset="0"/>
+            </a:endParaRPr>
+          </a:p>
+          <a:p>
+            <a:pPr marL="342900" indent="-342900">
+              <a:buFont typeface="Arial"/>
+              <a:buChar char="•"/>
+            </a:pPr>
+            <a:r>
+              <a:rPr lang="en-US" sz="2400" b="1" dirty="0">
+                <a:solidFill>
+                  <a:schemeClr val="accent1"/>
+                </a:solidFill>
+                <a:latin typeface="Cambria" panose="02040503050406030204" pitchFamily="18" charset="0"/>
+              </a:rPr>
+              <a:t>HEALTH: Sophia Genetics (Morocco, Cameroon)</a:t>
+            </a:r>
+            <a:br>
+              <a:rPr lang="en-US" sz="2400" b="1" dirty="0">
+                <a:solidFill>
+                  <a:schemeClr val="accent1"/>
+                </a:solidFill>
+                <a:latin typeface="Cambria" panose="02040503050406030204" pitchFamily="18" charset="0"/>
+              </a:rPr>
+            </a:br>
+            <a:endParaRPr lang="en-US" sz="2400" b="1" dirty="0">
+              <a:solidFill>
+                <a:schemeClr val="accent1"/>
+              </a:solidFill>
+              <a:latin typeface="Cambria" panose="02040503050406030204" pitchFamily="18" charset="0"/>
+            </a:endParaRPr>
+          </a:p>
+          <a:p>
+            <a:pPr marL="342900" indent="-342900">
+              <a:buFont typeface="Arial"/>
+              <a:buChar char="•"/>
+            </a:pPr>
+            <a:r>
+              <a:rPr lang="en-US" sz="2400" b="1" dirty="0">
+                <a:solidFill>
+                  <a:schemeClr val="accent1"/>
+                </a:solidFill>
+                <a:latin typeface="Cambria" panose="02040503050406030204" pitchFamily="18" charset="0"/>
+              </a:rPr>
+              <a:t>…</a:t>
+            </a:r>
+            <a:br>
+              <a:rPr lang="en-US" sz="2400" b="1" dirty="0">
+                <a:solidFill>
+                  <a:schemeClr val="accent1"/>
+                </a:solidFill>
+                <a:latin typeface="Cambria" panose="02040503050406030204" pitchFamily="18" charset="0"/>
+              </a:rPr>
+            </a:br>
+            <a:br>
+              <a:rPr lang="en-US" sz="2400" dirty="0">
+                <a:solidFill>
+                  <a:schemeClr val="accent1"/>
+                </a:solidFill>
+                <a:latin typeface="Cambria" panose="02040503050406030204" pitchFamily="18" charset="0"/>
+              </a:rPr>
+            </a:br>
+            <a:endParaRPr lang="en-US" sz="2400" dirty="0">
+              <a:solidFill>
+                <a:schemeClr val="accent1"/>
+              </a:solidFill>
+              <a:latin typeface="Cambria" panose="02040503050406030204" pitchFamily="18" charset="0"/>
+            </a:endParaRPr>
+          </a:p>
+        </p:txBody>
+      </p:sp>
     </p:spTree>
     <p:extLst>
       <p:ext uri="{BB962C8B-B14F-4D97-AF65-F5344CB8AC3E}">
@@ -8145,14 +8541,14 @@
       </p:grpSpPr>
       <p:sp>
         <p:nvSpPr>
-          <p:cNvPr id="8" name="TextBox 7"/>
+          <p:cNvPr id="3" name="TextBox 2"/>
           <p:cNvSpPr txBox="1"/>
           <p:nvPr/>
         </p:nvSpPr>
         <p:spPr>
           <a:xfrm>
-            <a:off x="1271768" y="1115051"/>
-            <a:ext cx="9196386" cy="553998"/>
+            <a:off x="2513338" y="1738043"/>
+            <a:ext cx="8688062" cy="1631216"/>
           </a:xfrm>
           <a:prstGeom prst="rect">
             <a:avLst/>
@@ -8166,117 +8562,14 @@
           <a:lstStyle/>
           <a:p>
             <a:r>
-              <a:rPr lang="en-US" sz="3000" b="1" dirty="0">
+              <a:rPr lang="en-US" sz="5000" b="1" dirty="0">
                 <a:solidFill>
                   <a:schemeClr val="accent1"/>
                 </a:solidFill>
                 <a:latin typeface="Cambria" panose="02040503050406030204" pitchFamily="18" charset="0"/>
               </a:rPr>
-              <a:t>THE HUMAN-LEVEL PERFORMANCE BENCHMARK</a:t>
-            </a:r>
-          </a:p>
-        </p:txBody>
-      </p:sp>
-      <p:sp>
-        <p:nvSpPr>
-          <p:cNvPr id="4" name="TextBox 3">
-            <a:extLst>
-              <a:ext uri="{FF2B5EF4-FFF2-40B4-BE49-F238E27FC236}">
-                <a16:creationId xmlns:a16="http://schemas.microsoft.com/office/drawing/2014/main" id="{BFA4EAD2-645E-0C44-9E2A-41854CF0875D}"/>
-              </a:ext>
-            </a:extLst>
-          </p:cNvPr>
-          <p:cNvSpPr txBox="1"/>
-          <p:nvPr/>
-        </p:nvSpPr>
-        <p:spPr>
-          <a:xfrm>
-            <a:off x="1271768" y="2066456"/>
-            <a:ext cx="9909364" cy="2308324"/>
-          </a:xfrm>
-          <a:prstGeom prst="rect">
-            <a:avLst/>
-          </a:prstGeom>
-          <a:noFill/>
-        </p:spPr>
-        <p:txBody>
-          <a:bodyPr wrap="square" rtlCol="0">
-            <a:spAutoFit/>
-          </a:bodyPr>
-          <a:lstStyle/>
-          <a:p>
-            <a:pPr marL="342900" indent="-342900">
-              <a:buFont typeface="Arial"/>
-              <a:buChar char="•"/>
-            </a:pPr>
-            <a:r>
-              <a:rPr lang="en-US" sz="2400" b="1" dirty="0">
-                <a:solidFill>
-                  <a:schemeClr val="accent1"/>
-                </a:solidFill>
-                <a:latin typeface="Cambria" panose="02040503050406030204" pitchFamily="18" charset="0"/>
-              </a:rPr>
-              <a:t>WHERE AI BEATS HUMAN</a:t>
-            </a:r>
-            <a:br>
-              <a:rPr lang="en-US" sz="2400" b="1" dirty="0">
-                <a:solidFill>
-                  <a:schemeClr val="accent1"/>
-                </a:solidFill>
-                <a:latin typeface="Cambria" panose="02040503050406030204" pitchFamily="18" charset="0"/>
-              </a:rPr>
-            </a:br>
-            <a:br>
-              <a:rPr lang="en-US" sz="2400" b="1" dirty="0">
-                <a:solidFill>
-                  <a:schemeClr val="accent1"/>
-                </a:solidFill>
-                <a:latin typeface="Cambria" panose="02040503050406030204" pitchFamily="18" charset="0"/>
-              </a:rPr>
-            </a:br>
-            <a:endParaRPr lang="en-US" sz="2400" b="1" dirty="0">
-              <a:solidFill>
-                <a:schemeClr val="accent1"/>
-              </a:solidFill>
-              <a:latin typeface="Cambria" panose="02040503050406030204" pitchFamily="18" charset="0"/>
-            </a:endParaRPr>
-          </a:p>
-          <a:p>
-            <a:pPr marL="342900" indent="-342900">
-              <a:buFont typeface="Arial"/>
-              <a:buChar char="•"/>
-            </a:pPr>
-            <a:r>
-              <a:rPr lang="en-US" sz="2400" b="1" dirty="0">
-                <a:solidFill>
-                  <a:schemeClr val="accent1"/>
-                </a:solidFill>
-                <a:latin typeface="Cambria" panose="02040503050406030204" pitchFamily="18" charset="0"/>
-              </a:rPr>
-              <a:t>ARTIFICIAL GENERAL INTELLIGENCE vs. NARROW AI</a:t>
-            </a:r>
-            <a:br>
-              <a:rPr lang="en-US" sz="2400" b="1" dirty="0">
-                <a:solidFill>
-                  <a:schemeClr val="accent1"/>
-                </a:solidFill>
-                <a:latin typeface="Cambria" panose="02040503050406030204" pitchFamily="18" charset="0"/>
-              </a:rPr>
-            </a:br>
-            <a:br>
-              <a:rPr lang="en-US" sz="2400" dirty="0">
-                <a:solidFill>
-                  <a:schemeClr val="accent1"/>
-                </a:solidFill>
-                <a:latin typeface="Cambria" panose="02040503050406030204" pitchFamily="18" charset="0"/>
-              </a:rPr>
-            </a:br>
-            <a:endParaRPr lang="en-US" sz="2400" dirty="0">
-              <a:solidFill>
-                <a:schemeClr val="accent1"/>
-              </a:solidFill>
-              <a:latin typeface="Cambria" panose="02040503050406030204" pitchFamily="18" charset="0"/>
-            </a:endParaRPr>
+              <a:t>AI NUTS AND BOLTS DEMYSTIFIED</a:t>
+            </a:r>
           </a:p>
         </p:txBody>
       </p:sp>
@@ -8285,7 +8578,7 @@
           <p:cNvPr id="5" name="Straight Connector 4">
             <a:extLst>
               <a:ext uri="{FF2B5EF4-FFF2-40B4-BE49-F238E27FC236}">
-                <a16:creationId xmlns:a16="http://schemas.microsoft.com/office/drawing/2014/main" id="{EB94238D-9A8E-2545-8576-727F79E7D6D2}"/>
+                <a16:creationId xmlns:a16="http://schemas.microsoft.com/office/drawing/2014/main" id="{2571E43F-CCA3-BB47-A7AF-81B47EA888E0}"/>
               </a:ext>
             </a:extLst>
           </p:cNvPr>
@@ -8296,13 +8589,13 @@
         </p:nvCxnSpPr>
         <p:spPr>
           <a:xfrm>
-            <a:off x="1378101" y="1753299"/>
-            <a:ext cx="8535519" cy="0"/>
+            <a:off x="2300750" y="1879133"/>
+            <a:ext cx="0" cy="1298407"/>
           </a:xfrm>
           <a:prstGeom prst="line">
             <a:avLst/>
           </a:prstGeom>
-          <a:ln w="12700"/>
+          <a:ln w="38100"/>
         </p:spPr>
         <p:style>
           <a:lnRef idx="1">
@@ -8322,7 +8615,7 @@
     </p:spTree>
     <p:extLst>
       <p:ext uri="{BB962C8B-B14F-4D97-AF65-F5344CB8AC3E}">
-        <p14:creationId xmlns:p14="http://schemas.microsoft.com/office/powerpoint/2010/main" val="2141268896"/>
+        <p14:creationId xmlns:p14="http://schemas.microsoft.com/office/powerpoint/2010/main" val="1202168519"/>
       </p:ext>
     </p:extLst>
   </p:cSld>
@@ -8369,8 +8662,8 @@
         </p:nvSpPr>
         <p:spPr>
           <a:xfrm>
-            <a:off x="2513338" y="1738043"/>
-            <a:ext cx="8688062" cy="861774"/>
+            <a:off x="2666228" y="2563800"/>
+            <a:ext cx="8126232" cy="1169551"/>
           </a:xfrm>
           <a:prstGeom prst="rect">
             <a:avLst/>
@@ -8384,60 +8677,60 @@
           <a:lstStyle/>
           <a:p>
             <a:r>
-              <a:rPr lang="en-US" sz="5000" b="1" dirty="0">
+              <a:rPr lang="en-US" sz="3500" b="1" dirty="0">
                 <a:solidFill>
                   <a:schemeClr val="accent1"/>
                 </a:solidFill>
                 <a:latin typeface="Cambria" panose="02040503050406030204" pitchFamily="18" charset="0"/>
               </a:rPr>
-              <a:t>DEPLOYING AI AT THE EDGE</a:t>
-            </a:r>
-          </a:p>
-        </p:txBody>
-      </p:sp>
-      <p:cxnSp>
-        <p:nvCxnSpPr>
-          <p:cNvPr id="5" name="Straight Connector 4">
+              <a:t>AI &amp; DEEP LEARNING IS MIMICING WORKING OF THE HUMAN BRAIN!</a:t>
+            </a:r>
+          </a:p>
+        </p:txBody>
+      </p:sp>
+      <p:pic>
+        <p:nvPicPr>
+          <p:cNvPr id="4" name="Graphic 3" descr="Thought bubble">
             <a:extLst>
               <a:ext uri="{FF2B5EF4-FFF2-40B4-BE49-F238E27FC236}">
-                <a16:creationId xmlns:a16="http://schemas.microsoft.com/office/drawing/2014/main" id="{2571E43F-CCA3-BB47-A7AF-81B47EA888E0}"/>
+                <a16:creationId xmlns:a16="http://schemas.microsoft.com/office/drawing/2014/main" id="{1C8CFF4D-0941-6D4D-8415-1FE82F60C1E0}"/>
               </a:ext>
             </a:extLst>
           </p:cNvPr>
-          <p:cNvCxnSpPr>
-            <a:cxnSpLocks/>
-          </p:cNvCxnSpPr>
+          <p:cNvPicPr>
+            <a:picLocks noChangeAspect="1"/>
+          </p:cNvPicPr>
           <p:nvPr/>
-        </p:nvCxnSpPr>
-        <p:spPr>
-          <a:xfrm>
-            <a:off x="2300750" y="1879133"/>
-            <a:ext cx="0" cy="597367"/>
-          </a:xfrm>
-          <a:prstGeom prst="line">
+        </p:nvPicPr>
+        <p:blipFill>
+          <a:blip r:embed="rId3">
+            <a:extLst>
+              <a:ext uri="{28A0092B-C50C-407E-A947-70E740481C1C}">
+                <a14:useLocalDpi xmlns:a14="http://schemas.microsoft.com/office/drawing/2010/main" val="0"/>
+              </a:ext>
+              <a:ext uri="{96DAC541-7B7A-43D3-8B79-37D633B846F1}">
+                <asvg:svgBlip xmlns:asvg="http://schemas.microsoft.com/office/drawing/2016/SVG/main" r:embed="rId4"/>
+              </a:ext>
+            </a:extLst>
+          </a:blip>
+          <a:stretch>
+            <a:fillRect/>
+          </a:stretch>
+        </p:blipFill>
+        <p:spPr>
+          <a:xfrm>
+            <a:off x="10234569" y="0"/>
+            <a:ext cx="1686187" cy="1686187"/>
+          </a:xfrm>
+          <a:prstGeom prst="rect">
             <a:avLst/>
           </a:prstGeom>
-          <a:ln w="38100"/>
-        </p:spPr>
-        <p:style>
-          <a:lnRef idx="1">
-            <a:schemeClr val="accent1"/>
-          </a:lnRef>
-          <a:fillRef idx="0">
-            <a:schemeClr val="accent1"/>
-          </a:fillRef>
-          <a:effectRef idx="0">
-            <a:schemeClr val="accent1"/>
-          </a:effectRef>
-          <a:fontRef idx="minor">
-            <a:schemeClr val="tx1"/>
-          </a:fontRef>
-        </p:style>
-      </p:cxnSp>
+        </p:spPr>
+      </p:pic>
     </p:spTree>
     <p:extLst>
       <p:ext uri="{BB962C8B-B14F-4D97-AF65-F5344CB8AC3E}">
-        <p14:creationId xmlns:p14="http://schemas.microsoft.com/office/powerpoint/2010/main" val="1422955306"/>
+        <p14:creationId xmlns:p14="http://schemas.microsoft.com/office/powerpoint/2010/main" val="62295057"/>
       </p:ext>
     </p:extLst>
   </p:cSld>
@@ -8709,236 +9002,6 @@
       </p:grpSpPr>
       <p:sp>
         <p:nvSpPr>
-          <p:cNvPr id="3" name="TextBox 2"/>
-          <p:cNvSpPr txBox="1"/>
-          <p:nvPr/>
-        </p:nvSpPr>
-        <p:spPr>
-          <a:xfrm>
-            <a:off x="2513338" y="1738043"/>
-            <a:ext cx="8688062" cy="1631216"/>
-          </a:xfrm>
-          <a:prstGeom prst="rect">
-            <a:avLst/>
-          </a:prstGeom>
-          <a:noFill/>
-        </p:spPr>
-        <p:txBody>
-          <a:bodyPr wrap="square" rtlCol="0">
-            <a:spAutoFit/>
-          </a:bodyPr>
-          <a:lstStyle/>
-          <a:p>
-            <a:r>
-              <a:rPr lang="en-US" sz="5000" b="1" dirty="0">
-                <a:solidFill>
-                  <a:schemeClr val="accent1"/>
-                </a:solidFill>
-                <a:latin typeface="Cambria" panose="02040503050406030204" pitchFamily="18" charset="0"/>
-              </a:rPr>
-              <a:t>AI NUTS AND BOLTS DEMYSTIFIED</a:t>
-            </a:r>
-          </a:p>
-        </p:txBody>
-      </p:sp>
-      <p:cxnSp>
-        <p:nvCxnSpPr>
-          <p:cNvPr id="5" name="Straight Connector 4">
-            <a:extLst>
-              <a:ext uri="{FF2B5EF4-FFF2-40B4-BE49-F238E27FC236}">
-                <a16:creationId xmlns:a16="http://schemas.microsoft.com/office/drawing/2014/main" id="{2571E43F-CCA3-BB47-A7AF-81B47EA888E0}"/>
-              </a:ext>
-            </a:extLst>
-          </p:cNvPr>
-          <p:cNvCxnSpPr>
-            <a:cxnSpLocks/>
-          </p:cNvCxnSpPr>
-          <p:nvPr/>
-        </p:nvCxnSpPr>
-        <p:spPr>
-          <a:xfrm>
-            <a:off x="2300750" y="1879133"/>
-            <a:ext cx="0" cy="1298407"/>
-          </a:xfrm>
-          <a:prstGeom prst="line">
-            <a:avLst/>
-          </a:prstGeom>
-          <a:ln w="38100"/>
-        </p:spPr>
-        <p:style>
-          <a:lnRef idx="1">
-            <a:schemeClr val="accent1"/>
-          </a:lnRef>
-          <a:fillRef idx="0">
-            <a:schemeClr val="accent1"/>
-          </a:fillRef>
-          <a:effectRef idx="0">
-            <a:schemeClr val="accent1"/>
-          </a:effectRef>
-          <a:fontRef idx="minor">
-            <a:schemeClr val="tx1"/>
-          </a:fontRef>
-        </p:style>
-      </p:cxnSp>
-    </p:spTree>
-    <p:extLst>
-      <p:ext uri="{BB962C8B-B14F-4D97-AF65-F5344CB8AC3E}">
-        <p14:creationId xmlns:p14="http://schemas.microsoft.com/office/powerpoint/2010/main" val="1202168519"/>
-      </p:ext>
-    </p:extLst>
-  </p:cSld>
-  <p:clrMapOvr>
-    <a:masterClrMapping/>
-  </p:clrMapOvr>
-  <mc:AlternateContent xmlns:mc="http://schemas.openxmlformats.org/markup-compatibility/2006" xmlns:p14="http://schemas.microsoft.com/office/powerpoint/2010/main">
-    <mc:Choice Requires="p14">
-      <p:transition spd="med" p14:dur="700">
-        <p:fade/>
-      </p:transition>
-    </mc:Choice>
-    <mc:Fallback xmlns="">
-      <p:transition spd="med">
-        <p:fade/>
-      </p:transition>
-    </mc:Fallback>
-  </mc:AlternateContent>
-</p:sld>
-</file>
-
-<file path=ppt/slides/slide21.xml><?xml version="1.0" encoding="utf-8"?>
-<p:sld xmlns:a="http://schemas.openxmlformats.org/drawingml/2006/main" xmlns:r="http://schemas.openxmlformats.org/officeDocument/2006/relationships" xmlns:p="http://schemas.openxmlformats.org/presentationml/2006/main">
-  <p:cSld>
-    <p:spTree>
-      <p:nvGrpSpPr>
-        <p:cNvPr id="1" name=""/>
-        <p:cNvGrpSpPr/>
-        <p:nvPr/>
-      </p:nvGrpSpPr>
-      <p:grpSpPr>
-        <a:xfrm>
-          <a:off x="0" y="0"/>
-          <a:ext cx="0" cy="0"/>
-          <a:chOff x="0" y="0"/>
-          <a:chExt cx="0" cy="0"/>
-        </a:xfrm>
-      </p:grpSpPr>
-      <p:sp>
-        <p:nvSpPr>
-          <p:cNvPr id="3" name="TextBox 2"/>
-          <p:cNvSpPr txBox="1"/>
-          <p:nvPr/>
-        </p:nvSpPr>
-        <p:spPr>
-          <a:xfrm>
-            <a:off x="2666228" y="2563800"/>
-            <a:ext cx="8126232" cy="1169551"/>
-          </a:xfrm>
-          <a:prstGeom prst="rect">
-            <a:avLst/>
-          </a:prstGeom>
-          <a:noFill/>
-        </p:spPr>
-        <p:txBody>
-          <a:bodyPr wrap="square" rtlCol="0">
-            <a:spAutoFit/>
-          </a:bodyPr>
-          <a:lstStyle/>
-          <a:p>
-            <a:r>
-              <a:rPr lang="en-US" sz="3500" b="1" dirty="0">
-                <a:solidFill>
-                  <a:schemeClr val="accent1"/>
-                </a:solidFill>
-                <a:latin typeface="Cambria" panose="02040503050406030204" pitchFamily="18" charset="0"/>
-              </a:rPr>
-              <a:t>AI &amp; DEEP LEARNING IS MIMICING WORKING OF THE HUMAN BRAIN!</a:t>
-            </a:r>
-          </a:p>
-        </p:txBody>
-      </p:sp>
-      <p:pic>
-        <p:nvPicPr>
-          <p:cNvPr id="4" name="Graphic 3" descr="Thought bubble">
-            <a:extLst>
-              <a:ext uri="{FF2B5EF4-FFF2-40B4-BE49-F238E27FC236}">
-                <a16:creationId xmlns:a16="http://schemas.microsoft.com/office/drawing/2014/main" id="{1C8CFF4D-0941-6D4D-8415-1FE82F60C1E0}"/>
-              </a:ext>
-            </a:extLst>
-          </p:cNvPr>
-          <p:cNvPicPr>
-            <a:picLocks noChangeAspect="1"/>
-          </p:cNvPicPr>
-          <p:nvPr/>
-        </p:nvPicPr>
-        <p:blipFill>
-          <a:blip r:embed="rId3">
-            <a:extLst>
-              <a:ext uri="{28A0092B-C50C-407E-A947-70E740481C1C}">
-                <a14:useLocalDpi xmlns:a14="http://schemas.microsoft.com/office/drawing/2010/main" val="0"/>
-              </a:ext>
-              <a:ext uri="{96DAC541-7B7A-43D3-8B79-37D633B846F1}">
-                <asvg:svgBlip xmlns:asvg="http://schemas.microsoft.com/office/drawing/2016/SVG/main" r:embed="rId4"/>
-              </a:ext>
-            </a:extLst>
-          </a:blip>
-          <a:stretch>
-            <a:fillRect/>
-          </a:stretch>
-        </p:blipFill>
-        <p:spPr>
-          <a:xfrm>
-            <a:off x="10234569" y="0"/>
-            <a:ext cx="1686187" cy="1686187"/>
-          </a:xfrm>
-          <a:prstGeom prst="rect">
-            <a:avLst/>
-          </a:prstGeom>
-        </p:spPr>
-      </p:pic>
-    </p:spTree>
-    <p:extLst>
-      <p:ext uri="{BB962C8B-B14F-4D97-AF65-F5344CB8AC3E}">
-        <p14:creationId xmlns:p14="http://schemas.microsoft.com/office/powerpoint/2010/main" val="62295057"/>
-      </p:ext>
-    </p:extLst>
-  </p:cSld>
-  <p:clrMapOvr>
-    <a:masterClrMapping/>
-  </p:clrMapOvr>
-  <mc:AlternateContent xmlns:mc="http://schemas.openxmlformats.org/markup-compatibility/2006" xmlns:p14="http://schemas.microsoft.com/office/powerpoint/2010/main">
-    <mc:Choice Requires="p14">
-      <p:transition spd="med" p14:dur="700">
-        <p:fade/>
-      </p:transition>
-    </mc:Choice>
-    <mc:Fallback xmlns="">
-      <p:transition spd="med">
-        <p:fade/>
-      </p:transition>
-    </mc:Fallback>
-  </mc:AlternateContent>
-</p:sld>
-</file>
-
-<file path=ppt/slides/slide22.xml><?xml version="1.0" encoding="utf-8"?>
-<p:sld xmlns:a="http://schemas.openxmlformats.org/drawingml/2006/main" xmlns:r="http://schemas.openxmlformats.org/officeDocument/2006/relationships" xmlns:p="http://schemas.openxmlformats.org/presentationml/2006/main">
-  <p:cSld>
-    <p:spTree>
-      <p:nvGrpSpPr>
-        <p:cNvPr id="1" name=""/>
-        <p:cNvGrpSpPr/>
-        <p:nvPr/>
-      </p:nvGrpSpPr>
-      <p:grpSpPr>
-        <a:xfrm>
-          <a:off x="0" y="0"/>
-          <a:ext cx="0" cy="0"/>
-          <a:chOff x="0" y="0"/>
-          <a:chExt cx="0" cy="0"/>
-        </a:xfrm>
-      </p:grpSpPr>
-      <p:sp>
-        <p:nvSpPr>
           <p:cNvPr id="8" name="TextBox 7"/>
           <p:cNvSpPr txBox="1"/>
           <p:nvPr/>
@@ -9101,7 +9164,7 @@
 </p:sld>
 </file>
 
-<file path=ppt/slides/slide23.xml><?xml version="1.0" encoding="utf-8"?>
+<file path=ppt/slides/slide21.xml><?xml version="1.0" encoding="utf-8"?>
 <p:sld xmlns:a="http://schemas.openxmlformats.org/drawingml/2006/main" xmlns:r="http://schemas.openxmlformats.org/officeDocument/2006/relationships" xmlns:p="http://schemas.openxmlformats.org/presentationml/2006/main">
   <p:cSld>
     <p:spTree>
@@ -9282,7 +9345,7 @@
 </p:sld>
 </file>
 
-<file path=ppt/slides/slide24.xml><?xml version="1.0" encoding="utf-8"?>
+<file path=ppt/slides/slide22.xml><?xml version="1.0" encoding="utf-8"?>
 <p:sld xmlns:a="http://schemas.openxmlformats.org/drawingml/2006/main" xmlns:r="http://schemas.openxmlformats.org/officeDocument/2006/relationships" xmlns:p="http://schemas.openxmlformats.org/presentationml/2006/main">
   <p:cSld>
     <p:spTree>
@@ -9511,7 +9574,7 @@
 </p:sld>
 </file>
 
-<file path=ppt/slides/slide25.xml><?xml version="1.0" encoding="utf-8"?>
+<file path=ppt/slides/slide23.xml><?xml version="1.0" encoding="utf-8"?>
 <p:sld xmlns:a="http://schemas.openxmlformats.org/drawingml/2006/main" xmlns:r="http://schemas.openxmlformats.org/officeDocument/2006/relationships" xmlns:p="http://schemas.openxmlformats.org/presentationml/2006/main">
   <p:cSld>
     <p:spTree>
@@ -9656,7 +9719,7 @@
 </p:sld>
 </file>
 
-<file path=ppt/slides/slide26.xml><?xml version="1.0" encoding="utf-8"?>
+<file path=ppt/slides/slide24.xml><?xml version="1.0" encoding="utf-8"?>
 <p:sld xmlns:a="http://schemas.openxmlformats.org/drawingml/2006/main" xmlns:r="http://schemas.openxmlformats.org/officeDocument/2006/relationships" xmlns:p="http://schemas.openxmlformats.org/presentationml/2006/main">
   <p:cSld>
     <p:spTree>
@@ -9801,7 +9864,7 @@
 </p:sld>
 </file>
 
-<file path=ppt/slides/slide27.xml><?xml version="1.0" encoding="utf-8"?>
+<file path=ppt/slides/slide25.xml><?xml version="1.0" encoding="utf-8"?>
 <p:sld xmlns:a="http://schemas.openxmlformats.org/drawingml/2006/main" xmlns:r="http://schemas.openxmlformats.org/officeDocument/2006/relationships" xmlns:p="http://schemas.openxmlformats.org/presentationml/2006/main">
   <p:cSld>
     <p:spTree>
@@ -9946,7 +10009,7 @@
 </p:sld>
 </file>
 
-<file path=ppt/slides/slide28.xml><?xml version="1.0" encoding="utf-8"?>
+<file path=ppt/slides/slide26.xml><?xml version="1.0" encoding="utf-8"?>
 <p:sld xmlns:a="http://schemas.openxmlformats.org/drawingml/2006/main" xmlns:r="http://schemas.openxmlformats.org/officeDocument/2006/relationships" xmlns:p="http://schemas.openxmlformats.org/presentationml/2006/main">
   <p:cSld>
     <p:spTree>
@@ -10091,7 +10154,7 @@
 </p:sld>
 </file>
 
-<file path=ppt/slides/slide29.xml><?xml version="1.0" encoding="utf-8"?>
+<file path=ppt/slides/slide27.xml><?xml version="1.0" encoding="utf-8"?>
 <p:sld xmlns:a="http://schemas.openxmlformats.org/drawingml/2006/main" xmlns:r="http://schemas.openxmlformats.org/officeDocument/2006/relationships" xmlns:p="http://schemas.openxmlformats.org/presentationml/2006/main">
   <p:cSld>
     <p:spTree>
@@ -10215,6 +10278,296 @@
     <p:extLst>
       <p:ext uri="{BB962C8B-B14F-4D97-AF65-F5344CB8AC3E}">
         <p14:creationId xmlns:p14="http://schemas.microsoft.com/office/powerpoint/2010/main" val="562013117"/>
+      </p:ext>
+    </p:extLst>
+  </p:cSld>
+  <p:clrMapOvr>
+    <a:masterClrMapping/>
+  </p:clrMapOvr>
+  <mc:AlternateContent xmlns:mc="http://schemas.openxmlformats.org/markup-compatibility/2006" xmlns:p14="http://schemas.microsoft.com/office/powerpoint/2010/main">
+    <mc:Choice Requires="p14">
+      <p:transition spd="med" p14:dur="700">
+        <p:fade/>
+      </p:transition>
+    </mc:Choice>
+    <mc:Fallback xmlns="">
+      <p:transition spd="med">
+        <p:fade/>
+      </p:transition>
+    </mc:Fallback>
+  </mc:AlternateContent>
+</p:sld>
+</file>
+
+<file path=ppt/slides/slide28.xml><?xml version="1.0" encoding="utf-8"?>
+<p:sld xmlns:a="http://schemas.openxmlformats.org/drawingml/2006/main" xmlns:r="http://schemas.openxmlformats.org/officeDocument/2006/relationships" xmlns:p="http://schemas.openxmlformats.org/presentationml/2006/main">
+  <p:cSld>
+    <p:spTree>
+      <p:nvGrpSpPr>
+        <p:cNvPr id="1" name=""/>
+        <p:cNvGrpSpPr/>
+        <p:nvPr/>
+      </p:nvGrpSpPr>
+      <p:grpSpPr>
+        <a:xfrm>
+          <a:off x="0" y="0"/>
+          <a:ext cx="0" cy="0"/>
+          <a:chOff x="0" y="0"/>
+          <a:chExt cx="0" cy="0"/>
+        </a:xfrm>
+      </p:grpSpPr>
+      <p:sp>
+        <p:nvSpPr>
+          <p:cNvPr id="8" name="TextBox 7"/>
+          <p:cNvSpPr txBox="1"/>
+          <p:nvPr/>
+        </p:nvSpPr>
+        <p:spPr>
+          <a:xfrm>
+            <a:off x="1271768" y="1115051"/>
+            <a:ext cx="9196386" cy="553998"/>
+          </a:xfrm>
+          <a:prstGeom prst="rect">
+            <a:avLst/>
+          </a:prstGeom>
+          <a:noFill/>
+        </p:spPr>
+        <p:txBody>
+          <a:bodyPr wrap="square" rtlCol="0">
+            <a:spAutoFit/>
+          </a:bodyPr>
+          <a:lstStyle/>
+          <a:p>
+            <a:r>
+              <a:rPr lang="en-US" sz="3000" b="1" dirty="0">
+                <a:solidFill>
+                  <a:schemeClr val="accent1"/>
+                </a:solidFill>
+                <a:latin typeface="Cambria" panose="02040503050406030204" pitchFamily="18" charset="0"/>
+              </a:rPr>
+              <a:t>DEEP LEARNING AND CLASSIFICATION</a:t>
+            </a:r>
+          </a:p>
+        </p:txBody>
+      </p:sp>
+      <p:pic>
+        <p:nvPicPr>
+          <p:cNvPr id="4" name="Picture 3" descr="dog-vs-cat-kaggle.png">
+            <a:extLst>
+              <a:ext uri="{FF2B5EF4-FFF2-40B4-BE49-F238E27FC236}">
+                <a16:creationId xmlns:a16="http://schemas.microsoft.com/office/drawing/2014/main" id="{1F825E97-91CC-6748-957D-EC2E462E7F2E}"/>
+              </a:ext>
+            </a:extLst>
+          </p:cNvPr>
+          <p:cNvPicPr>
+            <a:picLocks noChangeAspect="1"/>
+          </p:cNvPicPr>
+          <p:nvPr/>
+        </p:nvPicPr>
+        <p:blipFill>
+          <a:blip r:embed="rId3"/>
+          <a:stretch>
+            <a:fillRect/>
+          </a:stretch>
+        </p:blipFill>
+        <p:spPr>
+          <a:xfrm>
+            <a:off x="1375954" y="2100181"/>
+            <a:ext cx="5531688" cy="3072187"/>
+          </a:xfrm>
+          <a:prstGeom prst="rect">
+            <a:avLst/>
+          </a:prstGeom>
+        </p:spPr>
+      </p:pic>
+      <p:cxnSp>
+        <p:nvCxnSpPr>
+          <p:cNvPr id="5" name="Straight Connector 4">
+            <a:extLst>
+              <a:ext uri="{FF2B5EF4-FFF2-40B4-BE49-F238E27FC236}">
+                <a16:creationId xmlns:a16="http://schemas.microsoft.com/office/drawing/2014/main" id="{E55116C4-1E79-8149-A9C5-F9D9057EA4D8}"/>
+              </a:ext>
+            </a:extLst>
+          </p:cNvPr>
+          <p:cNvCxnSpPr>
+            <a:cxnSpLocks/>
+          </p:cNvCxnSpPr>
+          <p:nvPr/>
+        </p:nvCxnSpPr>
+        <p:spPr>
+          <a:xfrm>
+            <a:off x="1378101" y="1753299"/>
+            <a:ext cx="6630519" cy="0"/>
+          </a:xfrm>
+          <a:prstGeom prst="line">
+            <a:avLst/>
+          </a:prstGeom>
+          <a:ln w="12700"/>
+        </p:spPr>
+        <p:style>
+          <a:lnRef idx="1">
+            <a:schemeClr val="accent1"/>
+          </a:lnRef>
+          <a:fillRef idx="0">
+            <a:schemeClr val="accent1"/>
+          </a:fillRef>
+          <a:effectRef idx="0">
+            <a:schemeClr val="accent1"/>
+          </a:effectRef>
+          <a:fontRef idx="minor">
+            <a:schemeClr val="tx1"/>
+          </a:fontRef>
+        </p:style>
+      </p:cxnSp>
+    </p:spTree>
+    <p:extLst>
+      <p:ext uri="{BB962C8B-B14F-4D97-AF65-F5344CB8AC3E}">
+        <p14:creationId xmlns:p14="http://schemas.microsoft.com/office/powerpoint/2010/main" val="4021484705"/>
+      </p:ext>
+    </p:extLst>
+  </p:cSld>
+  <p:clrMapOvr>
+    <a:masterClrMapping/>
+  </p:clrMapOvr>
+  <mc:AlternateContent xmlns:mc="http://schemas.openxmlformats.org/markup-compatibility/2006" xmlns:p14="http://schemas.microsoft.com/office/powerpoint/2010/main">
+    <mc:Choice Requires="p14">
+      <p:transition spd="med" p14:dur="700">
+        <p:fade/>
+      </p:transition>
+    </mc:Choice>
+    <mc:Fallback xmlns="">
+      <p:transition spd="med">
+        <p:fade/>
+      </p:transition>
+    </mc:Fallback>
+  </mc:AlternateContent>
+</p:sld>
+</file>
+
+<file path=ppt/slides/slide29.xml><?xml version="1.0" encoding="utf-8"?>
+<p:sld xmlns:a="http://schemas.openxmlformats.org/drawingml/2006/main" xmlns:r="http://schemas.openxmlformats.org/officeDocument/2006/relationships" xmlns:p="http://schemas.openxmlformats.org/presentationml/2006/main">
+  <p:cSld>
+    <p:spTree>
+      <p:nvGrpSpPr>
+        <p:cNvPr id="1" name=""/>
+        <p:cNvGrpSpPr/>
+        <p:nvPr/>
+      </p:nvGrpSpPr>
+      <p:grpSpPr>
+        <a:xfrm>
+          <a:off x="0" y="0"/>
+          <a:ext cx="0" cy="0"/>
+          <a:chOff x="0" y="0"/>
+          <a:chExt cx="0" cy="0"/>
+        </a:xfrm>
+      </p:grpSpPr>
+      <p:sp>
+        <p:nvSpPr>
+          <p:cNvPr id="8" name="TextBox 7"/>
+          <p:cNvSpPr txBox="1"/>
+          <p:nvPr/>
+        </p:nvSpPr>
+        <p:spPr>
+          <a:xfrm>
+            <a:off x="1271768" y="1115051"/>
+            <a:ext cx="9196386" cy="553998"/>
+          </a:xfrm>
+          <a:prstGeom prst="rect">
+            <a:avLst/>
+          </a:prstGeom>
+          <a:noFill/>
+        </p:spPr>
+        <p:txBody>
+          <a:bodyPr wrap="square" rtlCol="0">
+            <a:spAutoFit/>
+          </a:bodyPr>
+          <a:lstStyle/>
+          <a:p>
+            <a:r>
+              <a:rPr lang="en-US" sz="3000" b="1" dirty="0">
+                <a:solidFill>
+                  <a:schemeClr val="accent1"/>
+                </a:solidFill>
+                <a:latin typeface="Cambria" panose="02040503050406030204" pitchFamily="18" charset="0"/>
+              </a:rPr>
+              <a:t>LOGISTIC REGRESSION 1/4</a:t>
+            </a:r>
+          </a:p>
+        </p:txBody>
+      </p:sp>
+      <p:pic>
+        <p:nvPicPr>
+          <p:cNvPr id="5" name="Picture 4" descr="binary_target_linear_regression.png">
+            <a:extLst>
+              <a:ext uri="{FF2B5EF4-FFF2-40B4-BE49-F238E27FC236}">
+                <a16:creationId xmlns:a16="http://schemas.microsoft.com/office/drawing/2014/main" id="{8CA16CBE-53D1-D740-80EA-51750420B5EF}"/>
+              </a:ext>
+            </a:extLst>
+          </p:cNvPr>
+          <p:cNvPicPr>
+            <a:picLocks noChangeAspect="1"/>
+          </p:cNvPicPr>
+          <p:nvPr/>
+        </p:nvPicPr>
+        <p:blipFill>
+          <a:blip r:embed="rId3"/>
+          <a:stretch>
+            <a:fillRect/>
+          </a:stretch>
+        </p:blipFill>
+        <p:spPr>
+          <a:xfrm>
+            <a:off x="1271768" y="1854926"/>
+            <a:ext cx="5639795" cy="4197558"/>
+          </a:xfrm>
+          <a:prstGeom prst="rect">
+            <a:avLst/>
+          </a:prstGeom>
+        </p:spPr>
+      </p:pic>
+      <p:cxnSp>
+        <p:nvCxnSpPr>
+          <p:cNvPr id="4" name="Straight Connector 3">
+            <a:extLst>
+              <a:ext uri="{FF2B5EF4-FFF2-40B4-BE49-F238E27FC236}">
+                <a16:creationId xmlns:a16="http://schemas.microsoft.com/office/drawing/2014/main" id="{C664D822-CC95-9942-BCAD-7E88ECE3D7B9}"/>
+              </a:ext>
+            </a:extLst>
+          </p:cNvPr>
+          <p:cNvCxnSpPr>
+            <a:cxnSpLocks/>
+          </p:cNvCxnSpPr>
+          <p:nvPr/>
+        </p:nvCxnSpPr>
+        <p:spPr>
+          <a:xfrm>
+            <a:off x="1378101" y="1753299"/>
+            <a:ext cx="5319879" cy="0"/>
+          </a:xfrm>
+          <a:prstGeom prst="line">
+            <a:avLst/>
+          </a:prstGeom>
+          <a:ln w="12700"/>
+        </p:spPr>
+        <p:style>
+          <a:lnRef idx="1">
+            <a:schemeClr val="accent1"/>
+          </a:lnRef>
+          <a:fillRef idx="0">
+            <a:schemeClr val="accent1"/>
+          </a:fillRef>
+          <a:effectRef idx="0">
+            <a:schemeClr val="accent1"/>
+          </a:effectRef>
+          <a:fontRef idx="minor">
+            <a:schemeClr val="tx1"/>
+          </a:fontRef>
+        </p:style>
+      </p:cxnSp>
+    </p:spTree>
+    <p:extLst>
+      <p:ext uri="{BB962C8B-B14F-4D97-AF65-F5344CB8AC3E}">
+        <p14:creationId xmlns:p14="http://schemas.microsoft.com/office/powerpoint/2010/main" val="2159710305"/>
       </p:ext>
     </p:extLst>
   </p:cSld>
@@ -10431,556 +10784,6 @@
                 </a:solidFill>
                 <a:latin typeface="Cambria" panose="02040503050406030204" pitchFamily="18" charset="0"/>
               </a:rPr>
-              <a:t>QUICK ML NOMENCLATURE</a:t>
-            </a:r>
-          </a:p>
-        </p:txBody>
-      </p:sp>
-      <p:sp>
-        <p:nvSpPr>
-          <p:cNvPr id="5" name="TextBox 4">
-            <a:extLst>
-              <a:ext uri="{FF2B5EF4-FFF2-40B4-BE49-F238E27FC236}">
-                <a16:creationId xmlns:a16="http://schemas.microsoft.com/office/drawing/2014/main" id="{3390F6B0-97E9-7749-9A12-2929B02736C6}"/>
-              </a:ext>
-            </a:extLst>
-          </p:cNvPr>
-          <p:cNvSpPr txBox="1"/>
-          <p:nvPr/>
-        </p:nvSpPr>
-        <p:spPr>
-          <a:xfrm>
-            <a:off x="1275701" y="1830236"/>
-            <a:ext cx="9909364" cy="3046988"/>
-          </a:xfrm>
-          <a:prstGeom prst="rect">
-            <a:avLst/>
-          </a:prstGeom>
-          <a:noFill/>
-        </p:spPr>
-        <p:txBody>
-          <a:bodyPr wrap="square" rtlCol="0">
-            <a:spAutoFit/>
-          </a:bodyPr>
-          <a:lstStyle/>
-          <a:p>
-            <a:pPr marL="342900" indent="-342900">
-              <a:buFont typeface="Arial"/>
-              <a:buChar char="•"/>
-            </a:pPr>
-            <a:r>
-              <a:rPr lang="en-US" sz="2400" b="1" dirty="0">
-                <a:solidFill>
-                  <a:schemeClr val="accent1"/>
-                </a:solidFill>
-                <a:latin typeface="Cambria" panose="02040503050406030204" pitchFamily="18" charset="0"/>
-              </a:rPr>
-              <a:t>SUPERVISED</a:t>
-            </a:r>
-            <a:br>
-              <a:rPr lang="en-US" sz="2400" b="1" dirty="0">
-                <a:solidFill>
-                  <a:schemeClr val="accent1"/>
-                </a:solidFill>
-                <a:latin typeface="Cambria" panose="02040503050406030204" pitchFamily="18" charset="0"/>
-              </a:rPr>
-            </a:br>
-            <a:endParaRPr lang="en-US" sz="2400" b="1" dirty="0">
-              <a:solidFill>
-                <a:schemeClr val="accent1"/>
-              </a:solidFill>
-              <a:latin typeface="Cambria" panose="02040503050406030204" pitchFamily="18" charset="0"/>
-            </a:endParaRPr>
-          </a:p>
-          <a:p>
-            <a:pPr marL="342900" indent="-342900">
-              <a:buFont typeface="Arial"/>
-              <a:buChar char="•"/>
-            </a:pPr>
-            <a:r>
-              <a:rPr lang="en-US" sz="2400" b="1" dirty="0">
-                <a:solidFill>
-                  <a:schemeClr val="accent1"/>
-                </a:solidFill>
-                <a:latin typeface="Cambria" panose="02040503050406030204" pitchFamily="18" charset="0"/>
-              </a:rPr>
-              <a:t>UNSUPERVISED</a:t>
-            </a:r>
-            <a:br>
-              <a:rPr lang="en-US" sz="2400" b="1" dirty="0">
-                <a:solidFill>
-                  <a:schemeClr val="accent1"/>
-                </a:solidFill>
-                <a:latin typeface="Cambria" panose="02040503050406030204" pitchFamily="18" charset="0"/>
-              </a:rPr>
-            </a:br>
-            <a:endParaRPr lang="en-US" sz="2400" b="1" dirty="0">
-              <a:solidFill>
-                <a:schemeClr val="accent1"/>
-              </a:solidFill>
-              <a:latin typeface="Cambria" panose="02040503050406030204" pitchFamily="18" charset="0"/>
-            </a:endParaRPr>
-          </a:p>
-          <a:p>
-            <a:pPr marL="342900" indent="-342900">
-              <a:buFont typeface="Arial"/>
-              <a:buChar char="•"/>
-            </a:pPr>
-            <a:r>
-              <a:rPr lang="en-US" sz="2400" b="1" dirty="0">
-                <a:solidFill>
-                  <a:schemeClr val="accent1"/>
-                </a:solidFill>
-                <a:latin typeface="Cambria" panose="02040503050406030204" pitchFamily="18" charset="0"/>
-              </a:rPr>
-              <a:t>SEMI-SUPERVISED</a:t>
-            </a:r>
-            <a:br>
-              <a:rPr lang="en-US" sz="2400" b="1" dirty="0">
-                <a:solidFill>
-                  <a:schemeClr val="accent1"/>
-                </a:solidFill>
-                <a:latin typeface="Cambria" panose="02040503050406030204" pitchFamily="18" charset="0"/>
-              </a:rPr>
-            </a:br>
-            <a:endParaRPr lang="en-US" sz="2400" b="1" dirty="0">
-              <a:solidFill>
-                <a:schemeClr val="accent1"/>
-              </a:solidFill>
-              <a:latin typeface="Cambria" panose="02040503050406030204" pitchFamily="18" charset="0"/>
-            </a:endParaRPr>
-          </a:p>
-          <a:p>
-            <a:pPr marL="342900" indent="-342900">
-              <a:buFont typeface="Arial"/>
-              <a:buChar char="•"/>
-            </a:pPr>
-            <a:r>
-              <a:rPr lang="en-US" sz="2400" b="1" dirty="0">
-                <a:solidFill>
-                  <a:schemeClr val="accent1"/>
-                </a:solidFill>
-                <a:latin typeface="Cambria" panose="02040503050406030204" pitchFamily="18" charset="0"/>
-              </a:rPr>
-              <a:t>REINFORCEMENT LEARNING</a:t>
-            </a:r>
-            <a:br>
-              <a:rPr lang="en-US" sz="2400" dirty="0">
-                <a:solidFill>
-                  <a:schemeClr val="accent1"/>
-                </a:solidFill>
-                <a:latin typeface="Cambria" panose="02040503050406030204" pitchFamily="18" charset="0"/>
-              </a:rPr>
-            </a:br>
-            <a:endParaRPr lang="en-US" sz="2400" dirty="0">
-              <a:solidFill>
-                <a:schemeClr val="accent1"/>
-              </a:solidFill>
-              <a:latin typeface="Cambria" panose="02040503050406030204" pitchFamily="18" charset="0"/>
-            </a:endParaRPr>
-          </a:p>
-        </p:txBody>
-      </p:sp>
-      <p:cxnSp>
-        <p:nvCxnSpPr>
-          <p:cNvPr id="4" name="Straight Connector 3">
-            <a:extLst>
-              <a:ext uri="{FF2B5EF4-FFF2-40B4-BE49-F238E27FC236}">
-                <a16:creationId xmlns:a16="http://schemas.microsoft.com/office/drawing/2014/main" id="{92B15595-B45A-3E41-ABDB-470A88264D53}"/>
-              </a:ext>
-            </a:extLst>
-          </p:cNvPr>
-          <p:cNvCxnSpPr>
-            <a:cxnSpLocks/>
-          </p:cNvCxnSpPr>
-          <p:nvPr/>
-        </p:nvCxnSpPr>
-        <p:spPr>
-          <a:xfrm>
-            <a:off x="1378101" y="1753299"/>
-            <a:ext cx="4824579" cy="0"/>
-          </a:xfrm>
-          <a:prstGeom prst="line">
-            <a:avLst/>
-          </a:prstGeom>
-          <a:ln w="12700"/>
-        </p:spPr>
-        <p:style>
-          <a:lnRef idx="1">
-            <a:schemeClr val="accent1"/>
-          </a:lnRef>
-          <a:fillRef idx="0">
-            <a:schemeClr val="accent1"/>
-          </a:fillRef>
-          <a:effectRef idx="0">
-            <a:schemeClr val="accent1"/>
-          </a:effectRef>
-          <a:fontRef idx="minor">
-            <a:schemeClr val="tx1"/>
-          </a:fontRef>
-        </p:style>
-      </p:cxnSp>
-    </p:spTree>
-    <p:extLst>
-      <p:ext uri="{BB962C8B-B14F-4D97-AF65-F5344CB8AC3E}">
-        <p14:creationId xmlns:p14="http://schemas.microsoft.com/office/powerpoint/2010/main" val="2580217521"/>
-      </p:ext>
-    </p:extLst>
-  </p:cSld>
-  <p:clrMapOvr>
-    <a:masterClrMapping/>
-  </p:clrMapOvr>
-  <mc:AlternateContent xmlns:mc="http://schemas.openxmlformats.org/markup-compatibility/2006" xmlns:p14="http://schemas.microsoft.com/office/powerpoint/2010/main">
-    <mc:Choice Requires="p14">
-      <p:transition spd="med" p14:dur="700">
-        <p:fade/>
-      </p:transition>
-    </mc:Choice>
-    <mc:Fallback xmlns="">
-      <p:transition spd="med">
-        <p:fade/>
-      </p:transition>
-    </mc:Fallback>
-  </mc:AlternateContent>
-</p:sld>
-</file>
-
-<file path=ppt/slides/slide31.xml><?xml version="1.0" encoding="utf-8"?>
-<p:sld xmlns:a="http://schemas.openxmlformats.org/drawingml/2006/main" xmlns:r="http://schemas.openxmlformats.org/officeDocument/2006/relationships" xmlns:p="http://schemas.openxmlformats.org/presentationml/2006/main">
-  <p:cSld>
-    <p:spTree>
-      <p:nvGrpSpPr>
-        <p:cNvPr id="1" name=""/>
-        <p:cNvGrpSpPr/>
-        <p:nvPr/>
-      </p:nvGrpSpPr>
-      <p:grpSpPr>
-        <a:xfrm>
-          <a:off x="0" y="0"/>
-          <a:ext cx="0" cy="0"/>
-          <a:chOff x="0" y="0"/>
-          <a:chExt cx="0" cy="0"/>
-        </a:xfrm>
-      </p:grpSpPr>
-      <p:sp>
-        <p:nvSpPr>
-          <p:cNvPr id="8" name="TextBox 7"/>
-          <p:cNvSpPr txBox="1"/>
-          <p:nvPr/>
-        </p:nvSpPr>
-        <p:spPr>
-          <a:xfrm>
-            <a:off x="1271768" y="1115051"/>
-            <a:ext cx="9196386" cy="553998"/>
-          </a:xfrm>
-          <a:prstGeom prst="rect">
-            <a:avLst/>
-          </a:prstGeom>
-          <a:noFill/>
-        </p:spPr>
-        <p:txBody>
-          <a:bodyPr wrap="square" rtlCol="0">
-            <a:spAutoFit/>
-          </a:bodyPr>
-          <a:lstStyle/>
-          <a:p>
-            <a:r>
-              <a:rPr lang="en-US" sz="3000" b="1" dirty="0">
-                <a:solidFill>
-                  <a:schemeClr val="accent1"/>
-                </a:solidFill>
-                <a:latin typeface="Cambria" panose="02040503050406030204" pitchFamily="18" charset="0"/>
-              </a:rPr>
-              <a:t>DEEP LEARNING AND CLASSIFICATION</a:t>
-            </a:r>
-          </a:p>
-        </p:txBody>
-      </p:sp>
-      <p:pic>
-        <p:nvPicPr>
-          <p:cNvPr id="4" name="Picture 3" descr="dog-vs-cat-kaggle.png">
-            <a:extLst>
-              <a:ext uri="{FF2B5EF4-FFF2-40B4-BE49-F238E27FC236}">
-                <a16:creationId xmlns:a16="http://schemas.microsoft.com/office/drawing/2014/main" id="{1F825E97-91CC-6748-957D-EC2E462E7F2E}"/>
-              </a:ext>
-            </a:extLst>
-          </p:cNvPr>
-          <p:cNvPicPr>
-            <a:picLocks noChangeAspect="1"/>
-          </p:cNvPicPr>
-          <p:nvPr/>
-        </p:nvPicPr>
-        <p:blipFill>
-          <a:blip r:embed="rId3"/>
-          <a:stretch>
-            <a:fillRect/>
-          </a:stretch>
-        </p:blipFill>
-        <p:spPr>
-          <a:xfrm>
-            <a:off x="1375954" y="2100181"/>
-            <a:ext cx="5531688" cy="3072187"/>
-          </a:xfrm>
-          <a:prstGeom prst="rect">
-            <a:avLst/>
-          </a:prstGeom>
-        </p:spPr>
-      </p:pic>
-      <p:cxnSp>
-        <p:nvCxnSpPr>
-          <p:cNvPr id="5" name="Straight Connector 4">
-            <a:extLst>
-              <a:ext uri="{FF2B5EF4-FFF2-40B4-BE49-F238E27FC236}">
-                <a16:creationId xmlns:a16="http://schemas.microsoft.com/office/drawing/2014/main" id="{E55116C4-1E79-8149-A9C5-F9D9057EA4D8}"/>
-              </a:ext>
-            </a:extLst>
-          </p:cNvPr>
-          <p:cNvCxnSpPr>
-            <a:cxnSpLocks/>
-          </p:cNvCxnSpPr>
-          <p:nvPr/>
-        </p:nvCxnSpPr>
-        <p:spPr>
-          <a:xfrm>
-            <a:off x="1378101" y="1753299"/>
-            <a:ext cx="6630519" cy="0"/>
-          </a:xfrm>
-          <a:prstGeom prst="line">
-            <a:avLst/>
-          </a:prstGeom>
-          <a:ln w="12700"/>
-        </p:spPr>
-        <p:style>
-          <a:lnRef idx="1">
-            <a:schemeClr val="accent1"/>
-          </a:lnRef>
-          <a:fillRef idx="0">
-            <a:schemeClr val="accent1"/>
-          </a:fillRef>
-          <a:effectRef idx="0">
-            <a:schemeClr val="accent1"/>
-          </a:effectRef>
-          <a:fontRef idx="minor">
-            <a:schemeClr val="tx1"/>
-          </a:fontRef>
-        </p:style>
-      </p:cxnSp>
-    </p:spTree>
-    <p:extLst>
-      <p:ext uri="{BB962C8B-B14F-4D97-AF65-F5344CB8AC3E}">
-        <p14:creationId xmlns:p14="http://schemas.microsoft.com/office/powerpoint/2010/main" val="4021484705"/>
-      </p:ext>
-    </p:extLst>
-  </p:cSld>
-  <p:clrMapOvr>
-    <a:masterClrMapping/>
-  </p:clrMapOvr>
-  <mc:AlternateContent xmlns:mc="http://schemas.openxmlformats.org/markup-compatibility/2006" xmlns:p14="http://schemas.microsoft.com/office/powerpoint/2010/main">
-    <mc:Choice Requires="p14">
-      <p:transition spd="med" p14:dur="700">
-        <p:fade/>
-      </p:transition>
-    </mc:Choice>
-    <mc:Fallback xmlns="">
-      <p:transition spd="med">
-        <p:fade/>
-      </p:transition>
-    </mc:Fallback>
-  </mc:AlternateContent>
-</p:sld>
-</file>
-
-<file path=ppt/slides/slide32.xml><?xml version="1.0" encoding="utf-8"?>
-<p:sld xmlns:a="http://schemas.openxmlformats.org/drawingml/2006/main" xmlns:r="http://schemas.openxmlformats.org/officeDocument/2006/relationships" xmlns:p="http://schemas.openxmlformats.org/presentationml/2006/main">
-  <p:cSld>
-    <p:spTree>
-      <p:nvGrpSpPr>
-        <p:cNvPr id="1" name=""/>
-        <p:cNvGrpSpPr/>
-        <p:nvPr/>
-      </p:nvGrpSpPr>
-      <p:grpSpPr>
-        <a:xfrm>
-          <a:off x="0" y="0"/>
-          <a:ext cx="0" cy="0"/>
-          <a:chOff x="0" y="0"/>
-          <a:chExt cx="0" cy="0"/>
-        </a:xfrm>
-      </p:grpSpPr>
-      <p:sp>
-        <p:nvSpPr>
-          <p:cNvPr id="8" name="TextBox 7"/>
-          <p:cNvSpPr txBox="1"/>
-          <p:nvPr/>
-        </p:nvSpPr>
-        <p:spPr>
-          <a:xfrm>
-            <a:off x="1271768" y="1115051"/>
-            <a:ext cx="9196386" cy="553998"/>
-          </a:xfrm>
-          <a:prstGeom prst="rect">
-            <a:avLst/>
-          </a:prstGeom>
-          <a:noFill/>
-        </p:spPr>
-        <p:txBody>
-          <a:bodyPr wrap="square" rtlCol="0">
-            <a:spAutoFit/>
-          </a:bodyPr>
-          <a:lstStyle/>
-          <a:p>
-            <a:r>
-              <a:rPr lang="en-US" sz="3000" b="1" dirty="0">
-                <a:solidFill>
-                  <a:schemeClr val="accent1"/>
-                </a:solidFill>
-                <a:latin typeface="Cambria" panose="02040503050406030204" pitchFamily="18" charset="0"/>
-              </a:rPr>
-              <a:t>LOGISTIC REGRESSION 1/4</a:t>
-            </a:r>
-          </a:p>
-        </p:txBody>
-      </p:sp>
-      <p:pic>
-        <p:nvPicPr>
-          <p:cNvPr id="5" name="Picture 4" descr="binary_target_linear_regression.png">
-            <a:extLst>
-              <a:ext uri="{FF2B5EF4-FFF2-40B4-BE49-F238E27FC236}">
-                <a16:creationId xmlns:a16="http://schemas.microsoft.com/office/drawing/2014/main" id="{8CA16CBE-53D1-D740-80EA-51750420B5EF}"/>
-              </a:ext>
-            </a:extLst>
-          </p:cNvPr>
-          <p:cNvPicPr>
-            <a:picLocks noChangeAspect="1"/>
-          </p:cNvPicPr>
-          <p:nvPr/>
-        </p:nvPicPr>
-        <p:blipFill>
-          <a:blip r:embed="rId3"/>
-          <a:stretch>
-            <a:fillRect/>
-          </a:stretch>
-        </p:blipFill>
-        <p:spPr>
-          <a:xfrm>
-            <a:off x="1271768" y="1854926"/>
-            <a:ext cx="5639795" cy="4197558"/>
-          </a:xfrm>
-          <a:prstGeom prst="rect">
-            <a:avLst/>
-          </a:prstGeom>
-        </p:spPr>
-      </p:pic>
-      <p:cxnSp>
-        <p:nvCxnSpPr>
-          <p:cNvPr id="4" name="Straight Connector 3">
-            <a:extLst>
-              <a:ext uri="{FF2B5EF4-FFF2-40B4-BE49-F238E27FC236}">
-                <a16:creationId xmlns:a16="http://schemas.microsoft.com/office/drawing/2014/main" id="{C664D822-CC95-9942-BCAD-7E88ECE3D7B9}"/>
-              </a:ext>
-            </a:extLst>
-          </p:cNvPr>
-          <p:cNvCxnSpPr>
-            <a:cxnSpLocks/>
-          </p:cNvCxnSpPr>
-          <p:nvPr/>
-        </p:nvCxnSpPr>
-        <p:spPr>
-          <a:xfrm>
-            <a:off x="1378101" y="1753299"/>
-            <a:ext cx="5319879" cy="0"/>
-          </a:xfrm>
-          <a:prstGeom prst="line">
-            <a:avLst/>
-          </a:prstGeom>
-          <a:ln w="12700"/>
-        </p:spPr>
-        <p:style>
-          <a:lnRef idx="1">
-            <a:schemeClr val="accent1"/>
-          </a:lnRef>
-          <a:fillRef idx="0">
-            <a:schemeClr val="accent1"/>
-          </a:fillRef>
-          <a:effectRef idx="0">
-            <a:schemeClr val="accent1"/>
-          </a:effectRef>
-          <a:fontRef idx="minor">
-            <a:schemeClr val="tx1"/>
-          </a:fontRef>
-        </p:style>
-      </p:cxnSp>
-    </p:spTree>
-    <p:extLst>
-      <p:ext uri="{BB962C8B-B14F-4D97-AF65-F5344CB8AC3E}">
-        <p14:creationId xmlns:p14="http://schemas.microsoft.com/office/powerpoint/2010/main" val="2159710305"/>
-      </p:ext>
-    </p:extLst>
-  </p:cSld>
-  <p:clrMapOvr>
-    <a:masterClrMapping/>
-  </p:clrMapOvr>
-  <mc:AlternateContent xmlns:mc="http://schemas.openxmlformats.org/markup-compatibility/2006" xmlns:p14="http://schemas.microsoft.com/office/powerpoint/2010/main">
-    <mc:Choice Requires="p14">
-      <p:transition spd="med" p14:dur="700">
-        <p:fade/>
-      </p:transition>
-    </mc:Choice>
-    <mc:Fallback xmlns="">
-      <p:transition spd="med">
-        <p:fade/>
-      </p:transition>
-    </mc:Fallback>
-  </mc:AlternateContent>
-</p:sld>
-</file>
-
-<file path=ppt/slides/slide33.xml><?xml version="1.0" encoding="utf-8"?>
-<p:sld xmlns:a="http://schemas.openxmlformats.org/drawingml/2006/main" xmlns:r="http://schemas.openxmlformats.org/officeDocument/2006/relationships" xmlns:p="http://schemas.openxmlformats.org/presentationml/2006/main">
-  <p:cSld>
-    <p:spTree>
-      <p:nvGrpSpPr>
-        <p:cNvPr id="1" name=""/>
-        <p:cNvGrpSpPr/>
-        <p:nvPr/>
-      </p:nvGrpSpPr>
-      <p:grpSpPr>
-        <a:xfrm>
-          <a:off x="0" y="0"/>
-          <a:ext cx="0" cy="0"/>
-          <a:chOff x="0" y="0"/>
-          <a:chExt cx="0" cy="0"/>
-        </a:xfrm>
-      </p:grpSpPr>
-      <p:sp>
-        <p:nvSpPr>
-          <p:cNvPr id="8" name="TextBox 7"/>
-          <p:cNvSpPr txBox="1"/>
-          <p:nvPr/>
-        </p:nvSpPr>
-        <p:spPr>
-          <a:xfrm>
-            <a:off x="1271768" y="1115051"/>
-            <a:ext cx="9196386" cy="553998"/>
-          </a:xfrm>
-          <a:prstGeom prst="rect">
-            <a:avLst/>
-          </a:prstGeom>
-          <a:noFill/>
-        </p:spPr>
-        <p:txBody>
-          <a:bodyPr wrap="square" rtlCol="0">
-            <a:spAutoFit/>
-          </a:bodyPr>
-          <a:lstStyle/>
-          <a:p>
-            <a:r>
-              <a:rPr lang="en-US" sz="3000" b="1" dirty="0">
-                <a:solidFill>
-                  <a:schemeClr val="accent1"/>
-                </a:solidFill>
-                <a:latin typeface="Cambria" panose="02040503050406030204" pitchFamily="18" charset="0"/>
-              </a:rPr>
               <a:t>LOGISTIC REGRESSION 2/4: SIGMOID FUNCTION</a:t>
             </a:r>
           </a:p>
@@ -11080,7 +10883,7 @@
 </p:sld>
 </file>
 
-<file path=ppt/slides/slide34.xml><?xml version="1.0" encoding="utf-8"?>
+<file path=ppt/slides/slide31.xml><?xml version="1.0" encoding="utf-8"?>
 <p:sld xmlns:a="http://schemas.openxmlformats.org/drawingml/2006/main" xmlns:r="http://schemas.openxmlformats.org/officeDocument/2006/relationships" xmlns:p="http://schemas.openxmlformats.org/presentationml/2006/main">
   <p:cSld>
     <p:spTree>
@@ -11323,7 +11126,7 @@
 </p:sld>
 </file>
 
-<file path=ppt/slides/slide35.xml><?xml version="1.0" encoding="utf-8"?>
+<file path=ppt/slides/slide32.xml><?xml version="1.0" encoding="utf-8"?>
 <p:sld xmlns:a="http://schemas.openxmlformats.org/drawingml/2006/main" xmlns:r="http://schemas.openxmlformats.org/officeDocument/2006/relationships" xmlns:p="http://schemas.openxmlformats.org/presentationml/2006/main">
   <p:cSld>
     <p:spTree>
@@ -11468,7 +11271,7 @@
 </p:sld>
 </file>
 
-<file path=ppt/slides/slide36.xml><?xml version="1.0" encoding="utf-8"?>
+<file path=ppt/slides/slide33.xml><?xml version="1.0" encoding="utf-8"?>
 <p:sld xmlns:a="http://schemas.openxmlformats.org/drawingml/2006/main" xmlns:r="http://schemas.openxmlformats.org/officeDocument/2006/relationships" xmlns:p="http://schemas.openxmlformats.org/presentationml/2006/main">
   <p:cSld>
     <p:spTree>
@@ -11668,7 +11471,7 @@
 </p:sld>
 </file>
 
-<file path=ppt/slides/slide37.xml><?xml version="1.0" encoding="utf-8"?>
+<file path=ppt/slides/slide34.xml><?xml version="1.0" encoding="utf-8"?>
 <p:sld xmlns:a="http://schemas.openxmlformats.org/drawingml/2006/main" xmlns:r="http://schemas.openxmlformats.org/officeDocument/2006/relationships" xmlns:p="http://schemas.openxmlformats.org/presentationml/2006/main">
   <p:cSld>
     <p:spTree>
@@ -11841,6 +11644,431 @@
     <p:extLst>
       <p:ext uri="{BB962C8B-B14F-4D97-AF65-F5344CB8AC3E}">
         <p14:creationId xmlns:p14="http://schemas.microsoft.com/office/powerpoint/2010/main" val="2006526689"/>
+      </p:ext>
+    </p:extLst>
+  </p:cSld>
+  <p:clrMapOvr>
+    <a:masterClrMapping/>
+  </p:clrMapOvr>
+  <mc:AlternateContent xmlns:mc="http://schemas.openxmlformats.org/markup-compatibility/2006" xmlns:p14="http://schemas.microsoft.com/office/powerpoint/2010/main">
+    <mc:Choice Requires="p14">
+      <p:transition spd="med" p14:dur="700">
+        <p:fade/>
+      </p:transition>
+    </mc:Choice>
+    <mc:Fallback xmlns="">
+      <p:transition spd="med">
+        <p:fade/>
+      </p:transition>
+    </mc:Fallback>
+  </mc:AlternateContent>
+</p:sld>
+</file>
+
+<file path=ppt/slides/slide35.xml><?xml version="1.0" encoding="utf-8"?>
+<p:sld xmlns:a="http://schemas.openxmlformats.org/drawingml/2006/main" xmlns:r="http://schemas.openxmlformats.org/officeDocument/2006/relationships" xmlns:p="http://schemas.openxmlformats.org/presentationml/2006/main">
+  <p:cSld>
+    <p:spTree>
+      <p:nvGrpSpPr>
+        <p:cNvPr id="1" name=""/>
+        <p:cNvGrpSpPr/>
+        <p:nvPr/>
+      </p:nvGrpSpPr>
+      <p:grpSpPr>
+        <a:xfrm>
+          <a:off x="0" y="0"/>
+          <a:ext cx="0" cy="0"/>
+          <a:chOff x="0" y="0"/>
+          <a:chExt cx="0" cy="0"/>
+        </a:xfrm>
+      </p:grpSpPr>
+      <p:sp>
+        <p:nvSpPr>
+          <p:cNvPr id="8" name="TextBox 7"/>
+          <p:cNvSpPr txBox="1"/>
+          <p:nvPr/>
+        </p:nvSpPr>
+        <p:spPr>
+          <a:xfrm>
+            <a:off x="1271768" y="1115051"/>
+            <a:ext cx="9196386" cy="553998"/>
+          </a:xfrm>
+          <a:prstGeom prst="rect">
+            <a:avLst/>
+          </a:prstGeom>
+          <a:noFill/>
+        </p:spPr>
+        <p:txBody>
+          <a:bodyPr wrap="square" rtlCol="0">
+            <a:spAutoFit/>
+          </a:bodyPr>
+          <a:lstStyle/>
+          <a:p>
+            <a:r>
+              <a:rPr lang="en-US" sz="3000" b="1" dirty="0">
+                <a:solidFill>
+                  <a:schemeClr val="accent1"/>
+                </a:solidFill>
+                <a:latin typeface="Cambria" panose="02040503050406030204" pitchFamily="18" charset="0"/>
+              </a:rPr>
+              <a:t>A “DEEP” NEURAL NET COMES ON STAGE</a:t>
+            </a:r>
+          </a:p>
+        </p:txBody>
+      </p:sp>
+      <p:pic>
+        <p:nvPicPr>
+          <p:cNvPr id="7" name="Picture 6" descr="tf-deep-neural-net-to-the-rescue.png">
+            <a:extLst>
+              <a:ext uri="{FF2B5EF4-FFF2-40B4-BE49-F238E27FC236}">
+                <a16:creationId xmlns:a16="http://schemas.microsoft.com/office/drawing/2014/main" id="{0CA801A6-8C2D-144C-BE2D-FFEB06B5DCB4}"/>
+              </a:ext>
+            </a:extLst>
+          </p:cNvPr>
+          <p:cNvPicPr>
+            <a:picLocks noChangeAspect="1"/>
+          </p:cNvPicPr>
+          <p:nvPr/>
+        </p:nvPicPr>
+        <p:blipFill>
+          <a:blip r:embed="rId3"/>
+          <a:stretch>
+            <a:fillRect/>
+          </a:stretch>
+        </p:blipFill>
+        <p:spPr>
+          <a:xfrm>
+            <a:off x="1342308" y="1887832"/>
+            <a:ext cx="6481479" cy="4248472"/>
+          </a:xfrm>
+          <a:prstGeom prst="rect">
+            <a:avLst/>
+          </a:prstGeom>
+        </p:spPr>
+      </p:pic>
+      <p:sp>
+        <p:nvSpPr>
+          <p:cNvPr id="6" name="Rectangle 5">
+            <a:extLst>
+              <a:ext uri="{FF2B5EF4-FFF2-40B4-BE49-F238E27FC236}">
+                <a16:creationId xmlns:a16="http://schemas.microsoft.com/office/drawing/2014/main" id="{27992013-CC68-EC4F-8474-17E6AF2CFE57}"/>
+              </a:ext>
+            </a:extLst>
+          </p:cNvPr>
+          <p:cNvSpPr/>
+          <p:nvPr/>
+        </p:nvSpPr>
+        <p:spPr>
+          <a:xfrm>
+            <a:off x="1271768" y="6187447"/>
+            <a:ext cx="2228495" cy="369332"/>
+          </a:xfrm>
+          <a:prstGeom prst="rect">
+            <a:avLst/>
+          </a:prstGeom>
+        </p:spPr>
+        <p:txBody>
+          <a:bodyPr wrap="none">
+            <a:spAutoFit/>
+          </a:bodyPr>
+          <a:lstStyle/>
+          <a:p>
+            <a:r>
+              <a:rPr lang="fr-FR" dirty="0">
+                <a:hlinkClick r:id="rId4"/>
+              </a:rPr>
+              <a:t>https://</a:t>
+            </a:r>
+            <a:r>
+              <a:rPr lang="fr-FR" dirty="0" err="1">
+                <a:hlinkClick r:id="rId4"/>
+              </a:rPr>
+              <a:t>goo.gl</a:t>
+            </a:r>
+            <a:r>
+              <a:rPr lang="fr-FR" dirty="0">
+                <a:hlinkClick r:id="rId4"/>
+              </a:rPr>
+              <a:t>/6BJ83E</a:t>
+            </a:r>
+            <a:endParaRPr lang="fr-FR" dirty="0"/>
+          </a:p>
+        </p:txBody>
+      </p:sp>
+      <p:cxnSp>
+        <p:nvCxnSpPr>
+          <p:cNvPr id="5" name="Straight Connector 4">
+            <a:extLst>
+              <a:ext uri="{FF2B5EF4-FFF2-40B4-BE49-F238E27FC236}">
+                <a16:creationId xmlns:a16="http://schemas.microsoft.com/office/drawing/2014/main" id="{E75C2E84-115D-C94E-9DD1-9CE805C63E8B}"/>
+              </a:ext>
+            </a:extLst>
+          </p:cNvPr>
+          <p:cNvCxnSpPr>
+            <a:cxnSpLocks/>
+          </p:cNvCxnSpPr>
+          <p:nvPr/>
+        </p:nvCxnSpPr>
+        <p:spPr>
+          <a:xfrm>
+            <a:off x="1378101" y="1753299"/>
+            <a:ext cx="6988659" cy="0"/>
+          </a:xfrm>
+          <a:prstGeom prst="line">
+            <a:avLst/>
+          </a:prstGeom>
+          <a:ln w="12700"/>
+        </p:spPr>
+        <p:style>
+          <a:lnRef idx="1">
+            <a:schemeClr val="accent1"/>
+          </a:lnRef>
+          <a:fillRef idx="0">
+            <a:schemeClr val="accent1"/>
+          </a:fillRef>
+          <a:effectRef idx="0">
+            <a:schemeClr val="accent1"/>
+          </a:effectRef>
+          <a:fontRef idx="minor">
+            <a:schemeClr val="tx1"/>
+          </a:fontRef>
+        </p:style>
+      </p:cxnSp>
+    </p:spTree>
+    <p:extLst>
+      <p:ext uri="{BB962C8B-B14F-4D97-AF65-F5344CB8AC3E}">
+        <p14:creationId xmlns:p14="http://schemas.microsoft.com/office/powerpoint/2010/main" val="1718867474"/>
+      </p:ext>
+    </p:extLst>
+  </p:cSld>
+  <p:clrMapOvr>
+    <a:masterClrMapping/>
+  </p:clrMapOvr>
+  <mc:AlternateContent xmlns:mc="http://schemas.openxmlformats.org/markup-compatibility/2006" xmlns:p14="http://schemas.microsoft.com/office/powerpoint/2010/main">
+    <mc:Choice Requires="p14">
+      <p:transition spd="med" p14:dur="700">
+        <p:fade/>
+      </p:transition>
+    </mc:Choice>
+    <mc:Fallback xmlns="">
+      <p:transition spd="med">
+        <p:fade/>
+      </p:transition>
+    </mc:Fallback>
+  </mc:AlternateContent>
+</p:sld>
+</file>
+
+<file path=ppt/slides/slide36.xml><?xml version="1.0" encoding="utf-8"?>
+<p:sld xmlns:a="http://schemas.openxmlformats.org/drawingml/2006/main" xmlns:r="http://schemas.openxmlformats.org/officeDocument/2006/relationships" xmlns:p="http://schemas.openxmlformats.org/presentationml/2006/main">
+  <p:cSld>
+    <p:spTree>
+      <p:nvGrpSpPr>
+        <p:cNvPr id="1" name=""/>
+        <p:cNvGrpSpPr/>
+        <p:nvPr/>
+      </p:nvGrpSpPr>
+      <p:grpSpPr>
+        <a:xfrm>
+          <a:off x="0" y="0"/>
+          <a:ext cx="0" cy="0"/>
+          <a:chOff x="0" y="0"/>
+          <a:chExt cx="0" cy="0"/>
+        </a:xfrm>
+      </p:grpSpPr>
+      <p:sp>
+        <p:nvSpPr>
+          <p:cNvPr id="8" name="TextBox 7"/>
+          <p:cNvSpPr txBox="1"/>
+          <p:nvPr/>
+        </p:nvSpPr>
+        <p:spPr>
+          <a:xfrm>
+            <a:off x="1271768" y="1115051"/>
+            <a:ext cx="9196386" cy="553998"/>
+          </a:xfrm>
+          <a:prstGeom prst="rect">
+            <a:avLst/>
+          </a:prstGeom>
+          <a:noFill/>
+        </p:spPr>
+        <p:txBody>
+          <a:bodyPr wrap="square" rtlCol="0">
+            <a:spAutoFit/>
+          </a:bodyPr>
+          <a:lstStyle/>
+          <a:p>
+            <a:r>
+              <a:rPr lang="en-US" sz="3000" b="1" dirty="0">
+                <a:solidFill>
+                  <a:schemeClr val="accent1"/>
+                </a:solidFill>
+                <a:latin typeface="Cambria" panose="02040503050406030204" pitchFamily="18" charset="0"/>
+              </a:rPr>
+              <a:t>AI VS. HUMAN</a:t>
+            </a:r>
+          </a:p>
+        </p:txBody>
+      </p:sp>
+      <p:sp>
+        <p:nvSpPr>
+          <p:cNvPr id="5" name="TextBox 4">
+            <a:extLst>
+              <a:ext uri="{FF2B5EF4-FFF2-40B4-BE49-F238E27FC236}">
+                <a16:creationId xmlns:a16="http://schemas.microsoft.com/office/drawing/2014/main" id="{3390F6B0-97E9-7749-9A12-2929B02736C6}"/>
+              </a:ext>
+            </a:extLst>
+          </p:cNvPr>
+          <p:cNvSpPr txBox="1"/>
+          <p:nvPr/>
+        </p:nvSpPr>
+        <p:spPr>
+          <a:xfrm>
+            <a:off x="1275701" y="2033436"/>
+            <a:ext cx="9909364" cy="2308324"/>
+          </a:xfrm>
+          <a:prstGeom prst="rect">
+            <a:avLst/>
+          </a:prstGeom>
+          <a:noFill/>
+        </p:spPr>
+        <p:txBody>
+          <a:bodyPr wrap="square" rtlCol="0">
+            <a:spAutoFit/>
+          </a:bodyPr>
+          <a:lstStyle/>
+          <a:p>
+            <a:pPr marL="342900" indent="-342900">
+              <a:buFont typeface="Arial"/>
+              <a:buChar char="•"/>
+            </a:pPr>
+            <a:r>
+              <a:rPr lang="en-US" sz="2400" b="1" dirty="0">
+                <a:solidFill>
+                  <a:schemeClr val="accent1"/>
+                </a:solidFill>
+                <a:latin typeface="Cambria" panose="02040503050406030204" pitchFamily="18" charset="0"/>
+              </a:rPr>
+              <a:t>DEEP LEARNING &gt; HUMAN-LEVEL PERFORMANCE</a:t>
+            </a:r>
+            <a:br>
+              <a:rPr lang="en-US" sz="2400" b="1" dirty="0">
+                <a:solidFill>
+                  <a:schemeClr val="accent1"/>
+                </a:solidFill>
+                <a:latin typeface="Cambria" panose="02040503050406030204" pitchFamily="18" charset="0"/>
+              </a:rPr>
+            </a:br>
+            <a:endParaRPr lang="en-US" sz="2400" b="1" dirty="0">
+              <a:solidFill>
+                <a:schemeClr val="accent1"/>
+              </a:solidFill>
+              <a:latin typeface="Cambria" panose="02040503050406030204" pitchFamily="18" charset="0"/>
+            </a:endParaRPr>
+          </a:p>
+          <a:p>
+            <a:pPr marL="342900" indent="-342900">
+              <a:buFont typeface="Arial"/>
+              <a:buChar char="•"/>
+            </a:pPr>
+            <a:r>
+              <a:rPr lang="en-US" sz="2400" b="1" dirty="0">
+                <a:solidFill>
+                  <a:schemeClr val="accent1"/>
+                </a:solidFill>
+                <a:latin typeface="Cambria" panose="02040503050406030204" pitchFamily="18" charset="0"/>
+              </a:rPr>
+              <a:t>BUT IN PARTICULAR DOMAINS (IMAGE RECOGNITION, …)</a:t>
+            </a:r>
+            <a:br>
+              <a:rPr lang="en-US" sz="2400" b="1" dirty="0">
+                <a:solidFill>
+                  <a:schemeClr val="accent1"/>
+                </a:solidFill>
+                <a:latin typeface="Cambria" panose="02040503050406030204" pitchFamily="18" charset="0"/>
+              </a:rPr>
+            </a:br>
+            <a:endParaRPr lang="en-US" sz="2400" b="1" dirty="0">
+              <a:solidFill>
+                <a:schemeClr val="accent1"/>
+              </a:solidFill>
+              <a:latin typeface="Cambria" panose="02040503050406030204" pitchFamily="18" charset="0"/>
+            </a:endParaRPr>
+          </a:p>
+          <a:p>
+            <a:pPr marL="342900" indent="-342900">
+              <a:buFont typeface="Arial"/>
+              <a:buChar char="•"/>
+            </a:pPr>
+            <a:r>
+              <a:rPr lang="en-US" sz="2400" b="1" dirty="0">
+                <a:solidFill>
+                  <a:schemeClr val="accent1"/>
+                </a:solidFill>
+                <a:latin typeface="Cambria" panose="02040503050406030204" pitchFamily="18" charset="0"/>
+              </a:rPr>
+              <a:t>BUT ON VERY SPECIFIC/NARROW TASKS</a:t>
+            </a:r>
+            <a:br>
+              <a:rPr lang="en-US" sz="2400" b="1" dirty="0">
+                <a:solidFill>
+                  <a:schemeClr val="accent1"/>
+                </a:solidFill>
+                <a:latin typeface="Cambria" panose="02040503050406030204" pitchFamily="18" charset="0"/>
+              </a:rPr>
+            </a:br>
+            <a:endParaRPr lang="en-US" sz="2400" b="1" dirty="0">
+              <a:solidFill>
+                <a:schemeClr val="accent1"/>
+              </a:solidFill>
+              <a:latin typeface="Cambria" panose="02040503050406030204" pitchFamily="18" charset="0"/>
+            </a:endParaRPr>
+          </a:p>
+        </p:txBody>
+      </p:sp>
+      <p:cxnSp>
+        <p:nvCxnSpPr>
+          <p:cNvPr id="4" name="Straight Connector 3">
+            <a:extLst>
+              <a:ext uri="{FF2B5EF4-FFF2-40B4-BE49-F238E27FC236}">
+                <a16:creationId xmlns:a16="http://schemas.microsoft.com/office/drawing/2014/main" id="{92B15595-B45A-3E41-ABDB-470A88264D53}"/>
+              </a:ext>
+            </a:extLst>
+          </p:cNvPr>
+          <p:cNvCxnSpPr>
+            <a:cxnSpLocks/>
+          </p:cNvCxnSpPr>
+          <p:nvPr/>
+        </p:nvCxnSpPr>
+        <p:spPr>
+          <a:xfrm>
+            <a:off x="1378101" y="1753299"/>
+            <a:ext cx="5632299" cy="0"/>
+          </a:xfrm>
+          <a:prstGeom prst="line">
+            <a:avLst/>
+          </a:prstGeom>
+          <a:ln w="12700"/>
+        </p:spPr>
+        <p:style>
+          <a:lnRef idx="1">
+            <a:schemeClr val="accent1"/>
+          </a:lnRef>
+          <a:fillRef idx="0">
+            <a:schemeClr val="accent1"/>
+          </a:fillRef>
+          <a:effectRef idx="0">
+            <a:schemeClr val="accent1"/>
+          </a:effectRef>
+          <a:fontRef idx="minor">
+            <a:schemeClr val="tx1"/>
+          </a:fontRef>
+        </p:style>
+      </p:cxnSp>
+    </p:spTree>
+    <p:extLst>
+      <p:ext uri="{BB962C8B-B14F-4D97-AF65-F5344CB8AC3E}">
+        <p14:creationId xmlns:p14="http://schemas.microsoft.com/office/powerpoint/2010/main" val="917890595"/>
       </p:ext>
     </p:extLst>
   </p:cSld>
@@ -12736,7 +12964,7 @@
         </p:nvSpPr>
         <p:spPr>
           <a:xfrm>
-            <a:off x="1275701" y="1830236"/>
+            <a:off x="1275701" y="2198536"/>
             <a:ext cx="9909364" cy="4154984"/>
           </a:xfrm>
           <a:prstGeom prst="rect">

--- a/presentations/session-5-application-of-ai.pptx
+++ b/presentations/session-5-application-of-ai.pptx
@@ -5,7 +5,7 @@
     <p:sldMasterId id="2147483648" r:id="rId1"/>
   </p:sldMasterIdLst>
   <p:notesMasterIdLst>
-    <p:notesMasterId r:id="rId38"/>
+    <p:notesMasterId r:id="rId37"/>
   </p:notesMasterIdLst>
   <p:sldIdLst>
     <p:sldId id="263" r:id="rId2"/>
@@ -27,23 +27,22 @@
     <p:sldId id="591" r:id="rId18"/>
     <p:sldId id="586" r:id="rId19"/>
     <p:sldId id="589" r:id="rId20"/>
-    <p:sldId id="565" r:id="rId21"/>
-    <p:sldId id="588" r:id="rId22"/>
-    <p:sldId id="568" r:id="rId23"/>
-    <p:sldId id="567" r:id="rId24"/>
-    <p:sldId id="569" r:id="rId25"/>
-    <p:sldId id="570" r:id="rId26"/>
-    <p:sldId id="571" r:id="rId27"/>
-    <p:sldId id="572" r:id="rId28"/>
-    <p:sldId id="574" r:id="rId29"/>
-    <p:sldId id="575" r:id="rId30"/>
-    <p:sldId id="577" r:id="rId31"/>
-    <p:sldId id="578" r:id="rId32"/>
-    <p:sldId id="579" r:id="rId33"/>
-    <p:sldId id="580" r:id="rId34"/>
-    <p:sldId id="581" r:id="rId35"/>
-    <p:sldId id="594" r:id="rId36"/>
-    <p:sldId id="595" r:id="rId37"/>
+    <p:sldId id="588" r:id="rId21"/>
+    <p:sldId id="568" r:id="rId22"/>
+    <p:sldId id="567" r:id="rId23"/>
+    <p:sldId id="569" r:id="rId24"/>
+    <p:sldId id="570" r:id="rId25"/>
+    <p:sldId id="571" r:id="rId26"/>
+    <p:sldId id="572" r:id="rId27"/>
+    <p:sldId id="574" r:id="rId28"/>
+    <p:sldId id="575" r:id="rId29"/>
+    <p:sldId id="577" r:id="rId30"/>
+    <p:sldId id="578" r:id="rId31"/>
+    <p:sldId id="579" r:id="rId32"/>
+    <p:sldId id="580" r:id="rId33"/>
+    <p:sldId id="581" r:id="rId34"/>
+    <p:sldId id="594" r:id="rId35"/>
+    <p:sldId id="595" r:id="rId36"/>
   </p:sldIdLst>
   <p:sldSz cx="12192000" cy="6858000"/>
   <p:notesSz cx="6797675" cy="9874250"/>
@@ -1933,7 +1932,7 @@
     </p:spTree>
     <p:extLst>
       <p:ext uri="{BB962C8B-B14F-4D97-AF65-F5344CB8AC3E}">
-        <p14:creationId xmlns:p14="http://schemas.microsoft.com/office/powerpoint/2010/main" val="333752062"/>
+        <p14:creationId xmlns:p14="http://schemas.microsoft.com/office/powerpoint/2010/main" val="2797618694"/>
       </p:ext>
     </p:extLst>
   </p:cSld>
@@ -2017,7 +2016,7 @@
     </p:spTree>
     <p:extLst>
       <p:ext uri="{BB962C8B-B14F-4D97-AF65-F5344CB8AC3E}">
-        <p14:creationId xmlns:p14="http://schemas.microsoft.com/office/powerpoint/2010/main" val="2797618694"/>
+        <p14:creationId xmlns:p14="http://schemas.microsoft.com/office/powerpoint/2010/main" val="1586155269"/>
       </p:ext>
     </p:extLst>
   </p:cSld>
@@ -2071,6 +2070,66 @@
           <a:bodyPr/>
           <a:lstStyle/>
           <a:p>
+            <a:r>
+              <a:rPr lang="fr-FR" dirty="0"/>
+              <a:t>Ex: </a:t>
+            </a:r>
+            <a:r>
+              <a:rPr lang="fr-FR" dirty="0" err="1"/>
+              <a:t>soil</a:t>
+            </a:r>
+            <a:r>
+              <a:rPr lang="fr-FR" dirty="0"/>
+              <a:t> </a:t>
+            </a:r>
+            <a:r>
+              <a:rPr lang="fr-FR" dirty="0" err="1"/>
+              <a:t>moisture</a:t>
+            </a:r>
+            <a:r>
+              <a:rPr lang="fr-FR" dirty="0"/>
+              <a:t> (</a:t>
+            </a:r>
+            <a:r>
+              <a:rPr lang="fr-FR" dirty="0" err="1"/>
+              <a:t>target</a:t>
+            </a:r>
+            <a:r>
+              <a:rPr lang="fr-FR" dirty="0"/>
+              <a:t>) </a:t>
+            </a:r>
+            <a:r>
+              <a:rPr lang="fr-FR" dirty="0" err="1"/>
+              <a:t>given</a:t>
+            </a:r>
+            <a:r>
+              <a:rPr lang="fr-FR" dirty="0"/>
+              <a:t> </a:t>
+            </a:r>
+            <a:r>
+              <a:rPr lang="fr-FR" dirty="0" err="1"/>
+              <a:t>temperature</a:t>
+            </a:r>
+            <a:r>
+              <a:rPr lang="fr-FR" dirty="0"/>
+              <a:t>, distance </a:t>
+            </a:r>
+            <a:r>
+              <a:rPr lang="fr-FR" dirty="0" err="1"/>
+              <a:t>from</a:t>
+            </a:r>
+            <a:r>
+              <a:rPr lang="fr-FR" dirty="0"/>
+              <a:t> river, ... (</a:t>
+            </a:r>
+            <a:r>
+              <a:rPr lang="fr-FR" dirty="0" err="1"/>
+              <a:t>features</a:t>
+            </a:r>
+            <a:r>
+              <a:rPr lang="fr-FR" dirty="0"/>
+              <a:t>)</a:t>
+            </a:r>
             <a:endParaRPr lang="en-US" dirty="0"/>
           </a:p>
         </p:txBody>
@@ -2101,7 +2160,7 @@
     </p:spTree>
     <p:extLst>
       <p:ext uri="{BB962C8B-B14F-4D97-AF65-F5344CB8AC3E}">
-        <p14:creationId xmlns:p14="http://schemas.microsoft.com/office/powerpoint/2010/main" val="1586155269"/>
+        <p14:creationId xmlns:p14="http://schemas.microsoft.com/office/powerpoint/2010/main" val="2821334826"/>
       </p:ext>
     </p:extLst>
   </p:cSld>
@@ -2155,66 +2214,6 @@
           <a:bodyPr/>
           <a:lstStyle/>
           <a:p>
-            <a:r>
-              <a:rPr lang="fr-FR" dirty="0"/>
-              <a:t>Ex: </a:t>
-            </a:r>
-            <a:r>
-              <a:rPr lang="fr-FR" dirty="0" err="1"/>
-              <a:t>soil</a:t>
-            </a:r>
-            <a:r>
-              <a:rPr lang="fr-FR" dirty="0"/>
-              <a:t> </a:t>
-            </a:r>
-            <a:r>
-              <a:rPr lang="fr-FR" dirty="0" err="1"/>
-              <a:t>moisture</a:t>
-            </a:r>
-            <a:r>
-              <a:rPr lang="fr-FR" dirty="0"/>
-              <a:t> (</a:t>
-            </a:r>
-            <a:r>
-              <a:rPr lang="fr-FR" dirty="0" err="1"/>
-              <a:t>target</a:t>
-            </a:r>
-            <a:r>
-              <a:rPr lang="fr-FR" dirty="0"/>
-              <a:t>) </a:t>
-            </a:r>
-            <a:r>
-              <a:rPr lang="fr-FR" dirty="0" err="1"/>
-              <a:t>given</a:t>
-            </a:r>
-            <a:r>
-              <a:rPr lang="fr-FR" dirty="0"/>
-              <a:t> </a:t>
-            </a:r>
-            <a:r>
-              <a:rPr lang="fr-FR" dirty="0" err="1"/>
-              <a:t>temperature</a:t>
-            </a:r>
-            <a:r>
-              <a:rPr lang="fr-FR" dirty="0"/>
-              <a:t>, distance </a:t>
-            </a:r>
-            <a:r>
-              <a:rPr lang="fr-FR" dirty="0" err="1"/>
-              <a:t>from</a:t>
-            </a:r>
-            <a:r>
-              <a:rPr lang="fr-FR" dirty="0"/>
-              <a:t> river, ... (</a:t>
-            </a:r>
-            <a:r>
-              <a:rPr lang="fr-FR" dirty="0" err="1"/>
-              <a:t>features</a:t>
-            </a:r>
-            <a:r>
-              <a:rPr lang="fr-FR" dirty="0"/>
-              <a:t>)</a:t>
-            </a:r>
             <a:endParaRPr lang="en-US" dirty="0"/>
           </a:p>
         </p:txBody>
@@ -2245,7 +2244,7 @@
     </p:spTree>
     <p:extLst>
       <p:ext uri="{BB962C8B-B14F-4D97-AF65-F5344CB8AC3E}">
-        <p14:creationId xmlns:p14="http://schemas.microsoft.com/office/powerpoint/2010/main" val="2821334826"/>
+        <p14:creationId xmlns:p14="http://schemas.microsoft.com/office/powerpoint/2010/main" val="1179908455"/>
       </p:ext>
     </p:extLst>
   </p:cSld>
@@ -2329,7 +2328,7 @@
     </p:spTree>
     <p:extLst>
       <p:ext uri="{BB962C8B-B14F-4D97-AF65-F5344CB8AC3E}">
-        <p14:creationId xmlns:p14="http://schemas.microsoft.com/office/powerpoint/2010/main" val="1179908455"/>
+        <p14:creationId xmlns:p14="http://schemas.microsoft.com/office/powerpoint/2010/main" val="3086997894"/>
       </p:ext>
     </p:extLst>
   </p:cSld>
@@ -2413,7 +2412,7 @@
     </p:spTree>
     <p:extLst>
       <p:ext uri="{BB962C8B-B14F-4D97-AF65-F5344CB8AC3E}">
-        <p14:creationId xmlns:p14="http://schemas.microsoft.com/office/powerpoint/2010/main" val="3086997894"/>
+        <p14:creationId xmlns:p14="http://schemas.microsoft.com/office/powerpoint/2010/main" val="1099359813"/>
       </p:ext>
     </p:extLst>
   </p:cSld>
@@ -2497,7 +2496,7 @@
     </p:spTree>
     <p:extLst>
       <p:ext uri="{BB962C8B-B14F-4D97-AF65-F5344CB8AC3E}">
-        <p14:creationId xmlns:p14="http://schemas.microsoft.com/office/powerpoint/2010/main" val="1099359813"/>
+        <p14:creationId xmlns:p14="http://schemas.microsoft.com/office/powerpoint/2010/main" val="538600896"/>
       </p:ext>
     </p:extLst>
   </p:cSld>
@@ -2581,7 +2580,7 @@
     </p:spTree>
     <p:extLst>
       <p:ext uri="{BB962C8B-B14F-4D97-AF65-F5344CB8AC3E}">
-        <p14:creationId xmlns:p14="http://schemas.microsoft.com/office/powerpoint/2010/main" val="538600896"/>
+        <p14:creationId xmlns:p14="http://schemas.microsoft.com/office/powerpoint/2010/main" val="2539212987"/>
       </p:ext>
     </p:extLst>
   </p:cSld>
@@ -2665,7 +2664,7 @@
     </p:spTree>
     <p:extLst>
       <p:ext uri="{BB962C8B-B14F-4D97-AF65-F5344CB8AC3E}">
-        <p14:creationId xmlns:p14="http://schemas.microsoft.com/office/powerpoint/2010/main" val="2539212987"/>
+        <p14:creationId xmlns:p14="http://schemas.microsoft.com/office/powerpoint/2010/main" val="2038087505"/>
       </p:ext>
     </p:extLst>
   </p:cSld>
@@ -2749,7 +2748,7 @@
     </p:spTree>
     <p:extLst>
       <p:ext uri="{BB962C8B-B14F-4D97-AF65-F5344CB8AC3E}">
-        <p14:creationId xmlns:p14="http://schemas.microsoft.com/office/powerpoint/2010/main" val="2038087505"/>
+        <p14:creationId xmlns:p14="http://schemas.microsoft.com/office/powerpoint/2010/main" val="997152534"/>
       </p:ext>
     </p:extLst>
   </p:cSld>
@@ -2921,7 +2920,7 @@
     </p:spTree>
     <p:extLst>
       <p:ext uri="{BB962C8B-B14F-4D97-AF65-F5344CB8AC3E}">
-        <p14:creationId xmlns:p14="http://schemas.microsoft.com/office/powerpoint/2010/main" val="997152534"/>
+        <p14:creationId xmlns:p14="http://schemas.microsoft.com/office/powerpoint/2010/main" val="242776460"/>
       </p:ext>
     </p:extLst>
   </p:cSld>
@@ -3005,7 +3004,7 @@
     </p:spTree>
     <p:extLst>
       <p:ext uri="{BB962C8B-B14F-4D97-AF65-F5344CB8AC3E}">
-        <p14:creationId xmlns:p14="http://schemas.microsoft.com/office/powerpoint/2010/main" val="242776460"/>
+        <p14:creationId xmlns:p14="http://schemas.microsoft.com/office/powerpoint/2010/main" val="2802083561"/>
       </p:ext>
     </p:extLst>
   </p:cSld>
@@ -3089,7 +3088,7 @@
     </p:spTree>
     <p:extLst>
       <p:ext uri="{BB962C8B-B14F-4D97-AF65-F5344CB8AC3E}">
-        <p14:creationId xmlns:p14="http://schemas.microsoft.com/office/powerpoint/2010/main" val="2802083561"/>
+        <p14:creationId xmlns:p14="http://schemas.microsoft.com/office/powerpoint/2010/main" val="1824914223"/>
       </p:ext>
     </p:extLst>
   </p:cSld>
@@ -3173,7 +3172,7 @@
     </p:spTree>
     <p:extLst>
       <p:ext uri="{BB962C8B-B14F-4D97-AF65-F5344CB8AC3E}">
-        <p14:creationId xmlns:p14="http://schemas.microsoft.com/office/powerpoint/2010/main" val="1824914223"/>
+        <p14:creationId xmlns:p14="http://schemas.microsoft.com/office/powerpoint/2010/main" val="1096447992"/>
       </p:ext>
     </p:extLst>
   </p:cSld>
@@ -3257,7 +3256,7 @@
     </p:spTree>
     <p:extLst>
       <p:ext uri="{BB962C8B-B14F-4D97-AF65-F5344CB8AC3E}">
-        <p14:creationId xmlns:p14="http://schemas.microsoft.com/office/powerpoint/2010/main" val="1096447992"/>
+        <p14:creationId xmlns:p14="http://schemas.microsoft.com/office/powerpoint/2010/main" val="2432484917"/>
       </p:ext>
     </p:extLst>
   </p:cSld>
@@ -3311,7 +3310,10 @@
           <a:bodyPr/>
           <a:lstStyle/>
           <a:p>
-            <a:endParaRPr lang="en-US" dirty="0"/>
+            <a:r>
+              <a:rPr lang="en-US" dirty="0"/>
+              <a:t>To be discussed in further session</a:t>
+            </a:r>
           </a:p>
         </p:txBody>
       </p:sp>
@@ -3333,93 +3335,6 @@
             <a:fld id="{2F6F93F9-6E01-423B-ABB3-8FB3B0651941}" type="slidenum">
               <a:rPr lang="en-US" smtClean="0"/>
               <a:t>35</a:t>
-            </a:fld>
-            <a:endParaRPr lang="en-US"/>
-          </a:p>
-        </p:txBody>
-      </p:sp>
-    </p:spTree>
-    <p:extLst>
-      <p:ext uri="{BB962C8B-B14F-4D97-AF65-F5344CB8AC3E}">
-        <p14:creationId xmlns:p14="http://schemas.microsoft.com/office/powerpoint/2010/main" val="2432484917"/>
-      </p:ext>
-    </p:extLst>
-  </p:cSld>
-  <p:clrMapOvr>
-    <a:masterClrMapping/>
-  </p:clrMapOvr>
-</p:notes>
-</file>
-
-<file path=ppt/notesSlides/notesSlide36.xml><?xml version="1.0" encoding="utf-8"?>
-<p:notes xmlns:a="http://schemas.openxmlformats.org/drawingml/2006/main" xmlns:r="http://schemas.openxmlformats.org/officeDocument/2006/relationships" xmlns:p="http://schemas.openxmlformats.org/presentationml/2006/main">
-  <p:cSld>
-    <p:spTree>
-      <p:nvGrpSpPr>
-        <p:cNvPr id="1" name=""/>
-        <p:cNvGrpSpPr/>
-        <p:nvPr/>
-      </p:nvGrpSpPr>
-      <p:grpSpPr>
-        <a:xfrm>
-          <a:off x="0" y="0"/>
-          <a:ext cx="0" cy="0"/>
-          <a:chOff x="0" y="0"/>
-          <a:chExt cx="0" cy="0"/>
-        </a:xfrm>
-      </p:grpSpPr>
-      <p:sp>
-        <p:nvSpPr>
-          <p:cNvPr id="2" name="Slide Image Placeholder 1"/>
-          <p:cNvSpPr>
-            <a:spLocks noGrp="1" noRot="1" noChangeAspect="1"/>
-          </p:cNvSpPr>
-          <p:nvPr>
-            <p:ph type="sldImg"/>
-          </p:nvPr>
-        </p:nvSpPr>
-        <p:spPr/>
-      </p:sp>
-      <p:sp>
-        <p:nvSpPr>
-          <p:cNvPr id="3" name="Notes Placeholder 2"/>
-          <p:cNvSpPr>
-            <a:spLocks noGrp="1"/>
-          </p:cNvSpPr>
-          <p:nvPr>
-            <p:ph type="body" idx="1"/>
-          </p:nvPr>
-        </p:nvSpPr>
-        <p:spPr/>
-        <p:txBody>
-          <a:bodyPr/>
-          <a:lstStyle/>
-          <a:p>
-            <a:r>
-              <a:rPr lang="en-US" dirty="0"/>
-              <a:t>To be discussed in further session</a:t>
-            </a:r>
-          </a:p>
-        </p:txBody>
-      </p:sp>
-      <p:sp>
-        <p:nvSpPr>
-          <p:cNvPr id="4" name="Slide Number Placeholder 3"/>
-          <p:cNvSpPr>
-            <a:spLocks noGrp="1"/>
-          </p:cNvSpPr>
-          <p:nvPr>
-            <p:ph type="sldNum" sz="quarter" idx="10"/>
-          </p:nvPr>
-        </p:nvSpPr>
-        <p:spPr/>
-        <p:txBody>
-          <a:bodyPr/>
-          <a:lstStyle/>
-          <a:p>
-            <a:fld id="{2F6F93F9-6E01-423B-ABB3-8FB3B0651941}" type="slidenum">
-              <a:rPr lang="en-US" smtClean="0"/>
-              <a:t>36</a:t>
             </a:fld>
             <a:endParaRPr lang="en-US"/>
           </a:p>
@@ -8683,7 +8598,7 @@
                 </a:solidFill>
                 <a:latin typeface="Cambria" panose="02040503050406030204" pitchFamily="18" charset="0"/>
               </a:rPr>
-              <a:t>AI &amp; DEEP LEARNING IS MIMICING WORKING OF THE HUMAN BRAIN!</a:t>
+              <a:t>AI &amp; DEEP LEARNING IS MIMICING WORKING OF THE HUMAN BRAIN?</a:t>
             </a:r>
           </a:p>
         </p:txBody>
@@ -9142,7 +9057,7 @@
     </p:spTree>
     <p:extLst>
       <p:ext uri="{BB962C8B-B14F-4D97-AF65-F5344CB8AC3E}">
-        <p14:creationId xmlns:p14="http://schemas.microsoft.com/office/powerpoint/2010/main" val="2816858463"/>
+        <p14:creationId xmlns:p14="http://schemas.microsoft.com/office/powerpoint/2010/main" val="3929770456"/>
       </p:ext>
     </p:extLst>
   </p:cSld>
@@ -9165,187 +9080,6 @@
 </file>
 
 <file path=ppt/slides/slide21.xml><?xml version="1.0" encoding="utf-8"?>
-<p:sld xmlns:a="http://schemas.openxmlformats.org/drawingml/2006/main" xmlns:r="http://schemas.openxmlformats.org/officeDocument/2006/relationships" xmlns:p="http://schemas.openxmlformats.org/presentationml/2006/main">
-  <p:cSld>
-    <p:spTree>
-      <p:nvGrpSpPr>
-        <p:cNvPr id="1" name=""/>
-        <p:cNvGrpSpPr/>
-        <p:nvPr/>
-      </p:nvGrpSpPr>
-      <p:grpSpPr>
-        <a:xfrm>
-          <a:off x="0" y="0"/>
-          <a:ext cx="0" cy="0"/>
-          <a:chOff x="0" y="0"/>
-          <a:chExt cx="0" cy="0"/>
-        </a:xfrm>
-      </p:grpSpPr>
-      <p:sp>
-        <p:nvSpPr>
-          <p:cNvPr id="8" name="TextBox 7"/>
-          <p:cNvSpPr txBox="1"/>
-          <p:nvPr/>
-        </p:nvSpPr>
-        <p:spPr>
-          <a:xfrm>
-            <a:off x="1271768" y="1115051"/>
-            <a:ext cx="9196386" cy="553998"/>
-          </a:xfrm>
-          <a:prstGeom prst="rect">
-            <a:avLst/>
-          </a:prstGeom>
-          <a:noFill/>
-        </p:spPr>
-        <p:txBody>
-          <a:bodyPr wrap="square" rtlCol="0">
-            <a:spAutoFit/>
-          </a:bodyPr>
-          <a:lstStyle/>
-          <a:p>
-            <a:r>
-              <a:rPr lang="en-US" sz="3000" b="1" dirty="0">
-                <a:solidFill>
-                  <a:schemeClr val="accent1"/>
-                </a:solidFill>
-                <a:latin typeface="Cambria" panose="02040503050406030204" pitchFamily="18" charset="0"/>
-              </a:rPr>
-              <a:t>CLASSICAL STATISTICS MINDSET</a:t>
-            </a:r>
-          </a:p>
-        </p:txBody>
-      </p:sp>
-      <p:sp>
-        <p:nvSpPr>
-          <p:cNvPr id="3" name="TextBox 2">
-            <a:extLst>
-              <a:ext uri="{FF2B5EF4-FFF2-40B4-BE49-F238E27FC236}">
-                <a16:creationId xmlns:a16="http://schemas.microsoft.com/office/drawing/2014/main" id="{325412E6-3DC9-2147-B691-12F936C79AB2}"/>
-              </a:ext>
-            </a:extLst>
-          </p:cNvPr>
-          <p:cNvSpPr txBox="1"/>
-          <p:nvPr/>
-        </p:nvSpPr>
-        <p:spPr>
-          <a:xfrm>
-            <a:off x="1271768" y="1990256"/>
-            <a:ext cx="9909364" cy="1569660"/>
-          </a:xfrm>
-          <a:prstGeom prst="rect">
-            <a:avLst/>
-          </a:prstGeom>
-          <a:noFill/>
-        </p:spPr>
-        <p:txBody>
-          <a:bodyPr wrap="square" rtlCol="0">
-            <a:spAutoFit/>
-          </a:bodyPr>
-          <a:lstStyle/>
-          <a:p>
-            <a:pPr marL="342900" indent="-342900">
-              <a:buFont typeface="Arial"/>
-              <a:buChar char="•"/>
-            </a:pPr>
-            <a:r>
-              <a:rPr lang="en-US" sz="2400" b="1" dirty="0">
-                <a:solidFill>
-                  <a:schemeClr val="accent1"/>
-                </a:solidFill>
-                <a:latin typeface="Cambria" panose="02040503050406030204" pitchFamily="18" charset="0"/>
-              </a:rPr>
-              <a:t>ASSUME THAT MODELS WITH HIGH EXPLANATORY POWER ARE INHERENTLY OF HIGH PREDICTIVE POWER</a:t>
-            </a:r>
-            <a:br>
-              <a:rPr lang="en-US" sz="2400" b="1" dirty="0">
-                <a:solidFill>
-                  <a:schemeClr val="accent1"/>
-                </a:solidFill>
-                <a:latin typeface="Cambria" panose="02040503050406030204" pitchFamily="18" charset="0"/>
-              </a:rPr>
-            </a:br>
-            <a:br>
-              <a:rPr lang="en-US" sz="2400" dirty="0">
-                <a:solidFill>
-                  <a:schemeClr val="accent1"/>
-                </a:solidFill>
-                <a:latin typeface="Cambria" panose="02040503050406030204" pitchFamily="18" charset="0"/>
-              </a:rPr>
-            </a:br>
-            <a:endParaRPr lang="en-US" sz="2400" dirty="0">
-              <a:solidFill>
-                <a:schemeClr val="accent1"/>
-              </a:solidFill>
-              <a:latin typeface="Cambria" panose="02040503050406030204" pitchFamily="18" charset="0"/>
-            </a:endParaRPr>
-          </a:p>
-        </p:txBody>
-      </p:sp>
-      <p:cxnSp>
-        <p:nvCxnSpPr>
-          <p:cNvPr id="4" name="Straight Connector 3">
-            <a:extLst>
-              <a:ext uri="{FF2B5EF4-FFF2-40B4-BE49-F238E27FC236}">
-                <a16:creationId xmlns:a16="http://schemas.microsoft.com/office/drawing/2014/main" id="{A829723C-F16D-A344-8A30-EA7814BAB058}"/>
-              </a:ext>
-            </a:extLst>
-          </p:cNvPr>
-          <p:cNvCxnSpPr>
-            <a:cxnSpLocks/>
-          </p:cNvCxnSpPr>
-          <p:nvPr/>
-        </p:nvCxnSpPr>
-        <p:spPr>
-          <a:xfrm>
-            <a:off x="1378101" y="1753299"/>
-            <a:ext cx="9160359" cy="0"/>
-          </a:xfrm>
-          <a:prstGeom prst="line">
-            <a:avLst/>
-          </a:prstGeom>
-          <a:ln w="12700"/>
-        </p:spPr>
-        <p:style>
-          <a:lnRef idx="1">
-            <a:schemeClr val="accent1"/>
-          </a:lnRef>
-          <a:fillRef idx="0">
-            <a:schemeClr val="accent1"/>
-          </a:fillRef>
-          <a:effectRef idx="0">
-            <a:schemeClr val="accent1"/>
-          </a:effectRef>
-          <a:fontRef idx="minor">
-            <a:schemeClr val="tx1"/>
-          </a:fontRef>
-        </p:style>
-      </p:cxnSp>
-    </p:spTree>
-    <p:extLst>
-      <p:ext uri="{BB962C8B-B14F-4D97-AF65-F5344CB8AC3E}">
-        <p14:creationId xmlns:p14="http://schemas.microsoft.com/office/powerpoint/2010/main" val="3929770456"/>
-      </p:ext>
-    </p:extLst>
-  </p:cSld>
-  <p:clrMapOvr>
-    <a:masterClrMapping/>
-  </p:clrMapOvr>
-  <mc:AlternateContent xmlns:mc="http://schemas.openxmlformats.org/markup-compatibility/2006" xmlns:p14="http://schemas.microsoft.com/office/powerpoint/2010/main">
-    <mc:Choice Requires="p14">
-      <p:transition spd="med" p14:dur="700">
-        <p:fade/>
-      </p:transition>
-    </mc:Choice>
-    <mc:Fallback xmlns="">
-      <p:transition spd="med">
-        <p:fade/>
-      </p:transition>
-    </mc:Fallback>
-  </mc:AlternateContent>
-</p:sld>
-</file>
-
-<file path=ppt/slides/slide22.xml><?xml version="1.0" encoding="utf-8"?>
 <p:sld xmlns:a="http://schemas.openxmlformats.org/drawingml/2006/main" xmlns:r="http://schemas.openxmlformats.org/officeDocument/2006/relationships" xmlns:p="http://schemas.openxmlformats.org/presentationml/2006/main">
   <p:cSld>
     <p:spTree>
@@ -9574,7 +9308,7 @@
 </p:sld>
 </file>
 
-<file path=ppt/slides/slide23.xml><?xml version="1.0" encoding="utf-8"?>
+<file path=ppt/slides/slide22.xml><?xml version="1.0" encoding="utf-8"?>
 <p:sld xmlns:a="http://schemas.openxmlformats.org/drawingml/2006/main" xmlns:r="http://schemas.openxmlformats.org/officeDocument/2006/relationships" xmlns:p="http://schemas.openxmlformats.org/presentationml/2006/main">
   <p:cSld>
     <p:spTree>
@@ -9719,7 +9453,7 @@
 </p:sld>
 </file>
 
-<file path=ppt/slides/slide24.xml><?xml version="1.0" encoding="utf-8"?>
+<file path=ppt/slides/slide23.xml><?xml version="1.0" encoding="utf-8"?>
 <p:sld xmlns:a="http://schemas.openxmlformats.org/drawingml/2006/main" xmlns:r="http://schemas.openxmlformats.org/officeDocument/2006/relationships" xmlns:p="http://schemas.openxmlformats.org/presentationml/2006/main">
   <p:cSld>
     <p:spTree>
@@ -9864,7 +9598,7 @@
 </p:sld>
 </file>
 
-<file path=ppt/slides/slide25.xml><?xml version="1.0" encoding="utf-8"?>
+<file path=ppt/slides/slide24.xml><?xml version="1.0" encoding="utf-8"?>
 <p:sld xmlns:a="http://schemas.openxmlformats.org/drawingml/2006/main" xmlns:r="http://schemas.openxmlformats.org/officeDocument/2006/relationships" xmlns:p="http://schemas.openxmlformats.org/presentationml/2006/main">
   <p:cSld>
     <p:spTree>
@@ -10009,7 +9743,7 @@
 </p:sld>
 </file>
 
-<file path=ppt/slides/slide26.xml><?xml version="1.0" encoding="utf-8"?>
+<file path=ppt/slides/slide25.xml><?xml version="1.0" encoding="utf-8"?>
 <p:sld xmlns:a="http://schemas.openxmlformats.org/drawingml/2006/main" xmlns:r="http://schemas.openxmlformats.org/officeDocument/2006/relationships" xmlns:p="http://schemas.openxmlformats.org/presentationml/2006/main">
   <p:cSld>
     <p:spTree>
@@ -10154,7 +9888,7 @@
 </p:sld>
 </file>
 
-<file path=ppt/slides/slide27.xml><?xml version="1.0" encoding="utf-8"?>
+<file path=ppt/slides/slide26.xml><?xml version="1.0" encoding="utf-8"?>
 <p:sld xmlns:a="http://schemas.openxmlformats.org/drawingml/2006/main" xmlns:r="http://schemas.openxmlformats.org/officeDocument/2006/relationships" xmlns:p="http://schemas.openxmlformats.org/presentationml/2006/main">
   <p:cSld>
     <p:spTree>
@@ -10299,7 +10033,7 @@
 </p:sld>
 </file>
 
-<file path=ppt/slides/slide28.xml><?xml version="1.0" encoding="utf-8"?>
+<file path=ppt/slides/slide27.xml><?xml version="1.0" encoding="utf-8"?>
 <p:sld xmlns:a="http://schemas.openxmlformats.org/drawingml/2006/main" xmlns:r="http://schemas.openxmlformats.org/officeDocument/2006/relationships" xmlns:p="http://schemas.openxmlformats.org/presentationml/2006/main">
   <p:cSld>
     <p:spTree>
@@ -10444,7 +10178,7 @@
 </p:sld>
 </file>
 
-<file path=ppt/slides/slide29.xml><?xml version="1.0" encoding="utf-8"?>
+<file path=ppt/slides/slide28.xml><?xml version="1.0" encoding="utf-8"?>
 <p:sld xmlns:a="http://schemas.openxmlformats.org/drawingml/2006/main" xmlns:r="http://schemas.openxmlformats.org/officeDocument/2006/relationships" xmlns:p="http://schemas.openxmlformats.org/presentationml/2006/main">
   <p:cSld>
     <p:spTree>
@@ -10568,6 +10302,151 @@
     <p:extLst>
       <p:ext uri="{BB962C8B-B14F-4D97-AF65-F5344CB8AC3E}">
         <p14:creationId xmlns:p14="http://schemas.microsoft.com/office/powerpoint/2010/main" val="2159710305"/>
+      </p:ext>
+    </p:extLst>
+  </p:cSld>
+  <p:clrMapOvr>
+    <a:masterClrMapping/>
+  </p:clrMapOvr>
+  <mc:AlternateContent xmlns:mc="http://schemas.openxmlformats.org/markup-compatibility/2006" xmlns:p14="http://schemas.microsoft.com/office/powerpoint/2010/main">
+    <mc:Choice Requires="p14">
+      <p:transition spd="med" p14:dur="700">
+        <p:fade/>
+      </p:transition>
+    </mc:Choice>
+    <mc:Fallback xmlns="">
+      <p:transition spd="med">
+        <p:fade/>
+      </p:transition>
+    </mc:Fallback>
+  </mc:AlternateContent>
+</p:sld>
+</file>
+
+<file path=ppt/slides/slide29.xml><?xml version="1.0" encoding="utf-8"?>
+<p:sld xmlns:a="http://schemas.openxmlformats.org/drawingml/2006/main" xmlns:r="http://schemas.openxmlformats.org/officeDocument/2006/relationships" xmlns:p="http://schemas.openxmlformats.org/presentationml/2006/main">
+  <p:cSld>
+    <p:spTree>
+      <p:nvGrpSpPr>
+        <p:cNvPr id="1" name=""/>
+        <p:cNvGrpSpPr/>
+        <p:nvPr/>
+      </p:nvGrpSpPr>
+      <p:grpSpPr>
+        <a:xfrm>
+          <a:off x="0" y="0"/>
+          <a:ext cx="0" cy="0"/>
+          <a:chOff x="0" y="0"/>
+          <a:chExt cx="0" cy="0"/>
+        </a:xfrm>
+      </p:grpSpPr>
+      <p:sp>
+        <p:nvSpPr>
+          <p:cNvPr id="8" name="TextBox 7"/>
+          <p:cNvSpPr txBox="1"/>
+          <p:nvPr/>
+        </p:nvSpPr>
+        <p:spPr>
+          <a:xfrm>
+            <a:off x="1271768" y="1115051"/>
+            <a:ext cx="9196386" cy="553998"/>
+          </a:xfrm>
+          <a:prstGeom prst="rect">
+            <a:avLst/>
+          </a:prstGeom>
+          <a:noFill/>
+        </p:spPr>
+        <p:txBody>
+          <a:bodyPr wrap="square" rtlCol="0">
+            <a:spAutoFit/>
+          </a:bodyPr>
+          <a:lstStyle/>
+          <a:p>
+            <a:r>
+              <a:rPr lang="en-US" sz="3000" b="1" dirty="0">
+                <a:solidFill>
+                  <a:schemeClr val="accent1"/>
+                </a:solidFill>
+                <a:latin typeface="Cambria" panose="02040503050406030204" pitchFamily="18" charset="0"/>
+              </a:rPr>
+              <a:t>LOGISTIC REGRESSION 2/4: SIGMOID FUNCTION</a:t>
+            </a:r>
+          </a:p>
+        </p:txBody>
+      </p:sp>
+      <p:pic>
+        <p:nvPicPr>
+          <p:cNvPr id="4" name="Picture 3" descr="sigmoid-function.png">
+            <a:extLst>
+              <a:ext uri="{FF2B5EF4-FFF2-40B4-BE49-F238E27FC236}">
+                <a16:creationId xmlns:a16="http://schemas.microsoft.com/office/drawing/2014/main" id="{951C07EF-5164-6848-8F86-28B8040373C5}"/>
+              </a:ext>
+            </a:extLst>
+          </p:cNvPr>
+          <p:cNvPicPr>
+            <a:picLocks noChangeAspect="1"/>
+          </p:cNvPicPr>
+          <p:nvPr/>
+        </p:nvPicPr>
+        <p:blipFill>
+          <a:blip r:embed="rId3"/>
+          <a:stretch>
+            <a:fillRect/>
+          </a:stretch>
+        </p:blipFill>
+        <p:spPr>
+          <a:xfrm>
+            <a:off x="1523824" y="1952058"/>
+            <a:ext cx="5804939" cy="4248472"/>
+          </a:xfrm>
+          <a:prstGeom prst="rect">
+            <a:avLst/>
+          </a:prstGeom>
+        </p:spPr>
+      </p:pic>
+      <p:cxnSp>
+        <p:nvCxnSpPr>
+          <p:cNvPr id="5" name="Straight Connector 4">
+            <a:extLst>
+              <a:ext uri="{FF2B5EF4-FFF2-40B4-BE49-F238E27FC236}">
+                <a16:creationId xmlns:a16="http://schemas.microsoft.com/office/drawing/2014/main" id="{02F750F8-CB20-B842-8BCD-A74835F3AFED}"/>
+              </a:ext>
+            </a:extLst>
+          </p:cNvPr>
+          <p:cNvCxnSpPr>
+            <a:cxnSpLocks/>
+          </p:cNvCxnSpPr>
+          <p:nvPr/>
+        </p:nvCxnSpPr>
+        <p:spPr>
+          <a:xfrm>
+            <a:off x="1378101" y="1753299"/>
+            <a:ext cx="8360259" cy="0"/>
+          </a:xfrm>
+          <a:prstGeom prst="line">
+            <a:avLst/>
+          </a:prstGeom>
+          <a:ln w="12700"/>
+        </p:spPr>
+        <p:style>
+          <a:lnRef idx="1">
+            <a:schemeClr val="accent1"/>
+          </a:lnRef>
+          <a:fillRef idx="0">
+            <a:schemeClr val="accent1"/>
+          </a:fillRef>
+          <a:effectRef idx="0">
+            <a:schemeClr val="accent1"/>
+          </a:effectRef>
+          <a:fontRef idx="minor">
+            <a:schemeClr val="tx1"/>
+          </a:fontRef>
+        </p:style>
+      </p:cxnSp>
+    </p:spTree>
+    <p:extLst>
+      <p:ext uri="{BB962C8B-B14F-4D97-AF65-F5344CB8AC3E}">
+        <p14:creationId xmlns:p14="http://schemas.microsoft.com/office/powerpoint/2010/main" val="3891371234"/>
       </p:ext>
     </p:extLst>
   </p:cSld>
@@ -10784,151 +10663,6 @@
                 </a:solidFill>
                 <a:latin typeface="Cambria" panose="02040503050406030204" pitchFamily="18" charset="0"/>
               </a:rPr>
-              <a:t>LOGISTIC REGRESSION 2/4: SIGMOID FUNCTION</a:t>
-            </a:r>
-          </a:p>
-        </p:txBody>
-      </p:sp>
-      <p:pic>
-        <p:nvPicPr>
-          <p:cNvPr id="4" name="Picture 3" descr="sigmoid-function.png">
-            <a:extLst>
-              <a:ext uri="{FF2B5EF4-FFF2-40B4-BE49-F238E27FC236}">
-                <a16:creationId xmlns:a16="http://schemas.microsoft.com/office/drawing/2014/main" id="{951C07EF-5164-6848-8F86-28B8040373C5}"/>
-              </a:ext>
-            </a:extLst>
-          </p:cNvPr>
-          <p:cNvPicPr>
-            <a:picLocks noChangeAspect="1"/>
-          </p:cNvPicPr>
-          <p:nvPr/>
-        </p:nvPicPr>
-        <p:blipFill>
-          <a:blip r:embed="rId3"/>
-          <a:stretch>
-            <a:fillRect/>
-          </a:stretch>
-        </p:blipFill>
-        <p:spPr>
-          <a:xfrm>
-            <a:off x="1523824" y="1952058"/>
-            <a:ext cx="5804939" cy="4248472"/>
-          </a:xfrm>
-          <a:prstGeom prst="rect">
-            <a:avLst/>
-          </a:prstGeom>
-        </p:spPr>
-      </p:pic>
-      <p:cxnSp>
-        <p:nvCxnSpPr>
-          <p:cNvPr id="5" name="Straight Connector 4">
-            <a:extLst>
-              <a:ext uri="{FF2B5EF4-FFF2-40B4-BE49-F238E27FC236}">
-                <a16:creationId xmlns:a16="http://schemas.microsoft.com/office/drawing/2014/main" id="{02F750F8-CB20-B842-8BCD-A74835F3AFED}"/>
-              </a:ext>
-            </a:extLst>
-          </p:cNvPr>
-          <p:cNvCxnSpPr>
-            <a:cxnSpLocks/>
-          </p:cNvCxnSpPr>
-          <p:nvPr/>
-        </p:nvCxnSpPr>
-        <p:spPr>
-          <a:xfrm>
-            <a:off x="1378101" y="1753299"/>
-            <a:ext cx="8360259" cy="0"/>
-          </a:xfrm>
-          <a:prstGeom prst="line">
-            <a:avLst/>
-          </a:prstGeom>
-          <a:ln w="12700"/>
-        </p:spPr>
-        <p:style>
-          <a:lnRef idx="1">
-            <a:schemeClr val="accent1"/>
-          </a:lnRef>
-          <a:fillRef idx="0">
-            <a:schemeClr val="accent1"/>
-          </a:fillRef>
-          <a:effectRef idx="0">
-            <a:schemeClr val="accent1"/>
-          </a:effectRef>
-          <a:fontRef idx="minor">
-            <a:schemeClr val="tx1"/>
-          </a:fontRef>
-        </p:style>
-      </p:cxnSp>
-    </p:spTree>
-    <p:extLst>
-      <p:ext uri="{BB962C8B-B14F-4D97-AF65-F5344CB8AC3E}">
-        <p14:creationId xmlns:p14="http://schemas.microsoft.com/office/powerpoint/2010/main" val="3891371234"/>
-      </p:ext>
-    </p:extLst>
-  </p:cSld>
-  <p:clrMapOvr>
-    <a:masterClrMapping/>
-  </p:clrMapOvr>
-  <mc:AlternateContent xmlns:mc="http://schemas.openxmlformats.org/markup-compatibility/2006" xmlns:p14="http://schemas.microsoft.com/office/powerpoint/2010/main">
-    <mc:Choice Requires="p14">
-      <p:transition spd="med" p14:dur="700">
-        <p:fade/>
-      </p:transition>
-    </mc:Choice>
-    <mc:Fallback xmlns="">
-      <p:transition spd="med">
-        <p:fade/>
-      </p:transition>
-    </mc:Fallback>
-  </mc:AlternateContent>
-</p:sld>
-</file>
-
-<file path=ppt/slides/slide31.xml><?xml version="1.0" encoding="utf-8"?>
-<p:sld xmlns:a="http://schemas.openxmlformats.org/drawingml/2006/main" xmlns:r="http://schemas.openxmlformats.org/officeDocument/2006/relationships" xmlns:p="http://schemas.openxmlformats.org/presentationml/2006/main">
-  <p:cSld>
-    <p:spTree>
-      <p:nvGrpSpPr>
-        <p:cNvPr id="1" name=""/>
-        <p:cNvGrpSpPr/>
-        <p:nvPr/>
-      </p:nvGrpSpPr>
-      <p:grpSpPr>
-        <a:xfrm>
-          <a:off x="0" y="0"/>
-          <a:ext cx="0" cy="0"/>
-          <a:chOff x="0" y="0"/>
-          <a:chExt cx="0" cy="0"/>
-        </a:xfrm>
-      </p:grpSpPr>
-      <p:sp>
-        <p:nvSpPr>
-          <p:cNvPr id="8" name="TextBox 7"/>
-          <p:cNvSpPr txBox="1"/>
-          <p:nvPr/>
-        </p:nvSpPr>
-        <p:spPr>
-          <a:xfrm>
-            <a:off x="1271768" y="1115051"/>
-            <a:ext cx="9196386" cy="553998"/>
-          </a:xfrm>
-          <a:prstGeom prst="rect">
-            <a:avLst/>
-          </a:prstGeom>
-          <a:noFill/>
-        </p:spPr>
-        <p:txBody>
-          <a:bodyPr wrap="square" rtlCol="0">
-            <a:spAutoFit/>
-          </a:bodyPr>
-          <a:lstStyle/>
-          <a:p>
-            <a:r>
-              <a:rPr lang="en-US" sz="3000" b="1" dirty="0">
-                <a:solidFill>
-                  <a:schemeClr val="accent1"/>
-                </a:solidFill>
-                <a:latin typeface="Cambria" panose="02040503050406030204" pitchFamily="18" charset="0"/>
-              </a:rPr>
               <a:t>LOGISTIC REGRESSION 3/4: AT CRUISING SPEED</a:t>
             </a:r>
           </a:p>
@@ -11126,7 +10860,7 @@
 </p:sld>
 </file>
 
-<file path=ppt/slides/slide32.xml><?xml version="1.0" encoding="utf-8"?>
+<file path=ppt/slides/slide31.xml><?xml version="1.0" encoding="utf-8"?>
 <p:sld xmlns:a="http://schemas.openxmlformats.org/drawingml/2006/main" xmlns:r="http://schemas.openxmlformats.org/officeDocument/2006/relationships" xmlns:p="http://schemas.openxmlformats.org/presentationml/2006/main">
   <p:cSld>
     <p:spTree>
@@ -11271,7 +11005,7 @@
 </p:sld>
 </file>
 
-<file path=ppt/slides/slide33.xml><?xml version="1.0" encoding="utf-8"?>
+<file path=ppt/slides/slide32.xml><?xml version="1.0" encoding="utf-8"?>
 <p:sld xmlns:a="http://schemas.openxmlformats.org/drawingml/2006/main" xmlns:r="http://schemas.openxmlformats.org/officeDocument/2006/relationships" xmlns:p="http://schemas.openxmlformats.org/presentationml/2006/main">
   <p:cSld>
     <p:spTree>
@@ -11471,7 +11205,7 @@
 </p:sld>
 </file>
 
-<file path=ppt/slides/slide34.xml><?xml version="1.0" encoding="utf-8"?>
+<file path=ppt/slides/slide33.xml><?xml version="1.0" encoding="utf-8"?>
 <p:sld xmlns:a="http://schemas.openxmlformats.org/drawingml/2006/main" xmlns:r="http://schemas.openxmlformats.org/officeDocument/2006/relationships" xmlns:p="http://schemas.openxmlformats.org/presentationml/2006/main">
   <p:cSld>
     <p:spTree>
@@ -11665,7 +11399,7 @@
 </p:sld>
 </file>
 
-<file path=ppt/slides/slide35.xml><?xml version="1.0" encoding="utf-8"?>
+<file path=ppt/slides/slide34.xml><?xml version="1.0" encoding="utf-8"?>
 <p:sld xmlns:a="http://schemas.openxmlformats.org/drawingml/2006/main" xmlns:r="http://schemas.openxmlformats.org/officeDocument/2006/relationships" xmlns:p="http://schemas.openxmlformats.org/presentationml/2006/main">
   <p:cSld>
     <p:spTree>
@@ -11859,7 +11593,7 @@
 </p:sld>
 </file>
 
-<file path=ppt/slides/slide36.xml><?xml version="1.0" encoding="utf-8"?>
+<file path=ppt/slides/slide35.xml><?xml version="1.0" encoding="utf-8"?>
 <p:sld xmlns:a="http://schemas.openxmlformats.org/drawingml/2006/main" xmlns:r="http://schemas.openxmlformats.org/officeDocument/2006/relationships" xmlns:p="http://schemas.openxmlformats.org/presentationml/2006/main">
   <p:cSld>
     <p:spTree>
@@ -11924,8 +11658,8 @@
         </p:nvSpPr>
         <p:spPr>
           <a:xfrm>
-            <a:off x="1275701" y="2033436"/>
-            <a:ext cx="9909364" cy="2308324"/>
+            <a:off x="5869961" y="2174149"/>
+            <a:ext cx="5720059" cy="3416320"/>
           </a:xfrm>
           <a:prstGeom prst="rect">
             <a:avLst/>
@@ -12007,7 +11741,7 @@
                 </a:solidFill>
                 <a:latin typeface="Cambria" panose="02040503050406030204" pitchFamily="18" charset="0"/>
               </a:rPr>
-              <a:t>BUT ON VERY SPECIFIC/NARROW TASKS</a:t>
+              <a:t>BUT ON VERY SPECIFIC/NARROW TASKS [FOR NOW]</a:t>
             </a:r>
             <a:br>
               <a:rPr lang="en-US" sz="2400" b="1" dirty="0">
@@ -12043,7 +11777,7 @@
         <p:spPr>
           <a:xfrm>
             <a:off x="1378101" y="1753299"/>
-            <a:ext cx="5632299" cy="0"/>
+            <a:ext cx="9541359" cy="0"/>
           </a:xfrm>
           <a:prstGeom prst="line">
             <a:avLst/>
@@ -12065,6 +11799,146 @@
           </a:fontRef>
         </p:style>
       </p:cxnSp>
+      <p:pic>
+        <p:nvPicPr>
+          <p:cNvPr id="3" name="Picture 2">
+            <a:extLst>
+              <a:ext uri="{FF2B5EF4-FFF2-40B4-BE49-F238E27FC236}">
+                <a16:creationId xmlns:a16="http://schemas.microsoft.com/office/drawing/2014/main" id="{612C4666-E3E4-AC4E-BEC5-F40350C63F0A}"/>
+              </a:ext>
+            </a:extLst>
+          </p:cNvPr>
+          <p:cNvPicPr>
+            <a:picLocks noChangeAspect="1"/>
+          </p:cNvPicPr>
+          <p:nvPr/>
+        </p:nvPicPr>
+        <p:blipFill>
+          <a:blip r:embed="rId3"/>
+          <a:stretch>
+            <a:fillRect/>
+          </a:stretch>
+        </p:blipFill>
+        <p:spPr>
+          <a:xfrm>
+            <a:off x="1378101" y="1998353"/>
+            <a:ext cx="4266490" cy="3645992"/>
+          </a:xfrm>
+          <a:prstGeom prst="rect">
+            <a:avLst/>
+          </a:prstGeom>
+        </p:spPr>
+      </p:pic>
+      <p:sp>
+        <p:nvSpPr>
+          <p:cNvPr id="7" name="Rectangle 6">
+            <a:extLst>
+              <a:ext uri="{FF2B5EF4-FFF2-40B4-BE49-F238E27FC236}">
+                <a16:creationId xmlns:a16="http://schemas.microsoft.com/office/drawing/2014/main" id="{35B1B9AD-5DEA-F94C-96D8-F33119DEFB3A}"/>
+              </a:ext>
+            </a:extLst>
+          </p:cNvPr>
+          <p:cNvSpPr/>
+          <p:nvPr/>
+        </p:nvSpPr>
+        <p:spPr>
+          <a:xfrm>
+            <a:off x="1271768" y="5704732"/>
+            <a:ext cx="3681905" cy="369332"/>
+          </a:xfrm>
+          <a:prstGeom prst="rect">
+            <a:avLst/>
+          </a:prstGeom>
+        </p:spPr>
+        <p:txBody>
+          <a:bodyPr wrap="none">
+            <a:spAutoFit/>
+          </a:bodyPr>
+          <a:lstStyle/>
+          <a:p>
+            <a:r>
+              <a:rPr lang="fr-FR" dirty="0">
+                <a:hlinkClick r:id="rId4"/>
+              </a:rPr>
+              <a:t>https://</a:t>
+            </a:r>
+            <a:r>
+              <a:rPr lang="fr-FR" dirty="0" err="1">
+                <a:hlinkClick r:id="rId4"/>
+              </a:rPr>
+              <a:t>arxiv.org</a:t>
+            </a:r>
+            <a:r>
+              <a:rPr lang="fr-FR" dirty="0">
+                <a:hlinkClick r:id="rId4"/>
+              </a:rPr>
+              <a:t>/</a:t>
+            </a:r>
+            <a:r>
+              <a:rPr lang="fr-FR" dirty="0" err="1">
+                <a:hlinkClick r:id="rId4"/>
+              </a:rPr>
+              <a:t>pdf</a:t>
+            </a:r>
+            <a:r>
+              <a:rPr lang="fr-FR" dirty="0">
+                <a:hlinkClick r:id="rId4"/>
+              </a:rPr>
+              <a:t>/1802.07228.pdf</a:t>
+            </a:r>
+            <a:endParaRPr lang="fr-FR" dirty="0"/>
+          </a:p>
+        </p:txBody>
+      </p:sp>
+      <p:sp>
+        <p:nvSpPr>
+          <p:cNvPr id="9" name="Rectangle 8">
+            <a:extLst>
+              <a:ext uri="{FF2B5EF4-FFF2-40B4-BE49-F238E27FC236}">
+                <a16:creationId xmlns:a16="http://schemas.microsoft.com/office/drawing/2014/main" id="{7F542431-C6B1-F741-8CFF-ED8041211A32}"/>
+              </a:ext>
+            </a:extLst>
+          </p:cNvPr>
+          <p:cNvSpPr/>
+          <p:nvPr/>
+        </p:nvSpPr>
+        <p:spPr>
+          <a:xfrm>
+            <a:off x="1271768" y="6005484"/>
+            <a:ext cx="2776337" cy="369332"/>
+          </a:xfrm>
+          <a:prstGeom prst="rect">
+            <a:avLst/>
+          </a:prstGeom>
+        </p:spPr>
+        <p:txBody>
+          <a:bodyPr wrap="none">
+            <a:spAutoFit/>
+          </a:bodyPr>
+          <a:lstStyle/>
+          <a:p>
+            <a:r>
+              <a:rPr lang="fr-FR" dirty="0">
+                <a:hlinkClick r:id="rId5"/>
+              </a:rPr>
+              <a:t>http://</a:t>
+            </a:r>
+            <a:r>
+              <a:rPr lang="fr-FR" dirty="0" err="1">
+                <a:hlinkClick r:id="rId5"/>
+              </a:rPr>
+              <a:t>www.image-net.org</a:t>
+            </a:r>
+            <a:r>
+              <a:rPr lang="fr-FR" dirty="0">
+                <a:hlinkClick r:id="rId5"/>
+              </a:rPr>
+              <a:t>/</a:t>
+            </a:r>
+            <a:endParaRPr lang="fr-FR" dirty="0"/>
+          </a:p>
+        </p:txBody>
+      </p:sp>
     </p:spTree>
     <p:extLst>
       <p:ext uri="{BB962C8B-B14F-4D97-AF65-F5344CB8AC3E}">
